--- a/정보처리기사/2. 소프트웨어 개발.pptx
+++ b/정보처리기사/2. 소프트웨어 개발.pptx
@@ -5,10 +5,10 @@
     <p:sldMasterId id="2147483648" r:id="rId1"/>
   </p:sldMasterIdLst>
   <p:notesMasterIdLst>
-    <p:notesMasterId r:id="rId16"/>
+    <p:notesMasterId r:id="rId26"/>
   </p:notesMasterIdLst>
   <p:handoutMasterIdLst>
-    <p:handoutMasterId r:id="rId17"/>
+    <p:handoutMasterId r:id="rId27"/>
   </p:handoutMasterIdLst>
   <p:sldIdLst>
     <p:sldId id="259" r:id="rId2"/>
@@ -25,6 +25,16 @@
     <p:sldId id="273" r:id="rId13"/>
     <p:sldId id="274" r:id="rId14"/>
     <p:sldId id="275" r:id="rId15"/>
+    <p:sldId id="276" r:id="rId16"/>
+    <p:sldId id="277" r:id="rId17"/>
+    <p:sldId id="278" r:id="rId18"/>
+    <p:sldId id="279" r:id="rId19"/>
+    <p:sldId id="280" r:id="rId20"/>
+    <p:sldId id="281" r:id="rId21"/>
+    <p:sldId id="282" r:id="rId22"/>
+    <p:sldId id="283" r:id="rId23"/>
+    <p:sldId id="284" r:id="rId24"/>
+    <p:sldId id="285" r:id="rId25"/>
   </p:sldIdLst>
   <p:sldSz cx="12192000" cy="6858000"/>
   <p:notesSz cx="9144000" cy="6858000"/>
@@ -164,6 +174,36 @@
             <p14:sldId id="275"/>
           </p14:sldIdLst>
         </p14:section>
+        <p14:section name="통합 구현 - 모듈 구현" id="{19A610F4-471B-4ED3-9781-A9935070000A}">
+          <p14:sldIdLst>
+            <p14:sldId id="276"/>
+            <p14:sldId id="277"/>
+          </p14:sldIdLst>
+        </p14:section>
+        <p14:section name="통합 구현 - 통합 구현 관리" id="{D8EB8D06-D357-4E21-96C3-875FBF4315BE}">
+          <p14:sldIdLst>
+            <p14:sldId id="278"/>
+            <p14:sldId id="279"/>
+            <p14:sldId id="280"/>
+          </p14:sldIdLst>
+        </p14:section>
+        <p14:section name="제품 SW 패키징 - 애플리케이션 패키징" id="{9D1A54B8-5B74-41CB-A6AE-79E7BC9F9ECF}">
+          <p14:sldIdLst>
+            <p14:sldId id="281"/>
+          </p14:sldIdLst>
+        </p14:section>
+        <p14:section name="제품 SW 패키징 - 제품 SW 매뉴얼 작성" id="{B384BCF9-4961-4DA4-BF9F-DD6FBAE4C6F7}">
+          <p14:sldIdLst>
+            <p14:sldId id="282"/>
+            <p14:sldId id="283"/>
+          </p14:sldIdLst>
+        </p14:section>
+        <p14:section name="제품 SW 패키징 - 제품 SW 버전 관리" id="{7B5F8C06-461A-4615-A1C3-3E7C694845D0}">
+          <p14:sldIdLst>
+            <p14:sldId id="284"/>
+            <p14:sldId id="285"/>
+          </p14:sldIdLst>
+        </p14:section>
       </p14:sectionLst>
     </p:ext>
     <p:ext uri="{EFAFB233-063F-42B5-8137-9DF3F51BA10A}">
@@ -270,7 +310,7 @@
           <a:p>
             <a:fld id="{A4D0E862-B602-4F19-9CCB-DBEF680D281A}" type="datetimeFigureOut">
               <a:rPr lang="ko-KR" altLang="en-US" smtClean="0"/>
-              <a:t>2021-07-30</a:t>
+              <a:t>2021-07-31</a:t>
             </a:fld>
             <a:endParaRPr lang="ko-KR" altLang="en-US"/>
           </a:p>
@@ -447,7 +487,7 @@
           <a:p>
             <a:fld id="{44272663-55A4-40A7-950D-2D273278BFB3}" type="datetimeFigureOut">
               <a:rPr lang="ko-KR" altLang="en-US" smtClean="0"/>
-              <a:t>2021-07-30</a:t>
+              <a:t>2021-07-31</a:t>
             </a:fld>
             <a:endParaRPr lang="ko-KR" altLang="en-US"/>
           </a:p>
@@ -1554,7 +1594,7 @@
           <a:p>
             <a:fld id="{B226B4E6-2447-4D67-A511-B13A2182F919}" type="datetime5">
               <a:rPr lang="ko-KR" altLang="en-US" smtClean="0"/>
-              <a:t>2021/7/30</a:t>
+              <a:t>2021/7/31</a:t>
             </a:fld>
             <a:endParaRPr lang="ko-KR" altLang="en-US" dirty="0"/>
           </a:p>
@@ -1925,7 +1965,7 @@
           <a:p>
             <a:fld id="{B226B4E6-2447-4D67-A511-B13A2182F919}" type="datetime5">
               <a:rPr lang="ko-KR" altLang="en-US" smtClean="0"/>
-              <a:t>2021/7/30</a:t>
+              <a:t>2021/7/31</a:t>
             </a:fld>
             <a:endParaRPr lang="ko-KR" altLang="en-US" dirty="0"/>
           </a:p>
@@ -2219,7 +2259,7 @@
           <a:p>
             <a:fld id="{B226B4E6-2447-4D67-A511-B13A2182F919}" type="datetime5">
               <a:rPr lang="ko-KR" altLang="en-US" smtClean="0"/>
-              <a:t>2021/7/30</a:t>
+              <a:t>2021/7/31</a:t>
             </a:fld>
             <a:endParaRPr lang="ko-KR" altLang="en-US" dirty="0"/>
           </a:p>
@@ -2521,7 +2561,7 @@
           <a:p>
             <a:fld id="{B226B4E6-2447-4D67-A511-B13A2182F919}" type="datetime5">
               <a:rPr lang="ko-KR" altLang="en-US" smtClean="0"/>
-              <a:t>2021/7/30</a:t>
+              <a:t>2021/7/31</a:t>
             </a:fld>
             <a:endParaRPr lang="ko-KR" altLang="en-US" dirty="0"/>
           </a:p>
@@ -3648,7 +3688,7 @@
           <a:p>
             <a:fld id="{B226B4E6-2447-4D67-A511-B13A2182F919}" type="datetime5">
               <a:rPr lang="ko-KR" altLang="en-US" smtClean="0"/>
-              <a:t>2021/7/30</a:t>
+              <a:t>2021/7/31</a:t>
             </a:fld>
             <a:endParaRPr lang="ko-KR" altLang="en-US" dirty="0"/>
           </a:p>
@@ -3975,7 +4015,7 @@
           <a:p>
             <a:fld id="{B226B4E6-2447-4D67-A511-B13A2182F919}" type="datetime5">
               <a:rPr lang="ko-KR" altLang="en-US" smtClean="0"/>
-              <a:t>2021/7/30</a:t>
+              <a:t>2021/7/31</a:t>
             </a:fld>
             <a:endParaRPr lang="ko-KR" altLang="en-US" dirty="0"/>
           </a:p>
@@ -4315,7 +4355,7 @@
           <a:p>
             <a:fld id="{B226B4E6-2447-4D67-A511-B13A2182F919}" type="datetime5">
               <a:rPr lang="ko-KR" altLang="en-US" smtClean="0"/>
-              <a:t>2021/7/30</a:t>
+              <a:t>2021/7/31</a:t>
             </a:fld>
             <a:endParaRPr lang="ko-KR" altLang="en-US" dirty="0"/>
           </a:p>
@@ -4719,7 +4759,7 @@
           <a:p>
             <a:fld id="{B226B4E6-2447-4D67-A511-B13A2182F919}" type="datetime5">
               <a:rPr lang="ko-KR" altLang="en-US" smtClean="0"/>
-              <a:t>2021/7/30</a:t>
+              <a:t>2021/7/31</a:t>
             </a:fld>
             <a:endParaRPr lang="ko-KR" altLang="en-US" dirty="0"/>
           </a:p>
@@ -4983,7 +5023,7 @@
           <a:p>
             <a:fld id="{B226B4E6-2447-4D67-A511-B13A2182F919}" type="datetime5">
               <a:rPr lang="ko-KR" altLang="en-US" smtClean="0"/>
-              <a:t>2021/7/30</a:t>
+              <a:t>2021/7/31</a:t>
             </a:fld>
             <a:endParaRPr lang="ko-KR" altLang="en-US" dirty="0"/>
           </a:p>
@@ -4993,6 +5033,1677 @@
     <p:extLst>
       <p:ext uri="{BB962C8B-B14F-4D97-AF65-F5344CB8AC3E}">
         <p14:creationId xmlns:p14="http://schemas.microsoft.com/office/powerpoint/2010/main" val="1382126670"/>
+      </p:ext>
+    </p:extLst>
+  </p:cSld>
+  <p:clrMapOvr>
+    <a:masterClrMapping/>
+  </p:clrMapOvr>
+</p:sld>
+</file>
+
+<file path=ppt/slides/slide15.xml><?xml version="1.0" encoding="utf-8"?>
+<p:sld xmlns:a="http://schemas.openxmlformats.org/drawingml/2006/main" xmlns:r="http://schemas.openxmlformats.org/officeDocument/2006/relationships" xmlns:p="http://schemas.openxmlformats.org/presentationml/2006/main">
+  <p:cSld>
+    <p:spTree>
+      <p:nvGrpSpPr>
+        <p:cNvPr id="1" name=""/>
+        <p:cNvGrpSpPr/>
+        <p:nvPr/>
+      </p:nvGrpSpPr>
+      <p:grpSpPr>
+        <a:xfrm>
+          <a:off x="0" y="0"/>
+          <a:ext cx="0" cy="0"/>
+          <a:chOff x="0" y="0"/>
+          <a:chExt cx="0" cy="0"/>
+        </a:xfrm>
+      </p:grpSpPr>
+      <p:sp>
+        <p:nvSpPr>
+          <p:cNvPr id="2" name="내용 개체 틀 1">
+            <a:extLst>
+              <a:ext uri="{FF2B5EF4-FFF2-40B4-BE49-F238E27FC236}">
+                <a16:creationId xmlns:a16="http://schemas.microsoft.com/office/drawing/2014/main" id="{231323A0-9878-4A01-B153-45ED49463CDD}"/>
+              </a:ext>
+            </a:extLst>
+          </p:cNvPr>
+          <p:cNvSpPr>
+            <a:spLocks noGrp="1"/>
+          </p:cNvSpPr>
+          <p:nvPr>
+            <p:ph sz="half" idx="14"/>
+          </p:nvPr>
+        </p:nvSpPr>
+        <p:spPr/>
+        <p:txBody>
+          <a:bodyPr/>
+          <a:lstStyle/>
+          <a:p>
+            <a:r>
+              <a:rPr lang="ko-KR" altLang="en-US" dirty="0"/>
+              <a:t>단위 모듈 구현</a:t>
+            </a:r>
+            <a:endParaRPr lang="en-US" altLang="ko-KR" dirty="0"/>
+          </a:p>
+          <a:p>
+            <a:pPr lvl="1"/>
+            <a:r>
+              <a:rPr lang="ko-KR" altLang="en-US" dirty="0"/>
+              <a:t>정의</a:t>
+            </a:r>
+            <a:r>
+              <a:rPr lang="en-US" altLang="ko-KR" dirty="0"/>
+              <a:t>: SW </a:t>
+            </a:r>
+            <a:r>
+              <a:rPr lang="ko-KR" altLang="en-US" dirty="0"/>
+              <a:t>개발 시 기능을 모듈별로 나눠 성능 향상</a:t>
+            </a:r>
+            <a:endParaRPr lang="en-US" altLang="ko-KR" dirty="0"/>
+          </a:p>
+          <a:p>
+            <a:pPr lvl="1"/>
+            <a:r>
+              <a:rPr lang="ko-KR" altLang="en-US" dirty="0"/>
+              <a:t>구현 원리 </a:t>
+            </a:r>
+            <a:endParaRPr lang="en-US" altLang="ko-KR" dirty="0"/>
+          </a:p>
+          <a:p>
+            <a:pPr lvl="2"/>
+            <a:r>
+              <a:rPr lang="ko-KR" altLang="en-US" dirty="0"/>
+              <a:t>정보 은닉 </a:t>
+            </a:r>
+            <a:r>
+              <a:rPr lang="en-US" altLang="ko-KR" dirty="0"/>
+              <a:t>(Information Hiding) (</a:t>
+            </a:r>
+            <a:r>
+              <a:rPr lang="ko-KR" altLang="en-US" dirty="0">
+                <a:hlinkClick r:id="rId2"/>
+              </a:rPr>
+              <a:t>참고</a:t>
+            </a:r>
+            <a:r>
+              <a:rPr lang="en-US" altLang="ko-KR" dirty="0"/>
+              <a:t>)</a:t>
+            </a:r>
+          </a:p>
+          <a:p>
+            <a:pPr lvl="3"/>
+            <a:r>
+              <a:rPr lang="ko-KR" altLang="en-US" dirty="0"/>
+              <a:t>객체의 구체적 정보를 은폐</a:t>
+            </a:r>
+            <a:endParaRPr lang="en-US" altLang="ko-KR" dirty="0"/>
+          </a:p>
+          <a:p>
+            <a:pPr lvl="4"/>
+            <a:r>
+              <a:rPr lang="ko-KR" altLang="en-US" dirty="0"/>
+              <a:t>구체적 타입 은폐 </a:t>
+            </a:r>
+            <a:r>
+              <a:rPr lang="en-US" altLang="ko-KR" dirty="0"/>
+              <a:t>(</a:t>
+            </a:r>
+            <a:r>
+              <a:rPr lang="ko-KR" altLang="en-US" dirty="0"/>
+              <a:t>다형성</a:t>
+            </a:r>
+            <a:r>
+              <a:rPr lang="en-US" altLang="ko-KR" dirty="0"/>
+              <a:t>)</a:t>
+            </a:r>
+          </a:p>
+          <a:p>
+            <a:pPr lvl="4"/>
+            <a:r>
+              <a:rPr lang="ko-KR" altLang="en-US" dirty="0"/>
+              <a:t>속성과 메소드 은폐 </a:t>
+            </a:r>
+            <a:r>
+              <a:rPr lang="en-US" altLang="ko-KR" dirty="0"/>
+              <a:t>(</a:t>
+            </a:r>
+            <a:r>
+              <a:rPr lang="ko-KR" altLang="en-US" dirty="0"/>
+              <a:t>캡슐화</a:t>
+            </a:r>
+            <a:r>
+              <a:rPr lang="en-US" altLang="ko-KR" dirty="0"/>
+              <a:t>)</a:t>
+            </a:r>
+          </a:p>
+          <a:p>
+            <a:pPr lvl="4"/>
+            <a:r>
+              <a:rPr lang="ko-KR" altLang="en-US" dirty="0"/>
+              <a:t>구현 은닉 </a:t>
+            </a:r>
+            <a:r>
+              <a:rPr lang="en-US" altLang="ko-KR" dirty="0"/>
+              <a:t>(</a:t>
+            </a:r>
+            <a:r>
+              <a:rPr lang="ko-KR" altLang="en-US" dirty="0"/>
+              <a:t>인터페이스 </a:t>
+            </a:r>
+            <a:r>
+              <a:rPr lang="en-US" altLang="ko-KR" dirty="0"/>
+              <a:t>Realization)</a:t>
+            </a:r>
+          </a:p>
+          <a:p>
+            <a:pPr lvl="2"/>
+            <a:r>
+              <a:rPr lang="ko-KR" altLang="en-US" dirty="0"/>
+              <a:t>분할과 정복 </a:t>
+            </a:r>
+            <a:r>
+              <a:rPr lang="en-US" altLang="ko-KR" dirty="0"/>
+              <a:t>(Divide &amp; Conquer)</a:t>
+            </a:r>
+          </a:p>
+          <a:p>
+            <a:pPr lvl="3"/>
+            <a:r>
+              <a:rPr lang="ko-KR" altLang="en-US" dirty="0"/>
+              <a:t>복잡한 문제를 나누어 해결</a:t>
+            </a:r>
+            <a:endParaRPr lang="en-US" altLang="ko-KR" dirty="0"/>
+          </a:p>
+          <a:p>
+            <a:pPr lvl="2"/>
+            <a:r>
+              <a:rPr lang="ko-KR" altLang="en-US" dirty="0"/>
+              <a:t>데이터 추상화 </a:t>
+            </a:r>
+            <a:r>
+              <a:rPr lang="en-US" altLang="ko-KR" dirty="0"/>
+              <a:t>(Data Abstraction)</a:t>
+            </a:r>
+          </a:p>
+          <a:p>
+            <a:pPr lvl="3"/>
+            <a:r>
+              <a:rPr lang="ko-KR" altLang="en-US" dirty="0"/>
+              <a:t>자료 접근 함수에 표현 방법을 은폐</a:t>
+            </a:r>
+            <a:endParaRPr lang="en-US" altLang="ko-KR" dirty="0"/>
+          </a:p>
+          <a:p>
+            <a:pPr lvl="2"/>
+            <a:r>
+              <a:rPr lang="ko-KR" altLang="en-US" dirty="0"/>
+              <a:t>모듈 독립성 </a:t>
+            </a:r>
+            <a:r>
+              <a:rPr lang="en-US" altLang="ko-KR" dirty="0"/>
+              <a:t>(Module Independency)</a:t>
+            </a:r>
+          </a:p>
+          <a:p>
+            <a:pPr lvl="3"/>
+            <a:r>
+              <a:rPr lang="ko-KR" altLang="en-US" dirty="0"/>
+              <a:t>낮은 결합도와 높은 응집도</a:t>
+            </a:r>
+          </a:p>
+        </p:txBody>
+      </p:sp>
+      <p:sp>
+        <p:nvSpPr>
+          <p:cNvPr id="3" name="제목 2">
+            <a:extLst>
+              <a:ext uri="{FF2B5EF4-FFF2-40B4-BE49-F238E27FC236}">
+                <a16:creationId xmlns:a16="http://schemas.microsoft.com/office/drawing/2014/main" id="{D01014B4-1A51-4CE2-BF29-A0455FEF02A1}"/>
+              </a:ext>
+            </a:extLst>
+          </p:cNvPr>
+          <p:cNvSpPr>
+            <a:spLocks noGrp="1"/>
+          </p:cNvSpPr>
+          <p:nvPr>
+            <p:ph type="title"/>
+          </p:nvPr>
+        </p:nvSpPr>
+        <p:spPr/>
+        <p:txBody>
+          <a:bodyPr/>
+          <a:lstStyle/>
+          <a:p>
+            <a:r>
+              <a:rPr lang="ko-KR" altLang="en-US" dirty="0"/>
+              <a:t>단위 모듈 구현</a:t>
+            </a:r>
+          </a:p>
+        </p:txBody>
+      </p:sp>
+      <p:sp>
+        <p:nvSpPr>
+          <p:cNvPr id="4" name="내용 개체 틀 3">
+            <a:extLst>
+              <a:ext uri="{FF2B5EF4-FFF2-40B4-BE49-F238E27FC236}">
+                <a16:creationId xmlns:a16="http://schemas.microsoft.com/office/drawing/2014/main" id="{6F195A0A-E8B7-4A76-B3A8-D59A57A36EE0}"/>
+              </a:ext>
+            </a:extLst>
+          </p:cNvPr>
+          <p:cNvSpPr>
+            <a:spLocks noGrp="1"/>
+          </p:cNvSpPr>
+          <p:nvPr>
+            <p:ph sz="half" idx="2"/>
+          </p:nvPr>
+        </p:nvSpPr>
+        <p:spPr/>
+        <p:txBody>
+          <a:bodyPr/>
+          <a:lstStyle/>
+          <a:p>
+            <a:endParaRPr lang="en-US" altLang="ko-KR" dirty="0"/>
+          </a:p>
+          <a:p>
+            <a:pPr lvl="1"/>
+            <a:r>
+              <a:rPr lang="ko-KR" altLang="en-US" dirty="0"/>
+              <a:t>재사용 기법</a:t>
+            </a:r>
+            <a:endParaRPr lang="en-US" altLang="ko-KR" dirty="0"/>
+          </a:p>
+          <a:p>
+            <a:pPr lvl="2"/>
+            <a:r>
+              <a:rPr lang="ko-KR" altLang="en-US" dirty="0"/>
+              <a:t>정의</a:t>
+            </a:r>
+            <a:r>
+              <a:rPr lang="en-US" altLang="ko-KR" dirty="0"/>
+              <a:t>: </a:t>
+            </a:r>
+            <a:r>
+              <a:rPr lang="ko-KR" altLang="en-US" dirty="0"/>
+              <a:t>이미 개발된 </a:t>
+            </a:r>
+            <a:r>
+              <a:rPr lang="en-US" altLang="ko-KR" dirty="0"/>
+              <a:t>SW</a:t>
+            </a:r>
+            <a:r>
+              <a:rPr lang="ko-KR" altLang="en-US" dirty="0"/>
+              <a:t>의 일부를 재사용하는 방법</a:t>
+            </a:r>
+            <a:endParaRPr lang="en-US" altLang="ko-KR" dirty="0"/>
+          </a:p>
+          <a:p>
+            <a:pPr lvl="2"/>
+            <a:r>
+              <a:rPr lang="ko-KR" altLang="en-US" dirty="0"/>
+              <a:t>종류</a:t>
+            </a:r>
+            <a:endParaRPr lang="en-US" altLang="ko-KR" dirty="0"/>
+          </a:p>
+          <a:p>
+            <a:pPr lvl="3"/>
+            <a:r>
+              <a:rPr lang="ko-KR" altLang="en-US" dirty="0"/>
+              <a:t>재공학</a:t>
+            </a:r>
+            <a:r>
+              <a:rPr lang="en-US" altLang="ko-KR" dirty="0"/>
+              <a:t>: </a:t>
+            </a:r>
+            <a:r>
+              <a:rPr lang="ko-KR" altLang="en-US" dirty="0"/>
+              <a:t>기존</a:t>
+            </a:r>
+            <a:r>
+              <a:rPr lang="en-US" altLang="ko-KR" dirty="0"/>
+              <a:t> SW</a:t>
+            </a:r>
+            <a:r>
+              <a:rPr lang="ko-KR" altLang="en-US" dirty="0"/>
+              <a:t>를 재활용</a:t>
+            </a:r>
+            <a:endParaRPr lang="en-US" altLang="ko-KR" dirty="0"/>
+          </a:p>
+          <a:p>
+            <a:pPr lvl="3"/>
+            <a:r>
+              <a:rPr lang="ko-KR" altLang="en-US" dirty="0"/>
+              <a:t>역공학</a:t>
+            </a:r>
+            <a:r>
+              <a:rPr lang="en-US" altLang="ko-KR" dirty="0"/>
+              <a:t>: </a:t>
+            </a:r>
+            <a:r>
+              <a:rPr lang="ko-KR" altLang="en-US" dirty="0"/>
+              <a:t>기존 </a:t>
+            </a:r>
+            <a:r>
+              <a:rPr lang="en-US" altLang="ko-KR" dirty="0"/>
+              <a:t>SW</a:t>
+            </a:r>
+            <a:r>
+              <a:rPr lang="ko-KR" altLang="en-US" dirty="0"/>
+              <a:t>를 분석한 산출물을 사용해 개발</a:t>
+            </a:r>
+            <a:endParaRPr lang="en-US" altLang="ko-KR" dirty="0"/>
+          </a:p>
+          <a:p>
+            <a:pPr lvl="4"/>
+            <a:r>
+              <a:rPr lang="en-US" altLang="ko-KR" dirty="0"/>
+              <a:t>Reverse Engineering</a:t>
+            </a:r>
+          </a:p>
+          <a:p>
+            <a:pPr lvl="3"/>
+            <a:r>
+              <a:rPr lang="ko-KR" altLang="en-US" dirty="0"/>
+              <a:t>재개발</a:t>
+            </a:r>
+            <a:r>
+              <a:rPr lang="en-US" altLang="ko-KR" dirty="0"/>
+              <a:t>: </a:t>
+            </a:r>
+            <a:r>
+              <a:rPr lang="ko-KR" altLang="en-US" dirty="0"/>
+              <a:t>기존 </a:t>
+            </a:r>
+            <a:r>
+              <a:rPr lang="en-US" altLang="ko-KR" dirty="0"/>
+              <a:t>SW</a:t>
+            </a:r>
+            <a:r>
+              <a:rPr lang="ko-KR" altLang="en-US" dirty="0"/>
+              <a:t>를 참고해 완전 재개발</a:t>
+            </a:r>
+            <a:endParaRPr lang="en-US" altLang="ko-KR" dirty="0"/>
+          </a:p>
+        </p:txBody>
+      </p:sp>
+      <p:sp>
+        <p:nvSpPr>
+          <p:cNvPr id="5" name="슬라이드 번호 개체 틀 4">
+            <a:extLst>
+              <a:ext uri="{FF2B5EF4-FFF2-40B4-BE49-F238E27FC236}">
+                <a16:creationId xmlns:a16="http://schemas.microsoft.com/office/drawing/2014/main" id="{35E117F4-4060-4B6C-8064-4DE2D052D266}"/>
+              </a:ext>
+            </a:extLst>
+          </p:cNvPr>
+          <p:cNvSpPr>
+            <a:spLocks noGrp="1"/>
+          </p:cNvSpPr>
+          <p:nvPr>
+            <p:ph type="sldNum" sz="quarter" idx="12"/>
+          </p:nvPr>
+        </p:nvSpPr>
+        <p:spPr/>
+        <p:txBody>
+          <a:bodyPr/>
+          <a:lstStyle/>
+          <a:p>
+            <a:fld id="{89BED30C-66D9-4104-96BC-081A506F0CF0}" type="slidenum">
+              <a:rPr lang="ko-KR" altLang="en-US" smtClean="0"/>
+              <a:t>15</a:t>
+            </a:fld>
+            <a:endParaRPr lang="ko-KR" altLang="en-US"/>
+          </a:p>
+        </p:txBody>
+      </p:sp>
+      <p:sp>
+        <p:nvSpPr>
+          <p:cNvPr id="6" name="바닥글 개체 틀 5">
+            <a:extLst>
+              <a:ext uri="{FF2B5EF4-FFF2-40B4-BE49-F238E27FC236}">
+                <a16:creationId xmlns:a16="http://schemas.microsoft.com/office/drawing/2014/main" id="{A9DB6212-83A2-4511-9FE2-9A44497EAE6D}"/>
+              </a:ext>
+            </a:extLst>
+          </p:cNvPr>
+          <p:cNvSpPr>
+            <a:spLocks noGrp="1"/>
+          </p:cNvSpPr>
+          <p:nvPr>
+            <p:ph type="ftr" sz="quarter" idx="3"/>
+          </p:nvPr>
+        </p:nvSpPr>
+        <p:spPr/>
+        <p:txBody>
+          <a:bodyPr/>
+          <a:lstStyle/>
+          <a:p>
+            <a:pPr algn="l"/>
+            <a:r>
+              <a:rPr lang="en-US" altLang="ko-KR"/>
+              <a:t>Nibble</a:t>
+            </a:r>
+            <a:endParaRPr lang="ko-KR" altLang="en-US" dirty="0"/>
+          </a:p>
+        </p:txBody>
+      </p:sp>
+      <p:sp>
+        <p:nvSpPr>
+          <p:cNvPr id="7" name="날짜 개체 틀 6">
+            <a:extLst>
+              <a:ext uri="{FF2B5EF4-FFF2-40B4-BE49-F238E27FC236}">
+                <a16:creationId xmlns:a16="http://schemas.microsoft.com/office/drawing/2014/main" id="{427B9FD7-DA54-46E4-8CF2-78C658DB9FD8}"/>
+              </a:ext>
+            </a:extLst>
+          </p:cNvPr>
+          <p:cNvSpPr>
+            <a:spLocks noGrp="1"/>
+          </p:cNvSpPr>
+          <p:nvPr>
+            <p:ph type="dt" sz="half" idx="13"/>
+          </p:nvPr>
+        </p:nvSpPr>
+        <p:spPr/>
+        <p:txBody>
+          <a:bodyPr/>
+          <a:lstStyle/>
+          <a:p>
+            <a:fld id="{B226B4E6-2447-4D67-A511-B13A2182F919}" type="datetime5">
+              <a:rPr lang="ko-KR" altLang="en-US" smtClean="0"/>
+              <a:t>2021/7/31</a:t>
+            </a:fld>
+            <a:endParaRPr lang="ko-KR" altLang="en-US" dirty="0"/>
+          </a:p>
+        </p:txBody>
+      </p:sp>
+    </p:spTree>
+    <p:extLst>
+      <p:ext uri="{BB962C8B-B14F-4D97-AF65-F5344CB8AC3E}">
+        <p14:creationId xmlns:p14="http://schemas.microsoft.com/office/powerpoint/2010/main" val="510347063"/>
+      </p:ext>
+    </p:extLst>
+  </p:cSld>
+  <p:clrMapOvr>
+    <a:masterClrMapping/>
+  </p:clrMapOvr>
+</p:sld>
+</file>
+
+<file path=ppt/slides/slide16.xml><?xml version="1.0" encoding="utf-8"?>
+<p:sld xmlns:a="http://schemas.openxmlformats.org/drawingml/2006/main" xmlns:r="http://schemas.openxmlformats.org/officeDocument/2006/relationships" xmlns:p="http://schemas.openxmlformats.org/presentationml/2006/main">
+  <p:cSld>
+    <p:spTree>
+      <p:nvGrpSpPr>
+        <p:cNvPr id="1" name=""/>
+        <p:cNvGrpSpPr/>
+        <p:nvPr/>
+      </p:nvGrpSpPr>
+      <p:grpSpPr>
+        <a:xfrm>
+          <a:off x="0" y="0"/>
+          <a:ext cx="0" cy="0"/>
+          <a:chOff x="0" y="0"/>
+          <a:chExt cx="0" cy="0"/>
+        </a:xfrm>
+      </p:grpSpPr>
+      <p:sp>
+        <p:nvSpPr>
+          <p:cNvPr id="2" name="내용 개체 틀 1">
+            <a:extLst>
+              <a:ext uri="{FF2B5EF4-FFF2-40B4-BE49-F238E27FC236}">
+                <a16:creationId xmlns:a16="http://schemas.microsoft.com/office/drawing/2014/main" id="{3B904C54-BCF4-4572-9DFD-620A52CF5C97}"/>
+              </a:ext>
+            </a:extLst>
+          </p:cNvPr>
+          <p:cNvSpPr>
+            <a:spLocks noGrp="1"/>
+          </p:cNvSpPr>
+          <p:nvPr>
+            <p:ph sz="half" idx="14"/>
+          </p:nvPr>
+        </p:nvSpPr>
+        <p:spPr/>
+        <p:txBody>
+          <a:bodyPr/>
+          <a:lstStyle/>
+          <a:p>
+            <a:r>
+              <a:rPr lang="ko-KR" altLang="en-US" dirty="0"/>
+              <a:t>단위 모듈 테스트</a:t>
+            </a:r>
+            <a:endParaRPr lang="en-US" altLang="ko-KR" dirty="0"/>
+          </a:p>
+          <a:p>
+            <a:pPr lvl="1"/>
+            <a:r>
+              <a:rPr lang="ko-KR" altLang="en-US" dirty="0"/>
+              <a:t>정의</a:t>
+            </a:r>
+            <a:r>
+              <a:rPr lang="en-US" altLang="ko-KR" dirty="0"/>
+              <a:t>: </a:t>
+            </a:r>
+            <a:r>
+              <a:rPr lang="ko-KR" altLang="en-US" dirty="0"/>
+              <a:t>각 모듈이 예상대로 작동하는지 확인</a:t>
+            </a:r>
+            <a:endParaRPr lang="en-US" altLang="ko-KR" dirty="0"/>
+          </a:p>
+          <a:p>
+            <a:pPr lvl="1"/>
+            <a:r>
+              <a:rPr lang="ko-KR" altLang="en-US" dirty="0"/>
+              <a:t>종류</a:t>
+            </a:r>
+            <a:endParaRPr lang="en-US" altLang="ko-KR" dirty="0"/>
+          </a:p>
+          <a:p>
+            <a:pPr lvl="2"/>
+            <a:r>
+              <a:rPr lang="ko-KR" altLang="en-US" dirty="0"/>
+              <a:t>블랙박스 테스트</a:t>
+            </a:r>
+            <a:endParaRPr lang="en-US" altLang="ko-KR" dirty="0"/>
+          </a:p>
+          <a:p>
+            <a:pPr lvl="3"/>
+            <a:r>
+              <a:rPr lang="ko-KR" altLang="en-US" dirty="0"/>
+              <a:t>요구사항의 내용을 만족하는지 확인</a:t>
+            </a:r>
+            <a:endParaRPr lang="en-US" altLang="ko-KR" dirty="0"/>
+          </a:p>
+          <a:p>
+            <a:pPr lvl="2"/>
+            <a:r>
+              <a:rPr lang="ko-KR" altLang="en-US" dirty="0"/>
+              <a:t>화이트박스 테스트</a:t>
+            </a:r>
+            <a:endParaRPr lang="en-US" altLang="ko-KR" dirty="0"/>
+          </a:p>
+          <a:p>
+            <a:pPr lvl="3"/>
+            <a:r>
+              <a:rPr lang="ko-KR" altLang="en-US" dirty="0"/>
+              <a:t>내부 코드를 보며 테스트 케이스를 만들어 확인</a:t>
+            </a:r>
+            <a:r>
+              <a:rPr lang="en-US" altLang="ko-KR" dirty="0"/>
+              <a:t> </a:t>
+            </a:r>
+          </a:p>
+          <a:p>
+            <a:pPr lvl="2"/>
+            <a:r>
+              <a:rPr lang="ko-KR" altLang="en-US" dirty="0"/>
+              <a:t>메서드 기반 테스트</a:t>
+            </a:r>
+            <a:endParaRPr lang="en-US" altLang="ko-KR" dirty="0"/>
+          </a:p>
+          <a:p>
+            <a:pPr lvl="3"/>
+            <a:r>
+              <a:rPr lang="ko-KR" altLang="en-US" dirty="0"/>
+              <a:t>메서드에 여러 값을 호출하며 테스트 진행</a:t>
+            </a:r>
+            <a:endParaRPr lang="en-US" altLang="ko-KR" dirty="0"/>
+          </a:p>
+          <a:p>
+            <a:pPr lvl="2"/>
+            <a:r>
+              <a:rPr lang="ko-KR" altLang="en-US" dirty="0"/>
+              <a:t>화면 기반 테스트</a:t>
+            </a:r>
+            <a:endParaRPr lang="en-US" altLang="ko-KR" dirty="0"/>
+          </a:p>
+          <a:p>
+            <a:pPr lvl="3"/>
+            <a:r>
+              <a:rPr lang="ko-KR" altLang="en-US" dirty="0"/>
+              <a:t>화면단위로 모듈 개발 후</a:t>
+            </a:r>
+            <a:r>
+              <a:rPr lang="en-US" altLang="ko-KR" dirty="0"/>
+              <a:t>, </a:t>
+            </a:r>
+            <a:r>
+              <a:rPr lang="ko-KR" altLang="en-US" dirty="0"/>
+              <a:t>화면을 통해 진행</a:t>
+            </a:r>
+          </a:p>
+        </p:txBody>
+      </p:sp>
+      <p:sp>
+        <p:nvSpPr>
+          <p:cNvPr id="3" name="제목 2">
+            <a:extLst>
+              <a:ext uri="{FF2B5EF4-FFF2-40B4-BE49-F238E27FC236}">
+                <a16:creationId xmlns:a16="http://schemas.microsoft.com/office/drawing/2014/main" id="{10751AA2-55D1-42EF-BA8C-6D07EFC37850}"/>
+              </a:ext>
+            </a:extLst>
+          </p:cNvPr>
+          <p:cNvSpPr>
+            <a:spLocks noGrp="1"/>
+          </p:cNvSpPr>
+          <p:nvPr>
+            <p:ph type="title"/>
+          </p:nvPr>
+        </p:nvSpPr>
+        <p:spPr/>
+        <p:txBody>
+          <a:bodyPr/>
+          <a:lstStyle/>
+          <a:p>
+            <a:r>
+              <a:rPr lang="ko-KR" altLang="en-US" dirty="0"/>
+              <a:t>단위 모듈 테스트</a:t>
+            </a:r>
+          </a:p>
+        </p:txBody>
+      </p:sp>
+      <p:sp>
+        <p:nvSpPr>
+          <p:cNvPr id="4" name="내용 개체 틀 3">
+            <a:extLst>
+              <a:ext uri="{FF2B5EF4-FFF2-40B4-BE49-F238E27FC236}">
+                <a16:creationId xmlns:a16="http://schemas.microsoft.com/office/drawing/2014/main" id="{A4248346-85E5-4B7F-BE54-38E0840D66C8}"/>
+              </a:ext>
+            </a:extLst>
+          </p:cNvPr>
+          <p:cNvSpPr>
+            <a:spLocks noGrp="1"/>
+          </p:cNvSpPr>
+          <p:nvPr>
+            <p:ph sz="half" idx="2"/>
+          </p:nvPr>
+        </p:nvSpPr>
+        <p:spPr/>
+        <p:txBody>
+          <a:bodyPr/>
+          <a:lstStyle/>
+          <a:p>
+            <a:endParaRPr lang="ko-KR" altLang="en-US"/>
+          </a:p>
+        </p:txBody>
+      </p:sp>
+      <p:sp>
+        <p:nvSpPr>
+          <p:cNvPr id="5" name="슬라이드 번호 개체 틀 4">
+            <a:extLst>
+              <a:ext uri="{FF2B5EF4-FFF2-40B4-BE49-F238E27FC236}">
+                <a16:creationId xmlns:a16="http://schemas.microsoft.com/office/drawing/2014/main" id="{2C57F0B0-EAAC-41E1-9F13-3682CEA0C022}"/>
+              </a:ext>
+            </a:extLst>
+          </p:cNvPr>
+          <p:cNvSpPr>
+            <a:spLocks noGrp="1"/>
+          </p:cNvSpPr>
+          <p:nvPr>
+            <p:ph type="sldNum" sz="quarter" idx="12"/>
+          </p:nvPr>
+        </p:nvSpPr>
+        <p:spPr/>
+        <p:txBody>
+          <a:bodyPr/>
+          <a:lstStyle/>
+          <a:p>
+            <a:fld id="{89BED30C-66D9-4104-96BC-081A506F0CF0}" type="slidenum">
+              <a:rPr lang="ko-KR" altLang="en-US" smtClean="0"/>
+              <a:t>16</a:t>
+            </a:fld>
+            <a:endParaRPr lang="ko-KR" altLang="en-US"/>
+          </a:p>
+        </p:txBody>
+      </p:sp>
+      <p:sp>
+        <p:nvSpPr>
+          <p:cNvPr id="6" name="바닥글 개체 틀 5">
+            <a:extLst>
+              <a:ext uri="{FF2B5EF4-FFF2-40B4-BE49-F238E27FC236}">
+                <a16:creationId xmlns:a16="http://schemas.microsoft.com/office/drawing/2014/main" id="{AF325BC8-217F-491C-B020-E8E91911644D}"/>
+              </a:ext>
+            </a:extLst>
+          </p:cNvPr>
+          <p:cNvSpPr>
+            <a:spLocks noGrp="1"/>
+          </p:cNvSpPr>
+          <p:nvPr>
+            <p:ph type="ftr" sz="quarter" idx="3"/>
+          </p:nvPr>
+        </p:nvSpPr>
+        <p:spPr/>
+        <p:txBody>
+          <a:bodyPr/>
+          <a:lstStyle/>
+          <a:p>
+            <a:pPr algn="l"/>
+            <a:r>
+              <a:rPr lang="en-US" altLang="ko-KR"/>
+              <a:t>Nibble</a:t>
+            </a:r>
+            <a:endParaRPr lang="ko-KR" altLang="en-US" dirty="0"/>
+          </a:p>
+        </p:txBody>
+      </p:sp>
+      <p:sp>
+        <p:nvSpPr>
+          <p:cNvPr id="7" name="날짜 개체 틀 6">
+            <a:extLst>
+              <a:ext uri="{FF2B5EF4-FFF2-40B4-BE49-F238E27FC236}">
+                <a16:creationId xmlns:a16="http://schemas.microsoft.com/office/drawing/2014/main" id="{C555DB86-19E5-4124-A96A-A14C44B62E72}"/>
+              </a:ext>
+            </a:extLst>
+          </p:cNvPr>
+          <p:cNvSpPr>
+            <a:spLocks noGrp="1"/>
+          </p:cNvSpPr>
+          <p:nvPr>
+            <p:ph type="dt" sz="half" idx="13"/>
+          </p:nvPr>
+        </p:nvSpPr>
+        <p:spPr/>
+        <p:txBody>
+          <a:bodyPr/>
+          <a:lstStyle/>
+          <a:p>
+            <a:fld id="{B226B4E6-2447-4D67-A511-B13A2182F919}" type="datetime5">
+              <a:rPr lang="ko-KR" altLang="en-US" smtClean="0"/>
+              <a:t>2021/7/31</a:t>
+            </a:fld>
+            <a:endParaRPr lang="ko-KR" altLang="en-US" dirty="0"/>
+          </a:p>
+        </p:txBody>
+      </p:sp>
+    </p:spTree>
+    <p:extLst>
+      <p:ext uri="{BB962C8B-B14F-4D97-AF65-F5344CB8AC3E}">
+        <p14:creationId xmlns:p14="http://schemas.microsoft.com/office/powerpoint/2010/main" val="3759795419"/>
+      </p:ext>
+    </p:extLst>
+  </p:cSld>
+  <p:clrMapOvr>
+    <a:masterClrMapping/>
+  </p:clrMapOvr>
+</p:sld>
+</file>
+
+<file path=ppt/slides/slide17.xml><?xml version="1.0" encoding="utf-8"?>
+<p:sld xmlns:a="http://schemas.openxmlformats.org/drawingml/2006/main" xmlns:r="http://schemas.openxmlformats.org/officeDocument/2006/relationships" xmlns:p="http://schemas.openxmlformats.org/presentationml/2006/main">
+  <p:cSld>
+    <p:spTree>
+      <p:nvGrpSpPr>
+        <p:cNvPr id="1" name=""/>
+        <p:cNvGrpSpPr/>
+        <p:nvPr/>
+      </p:nvGrpSpPr>
+      <p:grpSpPr>
+        <a:xfrm>
+          <a:off x="0" y="0"/>
+          <a:ext cx="0" cy="0"/>
+          <a:chOff x="0" y="0"/>
+          <a:chExt cx="0" cy="0"/>
+        </a:xfrm>
+      </p:grpSpPr>
+      <p:sp>
+        <p:nvSpPr>
+          <p:cNvPr id="2" name="내용 개체 틀 1">
+            <a:extLst>
+              <a:ext uri="{FF2B5EF4-FFF2-40B4-BE49-F238E27FC236}">
+                <a16:creationId xmlns:a16="http://schemas.microsoft.com/office/drawing/2014/main" id="{2DF2E724-7A8D-4F3E-887C-48ED2C006F38}"/>
+              </a:ext>
+            </a:extLst>
+          </p:cNvPr>
+          <p:cNvSpPr>
+            <a:spLocks noGrp="1"/>
+          </p:cNvSpPr>
+          <p:nvPr>
+            <p:ph sz="half" idx="14"/>
+          </p:nvPr>
+        </p:nvSpPr>
+        <p:spPr/>
+        <p:txBody>
+          <a:bodyPr/>
+          <a:lstStyle/>
+          <a:p>
+            <a:r>
+              <a:rPr lang="en-US" altLang="ko-KR" dirty="0"/>
+              <a:t>IDE (Integrated Development Environment)</a:t>
+            </a:r>
+          </a:p>
+          <a:p>
+            <a:pPr lvl="1"/>
+            <a:r>
+              <a:rPr lang="ko-KR" altLang="en-US" dirty="0"/>
+              <a:t>정의</a:t>
+            </a:r>
+            <a:r>
+              <a:rPr lang="en-US" altLang="ko-KR" dirty="0"/>
+              <a:t>: SW</a:t>
+            </a:r>
+            <a:r>
+              <a:rPr lang="ko-KR" altLang="en-US" dirty="0"/>
+              <a:t> 개발과 관련된 모든 작업을 돕는 환경</a:t>
+            </a:r>
+            <a:endParaRPr lang="en-US" altLang="ko-KR" dirty="0"/>
+          </a:p>
+          <a:p>
+            <a:pPr lvl="1"/>
+            <a:r>
+              <a:rPr lang="ko-KR" altLang="en-US" dirty="0"/>
+              <a:t>기능</a:t>
+            </a:r>
+            <a:endParaRPr lang="en-US" altLang="ko-KR" dirty="0"/>
+          </a:p>
+          <a:p>
+            <a:pPr lvl="2"/>
+            <a:r>
+              <a:rPr lang="ko-KR" altLang="en-US" dirty="0"/>
+              <a:t>개발 환경 지원</a:t>
+            </a:r>
+            <a:endParaRPr lang="en-US" altLang="ko-KR" dirty="0"/>
+          </a:p>
+          <a:p>
+            <a:pPr lvl="2"/>
+            <a:r>
+              <a:rPr lang="ko-KR" altLang="en-US" dirty="0"/>
+              <a:t>컴파일</a:t>
+            </a:r>
+            <a:endParaRPr lang="en-US" altLang="ko-KR" dirty="0"/>
+          </a:p>
+          <a:p>
+            <a:pPr lvl="2"/>
+            <a:r>
+              <a:rPr lang="ko-KR" altLang="en-US" dirty="0"/>
+              <a:t>디버깅</a:t>
+            </a:r>
+            <a:endParaRPr lang="en-US" altLang="ko-KR" dirty="0"/>
+          </a:p>
+          <a:p>
+            <a:pPr lvl="2"/>
+            <a:r>
+              <a:rPr lang="ko-KR" altLang="en-US" dirty="0"/>
+              <a:t>외부 연계</a:t>
+            </a:r>
+            <a:endParaRPr lang="en-US" altLang="ko-KR" dirty="0"/>
+          </a:p>
+          <a:p>
+            <a:pPr lvl="2"/>
+            <a:r>
+              <a:rPr lang="en-US" altLang="ko-KR" dirty="0"/>
+              <a:t>DB </a:t>
+            </a:r>
+            <a:r>
+              <a:rPr lang="ko-KR" altLang="en-US" dirty="0"/>
+              <a:t>연동</a:t>
+            </a:r>
+            <a:endParaRPr lang="en-US" altLang="ko-KR" dirty="0"/>
+          </a:p>
+        </p:txBody>
+      </p:sp>
+      <p:sp>
+        <p:nvSpPr>
+          <p:cNvPr id="3" name="제목 2">
+            <a:extLst>
+              <a:ext uri="{FF2B5EF4-FFF2-40B4-BE49-F238E27FC236}">
+                <a16:creationId xmlns:a16="http://schemas.microsoft.com/office/drawing/2014/main" id="{0B495305-50BF-47C8-A8F6-E0930895827C}"/>
+              </a:ext>
+            </a:extLst>
+          </p:cNvPr>
+          <p:cNvSpPr>
+            <a:spLocks noGrp="1"/>
+          </p:cNvSpPr>
+          <p:nvPr>
+            <p:ph type="title"/>
+          </p:nvPr>
+        </p:nvSpPr>
+        <p:spPr/>
+        <p:txBody>
+          <a:bodyPr/>
+          <a:lstStyle/>
+          <a:p>
+            <a:r>
+              <a:rPr lang="en-US" altLang="ko-KR" dirty="0"/>
+              <a:t>IDE </a:t>
+            </a:r>
+            <a:r>
+              <a:rPr lang="ko-KR" altLang="en-US" dirty="0"/>
+              <a:t>도구</a:t>
+            </a:r>
+          </a:p>
+        </p:txBody>
+      </p:sp>
+      <p:sp>
+        <p:nvSpPr>
+          <p:cNvPr id="4" name="내용 개체 틀 3">
+            <a:extLst>
+              <a:ext uri="{FF2B5EF4-FFF2-40B4-BE49-F238E27FC236}">
+                <a16:creationId xmlns:a16="http://schemas.microsoft.com/office/drawing/2014/main" id="{AEC8109F-CCC4-41C1-8E9E-D598DC240220}"/>
+              </a:ext>
+            </a:extLst>
+          </p:cNvPr>
+          <p:cNvSpPr>
+            <a:spLocks noGrp="1"/>
+          </p:cNvSpPr>
+          <p:nvPr>
+            <p:ph sz="half" idx="2"/>
+          </p:nvPr>
+        </p:nvSpPr>
+        <p:spPr/>
+        <p:txBody>
+          <a:bodyPr/>
+          <a:lstStyle/>
+          <a:p>
+            <a:endParaRPr lang="ko-KR" altLang="en-US"/>
+          </a:p>
+        </p:txBody>
+      </p:sp>
+      <p:sp>
+        <p:nvSpPr>
+          <p:cNvPr id="5" name="슬라이드 번호 개체 틀 4">
+            <a:extLst>
+              <a:ext uri="{FF2B5EF4-FFF2-40B4-BE49-F238E27FC236}">
+                <a16:creationId xmlns:a16="http://schemas.microsoft.com/office/drawing/2014/main" id="{B3B3313D-2ABE-4C9B-BA6D-1A7900BA97A2}"/>
+              </a:ext>
+            </a:extLst>
+          </p:cNvPr>
+          <p:cNvSpPr>
+            <a:spLocks noGrp="1"/>
+          </p:cNvSpPr>
+          <p:nvPr>
+            <p:ph type="sldNum" sz="quarter" idx="12"/>
+          </p:nvPr>
+        </p:nvSpPr>
+        <p:spPr/>
+        <p:txBody>
+          <a:bodyPr/>
+          <a:lstStyle/>
+          <a:p>
+            <a:fld id="{89BED30C-66D9-4104-96BC-081A506F0CF0}" type="slidenum">
+              <a:rPr lang="ko-KR" altLang="en-US" smtClean="0"/>
+              <a:t>17</a:t>
+            </a:fld>
+            <a:endParaRPr lang="ko-KR" altLang="en-US"/>
+          </a:p>
+        </p:txBody>
+      </p:sp>
+      <p:sp>
+        <p:nvSpPr>
+          <p:cNvPr id="6" name="바닥글 개체 틀 5">
+            <a:extLst>
+              <a:ext uri="{FF2B5EF4-FFF2-40B4-BE49-F238E27FC236}">
+                <a16:creationId xmlns:a16="http://schemas.microsoft.com/office/drawing/2014/main" id="{3B44ED89-740E-4DC2-92A5-8D61452667E9}"/>
+              </a:ext>
+            </a:extLst>
+          </p:cNvPr>
+          <p:cNvSpPr>
+            <a:spLocks noGrp="1"/>
+          </p:cNvSpPr>
+          <p:nvPr>
+            <p:ph type="ftr" sz="quarter" idx="3"/>
+          </p:nvPr>
+        </p:nvSpPr>
+        <p:spPr/>
+        <p:txBody>
+          <a:bodyPr/>
+          <a:lstStyle/>
+          <a:p>
+            <a:pPr algn="l"/>
+            <a:r>
+              <a:rPr lang="en-US" altLang="ko-KR"/>
+              <a:t>Nibble</a:t>
+            </a:r>
+            <a:endParaRPr lang="ko-KR" altLang="en-US" dirty="0"/>
+          </a:p>
+        </p:txBody>
+      </p:sp>
+      <p:sp>
+        <p:nvSpPr>
+          <p:cNvPr id="7" name="날짜 개체 틀 6">
+            <a:extLst>
+              <a:ext uri="{FF2B5EF4-FFF2-40B4-BE49-F238E27FC236}">
+                <a16:creationId xmlns:a16="http://schemas.microsoft.com/office/drawing/2014/main" id="{DD4AEDCB-15F8-407B-96B3-056B25E67214}"/>
+              </a:ext>
+            </a:extLst>
+          </p:cNvPr>
+          <p:cNvSpPr>
+            <a:spLocks noGrp="1"/>
+          </p:cNvSpPr>
+          <p:nvPr>
+            <p:ph type="dt" sz="half" idx="13"/>
+          </p:nvPr>
+        </p:nvSpPr>
+        <p:spPr/>
+        <p:txBody>
+          <a:bodyPr/>
+          <a:lstStyle/>
+          <a:p>
+            <a:fld id="{B226B4E6-2447-4D67-A511-B13A2182F919}" type="datetime5">
+              <a:rPr lang="ko-KR" altLang="en-US" smtClean="0"/>
+              <a:t>2021/7/31</a:t>
+            </a:fld>
+            <a:endParaRPr lang="ko-KR" altLang="en-US" dirty="0"/>
+          </a:p>
+        </p:txBody>
+      </p:sp>
+    </p:spTree>
+    <p:extLst>
+      <p:ext uri="{BB962C8B-B14F-4D97-AF65-F5344CB8AC3E}">
+        <p14:creationId xmlns:p14="http://schemas.microsoft.com/office/powerpoint/2010/main" val="492991544"/>
+      </p:ext>
+    </p:extLst>
+  </p:cSld>
+  <p:clrMapOvr>
+    <a:masterClrMapping/>
+  </p:clrMapOvr>
+</p:sld>
+</file>
+
+<file path=ppt/slides/slide18.xml><?xml version="1.0" encoding="utf-8"?>
+<p:sld xmlns:a="http://schemas.openxmlformats.org/drawingml/2006/main" xmlns:r="http://schemas.openxmlformats.org/officeDocument/2006/relationships" xmlns:p="http://schemas.openxmlformats.org/presentationml/2006/main">
+  <p:cSld>
+    <p:spTree>
+      <p:nvGrpSpPr>
+        <p:cNvPr id="1" name=""/>
+        <p:cNvGrpSpPr/>
+        <p:nvPr/>
+      </p:nvGrpSpPr>
+      <p:grpSpPr>
+        <a:xfrm>
+          <a:off x="0" y="0"/>
+          <a:ext cx="0" cy="0"/>
+          <a:chOff x="0" y="0"/>
+          <a:chExt cx="0" cy="0"/>
+        </a:xfrm>
+      </p:grpSpPr>
+      <p:sp>
+        <p:nvSpPr>
+          <p:cNvPr id="2" name="내용 개체 틀 1">
+            <a:extLst>
+              <a:ext uri="{FF2B5EF4-FFF2-40B4-BE49-F238E27FC236}">
+                <a16:creationId xmlns:a16="http://schemas.microsoft.com/office/drawing/2014/main" id="{24EE6812-634C-498D-A751-DB289ACEDC43}"/>
+              </a:ext>
+            </a:extLst>
+          </p:cNvPr>
+          <p:cNvSpPr>
+            <a:spLocks noGrp="1"/>
+          </p:cNvSpPr>
+          <p:nvPr>
+            <p:ph sz="half" idx="14"/>
+          </p:nvPr>
+        </p:nvSpPr>
+        <p:spPr/>
+        <p:txBody>
+          <a:bodyPr/>
+          <a:lstStyle/>
+          <a:p>
+            <a:r>
+              <a:rPr lang="ko-KR" altLang="en-US" dirty="0"/>
+              <a:t>협업 도구</a:t>
+            </a:r>
+            <a:endParaRPr lang="en-US" altLang="ko-KR" dirty="0"/>
+          </a:p>
+          <a:p>
+            <a:pPr lvl="1"/>
+            <a:r>
+              <a:rPr lang="ko-KR" altLang="en-US" dirty="0"/>
+              <a:t>정의</a:t>
+            </a:r>
+            <a:r>
+              <a:rPr lang="en-US" altLang="ko-KR" dirty="0"/>
+              <a:t>: </a:t>
+            </a:r>
+            <a:r>
+              <a:rPr lang="ko-KR" altLang="en-US" dirty="0"/>
+              <a:t>개발관련</a:t>
+            </a:r>
+            <a:r>
+              <a:rPr lang="en-US" altLang="ko-KR" dirty="0"/>
+              <a:t> </a:t>
+            </a:r>
+            <a:r>
+              <a:rPr lang="ko-KR" altLang="en-US" dirty="0"/>
+              <a:t>소통을 돕는 도구</a:t>
+            </a:r>
+            <a:endParaRPr lang="en-US" altLang="ko-KR" dirty="0"/>
+          </a:p>
+          <a:p>
+            <a:pPr lvl="1"/>
+            <a:r>
+              <a:rPr lang="ko-KR" altLang="en-US" dirty="0"/>
+              <a:t>분류</a:t>
+            </a:r>
+            <a:endParaRPr lang="en-US" altLang="ko-KR" dirty="0"/>
+          </a:p>
+          <a:p>
+            <a:pPr lvl="2"/>
+            <a:r>
+              <a:rPr lang="ko-KR" altLang="en-US" dirty="0"/>
+              <a:t>문서</a:t>
+            </a:r>
+            <a:r>
+              <a:rPr lang="en-US" altLang="ko-KR" dirty="0"/>
+              <a:t>, </a:t>
+            </a:r>
+            <a:r>
+              <a:rPr lang="ko-KR" altLang="en-US" dirty="0"/>
+              <a:t>소스</a:t>
+            </a:r>
+            <a:r>
+              <a:rPr lang="en-US" altLang="ko-KR" dirty="0"/>
+              <a:t>, </a:t>
+            </a:r>
+            <a:r>
+              <a:rPr lang="ko-KR" altLang="en-US" dirty="0"/>
+              <a:t>아이디어</a:t>
+            </a:r>
+            <a:r>
+              <a:rPr lang="en-US" altLang="ko-KR" dirty="0"/>
+              <a:t>, </a:t>
+            </a:r>
+            <a:r>
+              <a:rPr lang="ko-KR" altLang="en-US" dirty="0"/>
+              <a:t>디자인 공유</a:t>
+            </a:r>
+            <a:endParaRPr lang="en-US" altLang="ko-KR" dirty="0"/>
+          </a:p>
+          <a:p>
+            <a:pPr lvl="2"/>
+            <a:r>
+              <a:rPr lang="ko-KR" altLang="en-US" dirty="0"/>
+              <a:t>프로젝트</a:t>
+            </a:r>
+            <a:r>
+              <a:rPr lang="en-US" altLang="ko-KR" dirty="0"/>
+              <a:t>, </a:t>
+            </a:r>
+            <a:r>
+              <a:rPr lang="ko-KR" altLang="en-US" dirty="0"/>
+              <a:t>일정 관리</a:t>
+            </a:r>
+            <a:endParaRPr lang="en-US" altLang="ko-KR" dirty="0"/>
+          </a:p>
+        </p:txBody>
+      </p:sp>
+      <p:sp>
+        <p:nvSpPr>
+          <p:cNvPr id="3" name="제목 2">
+            <a:extLst>
+              <a:ext uri="{FF2B5EF4-FFF2-40B4-BE49-F238E27FC236}">
+                <a16:creationId xmlns:a16="http://schemas.microsoft.com/office/drawing/2014/main" id="{155BA046-5A9B-4F85-B72A-E8FC19BA6AD3}"/>
+              </a:ext>
+            </a:extLst>
+          </p:cNvPr>
+          <p:cNvSpPr>
+            <a:spLocks noGrp="1"/>
+          </p:cNvSpPr>
+          <p:nvPr>
+            <p:ph type="title"/>
+          </p:nvPr>
+        </p:nvSpPr>
+        <p:spPr/>
+        <p:txBody>
+          <a:bodyPr/>
+          <a:lstStyle/>
+          <a:p>
+            <a:r>
+              <a:rPr lang="ko-KR" altLang="en-US" dirty="0"/>
+              <a:t>협업 도구</a:t>
+            </a:r>
+          </a:p>
+        </p:txBody>
+      </p:sp>
+      <p:sp>
+        <p:nvSpPr>
+          <p:cNvPr id="4" name="내용 개체 틀 3">
+            <a:extLst>
+              <a:ext uri="{FF2B5EF4-FFF2-40B4-BE49-F238E27FC236}">
+                <a16:creationId xmlns:a16="http://schemas.microsoft.com/office/drawing/2014/main" id="{4D297039-8430-42EB-A1EC-891BE5B73227}"/>
+              </a:ext>
+            </a:extLst>
+          </p:cNvPr>
+          <p:cNvSpPr>
+            <a:spLocks noGrp="1"/>
+          </p:cNvSpPr>
+          <p:nvPr>
+            <p:ph sz="half" idx="2"/>
+          </p:nvPr>
+        </p:nvSpPr>
+        <p:spPr/>
+        <p:txBody>
+          <a:bodyPr/>
+          <a:lstStyle/>
+          <a:p>
+            <a:endParaRPr lang="ko-KR" altLang="en-US"/>
+          </a:p>
+        </p:txBody>
+      </p:sp>
+      <p:sp>
+        <p:nvSpPr>
+          <p:cNvPr id="5" name="슬라이드 번호 개체 틀 4">
+            <a:extLst>
+              <a:ext uri="{FF2B5EF4-FFF2-40B4-BE49-F238E27FC236}">
+                <a16:creationId xmlns:a16="http://schemas.microsoft.com/office/drawing/2014/main" id="{FD0CA4F3-6A02-470A-B091-8CCAC0FA14A7}"/>
+              </a:ext>
+            </a:extLst>
+          </p:cNvPr>
+          <p:cNvSpPr>
+            <a:spLocks noGrp="1"/>
+          </p:cNvSpPr>
+          <p:nvPr>
+            <p:ph type="sldNum" sz="quarter" idx="12"/>
+          </p:nvPr>
+        </p:nvSpPr>
+        <p:spPr/>
+        <p:txBody>
+          <a:bodyPr/>
+          <a:lstStyle/>
+          <a:p>
+            <a:fld id="{89BED30C-66D9-4104-96BC-081A506F0CF0}" type="slidenum">
+              <a:rPr lang="ko-KR" altLang="en-US" smtClean="0"/>
+              <a:t>18</a:t>
+            </a:fld>
+            <a:endParaRPr lang="ko-KR" altLang="en-US"/>
+          </a:p>
+        </p:txBody>
+      </p:sp>
+      <p:sp>
+        <p:nvSpPr>
+          <p:cNvPr id="6" name="바닥글 개체 틀 5">
+            <a:extLst>
+              <a:ext uri="{FF2B5EF4-FFF2-40B4-BE49-F238E27FC236}">
+                <a16:creationId xmlns:a16="http://schemas.microsoft.com/office/drawing/2014/main" id="{F6B9B3F0-D7A2-4788-B25D-5C583FFD3160}"/>
+              </a:ext>
+            </a:extLst>
+          </p:cNvPr>
+          <p:cNvSpPr>
+            <a:spLocks noGrp="1"/>
+          </p:cNvSpPr>
+          <p:nvPr>
+            <p:ph type="ftr" sz="quarter" idx="3"/>
+          </p:nvPr>
+        </p:nvSpPr>
+        <p:spPr/>
+        <p:txBody>
+          <a:bodyPr/>
+          <a:lstStyle/>
+          <a:p>
+            <a:pPr algn="l"/>
+            <a:r>
+              <a:rPr lang="en-US" altLang="ko-KR"/>
+              <a:t>Nibble</a:t>
+            </a:r>
+            <a:endParaRPr lang="ko-KR" altLang="en-US" dirty="0"/>
+          </a:p>
+        </p:txBody>
+      </p:sp>
+      <p:sp>
+        <p:nvSpPr>
+          <p:cNvPr id="7" name="날짜 개체 틀 6">
+            <a:extLst>
+              <a:ext uri="{FF2B5EF4-FFF2-40B4-BE49-F238E27FC236}">
+                <a16:creationId xmlns:a16="http://schemas.microsoft.com/office/drawing/2014/main" id="{476D11CF-FC2F-4D3E-BB2E-4B095FA1E626}"/>
+              </a:ext>
+            </a:extLst>
+          </p:cNvPr>
+          <p:cNvSpPr>
+            <a:spLocks noGrp="1"/>
+          </p:cNvSpPr>
+          <p:nvPr>
+            <p:ph type="dt" sz="half" idx="13"/>
+          </p:nvPr>
+        </p:nvSpPr>
+        <p:spPr/>
+        <p:txBody>
+          <a:bodyPr/>
+          <a:lstStyle/>
+          <a:p>
+            <a:fld id="{B226B4E6-2447-4D67-A511-B13A2182F919}" type="datetime5">
+              <a:rPr lang="ko-KR" altLang="en-US" smtClean="0"/>
+              <a:t>2021/7/31</a:t>
+            </a:fld>
+            <a:endParaRPr lang="ko-KR" altLang="en-US" dirty="0"/>
+          </a:p>
+        </p:txBody>
+      </p:sp>
+    </p:spTree>
+    <p:extLst>
+      <p:ext uri="{BB962C8B-B14F-4D97-AF65-F5344CB8AC3E}">
+        <p14:creationId xmlns:p14="http://schemas.microsoft.com/office/powerpoint/2010/main" val="1704083795"/>
+      </p:ext>
+    </p:extLst>
+  </p:cSld>
+  <p:clrMapOvr>
+    <a:masterClrMapping/>
+  </p:clrMapOvr>
+</p:sld>
+</file>
+
+<file path=ppt/slides/slide19.xml><?xml version="1.0" encoding="utf-8"?>
+<p:sld xmlns:a="http://schemas.openxmlformats.org/drawingml/2006/main" xmlns:r="http://schemas.openxmlformats.org/officeDocument/2006/relationships" xmlns:p="http://schemas.openxmlformats.org/presentationml/2006/main">
+  <p:cSld>
+    <p:spTree>
+      <p:nvGrpSpPr>
+        <p:cNvPr id="1" name=""/>
+        <p:cNvGrpSpPr/>
+        <p:nvPr/>
+      </p:nvGrpSpPr>
+      <p:grpSpPr>
+        <a:xfrm>
+          <a:off x="0" y="0"/>
+          <a:ext cx="0" cy="0"/>
+          <a:chOff x="0" y="0"/>
+          <a:chExt cx="0" cy="0"/>
+        </a:xfrm>
+      </p:grpSpPr>
+      <p:sp>
+        <p:nvSpPr>
+          <p:cNvPr id="2" name="내용 개체 틀 1">
+            <a:extLst>
+              <a:ext uri="{FF2B5EF4-FFF2-40B4-BE49-F238E27FC236}">
+                <a16:creationId xmlns:a16="http://schemas.microsoft.com/office/drawing/2014/main" id="{F1B67592-6ABF-43E2-BBFC-A66752B120D2}"/>
+              </a:ext>
+            </a:extLst>
+          </p:cNvPr>
+          <p:cNvSpPr>
+            <a:spLocks noGrp="1"/>
+          </p:cNvSpPr>
+          <p:nvPr>
+            <p:ph sz="half" idx="14"/>
+          </p:nvPr>
+        </p:nvSpPr>
+        <p:spPr/>
+        <p:txBody>
+          <a:bodyPr/>
+          <a:lstStyle/>
+          <a:p>
+            <a:r>
+              <a:rPr lang="ko-KR" altLang="en-US" dirty="0"/>
+              <a:t>형상관리 도구</a:t>
+            </a:r>
+            <a:endParaRPr lang="en-US" altLang="ko-KR" dirty="0"/>
+          </a:p>
+          <a:p>
+            <a:pPr lvl="1"/>
+            <a:r>
+              <a:rPr lang="ko-KR" altLang="en-US" dirty="0"/>
+              <a:t>정의</a:t>
+            </a:r>
+            <a:r>
+              <a:rPr lang="en-US" altLang="ko-KR" dirty="0"/>
+              <a:t>: SW </a:t>
+            </a:r>
+            <a:r>
+              <a:rPr lang="ko-KR" altLang="en-US" dirty="0"/>
+              <a:t>생명주기동안 발생하는 변경을 관리하는 도구</a:t>
+            </a:r>
+            <a:endParaRPr lang="en-US" altLang="ko-KR" dirty="0"/>
+          </a:p>
+          <a:p>
+            <a:pPr lvl="1"/>
+            <a:r>
+              <a:rPr lang="ko-KR" altLang="en-US" dirty="0"/>
+              <a:t>기능</a:t>
+            </a:r>
+            <a:endParaRPr lang="en-US" altLang="ko-KR" dirty="0"/>
+          </a:p>
+          <a:p>
+            <a:pPr lvl="2"/>
+            <a:r>
+              <a:rPr lang="en-US" altLang="ko-KR" dirty="0"/>
+              <a:t>Check In: </a:t>
+            </a:r>
+            <a:r>
+              <a:rPr lang="ko-KR" altLang="en-US" dirty="0"/>
+              <a:t>소스를 저장소로 업로드</a:t>
+            </a:r>
+            <a:endParaRPr lang="en-US" altLang="ko-KR" dirty="0"/>
+          </a:p>
+          <a:p>
+            <a:pPr lvl="2"/>
+            <a:r>
+              <a:rPr lang="en-US" altLang="ko-KR" dirty="0"/>
+              <a:t>Check Out: </a:t>
+            </a:r>
+            <a:r>
+              <a:rPr lang="ko-KR" altLang="en-US" dirty="0"/>
+              <a:t>소스를 다운로드</a:t>
+            </a:r>
+            <a:endParaRPr lang="en-US" altLang="ko-KR" dirty="0"/>
+          </a:p>
+          <a:p>
+            <a:pPr lvl="2"/>
+            <a:r>
+              <a:rPr lang="en-US" altLang="ko-KR" dirty="0"/>
+              <a:t>Commit: </a:t>
+            </a:r>
+            <a:r>
+              <a:rPr lang="ko-KR" altLang="en-US" dirty="0"/>
+              <a:t>업로드한 소스를 최신 버전으로 확정</a:t>
+            </a:r>
+            <a:endParaRPr lang="en-US" altLang="ko-KR" dirty="0"/>
+          </a:p>
+          <a:p>
+            <a:pPr lvl="1"/>
+            <a:r>
+              <a:rPr lang="ko-KR" altLang="en-US" dirty="0"/>
+              <a:t>사례</a:t>
+            </a:r>
+            <a:endParaRPr lang="en-US" altLang="ko-KR" dirty="0"/>
+          </a:p>
+          <a:p>
+            <a:pPr lvl="2"/>
+            <a:r>
+              <a:rPr lang="ko-KR" altLang="en-US" dirty="0"/>
+              <a:t>중앙</a:t>
+            </a:r>
+            <a:r>
+              <a:rPr lang="en-US" altLang="ko-KR" dirty="0"/>
+              <a:t> </a:t>
+            </a:r>
+            <a:r>
+              <a:rPr lang="ko-KR" altLang="en-US" dirty="0"/>
+              <a:t>집중형</a:t>
+            </a:r>
+            <a:r>
+              <a:rPr lang="en-US" altLang="ko-KR" dirty="0"/>
+              <a:t>: </a:t>
+            </a:r>
+            <a:r>
+              <a:rPr lang="ko-KR" altLang="en-US" dirty="0"/>
+              <a:t>중앙 서버에 코드 업로드</a:t>
+            </a:r>
+            <a:endParaRPr lang="en-US" altLang="ko-KR" dirty="0"/>
+          </a:p>
+          <a:p>
+            <a:pPr lvl="3"/>
+            <a:r>
+              <a:rPr lang="en-US" altLang="ko-KR" dirty="0"/>
+              <a:t>CVS (Concurrent Versions System)</a:t>
+            </a:r>
+          </a:p>
+          <a:p>
+            <a:pPr lvl="3"/>
+            <a:r>
+              <a:rPr lang="en-US" altLang="ko-KR" dirty="0"/>
+              <a:t>SVN (Subversion)</a:t>
+            </a:r>
+          </a:p>
+          <a:p>
+            <a:pPr lvl="2"/>
+            <a:r>
+              <a:rPr lang="ko-KR" altLang="en-US" dirty="0"/>
+              <a:t>분산형</a:t>
+            </a:r>
+            <a:r>
+              <a:rPr lang="en-US" altLang="ko-KR" dirty="0"/>
+              <a:t>: </a:t>
+            </a:r>
+            <a:r>
+              <a:rPr lang="ko-KR" altLang="en-US" dirty="0"/>
+              <a:t>각 컴퓨터가 저장소를 가짐</a:t>
+            </a:r>
+            <a:r>
+              <a:rPr lang="en-US" altLang="ko-KR" dirty="0"/>
+              <a:t>, </a:t>
+            </a:r>
+            <a:r>
+              <a:rPr lang="ko-KR" altLang="en-US" dirty="0"/>
+              <a:t>중앙도 가능</a:t>
+            </a:r>
+            <a:endParaRPr lang="en-US" altLang="ko-KR" dirty="0"/>
+          </a:p>
+          <a:p>
+            <a:pPr lvl="3"/>
+            <a:r>
+              <a:rPr lang="en-US" altLang="ko-KR" dirty="0"/>
+              <a:t>Git</a:t>
+            </a:r>
+          </a:p>
+        </p:txBody>
+      </p:sp>
+      <p:sp>
+        <p:nvSpPr>
+          <p:cNvPr id="3" name="제목 2">
+            <a:extLst>
+              <a:ext uri="{FF2B5EF4-FFF2-40B4-BE49-F238E27FC236}">
+                <a16:creationId xmlns:a16="http://schemas.microsoft.com/office/drawing/2014/main" id="{8169F323-6141-4D59-8C78-5B0A17899D69}"/>
+              </a:ext>
+            </a:extLst>
+          </p:cNvPr>
+          <p:cNvSpPr>
+            <a:spLocks noGrp="1"/>
+          </p:cNvSpPr>
+          <p:nvPr>
+            <p:ph type="title"/>
+          </p:nvPr>
+        </p:nvSpPr>
+        <p:spPr/>
+        <p:txBody>
+          <a:bodyPr/>
+          <a:lstStyle/>
+          <a:p>
+            <a:r>
+              <a:rPr lang="ko-KR" altLang="en-US" dirty="0"/>
+              <a:t>형상관리 도구</a:t>
+            </a:r>
+          </a:p>
+        </p:txBody>
+      </p:sp>
+      <p:sp>
+        <p:nvSpPr>
+          <p:cNvPr id="4" name="내용 개체 틀 3">
+            <a:extLst>
+              <a:ext uri="{FF2B5EF4-FFF2-40B4-BE49-F238E27FC236}">
+                <a16:creationId xmlns:a16="http://schemas.microsoft.com/office/drawing/2014/main" id="{BC3B5785-DF25-4D48-BAD6-755455B9BD34}"/>
+              </a:ext>
+            </a:extLst>
+          </p:cNvPr>
+          <p:cNvSpPr>
+            <a:spLocks noGrp="1"/>
+          </p:cNvSpPr>
+          <p:nvPr>
+            <p:ph sz="half" idx="2"/>
+          </p:nvPr>
+        </p:nvSpPr>
+        <p:spPr/>
+        <p:txBody>
+          <a:bodyPr/>
+          <a:lstStyle/>
+          <a:p>
+            <a:endParaRPr lang="ko-KR" altLang="en-US" dirty="0"/>
+          </a:p>
+        </p:txBody>
+      </p:sp>
+      <p:sp>
+        <p:nvSpPr>
+          <p:cNvPr id="5" name="슬라이드 번호 개체 틀 4">
+            <a:extLst>
+              <a:ext uri="{FF2B5EF4-FFF2-40B4-BE49-F238E27FC236}">
+                <a16:creationId xmlns:a16="http://schemas.microsoft.com/office/drawing/2014/main" id="{564B3C6E-1D72-4B60-A010-C6E37732D099}"/>
+              </a:ext>
+            </a:extLst>
+          </p:cNvPr>
+          <p:cNvSpPr>
+            <a:spLocks noGrp="1"/>
+          </p:cNvSpPr>
+          <p:nvPr>
+            <p:ph type="sldNum" sz="quarter" idx="12"/>
+          </p:nvPr>
+        </p:nvSpPr>
+        <p:spPr/>
+        <p:txBody>
+          <a:bodyPr/>
+          <a:lstStyle/>
+          <a:p>
+            <a:fld id="{89BED30C-66D9-4104-96BC-081A506F0CF0}" type="slidenum">
+              <a:rPr lang="ko-KR" altLang="en-US" smtClean="0"/>
+              <a:t>19</a:t>
+            </a:fld>
+            <a:endParaRPr lang="ko-KR" altLang="en-US"/>
+          </a:p>
+        </p:txBody>
+      </p:sp>
+      <p:sp>
+        <p:nvSpPr>
+          <p:cNvPr id="6" name="바닥글 개체 틀 5">
+            <a:extLst>
+              <a:ext uri="{FF2B5EF4-FFF2-40B4-BE49-F238E27FC236}">
+                <a16:creationId xmlns:a16="http://schemas.microsoft.com/office/drawing/2014/main" id="{94EB1736-C6A1-4044-BAF7-D90E2BE084D9}"/>
+              </a:ext>
+            </a:extLst>
+          </p:cNvPr>
+          <p:cNvSpPr>
+            <a:spLocks noGrp="1"/>
+          </p:cNvSpPr>
+          <p:nvPr>
+            <p:ph type="ftr" sz="quarter" idx="3"/>
+          </p:nvPr>
+        </p:nvSpPr>
+        <p:spPr/>
+        <p:txBody>
+          <a:bodyPr/>
+          <a:lstStyle/>
+          <a:p>
+            <a:pPr algn="l"/>
+            <a:r>
+              <a:rPr lang="en-US" altLang="ko-KR"/>
+              <a:t>Nibble</a:t>
+            </a:r>
+            <a:endParaRPr lang="ko-KR" altLang="en-US" dirty="0"/>
+          </a:p>
+        </p:txBody>
+      </p:sp>
+      <p:sp>
+        <p:nvSpPr>
+          <p:cNvPr id="7" name="날짜 개체 틀 6">
+            <a:extLst>
+              <a:ext uri="{FF2B5EF4-FFF2-40B4-BE49-F238E27FC236}">
+                <a16:creationId xmlns:a16="http://schemas.microsoft.com/office/drawing/2014/main" id="{25E22853-5B44-44DA-8F32-DE3DEE644FB2}"/>
+              </a:ext>
+            </a:extLst>
+          </p:cNvPr>
+          <p:cNvSpPr>
+            <a:spLocks noGrp="1"/>
+          </p:cNvSpPr>
+          <p:nvPr>
+            <p:ph type="dt" sz="half" idx="13"/>
+          </p:nvPr>
+        </p:nvSpPr>
+        <p:spPr/>
+        <p:txBody>
+          <a:bodyPr/>
+          <a:lstStyle/>
+          <a:p>
+            <a:fld id="{B226B4E6-2447-4D67-A511-B13A2182F919}" type="datetime5">
+              <a:rPr lang="ko-KR" altLang="en-US" smtClean="0"/>
+              <a:t>2021/7/31</a:t>
+            </a:fld>
+            <a:endParaRPr lang="ko-KR" altLang="en-US" dirty="0"/>
+          </a:p>
+        </p:txBody>
+      </p:sp>
+    </p:spTree>
+    <p:extLst>
+      <p:ext uri="{BB962C8B-B14F-4D97-AF65-F5344CB8AC3E}">
+        <p14:creationId xmlns:p14="http://schemas.microsoft.com/office/powerpoint/2010/main" val="1170284665"/>
       </p:ext>
     </p:extLst>
   </p:cSld>
@@ -5200,7 +6911,7 @@
           <a:p>
             <a:fld id="{B226B4E6-2447-4D67-A511-B13A2182F919}" type="datetime5">
               <a:rPr lang="ko-KR" altLang="en-US" smtClean="0"/>
-              <a:t>2021/7/30</a:t>
+              <a:t>2021/7/31</a:t>
             </a:fld>
             <a:endParaRPr lang="ko-KR" altLang="en-US" dirty="0"/>
           </a:p>
@@ -5210,6 +6921,2038 @@
     <p:extLst>
       <p:ext uri="{BB962C8B-B14F-4D97-AF65-F5344CB8AC3E}">
         <p14:creationId xmlns:p14="http://schemas.microsoft.com/office/powerpoint/2010/main" val="2990559732"/>
+      </p:ext>
+    </p:extLst>
+  </p:cSld>
+  <p:clrMapOvr>
+    <a:masterClrMapping/>
+  </p:clrMapOvr>
+</p:sld>
+</file>
+
+<file path=ppt/slides/slide20.xml><?xml version="1.0" encoding="utf-8"?>
+<p:sld xmlns:a="http://schemas.openxmlformats.org/drawingml/2006/main" xmlns:r="http://schemas.openxmlformats.org/officeDocument/2006/relationships" xmlns:p="http://schemas.openxmlformats.org/presentationml/2006/main">
+  <p:cSld>
+    <p:spTree>
+      <p:nvGrpSpPr>
+        <p:cNvPr id="1" name=""/>
+        <p:cNvGrpSpPr/>
+        <p:nvPr/>
+      </p:nvGrpSpPr>
+      <p:grpSpPr>
+        <a:xfrm>
+          <a:off x="0" y="0"/>
+          <a:ext cx="0" cy="0"/>
+          <a:chOff x="0" y="0"/>
+          <a:chExt cx="0" cy="0"/>
+        </a:xfrm>
+      </p:grpSpPr>
+      <p:sp>
+        <p:nvSpPr>
+          <p:cNvPr id="2" name="내용 개체 틀 1">
+            <a:extLst>
+              <a:ext uri="{FF2B5EF4-FFF2-40B4-BE49-F238E27FC236}">
+                <a16:creationId xmlns:a16="http://schemas.microsoft.com/office/drawing/2014/main" id="{8A95DFED-2BCE-4417-95E4-D50FCDF5BB7F}"/>
+              </a:ext>
+            </a:extLst>
+          </p:cNvPr>
+          <p:cNvSpPr>
+            <a:spLocks noGrp="1"/>
+          </p:cNvSpPr>
+          <p:nvPr>
+            <p:ph sz="half" idx="14"/>
+          </p:nvPr>
+        </p:nvSpPr>
+        <p:spPr/>
+        <p:txBody>
+          <a:bodyPr/>
+          <a:lstStyle/>
+          <a:p>
+            <a:r>
+              <a:rPr lang="ko-KR" altLang="en-US" dirty="0"/>
+              <a:t>애플리케이션 패키징</a:t>
+            </a:r>
+            <a:endParaRPr lang="en-US" altLang="ko-KR" dirty="0"/>
+          </a:p>
+          <a:p>
+            <a:pPr lvl="1"/>
+            <a:r>
+              <a:rPr lang="ko-KR" altLang="en-US" dirty="0"/>
+              <a:t>정의</a:t>
+            </a:r>
+            <a:endParaRPr lang="en-US" altLang="ko-KR" dirty="0"/>
+          </a:p>
+          <a:p>
+            <a:pPr lvl="2"/>
+            <a:r>
+              <a:rPr lang="en-US" altLang="ko-KR" dirty="0"/>
+              <a:t>SW </a:t>
+            </a:r>
+            <a:r>
+              <a:rPr lang="ko-KR" altLang="en-US" dirty="0"/>
+              <a:t>제품을 배포</a:t>
+            </a:r>
+            <a:r>
+              <a:rPr lang="en-US" altLang="ko-KR" dirty="0"/>
+              <a:t>, </a:t>
+            </a:r>
+            <a:r>
+              <a:rPr lang="ko-KR" altLang="en-US" dirty="0"/>
+              <a:t>설치 할 수 있는 형태로 제작</a:t>
+            </a:r>
+            <a:endParaRPr lang="en-US" altLang="ko-KR" dirty="0"/>
+          </a:p>
+          <a:p>
+            <a:pPr lvl="2"/>
+            <a:r>
+              <a:rPr lang="ko-KR" altLang="en-US" dirty="0"/>
+              <a:t>고객이 설치</a:t>
+            </a:r>
+            <a:r>
+              <a:rPr lang="en-US" altLang="ko-KR" dirty="0"/>
+              <a:t>, </a:t>
+            </a:r>
+            <a:r>
+              <a:rPr lang="ko-KR" altLang="en-US" dirty="0"/>
+              <a:t>사용에 참고할 매뉴얼 작성</a:t>
+            </a:r>
+            <a:endParaRPr lang="en-US" altLang="ko-KR" dirty="0"/>
+          </a:p>
+          <a:p>
+            <a:pPr lvl="1"/>
+            <a:r>
+              <a:rPr lang="ko-KR" altLang="en-US" dirty="0"/>
+              <a:t>아래 기타 도구 사용</a:t>
+            </a:r>
+            <a:endParaRPr lang="en-US" altLang="ko-KR" dirty="0"/>
+          </a:p>
+          <a:p>
+            <a:r>
+              <a:rPr lang="ko-KR" altLang="en-US" dirty="0"/>
+              <a:t>애플리케이션 배포 도구</a:t>
+            </a:r>
+            <a:endParaRPr lang="en-US" altLang="ko-KR" dirty="0"/>
+          </a:p>
+          <a:p>
+            <a:pPr lvl="1"/>
+            <a:r>
+              <a:rPr lang="ko-KR" altLang="en-US" dirty="0"/>
+              <a:t>정의</a:t>
+            </a:r>
+            <a:r>
+              <a:rPr lang="en-US" altLang="ko-KR" dirty="0"/>
+              <a:t>: </a:t>
+            </a:r>
+            <a:r>
+              <a:rPr lang="ko-KR" altLang="en-US" dirty="0"/>
+              <a:t>제품 배포에 사용하는 도구</a:t>
+            </a:r>
+            <a:r>
+              <a:rPr lang="en-US" altLang="ko-KR" dirty="0"/>
+              <a:t>.</a:t>
+            </a:r>
+          </a:p>
+          <a:p>
+            <a:pPr lvl="1"/>
+            <a:r>
+              <a:rPr lang="ko-KR" altLang="en-US" dirty="0"/>
+              <a:t>기능</a:t>
+            </a:r>
+            <a:r>
+              <a:rPr lang="en-US" altLang="ko-KR" dirty="0"/>
+              <a:t>: </a:t>
+            </a:r>
+            <a:r>
+              <a:rPr lang="ko-KR" altLang="en-US" dirty="0"/>
+              <a:t>암호화</a:t>
+            </a:r>
+            <a:r>
+              <a:rPr lang="en-US" altLang="ko-KR" dirty="0"/>
+              <a:t>, </a:t>
+            </a:r>
+            <a:r>
+              <a:rPr lang="ko-KR" altLang="en-US" dirty="0"/>
+              <a:t>인증 등</a:t>
+            </a:r>
+            <a:endParaRPr lang="en-US" altLang="ko-KR" dirty="0"/>
+          </a:p>
+          <a:p>
+            <a:r>
+              <a:rPr lang="ko-KR" altLang="en-US" dirty="0"/>
+              <a:t>애플리케이션 모니터링 도구</a:t>
+            </a:r>
+            <a:endParaRPr lang="en-US" altLang="ko-KR" dirty="0"/>
+          </a:p>
+          <a:p>
+            <a:pPr lvl="1"/>
+            <a:r>
+              <a:rPr lang="ko-KR" altLang="en-US" dirty="0"/>
+              <a:t>정의</a:t>
+            </a:r>
+            <a:r>
+              <a:rPr lang="en-US" altLang="ko-KR" dirty="0"/>
+              <a:t>: </a:t>
+            </a:r>
+            <a:r>
+              <a:rPr lang="ko-KR" altLang="en-US" dirty="0"/>
+              <a:t>사용자가 설치하여 사용중인 제품의 현황 모니터링</a:t>
+            </a:r>
+            <a:endParaRPr lang="en-US" altLang="ko-KR" dirty="0"/>
+          </a:p>
+          <a:p>
+            <a:pPr lvl="1"/>
+            <a:r>
+              <a:rPr lang="ko-KR" altLang="en-US" dirty="0"/>
+              <a:t>기능</a:t>
+            </a:r>
+            <a:r>
+              <a:rPr lang="en-US" altLang="ko-KR" dirty="0"/>
+              <a:t>: </a:t>
+            </a:r>
+            <a:r>
+              <a:rPr lang="ko-KR" altLang="en-US" dirty="0"/>
+              <a:t>변경 관리</a:t>
+            </a:r>
+            <a:r>
+              <a:rPr lang="en-US" altLang="ko-KR" dirty="0"/>
+              <a:t>, </a:t>
+            </a:r>
+            <a:r>
+              <a:rPr lang="ko-KR" altLang="en-US" dirty="0"/>
+              <a:t>성능 관리</a:t>
+            </a:r>
+            <a:r>
+              <a:rPr lang="en-US" altLang="ko-KR" dirty="0"/>
+              <a:t>, </a:t>
+            </a:r>
+            <a:r>
+              <a:rPr lang="ko-KR" altLang="en-US" dirty="0"/>
+              <a:t>분석</a:t>
+            </a:r>
+            <a:endParaRPr lang="en-US" altLang="ko-KR" dirty="0"/>
+          </a:p>
+          <a:p>
+            <a:pPr lvl="2"/>
+            <a:endParaRPr lang="en-US" altLang="ko-KR" dirty="0"/>
+          </a:p>
+        </p:txBody>
+      </p:sp>
+      <p:sp>
+        <p:nvSpPr>
+          <p:cNvPr id="3" name="제목 2">
+            <a:extLst>
+              <a:ext uri="{FF2B5EF4-FFF2-40B4-BE49-F238E27FC236}">
+                <a16:creationId xmlns:a16="http://schemas.microsoft.com/office/drawing/2014/main" id="{0F3E4EBC-86EE-4D9D-B697-36FA98AF4CF4}"/>
+              </a:ext>
+            </a:extLst>
+          </p:cNvPr>
+          <p:cNvSpPr>
+            <a:spLocks noGrp="1"/>
+          </p:cNvSpPr>
+          <p:nvPr>
+            <p:ph type="title"/>
+          </p:nvPr>
+        </p:nvSpPr>
+        <p:spPr/>
+        <p:txBody>
+          <a:bodyPr/>
+          <a:lstStyle/>
+          <a:p>
+            <a:r>
+              <a:rPr lang="ko-KR" altLang="en-US" dirty="0"/>
+              <a:t>애플리케이션 패키징</a:t>
+            </a:r>
+          </a:p>
+        </p:txBody>
+      </p:sp>
+      <p:sp>
+        <p:nvSpPr>
+          <p:cNvPr id="4" name="내용 개체 틀 3">
+            <a:extLst>
+              <a:ext uri="{FF2B5EF4-FFF2-40B4-BE49-F238E27FC236}">
+                <a16:creationId xmlns:a16="http://schemas.microsoft.com/office/drawing/2014/main" id="{0671895A-ACD1-49D2-B91B-7018196464AF}"/>
+              </a:ext>
+            </a:extLst>
+          </p:cNvPr>
+          <p:cNvSpPr>
+            <a:spLocks noGrp="1"/>
+          </p:cNvSpPr>
+          <p:nvPr>
+            <p:ph sz="half" idx="2"/>
+          </p:nvPr>
+        </p:nvSpPr>
+        <p:spPr/>
+        <p:txBody>
+          <a:bodyPr/>
+          <a:lstStyle/>
+          <a:p>
+            <a:r>
+              <a:rPr lang="en-US" altLang="ko-KR" dirty="0"/>
+              <a:t>DRM (Digital Rights Management)</a:t>
+            </a:r>
+          </a:p>
+          <a:p>
+            <a:pPr lvl="1"/>
+            <a:r>
+              <a:rPr lang="ko-KR" altLang="en-US" dirty="0"/>
+              <a:t>정의</a:t>
+            </a:r>
+            <a:r>
+              <a:rPr lang="en-US" altLang="ko-KR" dirty="0"/>
+              <a:t>: </a:t>
+            </a:r>
+            <a:r>
+              <a:rPr lang="ko-KR" altLang="en-US" dirty="0"/>
+              <a:t>사용자가 허가된 범위의 콘텐츠만 이용하게 하는</a:t>
+            </a:r>
+            <a:endParaRPr lang="en-US" altLang="ko-KR" dirty="0"/>
+          </a:p>
+          <a:p>
+            <a:pPr lvl="2"/>
+            <a:r>
+              <a:rPr lang="ko-KR" altLang="en-US" dirty="0"/>
+              <a:t>라이선스 돈 주고 사면 다운로드 가능 등</a:t>
+            </a:r>
+            <a:endParaRPr lang="en-US" altLang="ko-KR" dirty="0"/>
+          </a:p>
+        </p:txBody>
+      </p:sp>
+      <p:sp>
+        <p:nvSpPr>
+          <p:cNvPr id="5" name="슬라이드 번호 개체 틀 4">
+            <a:extLst>
+              <a:ext uri="{FF2B5EF4-FFF2-40B4-BE49-F238E27FC236}">
+                <a16:creationId xmlns:a16="http://schemas.microsoft.com/office/drawing/2014/main" id="{1A45617E-DC07-477D-ABD0-22E113D8548D}"/>
+              </a:ext>
+            </a:extLst>
+          </p:cNvPr>
+          <p:cNvSpPr>
+            <a:spLocks noGrp="1"/>
+          </p:cNvSpPr>
+          <p:nvPr>
+            <p:ph type="sldNum" sz="quarter" idx="12"/>
+          </p:nvPr>
+        </p:nvSpPr>
+        <p:spPr/>
+        <p:txBody>
+          <a:bodyPr/>
+          <a:lstStyle/>
+          <a:p>
+            <a:fld id="{89BED30C-66D9-4104-96BC-081A506F0CF0}" type="slidenum">
+              <a:rPr lang="ko-KR" altLang="en-US" smtClean="0"/>
+              <a:t>20</a:t>
+            </a:fld>
+            <a:endParaRPr lang="ko-KR" altLang="en-US"/>
+          </a:p>
+        </p:txBody>
+      </p:sp>
+      <p:sp>
+        <p:nvSpPr>
+          <p:cNvPr id="6" name="바닥글 개체 틀 5">
+            <a:extLst>
+              <a:ext uri="{FF2B5EF4-FFF2-40B4-BE49-F238E27FC236}">
+                <a16:creationId xmlns:a16="http://schemas.microsoft.com/office/drawing/2014/main" id="{537B2939-90FC-4211-A0AF-F9769D92527E}"/>
+              </a:ext>
+            </a:extLst>
+          </p:cNvPr>
+          <p:cNvSpPr>
+            <a:spLocks noGrp="1"/>
+          </p:cNvSpPr>
+          <p:nvPr>
+            <p:ph type="ftr" sz="quarter" idx="3"/>
+          </p:nvPr>
+        </p:nvSpPr>
+        <p:spPr/>
+        <p:txBody>
+          <a:bodyPr/>
+          <a:lstStyle/>
+          <a:p>
+            <a:pPr algn="l"/>
+            <a:r>
+              <a:rPr lang="en-US" altLang="ko-KR"/>
+              <a:t>Nibble</a:t>
+            </a:r>
+            <a:endParaRPr lang="ko-KR" altLang="en-US" dirty="0"/>
+          </a:p>
+        </p:txBody>
+      </p:sp>
+      <p:sp>
+        <p:nvSpPr>
+          <p:cNvPr id="7" name="날짜 개체 틀 6">
+            <a:extLst>
+              <a:ext uri="{FF2B5EF4-FFF2-40B4-BE49-F238E27FC236}">
+                <a16:creationId xmlns:a16="http://schemas.microsoft.com/office/drawing/2014/main" id="{3B8C56EF-E224-4036-95AC-6D1B39E2CEE6}"/>
+              </a:ext>
+            </a:extLst>
+          </p:cNvPr>
+          <p:cNvSpPr>
+            <a:spLocks noGrp="1"/>
+          </p:cNvSpPr>
+          <p:nvPr>
+            <p:ph type="dt" sz="half" idx="13"/>
+          </p:nvPr>
+        </p:nvSpPr>
+        <p:spPr/>
+        <p:txBody>
+          <a:bodyPr/>
+          <a:lstStyle/>
+          <a:p>
+            <a:fld id="{B226B4E6-2447-4D67-A511-B13A2182F919}" type="datetime5">
+              <a:rPr lang="ko-KR" altLang="en-US" smtClean="0"/>
+              <a:t>2021/7/31</a:t>
+            </a:fld>
+            <a:endParaRPr lang="ko-KR" altLang="en-US" dirty="0"/>
+          </a:p>
+        </p:txBody>
+      </p:sp>
+      <p:pic>
+        <p:nvPicPr>
+          <p:cNvPr id="1026" name="Picture 2" descr="콘텐츠저작권] DRM(Digital Rights Management)이란? : 네이버 블로그">
+            <a:extLst>
+              <a:ext uri="{FF2B5EF4-FFF2-40B4-BE49-F238E27FC236}">
+                <a16:creationId xmlns:a16="http://schemas.microsoft.com/office/drawing/2014/main" id="{800BD5D2-DD0A-4493-8CC2-FA7B46F7805F}"/>
+              </a:ext>
+            </a:extLst>
+          </p:cNvPr>
+          <p:cNvPicPr>
+            <a:picLocks noChangeAspect="1" noChangeArrowheads="1"/>
+          </p:cNvPicPr>
+          <p:nvPr/>
+        </p:nvPicPr>
+        <p:blipFill>
+          <a:blip r:embed="rId2">
+            <a:extLst>
+              <a:ext uri="{28A0092B-C50C-407E-A947-70E740481C1C}">
+                <a14:useLocalDpi xmlns:a14="http://schemas.microsoft.com/office/drawing/2010/main" val="0"/>
+              </a:ext>
+            </a:extLst>
+          </a:blip>
+          <a:srcRect/>
+          <a:stretch>
+            <a:fillRect/>
+          </a:stretch>
+        </p:blipFill>
+        <p:spPr bwMode="auto">
+          <a:xfrm>
+            <a:off x="6762750" y="2064391"/>
+            <a:ext cx="4000500" cy="3048000"/>
+          </a:xfrm>
+          <a:prstGeom prst="rect">
+            <a:avLst/>
+          </a:prstGeom>
+          <a:noFill/>
+          <a:extLst>
+            <a:ext uri="{909E8E84-426E-40DD-AFC4-6F175D3DCCD1}">
+              <a14:hiddenFill xmlns:a14="http://schemas.microsoft.com/office/drawing/2010/main">
+                <a:solidFill>
+                  <a:srgbClr val="FFFFFF"/>
+                </a:solidFill>
+              </a14:hiddenFill>
+            </a:ext>
+          </a:extLst>
+        </p:spPr>
+      </p:pic>
+    </p:spTree>
+    <p:extLst>
+      <p:ext uri="{BB962C8B-B14F-4D97-AF65-F5344CB8AC3E}">
+        <p14:creationId xmlns:p14="http://schemas.microsoft.com/office/powerpoint/2010/main" val="535481249"/>
+      </p:ext>
+    </p:extLst>
+  </p:cSld>
+  <p:clrMapOvr>
+    <a:masterClrMapping/>
+  </p:clrMapOvr>
+</p:sld>
+</file>
+
+<file path=ppt/slides/slide21.xml><?xml version="1.0" encoding="utf-8"?>
+<p:sld xmlns:a="http://schemas.openxmlformats.org/drawingml/2006/main" xmlns:r="http://schemas.openxmlformats.org/officeDocument/2006/relationships" xmlns:p="http://schemas.openxmlformats.org/presentationml/2006/main">
+  <p:cSld>
+    <p:spTree>
+      <p:nvGrpSpPr>
+        <p:cNvPr id="1" name=""/>
+        <p:cNvGrpSpPr/>
+        <p:nvPr/>
+      </p:nvGrpSpPr>
+      <p:grpSpPr>
+        <a:xfrm>
+          <a:off x="0" y="0"/>
+          <a:ext cx="0" cy="0"/>
+          <a:chOff x="0" y="0"/>
+          <a:chExt cx="0" cy="0"/>
+        </a:xfrm>
+      </p:grpSpPr>
+      <p:sp>
+        <p:nvSpPr>
+          <p:cNvPr id="2" name="내용 개체 틀 1">
+            <a:extLst>
+              <a:ext uri="{FF2B5EF4-FFF2-40B4-BE49-F238E27FC236}">
+                <a16:creationId xmlns:a16="http://schemas.microsoft.com/office/drawing/2014/main" id="{88C751B4-BD8D-41D7-9986-77C054E5B78B}"/>
+              </a:ext>
+            </a:extLst>
+          </p:cNvPr>
+          <p:cNvSpPr>
+            <a:spLocks noGrp="1"/>
+          </p:cNvSpPr>
+          <p:nvPr>
+            <p:ph sz="half" idx="14"/>
+          </p:nvPr>
+        </p:nvSpPr>
+        <p:spPr/>
+        <p:txBody>
+          <a:bodyPr/>
+          <a:lstStyle/>
+          <a:p>
+            <a:r>
+              <a:rPr lang="ko-KR" altLang="en-US" dirty="0"/>
+              <a:t>국제 표준 제품 품질 특성</a:t>
+            </a:r>
+            <a:endParaRPr lang="en-US" altLang="ko-KR" dirty="0"/>
+          </a:p>
+          <a:p>
+            <a:pPr lvl="1"/>
+            <a:r>
+              <a:rPr lang="ko-KR" altLang="en-US" dirty="0"/>
+              <a:t>정의</a:t>
+            </a:r>
+            <a:r>
+              <a:rPr lang="en-US" altLang="ko-KR" dirty="0"/>
+              <a:t>: </a:t>
+            </a:r>
+            <a:r>
+              <a:rPr lang="ko-KR" altLang="en-US" dirty="0"/>
+              <a:t>품질을 평가하는 기준 항목</a:t>
+            </a:r>
+            <a:endParaRPr lang="en-US" altLang="ko-KR" dirty="0"/>
+          </a:p>
+          <a:p>
+            <a:r>
+              <a:rPr lang="en-US" altLang="ko-KR" dirty="0"/>
+              <a:t>ISO/IEC</a:t>
+            </a:r>
+            <a:r>
+              <a:rPr lang="ko-KR" altLang="en-US" dirty="0"/>
+              <a:t> </a:t>
+            </a:r>
+            <a:r>
+              <a:rPr lang="en-US" altLang="ko-KR" dirty="0"/>
+              <a:t>9126</a:t>
+            </a:r>
+          </a:p>
+          <a:p>
+            <a:pPr lvl="1"/>
+            <a:r>
+              <a:rPr lang="ko-KR" altLang="en-US" dirty="0"/>
+              <a:t>기능성</a:t>
+            </a:r>
+            <a:r>
+              <a:rPr lang="en-US" altLang="ko-KR" dirty="0"/>
+              <a:t>: </a:t>
+            </a:r>
+            <a:r>
+              <a:rPr lang="ko-KR" altLang="en-US" dirty="0"/>
+              <a:t>여러 환경에서 기능을 잘 하는지</a:t>
+            </a:r>
+            <a:endParaRPr lang="en-US" altLang="ko-KR" dirty="0"/>
+          </a:p>
+          <a:p>
+            <a:pPr lvl="1"/>
+            <a:r>
+              <a:rPr lang="ko-KR" altLang="en-US" dirty="0"/>
+              <a:t>신뢰성</a:t>
+            </a:r>
+            <a:r>
+              <a:rPr lang="en-US" altLang="ko-KR" dirty="0"/>
+              <a:t>: </a:t>
+            </a:r>
+            <a:r>
+              <a:rPr lang="ko-KR" altLang="en-US" dirty="0"/>
+              <a:t>기능에 에러가 얼마나 있는지</a:t>
+            </a:r>
+            <a:endParaRPr lang="en-US" altLang="ko-KR" dirty="0"/>
+          </a:p>
+          <a:p>
+            <a:pPr lvl="1"/>
+            <a:r>
+              <a:rPr lang="ko-KR" altLang="en-US" dirty="0"/>
+              <a:t>사용성</a:t>
+            </a:r>
+            <a:r>
+              <a:rPr lang="en-US" altLang="ko-KR" dirty="0"/>
+              <a:t>: </a:t>
+            </a:r>
+            <a:r>
+              <a:rPr lang="ko-KR" altLang="en-US" dirty="0"/>
+              <a:t>기능 사용이 편리한지</a:t>
+            </a:r>
+            <a:endParaRPr lang="en-US" altLang="ko-KR" dirty="0"/>
+          </a:p>
+          <a:p>
+            <a:pPr lvl="1"/>
+            <a:r>
+              <a:rPr lang="ko-KR" altLang="en-US" dirty="0"/>
+              <a:t>효율성</a:t>
+            </a:r>
+            <a:r>
+              <a:rPr lang="en-US" altLang="ko-KR" dirty="0"/>
+              <a:t>: </a:t>
+            </a:r>
+            <a:r>
+              <a:rPr lang="ko-KR" altLang="en-US" dirty="0"/>
+              <a:t>기능이 효율적인지</a:t>
+            </a:r>
+            <a:endParaRPr lang="en-US" altLang="ko-KR" dirty="0"/>
+          </a:p>
+          <a:p>
+            <a:pPr lvl="1"/>
+            <a:r>
+              <a:rPr lang="ko-KR" altLang="en-US" dirty="0"/>
+              <a:t>유지보수성</a:t>
+            </a:r>
+            <a:r>
+              <a:rPr lang="en-US" altLang="ko-KR" dirty="0"/>
+              <a:t>: </a:t>
+            </a:r>
+            <a:r>
+              <a:rPr lang="ko-KR" altLang="en-US" dirty="0"/>
+              <a:t>기능 변경이 쉬운지</a:t>
+            </a:r>
+            <a:endParaRPr lang="en-US" altLang="ko-KR" dirty="0"/>
+          </a:p>
+          <a:p>
+            <a:pPr lvl="1"/>
+            <a:r>
+              <a:rPr lang="ko-KR" altLang="en-US" dirty="0"/>
+              <a:t>이식성</a:t>
+            </a:r>
+            <a:r>
+              <a:rPr lang="en-US" altLang="ko-KR" dirty="0"/>
+              <a:t>: </a:t>
+            </a:r>
+            <a:r>
+              <a:rPr lang="ko-KR" altLang="en-US" dirty="0"/>
+              <a:t>다른 환경으로 옮기기가 쉬운지</a:t>
+            </a:r>
+            <a:endParaRPr lang="en-US" altLang="ko-KR" dirty="0"/>
+          </a:p>
+          <a:p>
+            <a:r>
+              <a:rPr lang="en-US" altLang="ko-KR" dirty="0"/>
+              <a:t>ISO/IEC 14598</a:t>
+            </a:r>
+          </a:p>
+          <a:p>
+            <a:pPr lvl="1"/>
+            <a:r>
+              <a:rPr lang="ko-KR" altLang="en-US" dirty="0"/>
+              <a:t>반복성</a:t>
+            </a:r>
+            <a:r>
+              <a:rPr lang="en-US" altLang="ko-KR" dirty="0"/>
+              <a:t>: </a:t>
+            </a:r>
+            <a:r>
+              <a:rPr lang="ko-KR" altLang="en-US" dirty="0"/>
+              <a:t>같은 환경에서 테스트 시 같은 결과가 나와야 함</a:t>
+            </a:r>
+            <a:endParaRPr lang="en-US" altLang="ko-KR" dirty="0"/>
+          </a:p>
+          <a:p>
+            <a:pPr lvl="1"/>
+            <a:r>
+              <a:rPr lang="ko-KR" altLang="en-US" dirty="0"/>
+              <a:t>재현성</a:t>
+            </a:r>
+            <a:r>
+              <a:rPr lang="en-US" altLang="ko-KR" dirty="0"/>
+              <a:t>: </a:t>
+            </a:r>
+            <a:r>
+              <a:rPr lang="ko-KR" altLang="en-US" dirty="0"/>
+              <a:t>다른 사용자가 반복성 테스트시 같은 결과</a:t>
+            </a:r>
+            <a:endParaRPr lang="en-US" altLang="ko-KR" dirty="0"/>
+          </a:p>
+          <a:p>
+            <a:pPr lvl="1"/>
+            <a:r>
+              <a:rPr lang="ko-KR" altLang="en-US" dirty="0"/>
+              <a:t>공정성</a:t>
+            </a:r>
+            <a:r>
+              <a:rPr lang="en-US" altLang="ko-KR" dirty="0"/>
+              <a:t>: </a:t>
+            </a:r>
+            <a:r>
+              <a:rPr lang="ko-KR" altLang="en-US" dirty="0"/>
+              <a:t>평가가 어떤 결과에 편향되지 말아야</a:t>
+            </a:r>
+            <a:endParaRPr lang="en-US" altLang="ko-KR" dirty="0"/>
+          </a:p>
+          <a:p>
+            <a:pPr lvl="1"/>
+            <a:r>
+              <a:rPr lang="ko-KR" altLang="en-US" dirty="0"/>
+              <a:t>객관성</a:t>
+            </a:r>
+            <a:r>
+              <a:rPr lang="en-US" altLang="ko-KR" dirty="0"/>
+              <a:t>: </a:t>
+            </a:r>
+            <a:r>
+              <a:rPr lang="ko-KR" altLang="en-US" dirty="0"/>
+              <a:t>평가는 객관적으로</a:t>
+            </a:r>
+            <a:endParaRPr lang="en-US" altLang="ko-KR" dirty="0"/>
+          </a:p>
+        </p:txBody>
+      </p:sp>
+      <p:sp>
+        <p:nvSpPr>
+          <p:cNvPr id="3" name="제목 2">
+            <a:extLst>
+              <a:ext uri="{FF2B5EF4-FFF2-40B4-BE49-F238E27FC236}">
+                <a16:creationId xmlns:a16="http://schemas.microsoft.com/office/drawing/2014/main" id="{6C8A2036-53EA-4AD3-AA38-A98C06AB7D8C}"/>
+              </a:ext>
+            </a:extLst>
+          </p:cNvPr>
+          <p:cNvSpPr>
+            <a:spLocks noGrp="1"/>
+          </p:cNvSpPr>
+          <p:nvPr>
+            <p:ph type="title"/>
+          </p:nvPr>
+        </p:nvSpPr>
+        <p:spPr/>
+        <p:txBody>
+          <a:bodyPr/>
+          <a:lstStyle/>
+          <a:p>
+            <a:r>
+              <a:rPr lang="ko-KR" altLang="en-US" dirty="0"/>
+              <a:t>국제 표준 제품 품질 특성</a:t>
+            </a:r>
+          </a:p>
+        </p:txBody>
+      </p:sp>
+      <p:sp>
+        <p:nvSpPr>
+          <p:cNvPr id="4" name="내용 개체 틀 3">
+            <a:extLst>
+              <a:ext uri="{FF2B5EF4-FFF2-40B4-BE49-F238E27FC236}">
+                <a16:creationId xmlns:a16="http://schemas.microsoft.com/office/drawing/2014/main" id="{697BEF01-A455-4A76-B4E1-1E4699687E82}"/>
+              </a:ext>
+            </a:extLst>
+          </p:cNvPr>
+          <p:cNvSpPr>
+            <a:spLocks noGrp="1"/>
+          </p:cNvSpPr>
+          <p:nvPr>
+            <p:ph sz="half" idx="2"/>
+          </p:nvPr>
+        </p:nvSpPr>
+        <p:spPr/>
+        <p:txBody>
+          <a:bodyPr/>
+          <a:lstStyle/>
+          <a:p>
+            <a:r>
+              <a:rPr lang="ko-KR" altLang="en-US" dirty="0"/>
+              <a:t>기타</a:t>
+            </a:r>
+            <a:endParaRPr lang="en-US" altLang="ko-KR" dirty="0"/>
+          </a:p>
+          <a:p>
+            <a:pPr lvl="1"/>
+            <a:r>
+              <a:rPr lang="ko-KR" altLang="en-US" dirty="0"/>
+              <a:t>내용이 너무 많고</a:t>
+            </a:r>
+            <a:r>
+              <a:rPr lang="en-US" altLang="ko-KR" dirty="0"/>
+              <a:t>, </a:t>
+            </a:r>
+            <a:r>
+              <a:rPr lang="ko-KR" altLang="en-US" dirty="0"/>
+              <a:t>외우기에는 무리</a:t>
+            </a:r>
+            <a:endParaRPr lang="en-US" altLang="ko-KR" dirty="0"/>
+          </a:p>
+          <a:p>
+            <a:pPr lvl="1"/>
+            <a:r>
+              <a:rPr lang="ko-KR" altLang="en-US" dirty="0"/>
+              <a:t>각 특성이 무엇인지 간단하게 알고 넘어가자</a:t>
+            </a:r>
+          </a:p>
+        </p:txBody>
+      </p:sp>
+      <p:sp>
+        <p:nvSpPr>
+          <p:cNvPr id="5" name="슬라이드 번호 개체 틀 4">
+            <a:extLst>
+              <a:ext uri="{FF2B5EF4-FFF2-40B4-BE49-F238E27FC236}">
+                <a16:creationId xmlns:a16="http://schemas.microsoft.com/office/drawing/2014/main" id="{308B5517-ED70-47E8-9FEF-97C52CD898CD}"/>
+              </a:ext>
+            </a:extLst>
+          </p:cNvPr>
+          <p:cNvSpPr>
+            <a:spLocks noGrp="1"/>
+          </p:cNvSpPr>
+          <p:nvPr>
+            <p:ph type="sldNum" sz="quarter" idx="12"/>
+          </p:nvPr>
+        </p:nvSpPr>
+        <p:spPr/>
+        <p:txBody>
+          <a:bodyPr/>
+          <a:lstStyle/>
+          <a:p>
+            <a:fld id="{89BED30C-66D9-4104-96BC-081A506F0CF0}" type="slidenum">
+              <a:rPr lang="ko-KR" altLang="en-US" smtClean="0"/>
+              <a:t>21</a:t>
+            </a:fld>
+            <a:endParaRPr lang="ko-KR" altLang="en-US"/>
+          </a:p>
+        </p:txBody>
+      </p:sp>
+      <p:sp>
+        <p:nvSpPr>
+          <p:cNvPr id="6" name="바닥글 개체 틀 5">
+            <a:extLst>
+              <a:ext uri="{FF2B5EF4-FFF2-40B4-BE49-F238E27FC236}">
+                <a16:creationId xmlns:a16="http://schemas.microsoft.com/office/drawing/2014/main" id="{14BCE15F-1D5C-4386-842D-0304771BE379}"/>
+              </a:ext>
+            </a:extLst>
+          </p:cNvPr>
+          <p:cNvSpPr>
+            <a:spLocks noGrp="1"/>
+          </p:cNvSpPr>
+          <p:nvPr>
+            <p:ph type="ftr" sz="quarter" idx="3"/>
+          </p:nvPr>
+        </p:nvSpPr>
+        <p:spPr/>
+        <p:txBody>
+          <a:bodyPr/>
+          <a:lstStyle/>
+          <a:p>
+            <a:pPr algn="l"/>
+            <a:r>
+              <a:rPr lang="en-US" altLang="ko-KR"/>
+              <a:t>Nibble</a:t>
+            </a:r>
+            <a:endParaRPr lang="ko-KR" altLang="en-US" dirty="0"/>
+          </a:p>
+        </p:txBody>
+      </p:sp>
+      <p:sp>
+        <p:nvSpPr>
+          <p:cNvPr id="7" name="날짜 개체 틀 6">
+            <a:extLst>
+              <a:ext uri="{FF2B5EF4-FFF2-40B4-BE49-F238E27FC236}">
+                <a16:creationId xmlns:a16="http://schemas.microsoft.com/office/drawing/2014/main" id="{8F45A9E2-3953-4E9F-9E2D-3D43CB35CC4B}"/>
+              </a:ext>
+            </a:extLst>
+          </p:cNvPr>
+          <p:cNvSpPr>
+            <a:spLocks noGrp="1"/>
+          </p:cNvSpPr>
+          <p:nvPr>
+            <p:ph type="dt" sz="half" idx="13"/>
+          </p:nvPr>
+        </p:nvSpPr>
+        <p:spPr/>
+        <p:txBody>
+          <a:bodyPr/>
+          <a:lstStyle/>
+          <a:p>
+            <a:fld id="{B226B4E6-2447-4D67-A511-B13A2182F919}" type="datetime5">
+              <a:rPr lang="ko-KR" altLang="en-US" smtClean="0"/>
+              <a:t>2021/7/31</a:t>
+            </a:fld>
+            <a:endParaRPr lang="ko-KR" altLang="en-US" dirty="0"/>
+          </a:p>
+        </p:txBody>
+      </p:sp>
+    </p:spTree>
+    <p:extLst>
+      <p:ext uri="{BB962C8B-B14F-4D97-AF65-F5344CB8AC3E}">
+        <p14:creationId xmlns:p14="http://schemas.microsoft.com/office/powerpoint/2010/main" val="2889698864"/>
+      </p:ext>
+    </p:extLst>
+  </p:cSld>
+  <p:clrMapOvr>
+    <a:masterClrMapping/>
+  </p:clrMapOvr>
+</p:sld>
+</file>
+
+<file path=ppt/slides/slide22.xml><?xml version="1.0" encoding="utf-8"?>
+<p:sld xmlns:a="http://schemas.openxmlformats.org/drawingml/2006/main" xmlns:r="http://schemas.openxmlformats.org/officeDocument/2006/relationships" xmlns:p="http://schemas.openxmlformats.org/presentationml/2006/main">
+  <p:cSld>
+    <p:spTree>
+      <p:nvGrpSpPr>
+        <p:cNvPr id="1" name=""/>
+        <p:cNvGrpSpPr/>
+        <p:nvPr/>
+      </p:nvGrpSpPr>
+      <p:grpSpPr>
+        <a:xfrm>
+          <a:off x="0" y="0"/>
+          <a:ext cx="0" cy="0"/>
+          <a:chOff x="0" y="0"/>
+          <a:chExt cx="0" cy="0"/>
+        </a:xfrm>
+      </p:grpSpPr>
+      <p:sp>
+        <p:nvSpPr>
+          <p:cNvPr id="2" name="내용 개체 틀 1">
+            <a:extLst>
+              <a:ext uri="{FF2B5EF4-FFF2-40B4-BE49-F238E27FC236}">
+                <a16:creationId xmlns:a16="http://schemas.microsoft.com/office/drawing/2014/main" id="{94916CB5-F7BF-41F1-80E2-DE4191893AA0}"/>
+              </a:ext>
+            </a:extLst>
+          </p:cNvPr>
+          <p:cNvSpPr>
+            <a:spLocks noGrp="1"/>
+          </p:cNvSpPr>
+          <p:nvPr>
+            <p:ph sz="half" idx="14"/>
+          </p:nvPr>
+        </p:nvSpPr>
+        <p:spPr/>
+        <p:txBody>
+          <a:bodyPr/>
+          <a:lstStyle/>
+          <a:p>
+            <a:r>
+              <a:rPr lang="en-US" altLang="ko-KR" dirty="0"/>
+              <a:t>SW </a:t>
+            </a:r>
+            <a:r>
+              <a:rPr lang="ko-KR" altLang="en-US" dirty="0"/>
+              <a:t>위기</a:t>
+            </a:r>
+            <a:endParaRPr lang="en-US" altLang="ko-KR" dirty="0"/>
+          </a:p>
+          <a:p>
+            <a:pPr lvl="1"/>
+            <a:r>
+              <a:rPr lang="ko-KR" altLang="en-US" dirty="0"/>
+              <a:t>정의</a:t>
+            </a:r>
+            <a:endParaRPr lang="en-US" altLang="ko-KR" dirty="0"/>
+          </a:p>
+          <a:p>
+            <a:pPr lvl="2"/>
+            <a:r>
+              <a:rPr lang="en-US" altLang="ko-KR" dirty="0"/>
+              <a:t>SW</a:t>
+            </a:r>
+            <a:r>
+              <a:rPr lang="ko-KR" altLang="en-US" dirty="0"/>
+              <a:t>가 사용자의 요구사항 충족시키지 못함</a:t>
+            </a:r>
+            <a:endParaRPr lang="en-US" altLang="ko-KR" dirty="0"/>
+          </a:p>
+          <a:p>
+            <a:pPr lvl="2"/>
+            <a:r>
+              <a:rPr lang="en-US" altLang="ko-KR" dirty="0"/>
+              <a:t>SW </a:t>
+            </a:r>
+            <a:r>
+              <a:rPr lang="ko-KR" altLang="en-US" dirty="0"/>
+              <a:t>개발 속도가 </a:t>
+            </a:r>
+            <a:r>
+              <a:rPr lang="en-US" altLang="ko-KR" dirty="0"/>
+              <a:t>HW </a:t>
+            </a:r>
+            <a:r>
+              <a:rPr lang="ko-KR" altLang="en-US" dirty="0"/>
+              <a:t>개발 속도보다 느려서 발생</a:t>
+            </a:r>
+            <a:endParaRPr lang="en-US" altLang="ko-KR" dirty="0"/>
+          </a:p>
+          <a:p>
+            <a:r>
+              <a:rPr lang="en-US" altLang="ko-KR" dirty="0"/>
+              <a:t>SW </a:t>
+            </a:r>
+            <a:r>
+              <a:rPr lang="ko-KR" altLang="en-US" dirty="0"/>
+              <a:t>공학</a:t>
+            </a:r>
+            <a:endParaRPr lang="en-US" altLang="ko-KR" dirty="0"/>
+          </a:p>
+          <a:p>
+            <a:pPr lvl="1"/>
+            <a:r>
+              <a:rPr lang="ko-KR" altLang="en-US" dirty="0"/>
+              <a:t>정의</a:t>
+            </a:r>
+            <a:r>
+              <a:rPr lang="en-US" altLang="ko-KR" dirty="0"/>
+              <a:t>: SW </a:t>
+            </a:r>
+            <a:r>
+              <a:rPr lang="ko-KR" altLang="en-US" dirty="0"/>
+              <a:t>위기를 극복하기위한 학문</a:t>
+            </a:r>
+            <a:endParaRPr lang="en-US" altLang="ko-KR" dirty="0"/>
+          </a:p>
+          <a:p>
+            <a:pPr lvl="1"/>
+            <a:r>
+              <a:rPr lang="ko-KR" altLang="en-US" dirty="0"/>
+              <a:t>관련 법칙</a:t>
+            </a:r>
+            <a:endParaRPr lang="en-US" altLang="ko-KR" dirty="0"/>
+          </a:p>
+          <a:p>
+            <a:pPr lvl="2"/>
+            <a:r>
+              <a:rPr lang="ko-KR" altLang="en-US" dirty="0"/>
+              <a:t>브룩스의 법칙 </a:t>
+            </a:r>
+            <a:r>
+              <a:rPr lang="en-US" altLang="ko-KR" dirty="0"/>
+              <a:t>(Brook’s Law)</a:t>
+            </a:r>
+          </a:p>
+          <a:p>
+            <a:pPr lvl="3"/>
+            <a:r>
+              <a:rPr lang="ko-KR" altLang="en-US" dirty="0"/>
+              <a:t>지체되는 프로젝트에 인력 추가 투자는 더 지체되게 할 뿐</a:t>
+            </a:r>
+            <a:endParaRPr lang="en-US" altLang="ko-KR" dirty="0"/>
+          </a:p>
+          <a:p>
+            <a:pPr lvl="2"/>
+            <a:r>
+              <a:rPr lang="ko-KR" altLang="en-US" dirty="0"/>
+              <a:t>파레토 법칙 </a:t>
+            </a:r>
+            <a:r>
+              <a:rPr lang="en-US" altLang="ko-KR" dirty="0"/>
+              <a:t>(Pareto Principle)</a:t>
+            </a:r>
+          </a:p>
+          <a:p>
+            <a:pPr lvl="3"/>
+            <a:r>
+              <a:rPr lang="ko-KR" altLang="en-US" dirty="0"/>
+              <a:t>결과의 </a:t>
+            </a:r>
+            <a:r>
+              <a:rPr lang="en-US" altLang="ko-KR" dirty="0"/>
+              <a:t>80%</a:t>
+            </a:r>
+            <a:r>
+              <a:rPr lang="ko-KR" altLang="en-US" dirty="0"/>
+              <a:t>가 </a:t>
+            </a:r>
+            <a:r>
+              <a:rPr lang="en-US" altLang="ko-KR" dirty="0"/>
+              <a:t>20%</a:t>
+            </a:r>
+            <a:r>
+              <a:rPr lang="ko-KR" altLang="en-US" dirty="0"/>
+              <a:t>의 원인에 의해 일어난다</a:t>
+            </a:r>
+            <a:endParaRPr lang="en-US" altLang="ko-KR" dirty="0"/>
+          </a:p>
+          <a:p>
+            <a:pPr lvl="3"/>
+            <a:r>
+              <a:rPr lang="ko-KR" altLang="en-US" dirty="0"/>
+              <a:t>결함이 어딘 가에 집중되어 있다</a:t>
+            </a:r>
+            <a:endParaRPr lang="en-US" altLang="ko-KR" dirty="0"/>
+          </a:p>
+          <a:p>
+            <a:pPr lvl="2"/>
+            <a:r>
+              <a:rPr lang="ko-KR" altLang="en-US" dirty="0"/>
+              <a:t>롱테일 법칙 </a:t>
+            </a:r>
+            <a:r>
+              <a:rPr lang="en-US" altLang="ko-KR" dirty="0"/>
+              <a:t>(Long Tail)</a:t>
+            </a:r>
+          </a:p>
+          <a:p>
+            <a:pPr lvl="3"/>
+            <a:r>
+              <a:rPr lang="ko-KR" altLang="en-US" dirty="0"/>
+              <a:t>사소해 보이는 </a:t>
+            </a:r>
+            <a:r>
+              <a:rPr lang="en-US" altLang="ko-KR" dirty="0"/>
+              <a:t>80%</a:t>
+            </a:r>
+            <a:r>
+              <a:rPr lang="ko-KR" altLang="en-US" dirty="0"/>
+              <a:t>가 </a:t>
+            </a:r>
+            <a:r>
+              <a:rPr lang="en-US" altLang="ko-KR" dirty="0"/>
+              <a:t>20%</a:t>
+            </a:r>
+            <a:r>
+              <a:rPr lang="ko-KR" altLang="en-US" dirty="0"/>
+              <a:t>의 핵심보다 뛰어난 가치를 창출한다</a:t>
+            </a:r>
+            <a:endParaRPr lang="en-US" altLang="ko-KR" dirty="0"/>
+          </a:p>
+        </p:txBody>
+      </p:sp>
+      <p:sp>
+        <p:nvSpPr>
+          <p:cNvPr id="3" name="제목 2">
+            <a:extLst>
+              <a:ext uri="{FF2B5EF4-FFF2-40B4-BE49-F238E27FC236}">
+                <a16:creationId xmlns:a16="http://schemas.microsoft.com/office/drawing/2014/main" id="{21766618-FA18-4279-89EF-7BD474DBFD81}"/>
+              </a:ext>
+            </a:extLst>
+          </p:cNvPr>
+          <p:cNvSpPr>
+            <a:spLocks noGrp="1"/>
+          </p:cNvSpPr>
+          <p:nvPr>
+            <p:ph type="title"/>
+          </p:nvPr>
+        </p:nvSpPr>
+        <p:spPr/>
+        <p:txBody>
+          <a:bodyPr/>
+          <a:lstStyle/>
+          <a:p>
+            <a:r>
+              <a:rPr lang="en-US" altLang="ko-KR" dirty="0"/>
+              <a:t>SW </a:t>
+            </a:r>
+            <a:r>
+              <a:rPr lang="ko-KR" altLang="en-US" dirty="0"/>
+              <a:t>공학</a:t>
+            </a:r>
+          </a:p>
+        </p:txBody>
+      </p:sp>
+      <p:sp>
+        <p:nvSpPr>
+          <p:cNvPr id="4" name="내용 개체 틀 3">
+            <a:extLst>
+              <a:ext uri="{FF2B5EF4-FFF2-40B4-BE49-F238E27FC236}">
+                <a16:creationId xmlns:a16="http://schemas.microsoft.com/office/drawing/2014/main" id="{17B7EF21-7AE9-4AAD-8A6F-629363249056}"/>
+              </a:ext>
+            </a:extLst>
+          </p:cNvPr>
+          <p:cNvSpPr>
+            <a:spLocks noGrp="1"/>
+          </p:cNvSpPr>
+          <p:nvPr>
+            <p:ph sz="half" idx="2"/>
+          </p:nvPr>
+        </p:nvSpPr>
+        <p:spPr/>
+        <p:txBody>
+          <a:bodyPr/>
+          <a:lstStyle/>
+          <a:p>
+            <a:endParaRPr lang="ko-KR" altLang="en-US"/>
+          </a:p>
+        </p:txBody>
+      </p:sp>
+      <p:sp>
+        <p:nvSpPr>
+          <p:cNvPr id="5" name="슬라이드 번호 개체 틀 4">
+            <a:extLst>
+              <a:ext uri="{FF2B5EF4-FFF2-40B4-BE49-F238E27FC236}">
+                <a16:creationId xmlns:a16="http://schemas.microsoft.com/office/drawing/2014/main" id="{A67CBFA9-CCAC-4CEF-AE42-F2731D09E6C1}"/>
+              </a:ext>
+            </a:extLst>
+          </p:cNvPr>
+          <p:cNvSpPr>
+            <a:spLocks noGrp="1"/>
+          </p:cNvSpPr>
+          <p:nvPr>
+            <p:ph type="sldNum" sz="quarter" idx="12"/>
+          </p:nvPr>
+        </p:nvSpPr>
+        <p:spPr/>
+        <p:txBody>
+          <a:bodyPr/>
+          <a:lstStyle/>
+          <a:p>
+            <a:fld id="{89BED30C-66D9-4104-96BC-081A506F0CF0}" type="slidenum">
+              <a:rPr lang="ko-KR" altLang="en-US" smtClean="0"/>
+              <a:t>22</a:t>
+            </a:fld>
+            <a:endParaRPr lang="ko-KR" altLang="en-US"/>
+          </a:p>
+        </p:txBody>
+      </p:sp>
+      <p:sp>
+        <p:nvSpPr>
+          <p:cNvPr id="6" name="바닥글 개체 틀 5">
+            <a:extLst>
+              <a:ext uri="{FF2B5EF4-FFF2-40B4-BE49-F238E27FC236}">
+                <a16:creationId xmlns:a16="http://schemas.microsoft.com/office/drawing/2014/main" id="{634ECDFB-B00D-46C5-8208-091E75EE2356}"/>
+              </a:ext>
+            </a:extLst>
+          </p:cNvPr>
+          <p:cNvSpPr>
+            <a:spLocks noGrp="1"/>
+          </p:cNvSpPr>
+          <p:nvPr>
+            <p:ph type="ftr" sz="quarter" idx="3"/>
+          </p:nvPr>
+        </p:nvSpPr>
+        <p:spPr/>
+        <p:txBody>
+          <a:bodyPr/>
+          <a:lstStyle/>
+          <a:p>
+            <a:pPr algn="l"/>
+            <a:r>
+              <a:rPr lang="en-US" altLang="ko-KR"/>
+              <a:t>Nibble</a:t>
+            </a:r>
+            <a:endParaRPr lang="ko-KR" altLang="en-US" dirty="0"/>
+          </a:p>
+        </p:txBody>
+      </p:sp>
+      <p:sp>
+        <p:nvSpPr>
+          <p:cNvPr id="7" name="날짜 개체 틀 6">
+            <a:extLst>
+              <a:ext uri="{FF2B5EF4-FFF2-40B4-BE49-F238E27FC236}">
+                <a16:creationId xmlns:a16="http://schemas.microsoft.com/office/drawing/2014/main" id="{E7BC42A6-8671-4318-97B2-A450747AFA0D}"/>
+              </a:ext>
+            </a:extLst>
+          </p:cNvPr>
+          <p:cNvSpPr>
+            <a:spLocks noGrp="1"/>
+          </p:cNvSpPr>
+          <p:nvPr>
+            <p:ph type="dt" sz="half" idx="13"/>
+          </p:nvPr>
+        </p:nvSpPr>
+        <p:spPr/>
+        <p:txBody>
+          <a:bodyPr/>
+          <a:lstStyle/>
+          <a:p>
+            <a:fld id="{B226B4E6-2447-4D67-A511-B13A2182F919}" type="datetime5">
+              <a:rPr lang="ko-KR" altLang="en-US" smtClean="0"/>
+              <a:t>2021/7/31</a:t>
+            </a:fld>
+            <a:endParaRPr lang="ko-KR" altLang="en-US" dirty="0"/>
+          </a:p>
+        </p:txBody>
+      </p:sp>
+    </p:spTree>
+    <p:extLst>
+      <p:ext uri="{BB962C8B-B14F-4D97-AF65-F5344CB8AC3E}">
+        <p14:creationId xmlns:p14="http://schemas.microsoft.com/office/powerpoint/2010/main" val="2408028171"/>
+      </p:ext>
+    </p:extLst>
+  </p:cSld>
+  <p:clrMapOvr>
+    <a:masterClrMapping/>
+  </p:clrMapOvr>
+</p:sld>
+</file>
+
+<file path=ppt/slides/slide23.xml><?xml version="1.0" encoding="utf-8"?>
+<p:sld xmlns:a="http://schemas.openxmlformats.org/drawingml/2006/main" xmlns:r="http://schemas.openxmlformats.org/officeDocument/2006/relationships" xmlns:p="http://schemas.openxmlformats.org/presentationml/2006/main">
+  <p:cSld>
+    <p:spTree>
+      <p:nvGrpSpPr>
+        <p:cNvPr id="1" name=""/>
+        <p:cNvGrpSpPr/>
+        <p:nvPr/>
+      </p:nvGrpSpPr>
+      <p:grpSpPr>
+        <a:xfrm>
+          <a:off x="0" y="0"/>
+          <a:ext cx="0" cy="0"/>
+          <a:chOff x="0" y="0"/>
+          <a:chExt cx="0" cy="0"/>
+        </a:xfrm>
+      </p:grpSpPr>
+      <p:sp>
+        <p:nvSpPr>
+          <p:cNvPr id="2" name="내용 개체 틀 1">
+            <a:extLst>
+              <a:ext uri="{FF2B5EF4-FFF2-40B4-BE49-F238E27FC236}">
+                <a16:creationId xmlns:a16="http://schemas.microsoft.com/office/drawing/2014/main" id="{0B471578-8FC7-4A38-BA1A-E6F5459DDFEE}"/>
+              </a:ext>
+            </a:extLst>
+          </p:cNvPr>
+          <p:cNvSpPr>
+            <a:spLocks noGrp="1"/>
+          </p:cNvSpPr>
+          <p:nvPr>
+            <p:ph sz="half" idx="14"/>
+          </p:nvPr>
+        </p:nvSpPr>
+        <p:spPr/>
+        <p:txBody>
+          <a:bodyPr/>
+          <a:lstStyle/>
+          <a:p>
+            <a:r>
+              <a:rPr lang="en-US" altLang="ko-KR" dirty="0"/>
+              <a:t>SW </a:t>
+            </a:r>
+            <a:r>
+              <a:rPr lang="ko-KR" altLang="en-US" dirty="0"/>
+              <a:t>버전 관리 도구</a:t>
+            </a:r>
+            <a:endParaRPr lang="en-US" altLang="ko-KR" dirty="0"/>
+          </a:p>
+          <a:p>
+            <a:pPr lvl="1"/>
+            <a:r>
+              <a:rPr lang="ko-KR" altLang="en-US" dirty="0"/>
+              <a:t>정의</a:t>
+            </a:r>
+            <a:r>
+              <a:rPr lang="en-US" altLang="ko-KR" dirty="0"/>
+              <a:t>: SW</a:t>
+            </a:r>
+            <a:r>
+              <a:rPr lang="ko-KR" altLang="en-US" dirty="0"/>
+              <a:t>의 개발 변경 등을 관리하는 도구</a:t>
+            </a:r>
+            <a:endParaRPr lang="en-US" altLang="ko-KR" dirty="0"/>
+          </a:p>
+          <a:p>
+            <a:pPr lvl="1"/>
+            <a:r>
+              <a:rPr lang="ko-KR" altLang="en-US" dirty="0"/>
+              <a:t>유형</a:t>
+            </a:r>
+            <a:endParaRPr lang="en-US" altLang="ko-KR" dirty="0"/>
+          </a:p>
+          <a:p>
+            <a:pPr lvl="2"/>
+            <a:r>
+              <a:rPr lang="ko-KR" altLang="en-US" dirty="0"/>
+              <a:t>공유 폴더 방식</a:t>
+            </a:r>
+            <a:r>
+              <a:rPr lang="en-US" altLang="ko-KR" dirty="0"/>
+              <a:t>: RCS, SCCS</a:t>
+            </a:r>
+          </a:p>
+          <a:p>
+            <a:pPr lvl="3"/>
+            <a:r>
+              <a:rPr lang="ko-KR" altLang="en-US" dirty="0"/>
+              <a:t>개발 완료 파일을 약속된 위치의 공유 폴더에</a:t>
+            </a:r>
+            <a:endParaRPr lang="en-US" altLang="ko-KR" dirty="0"/>
+          </a:p>
+          <a:p>
+            <a:pPr lvl="2"/>
+            <a:r>
+              <a:rPr lang="ko-KR" altLang="en-US" dirty="0"/>
+              <a:t>클라이언트</a:t>
+            </a:r>
+            <a:r>
+              <a:rPr lang="en-US" altLang="ko-KR" dirty="0"/>
+              <a:t>/</a:t>
+            </a:r>
+            <a:r>
+              <a:rPr lang="ko-KR" altLang="en-US" dirty="0"/>
+              <a:t>서버 방식</a:t>
+            </a:r>
+            <a:r>
+              <a:rPr lang="en-US" altLang="ko-KR" dirty="0"/>
+              <a:t>: CVS, SVN</a:t>
+            </a:r>
+          </a:p>
+          <a:p>
+            <a:pPr lvl="3"/>
+            <a:r>
+              <a:rPr lang="ko-KR" altLang="en-US" dirty="0"/>
+              <a:t>중앙에 관리 시스템을 동작 시킴</a:t>
+            </a:r>
+            <a:endParaRPr lang="en-US" altLang="ko-KR" dirty="0"/>
+          </a:p>
+          <a:p>
+            <a:pPr lvl="2"/>
+            <a:r>
+              <a:rPr lang="ko-KR" altLang="en-US" dirty="0"/>
+              <a:t>분산 저장소 방식</a:t>
+            </a:r>
+            <a:r>
+              <a:rPr lang="en-US" altLang="ko-KR" dirty="0"/>
+              <a:t>: Git, Bitkeeper</a:t>
+            </a:r>
+          </a:p>
+          <a:p>
+            <a:pPr lvl="3"/>
+            <a:r>
+              <a:rPr lang="ko-KR" altLang="en-US" dirty="0"/>
+              <a:t>로컬 저장소와 원격 저장소로 분리</a:t>
+            </a:r>
+            <a:endParaRPr lang="en-US" altLang="ko-KR" dirty="0"/>
+          </a:p>
+          <a:p>
+            <a:pPr lvl="3"/>
+            <a:r>
+              <a:rPr lang="en-US" altLang="ko-KR" dirty="0"/>
+              <a:t>Commit </a:t>
+            </a:r>
+            <a:r>
+              <a:rPr lang="ko-KR" altLang="en-US" dirty="0"/>
+              <a:t>후 </a:t>
+            </a:r>
+            <a:r>
+              <a:rPr lang="en-US" altLang="ko-KR" dirty="0"/>
+              <a:t>Push</a:t>
+            </a:r>
+          </a:p>
+          <a:p>
+            <a:pPr lvl="1"/>
+            <a:r>
+              <a:rPr lang="ko-KR" altLang="en-US" dirty="0"/>
+              <a:t>사용</a:t>
+            </a:r>
+            <a:endParaRPr lang="en-US" altLang="ko-KR" dirty="0"/>
+          </a:p>
+          <a:p>
+            <a:pPr lvl="2"/>
+            <a:r>
+              <a:rPr lang="ko-KR" altLang="en-US" dirty="0"/>
+              <a:t>버전 관리</a:t>
+            </a:r>
+            <a:r>
+              <a:rPr lang="en-US" altLang="ko-KR" dirty="0"/>
+              <a:t>, </a:t>
+            </a:r>
+            <a:r>
+              <a:rPr lang="ko-KR" altLang="en-US" dirty="0"/>
+              <a:t>백업 및 복구</a:t>
+            </a:r>
+            <a:endParaRPr lang="en-US" altLang="ko-KR" dirty="0"/>
+          </a:p>
+          <a:p>
+            <a:pPr lvl="2"/>
+            <a:r>
+              <a:rPr lang="ko-KR" altLang="en-US" dirty="0"/>
+              <a:t>동시 공동 작업</a:t>
+            </a:r>
+            <a:endParaRPr lang="en-US" altLang="ko-KR" dirty="0"/>
+          </a:p>
+          <a:p>
+            <a:pPr lvl="2"/>
+            <a:r>
+              <a:rPr lang="ko-KR" altLang="en-US" dirty="0"/>
+              <a:t>여러 버전 솔루션 작업</a:t>
+            </a:r>
+            <a:endParaRPr lang="en-US" altLang="ko-KR" dirty="0"/>
+          </a:p>
+          <a:p>
+            <a:pPr lvl="3"/>
+            <a:endParaRPr lang="ko-KR" altLang="en-US" dirty="0"/>
+          </a:p>
+        </p:txBody>
+      </p:sp>
+      <p:sp>
+        <p:nvSpPr>
+          <p:cNvPr id="3" name="제목 2">
+            <a:extLst>
+              <a:ext uri="{FF2B5EF4-FFF2-40B4-BE49-F238E27FC236}">
+                <a16:creationId xmlns:a16="http://schemas.microsoft.com/office/drawing/2014/main" id="{F492367D-7F2D-4A43-AFE9-20485A3BED80}"/>
+              </a:ext>
+            </a:extLst>
+          </p:cNvPr>
+          <p:cNvSpPr>
+            <a:spLocks noGrp="1"/>
+          </p:cNvSpPr>
+          <p:nvPr>
+            <p:ph type="title"/>
+          </p:nvPr>
+        </p:nvSpPr>
+        <p:spPr/>
+        <p:txBody>
+          <a:bodyPr/>
+          <a:lstStyle/>
+          <a:p>
+            <a:r>
+              <a:rPr lang="en-US" altLang="ko-KR" dirty="0"/>
+              <a:t>SW </a:t>
+            </a:r>
+            <a:r>
+              <a:rPr lang="ko-KR" altLang="en-US" dirty="0"/>
+              <a:t>버전 관리 도구</a:t>
+            </a:r>
+          </a:p>
+        </p:txBody>
+      </p:sp>
+      <p:sp>
+        <p:nvSpPr>
+          <p:cNvPr id="4" name="내용 개체 틀 3">
+            <a:extLst>
+              <a:ext uri="{FF2B5EF4-FFF2-40B4-BE49-F238E27FC236}">
+                <a16:creationId xmlns:a16="http://schemas.microsoft.com/office/drawing/2014/main" id="{AC49D7B7-CDDD-422D-9306-45EEAD6C0F0C}"/>
+              </a:ext>
+            </a:extLst>
+          </p:cNvPr>
+          <p:cNvSpPr>
+            <a:spLocks noGrp="1"/>
+          </p:cNvSpPr>
+          <p:nvPr>
+            <p:ph sz="half" idx="2"/>
+          </p:nvPr>
+        </p:nvSpPr>
+        <p:spPr/>
+        <p:txBody>
+          <a:bodyPr/>
+          <a:lstStyle/>
+          <a:p>
+            <a:endParaRPr lang="ko-KR" altLang="en-US"/>
+          </a:p>
+        </p:txBody>
+      </p:sp>
+      <p:sp>
+        <p:nvSpPr>
+          <p:cNvPr id="5" name="슬라이드 번호 개체 틀 4">
+            <a:extLst>
+              <a:ext uri="{FF2B5EF4-FFF2-40B4-BE49-F238E27FC236}">
+                <a16:creationId xmlns:a16="http://schemas.microsoft.com/office/drawing/2014/main" id="{C2A13D0C-8730-4E5A-8D81-D984BB9540A7}"/>
+              </a:ext>
+            </a:extLst>
+          </p:cNvPr>
+          <p:cNvSpPr>
+            <a:spLocks noGrp="1"/>
+          </p:cNvSpPr>
+          <p:nvPr>
+            <p:ph type="sldNum" sz="quarter" idx="12"/>
+          </p:nvPr>
+        </p:nvSpPr>
+        <p:spPr/>
+        <p:txBody>
+          <a:bodyPr/>
+          <a:lstStyle/>
+          <a:p>
+            <a:fld id="{89BED30C-66D9-4104-96BC-081A506F0CF0}" type="slidenum">
+              <a:rPr lang="ko-KR" altLang="en-US" smtClean="0"/>
+              <a:t>23</a:t>
+            </a:fld>
+            <a:endParaRPr lang="ko-KR" altLang="en-US"/>
+          </a:p>
+        </p:txBody>
+      </p:sp>
+      <p:sp>
+        <p:nvSpPr>
+          <p:cNvPr id="6" name="바닥글 개체 틀 5">
+            <a:extLst>
+              <a:ext uri="{FF2B5EF4-FFF2-40B4-BE49-F238E27FC236}">
+                <a16:creationId xmlns:a16="http://schemas.microsoft.com/office/drawing/2014/main" id="{8A2692D3-7B4A-43C2-908F-C6587659E589}"/>
+              </a:ext>
+            </a:extLst>
+          </p:cNvPr>
+          <p:cNvSpPr>
+            <a:spLocks noGrp="1"/>
+          </p:cNvSpPr>
+          <p:nvPr>
+            <p:ph type="ftr" sz="quarter" idx="3"/>
+          </p:nvPr>
+        </p:nvSpPr>
+        <p:spPr/>
+        <p:txBody>
+          <a:bodyPr/>
+          <a:lstStyle/>
+          <a:p>
+            <a:pPr algn="l"/>
+            <a:r>
+              <a:rPr lang="en-US" altLang="ko-KR"/>
+              <a:t>Nibble</a:t>
+            </a:r>
+            <a:endParaRPr lang="ko-KR" altLang="en-US" dirty="0"/>
+          </a:p>
+        </p:txBody>
+      </p:sp>
+      <p:sp>
+        <p:nvSpPr>
+          <p:cNvPr id="7" name="날짜 개체 틀 6">
+            <a:extLst>
+              <a:ext uri="{FF2B5EF4-FFF2-40B4-BE49-F238E27FC236}">
+                <a16:creationId xmlns:a16="http://schemas.microsoft.com/office/drawing/2014/main" id="{DC8184F8-F123-44F1-9B94-D2A81084E4FB}"/>
+              </a:ext>
+            </a:extLst>
+          </p:cNvPr>
+          <p:cNvSpPr>
+            <a:spLocks noGrp="1"/>
+          </p:cNvSpPr>
+          <p:nvPr>
+            <p:ph type="dt" sz="half" idx="13"/>
+          </p:nvPr>
+        </p:nvSpPr>
+        <p:spPr/>
+        <p:txBody>
+          <a:bodyPr/>
+          <a:lstStyle/>
+          <a:p>
+            <a:fld id="{B226B4E6-2447-4D67-A511-B13A2182F919}" type="datetime5">
+              <a:rPr lang="ko-KR" altLang="en-US" smtClean="0"/>
+              <a:t>2021/7/31</a:t>
+            </a:fld>
+            <a:endParaRPr lang="ko-KR" altLang="en-US" dirty="0"/>
+          </a:p>
+        </p:txBody>
+      </p:sp>
+    </p:spTree>
+    <p:extLst>
+      <p:ext uri="{BB962C8B-B14F-4D97-AF65-F5344CB8AC3E}">
+        <p14:creationId xmlns:p14="http://schemas.microsoft.com/office/powerpoint/2010/main" val="3456322093"/>
+      </p:ext>
+    </p:extLst>
+  </p:cSld>
+  <p:clrMapOvr>
+    <a:masterClrMapping/>
+  </p:clrMapOvr>
+</p:sld>
+</file>
+
+<file path=ppt/slides/slide24.xml><?xml version="1.0" encoding="utf-8"?>
+<p:sld xmlns:a="http://schemas.openxmlformats.org/drawingml/2006/main" xmlns:r="http://schemas.openxmlformats.org/officeDocument/2006/relationships" xmlns:p="http://schemas.openxmlformats.org/presentationml/2006/main">
+  <p:cSld>
+    <p:spTree>
+      <p:nvGrpSpPr>
+        <p:cNvPr id="1" name=""/>
+        <p:cNvGrpSpPr/>
+        <p:nvPr/>
+      </p:nvGrpSpPr>
+      <p:grpSpPr>
+        <a:xfrm>
+          <a:off x="0" y="0"/>
+          <a:ext cx="0" cy="0"/>
+          <a:chOff x="0" y="0"/>
+          <a:chExt cx="0" cy="0"/>
+        </a:xfrm>
+      </p:grpSpPr>
+      <p:sp>
+        <p:nvSpPr>
+          <p:cNvPr id="2" name="내용 개체 틀 1">
+            <a:extLst>
+              <a:ext uri="{FF2B5EF4-FFF2-40B4-BE49-F238E27FC236}">
+                <a16:creationId xmlns:a16="http://schemas.microsoft.com/office/drawing/2014/main" id="{EB2E2C09-97EB-47F7-991B-6EEA23AB671B}"/>
+              </a:ext>
+            </a:extLst>
+          </p:cNvPr>
+          <p:cNvSpPr>
+            <a:spLocks noGrp="1"/>
+          </p:cNvSpPr>
+          <p:nvPr>
+            <p:ph sz="half" idx="14"/>
+          </p:nvPr>
+        </p:nvSpPr>
+        <p:spPr/>
+        <p:txBody>
+          <a:bodyPr/>
+          <a:lstStyle/>
+          <a:p>
+            <a:r>
+              <a:rPr lang="ko-KR" altLang="en-US" dirty="0"/>
+              <a:t>빌드</a:t>
+            </a:r>
+            <a:endParaRPr lang="en-US" altLang="ko-KR" dirty="0"/>
+          </a:p>
+          <a:p>
+            <a:pPr lvl="1"/>
+            <a:r>
+              <a:rPr lang="ko-KR" altLang="en-US" dirty="0"/>
+              <a:t>정의</a:t>
+            </a:r>
+            <a:r>
+              <a:rPr lang="en-US" altLang="ko-KR" dirty="0"/>
+              <a:t>: SW</a:t>
+            </a:r>
+            <a:r>
+              <a:rPr lang="ko-KR" altLang="en-US" dirty="0"/>
+              <a:t>를 생성</a:t>
+            </a:r>
+            <a:r>
+              <a:rPr lang="en-US" altLang="ko-KR" dirty="0"/>
+              <a:t>, </a:t>
+            </a:r>
+            <a:r>
+              <a:rPr lang="ko-KR" altLang="en-US" dirty="0"/>
+              <a:t>테스트</a:t>
+            </a:r>
+            <a:r>
+              <a:rPr lang="en-US" altLang="ko-KR" dirty="0"/>
+              <a:t>, </a:t>
+            </a:r>
+            <a:r>
+              <a:rPr lang="ko-KR" altLang="en-US" dirty="0"/>
+              <a:t>배포 과정의 행위 집합</a:t>
+            </a:r>
+            <a:endParaRPr lang="en-US" altLang="ko-KR" dirty="0"/>
+          </a:p>
+          <a:p>
+            <a:r>
+              <a:rPr lang="ko-KR" altLang="en-US" dirty="0"/>
+              <a:t>빌드 자동화 도구</a:t>
+            </a:r>
+            <a:endParaRPr lang="en-US" altLang="ko-KR" dirty="0"/>
+          </a:p>
+          <a:p>
+            <a:pPr lvl="1"/>
+            <a:r>
+              <a:rPr lang="ko-KR" altLang="en-US" dirty="0"/>
+              <a:t>정의</a:t>
+            </a:r>
+            <a:r>
+              <a:rPr lang="en-US" altLang="ko-KR" dirty="0"/>
+              <a:t>: </a:t>
+            </a:r>
+            <a:r>
+              <a:rPr lang="ko-KR" altLang="en-US" dirty="0"/>
+              <a:t>빌드를 자동화 시켜주는 도구</a:t>
+            </a:r>
+            <a:endParaRPr lang="en-US" altLang="ko-KR" dirty="0"/>
+          </a:p>
+          <a:p>
+            <a:pPr lvl="1"/>
+            <a:r>
+              <a:rPr lang="en-US" altLang="ko-KR" dirty="0"/>
+              <a:t>Process</a:t>
+            </a:r>
+          </a:p>
+          <a:p>
+            <a:pPr lvl="2"/>
+            <a:r>
+              <a:rPr lang="en-US" altLang="ko-KR" dirty="0"/>
+              <a:t>1. </a:t>
+            </a:r>
+            <a:r>
+              <a:rPr lang="ko-KR" altLang="en-US" dirty="0"/>
+              <a:t>컴파일</a:t>
+            </a:r>
+            <a:r>
+              <a:rPr lang="en-US" altLang="ko-KR" dirty="0"/>
+              <a:t>: </a:t>
+            </a:r>
+            <a:r>
+              <a:rPr lang="ko-KR" altLang="en-US" dirty="0"/>
+              <a:t>소스</a:t>
+            </a:r>
+            <a:r>
+              <a:rPr lang="en-US" altLang="ko-KR" dirty="0"/>
+              <a:t> </a:t>
+            </a:r>
+            <a:r>
+              <a:rPr lang="ko-KR" altLang="en-US" dirty="0"/>
+              <a:t>코드를 바이너리 파일로 컴파일</a:t>
+            </a:r>
+            <a:endParaRPr lang="en-US" altLang="ko-KR" dirty="0"/>
+          </a:p>
+          <a:p>
+            <a:pPr lvl="2"/>
+            <a:r>
+              <a:rPr lang="en-US" altLang="ko-KR" dirty="0"/>
+              <a:t>2. </a:t>
+            </a:r>
+            <a:r>
+              <a:rPr lang="ko-KR" altLang="en-US" dirty="0"/>
+              <a:t>패키징</a:t>
+            </a:r>
+            <a:r>
+              <a:rPr lang="en-US" altLang="ko-KR" dirty="0"/>
+              <a:t>: </a:t>
+            </a:r>
+            <a:r>
+              <a:rPr lang="ko-KR" altLang="en-US" dirty="0"/>
+              <a:t>바이너리 파일을 배포 형태로 패키징</a:t>
+            </a:r>
+            <a:endParaRPr lang="en-US" altLang="ko-KR" dirty="0"/>
+          </a:p>
+          <a:p>
+            <a:pPr lvl="2"/>
+            <a:r>
+              <a:rPr lang="en-US" altLang="ko-KR" dirty="0"/>
+              <a:t>3. </a:t>
+            </a:r>
+            <a:r>
+              <a:rPr lang="ko-KR" altLang="en-US" dirty="0"/>
+              <a:t>단위 테스트</a:t>
+            </a:r>
+            <a:r>
+              <a:rPr lang="en-US" altLang="ko-KR" dirty="0"/>
+              <a:t>: </a:t>
+            </a:r>
+            <a:r>
+              <a:rPr lang="ko-KR" altLang="en-US" dirty="0"/>
+              <a:t>각 모듈 테스트</a:t>
+            </a:r>
+            <a:endParaRPr lang="en-US" altLang="ko-KR" dirty="0"/>
+          </a:p>
+          <a:p>
+            <a:pPr lvl="2"/>
+            <a:r>
+              <a:rPr lang="en-US" altLang="ko-KR" dirty="0"/>
+              <a:t>4. </a:t>
+            </a:r>
+            <a:r>
+              <a:rPr lang="ko-KR" altLang="en-US" dirty="0"/>
+              <a:t>정적 분석</a:t>
+            </a:r>
+            <a:r>
+              <a:rPr lang="en-US" altLang="ko-KR" dirty="0"/>
+              <a:t>: </a:t>
+            </a:r>
+            <a:r>
+              <a:rPr lang="ko-KR" altLang="en-US" dirty="0"/>
+              <a:t>실제 실행 없이 테스트</a:t>
+            </a:r>
+            <a:endParaRPr lang="en-US" altLang="ko-KR" dirty="0"/>
+          </a:p>
+          <a:p>
+            <a:pPr lvl="2"/>
+            <a:r>
+              <a:rPr lang="en-US" altLang="ko-KR" dirty="0"/>
+              <a:t>5. </a:t>
+            </a:r>
+            <a:r>
+              <a:rPr lang="ko-KR" altLang="en-US" dirty="0"/>
+              <a:t>리포팅</a:t>
+            </a:r>
+            <a:r>
+              <a:rPr lang="en-US" altLang="ko-KR" dirty="0"/>
+              <a:t>: </a:t>
+            </a:r>
+            <a:r>
+              <a:rPr lang="ko-KR" altLang="en-US" dirty="0"/>
+              <a:t>분석 결과 리포팅</a:t>
+            </a:r>
+            <a:endParaRPr lang="en-US" altLang="ko-KR" dirty="0"/>
+          </a:p>
+          <a:p>
+            <a:pPr lvl="2"/>
+            <a:r>
+              <a:rPr lang="en-US" altLang="ko-KR" dirty="0"/>
+              <a:t>6. </a:t>
+            </a:r>
+            <a:r>
+              <a:rPr lang="ko-KR" altLang="en-US" dirty="0"/>
+              <a:t>배포</a:t>
+            </a:r>
+            <a:r>
+              <a:rPr lang="en-US" altLang="ko-KR" dirty="0"/>
+              <a:t>: </a:t>
+            </a:r>
+            <a:r>
+              <a:rPr lang="ko-KR" altLang="en-US" dirty="0"/>
+              <a:t>패키징 한 파일 서버에 배포</a:t>
+            </a:r>
+            <a:endParaRPr lang="en-US" altLang="ko-KR" dirty="0"/>
+          </a:p>
+          <a:p>
+            <a:pPr lvl="2"/>
+            <a:r>
+              <a:rPr lang="en-US" altLang="ko-KR" dirty="0"/>
+              <a:t>7. </a:t>
+            </a:r>
+            <a:r>
+              <a:rPr lang="ko-KR" altLang="en-US" dirty="0"/>
+              <a:t>최종 빌드</a:t>
+            </a:r>
+            <a:endParaRPr lang="en-US" altLang="ko-KR" dirty="0"/>
+          </a:p>
+          <a:p>
+            <a:pPr lvl="1"/>
+            <a:r>
+              <a:rPr lang="ko-KR" altLang="en-US" dirty="0"/>
+              <a:t>사례</a:t>
+            </a:r>
+            <a:endParaRPr lang="en-US" altLang="ko-KR" dirty="0"/>
+          </a:p>
+          <a:p>
+            <a:pPr lvl="2"/>
+            <a:r>
+              <a:rPr lang="en-US" altLang="ko-KR" dirty="0"/>
+              <a:t>Jenkins</a:t>
+            </a:r>
+          </a:p>
+          <a:p>
+            <a:pPr lvl="2"/>
+            <a:r>
+              <a:rPr lang="en-US" altLang="ko-KR" dirty="0"/>
+              <a:t>Gradle</a:t>
+            </a:r>
+          </a:p>
+          <a:p>
+            <a:pPr lvl="2"/>
+            <a:endParaRPr lang="en-US" altLang="ko-KR" dirty="0"/>
+          </a:p>
+        </p:txBody>
+      </p:sp>
+      <p:sp>
+        <p:nvSpPr>
+          <p:cNvPr id="3" name="제목 2">
+            <a:extLst>
+              <a:ext uri="{FF2B5EF4-FFF2-40B4-BE49-F238E27FC236}">
+                <a16:creationId xmlns:a16="http://schemas.microsoft.com/office/drawing/2014/main" id="{281659A1-01E7-4E34-A373-D885303D2A34}"/>
+              </a:ext>
+            </a:extLst>
+          </p:cNvPr>
+          <p:cNvSpPr>
+            <a:spLocks noGrp="1"/>
+          </p:cNvSpPr>
+          <p:nvPr>
+            <p:ph type="title"/>
+          </p:nvPr>
+        </p:nvSpPr>
+        <p:spPr/>
+        <p:txBody>
+          <a:bodyPr/>
+          <a:lstStyle/>
+          <a:p>
+            <a:r>
+              <a:rPr lang="ko-KR" altLang="en-US" dirty="0"/>
+              <a:t>빌드 자동화 도구</a:t>
+            </a:r>
+          </a:p>
+        </p:txBody>
+      </p:sp>
+      <p:sp>
+        <p:nvSpPr>
+          <p:cNvPr id="4" name="내용 개체 틀 3">
+            <a:extLst>
+              <a:ext uri="{FF2B5EF4-FFF2-40B4-BE49-F238E27FC236}">
+                <a16:creationId xmlns:a16="http://schemas.microsoft.com/office/drawing/2014/main" id="{77214031-97C3-4D89-B224-2C077E020199}"/>
+              </a:ext>
+            </a:extLst>
+          </p:cNvPr>
+          <p:cNvSpPr>
+            <a:spLocks noGrp="1"/>
+          </p:cNvSpPr>
+          <p:nvPr>
+            <p:ph sz="half" idx="2"/>
+          </p:nvPr>
+        </p:nvSpPr>
+        <p:spPr/>
+        <p:txBody>
+          <a:bodyPr/>
+          <a:lstStyle/>
+          <a:p>
+            <a:endParaRPr lang="en-US" altLang="ko-KR" dirty="0"/>
+          </a:p>
+          <a:p>
+            <a:pPr marL="0" indent="0">
+              <a:buNone/>
+            </a:pPr>
+            <a:endParaRPr lang="en-US" altLang="ko-KR" dirty="0"/>
+          </a:p>
+          <a:p>
+            <a:pPr lvl="2"/>
+            <a:endParaRPr lang="ko-KR" altLang="en-US" dirty="0"/>
+          </a:p>
+        </p:txBody>
+      </p:sp>
+      <p:sp>
+        <p:nvSpPr>
+          <p:cNvPr id="5" name="슬라이드 번호 개체 틀 4">
+            <a:extLst>
+              <a:ext uri="{FF2B5EF4-FFF2-40B4-BE49-F238E27FC236}">
+                <a16:creationId xmlns:a16="http://schemas.microsoft.com/office/drawing/2014/main" id="{FD8A84AE-A74A-4770-81E1-7CB1AA66E028}"/>
+              </a:ext>
+            </a:extLst>
+          </p:cNvPr>
+          <p:cNvSpPr>
+            <a:spLocks noGrp="1"/>
+          </p:cNvSpPr>
+          <p:nvPr>
+            <p:ph type="sldNum" sz="quarter" idx="12"/>
+          </p:nvPr>
+        </p:nvSpPr>
+        <p:spPr/>
+        <p:txBody>
+          <a:bodyPr/>
+          <a:lstStyle/>
+          <a:p>
+            <a:fld id="{89BED30C-66D9-4104-96BC-081A506F0CF0}" type="slidenum">
+              <a:rPr lang="ko-KR" altLang="en-US" smtClean="0"/>
+              <a:t>24</a:t>
+            </a:fld>
+            <a:endParaRPr lang="ko-KR" altLang="en-US"/>
+          </a:p>
+        </p:txBody>
+      </p:sp>
+      <p:sp>
+        <p:nvSpPr>
+          <p:cNvPr id="6" name="바닥글 개체 틀 5">
+            <a:extLst>
+              <a:ext uri="{FF2B5EF4-FFF2-40B4-BE49-F238E27FC236}">
+                <a16:creationId xmlns:a16="http://schemas.microsoft.com/office/drawing/2014/main" id="{0AB3DF42-630E-41FD-A58A-E22B19EC6B52}"/>
+              </a:ext>
+            </a:extLst>
+          </p:cNvPr>
+          <p:cNvSpPr>
+            <a:spLocks noGrp="1"/>
+          </p:cNvSpPr>
+          <p:nvPr>
+            <p:ph type="ftr" sz="quarter" idx="3"/>
+          </p:nvPr>
+        </p:nvSpPr>
+        <p:spPr/>
+        <p:txBody>
+          <a:bodyPr/>
+          <a:lstStyle/>
+          <a:p>
+            <a:pPr algn="l"/>
+            <a:r>
+              <a:rPr lang="en-US" altLang="ko-KR"/>
+              <a:t>Nibble</a:t>
+            </a:r>
+            <a:endParaRPr lang="ko-KR" altLang="en-US" dirty="0"/>
+          </a:p>
+        </p:txBody>
+      </p:sp>
+      <p:sp>
+        <p:nvSpPr>
+          <p:cNvPr id="7" name="날짜 개체 틀 6">
+            <a:extLst>
+              <a:ext uri="{FF2B5EF4-FFF2-40B4-BE49-F238E27FC236}">
+                <a16:creationId xmlns:a16="http://schemas.microsoft.com/office/drawing/2014/main" id="{C8C4C531-0D22-4AE4-ACB4-40CC661892B0}"/>
+              </a:ext>
+            </a:extLst>
+          </p:cNvPr>
+          <p:cNvSpPr>
+            <a:spLocks noGrp="1"/>
+          </p:cNvSpPr>
+          <p:nvPr>
+            <p:ph type="dt" sz="half" idx="13"/>
+          </p:nvPr>
+        </p:nvSpPr>
+        <p:spPr/>
+        <p:txBody>
+          <a:bodyPr/>
+          <a:lstStyle/>
+          <a:p>
+            <a:fld id="{B226B4E6-2447-4D67-A511-B13A2182F919}" type="datetime5">
+              <a:rPr lang="ko-KR" altLang="en-US" smtClean="0"/>
+              <a:t>2021/7/31</a:t>
+            </a:fld>
+            <a:endParaRPr lang="ko-KR" altLang="en-US" dirty="0"/>
+          </a:p>
+        </p:txBody>
+      </p:sp>
+    </p:spTree>
+    <p:extLst>
+      <p:ext uri="{BB962C8B-B14F-4D97-AF65-F5344CB8AC3E}">
+        <p14:creationId xmlns:p14="http://schemas.microsoft.com/office/powerpoint/2010/main" val="3168631284"/>
       </p:ext>
     </p:extLst>
   </p:cSld>
@@ -5293,6 +9036,84 @@
               <a:rPr lang="ko-KR" altLang="en-US" dirty="0"/>
               <a:t>데이터 조작 프로시저 최적화</a:t>
             </a:r>
+            <a:endParaRPr lang="en-US" altLang="ko-KR" dirty="0"/>
+          </a:p>
+          <a:p>
+            <a:r>
+              <a:rPr lang="ko-KR" altLang="en-US" dirty="0"/>
+              <a:t>통합 구현</a:t>
+            </a:r>
+            <a:endParaRPr lang="en-US" altLang="ko-KR" dirty="0"/>
+          </a:p>
+          <a:p>
+            <a:pPr lvl="1"/>
+            <a:r>
+              <a:rPr lang="ko-KR" altLang="en-US" dirty="0"/>
+              <a:t>모듈 구현</a:t>
+            </a:r>
+            <a:endParaRPr lang="en-US" altLang="ko-KR" dirty="0"/>
+          </a:p>
+          <a:p>
+            <a:pPr lvl="1"/>
+            <a:r>
+              <a:rPr lang="ko-KR" altLang="en-US" dirty="0"/>
+              <a:t>통합 구현 관리</a:t>
+            </a:r>
+            <a:endParaRPr lang="en-US" altLang="ko-KR" dirty="0"/>
+          </a:p>
+          <a:p>
+            <a:r>
+              <a:rPr lang="ko-KR" altLang="en-US" dirty="0"/>
+              <a:t>제품 </a:t>
+            </a:r>
+            <a:r>
+              <a:rPr lang="en-US" altLang="ko-KR" dirty="0"/>
+              <a:t>SW </a:t>
+            </a:r>
+            <a:r>
+              <a:rPr lang="ko-KR" altLang="en-US" dirty="0"/>
+              <a:t>패키징</a:t>
+            </a:r>
+            <a:endParaRPr lang="en-US" altLang="ko-KR" dirty="0"/>
+          </a:p>
+          <a:p>
+            <a:pPr lvl="1"/>
+            <a:r>
+              <a:rPr lang="ko-KR" altLang="en-US" dirty="0"/>
+              <a:t>애플리케이션 패키징</a:t>
+            </a:r>
+            <a:endParaRPr lang="en-US" altLang="ko-KR" dirty="0"/>
+          </a:p>
+          <a:p>
+            <a:pPr lvl="1"/>
+            <a:r>
+              <a:rPr lang="ko-KR" altLang="en-US" dirty="0"/>
+              <a:t>제품 </a:t>
+            </a:r>
+            <a:r>
+              <a:rPr lang="en-US" altLang="ko-KR" dirty="0"/>
+              <a:t>SW </a:t>
+            </a:r>
+            <a:r>
+              <a:rPr lang="ko-KR" altLang="en-US" dirty="0"/>
+              <a:t>매뉴얼 작성</a:t>
+            </a:r>
+            <a:endParaRPr lang="en-US" altLang="ko-KR" dirty="0"/>
+          </a:p>
+          <a:p>
+            <a:pPr lvl="1"/>
+            <a:r>
+              <a:rPr lang="ko-KR" altLang="en-US" dirty="0"/>
+              <a:t>제품 </a:t>
+            </a:r>
+            <a:r>
+              <a:rPr lang="en-US" altLang="ko-KR" dirty="0"/>
+              <a:t>SW </a:t>
+            </a:r>
+            <a:r>
+              <a:rPr lang="ko-KR" altLang="en-US" dirty="0"/>
+              <a:t>버전 관리</a:t>
+            </a:r>
           </a:p>
           <a:p>
             <a:pPr lvl="1"/>
@@ -5439,7 +9260,7 @@
           <a:p>
             <a:fld id="{B226B4E6-2447-4D67-A511-B13A2182F919}" type="datetime5">
               <a:rPr lang="ko-KR" altLang="en-US" smtClean="0"/>
-              <a:t>2021/7/30</a:t>
+              <a:t>2021/7/31</a:t>
             </a:fld>
             <a:endParaRPr lang="ko-KR" altLang="en-US" dirty="0"/>
           </a:p>
@@ -5864,7 +9685,7 @@
           <a:p>
             <a:fld id="{B226B4E6-2447-4D67-A511-B13A2182F919}" type="datetime5">
               <a:rPr lang="ko-KR" altLang="en-US" smtClean="0"/>
-              <a:t>2021/7/30</a:t>
+              <a:t>2021/7/31</a:t>
             </a:fld>
             <a:endParaRPr lang="ko-KR" altLang="en-US" dirty="0"/>
           </a:p>
@@ -6242,7 +10063,7 @@
           <a:p>
             <a:fld id="{B226B4E6-2447-4D67-A511-B13A2182F919}" type="datetime5">
               <a:rPr lang="ko-KR" altLang="en-US" smtClean="0"/>
-              <a:t>2021/7/30</a:t>
+              <a:t>2021/7/31</a:t>
             </a:fld>
             <a:endParaRPr lang="ko-KR" altLang="en-US" dirty="0"/>
           </a:p>
@@ -6940,7 +10761,7 @@
           <a:p>
             <a:fld id="{B226B4E6-2447-4D67-A511-B13A2182F919}" type="datetime5">
               <a:rPr lang="ko-KR" altLang="en-US" smtClean="0"/>
-              <a:t>2021/7/30</a:t>
+              <a:t>2021/7/31</a:t>
             </a:fld>
             <a:endParaRPr lang="ko-KR" altLang="en-US" dirty="0"/>
           </a:p>
@@ -7269,7 +11090,7 @@
           <a:p>
             <a:fld id="{B226B4E6-2447-4D67-A511-B13A2182F919}" type="datetime5">
               <a:rPr lang="ko-KR" altLang="en-US" smtClean="0"/>
-              <a:t>2021/7/30</a:t>
+              <a:t>2021/7/31</a:t>
             </a:fld>
             <a:endParaRPr lang="ko-KR" altLang="en-US" dirty="0"/>
           </a:p>
@@ -7722,7 +11543,7 @@
           <a:p>
             <a:fld id="{B226B4E6-2447-4D67-A511-B13A2182F919}" type="datetime5">
               <a:rPr lang="ko-KR" altLang="en-US" smtClean="0"/>
-              <a:t>2021/7/30</a:t>
+              <a:t>2021/7/31</a:t>
             </a:fld>
             <a:endParaRPr lang="ko-KR" altLang="en-US" dirty="0"/>
           </a:p>
@@ -7993,7 +11814,7 @@
           <a:p>
             <a:fld id="{B226B4E6-2447-4D67-A511-B13A2182F919}" type="datetime5">
               <a:rPr lang="ko-KR" altLang="en-US" smtClean="0"/>
-              <a:t>2021/7/30</a:t>
+              <a:t>2021/7/31</a:t>
             </a:fld>
             <a:endParaRPr lang="ko-KR" altLang="en-US" dirty="0"/>
           </a:p>

--- a/정보처리기사/2. 소프트웨어 개발.pptx
+++ b/정보처리기사/2. 소프트웨어 개발.pptx
@@ -5,10 +5,10 @@
     <p:sldMasterId id="2147483648" r:id="rId1"/>
   </p:sldMasterIdLst>
   <p:notesMasterIdLst>
-    <p:notesMasterId r:id="rId26"/>
+    <p:notesMasterId r:id="rId39"/>
   </p:notesMasterIdLst>
   <p:handoutMasterIdLst>
-    <p:handoutMasterId r:id="rId27"/>
+    <p:handoutMasterId r:id="rId40"/>
   </p:handoutMasterIdLst>
   <p:sldIdLst>
     <p:sldId id="259" r:id="rId2"/>
@@ -35,6 +35,19 @@
     <p:sldId id="283" r:id="rId23"/>
     <p:sldId id="284" r:id="rId24"/>
     <p:sldId id="285" r:id="rId25"/>
+    <p:sldId id="286" r:id="rId26"/>
+    <p:sldId id="287" r:id="rId27"/>
+    <p:sldId id="288" r:id="rId28"/>
+    <p:sldId id="289" r:id="rId29"/>
+    <p:sldId id="290" r:id="rId30"/>
+    <p:sldId id="291" r:id="rId31"/>
+    <p:sldId id="292" r:id="rId32"/>
+    <p:sldId id="293" r:id="rId33"/>
+    <p:sldId id="294" r:id="rId34"/>
+    <p:sldId id="295" r:id="rId35"/>
+    <p:sldId id="296" r:id="rId36"/>
+    <p:sldId id="297" r:id="rId37"/>
+    <p:sldId id="299" r:id="rId38"/>
   </p:sldIdLst>
   <p:sldSz cx="12192000" cy="6858000"/>
   <p:notesSz cx="9144000" cy="6858000"/>
@@ -204,6 +217,43 @@
             <p14:sldId id="285"/>
           </p14:sldIdLst>
         </p14:section>
+        <p14:section name="App 테스트 관리 - App 테스트 케이스 설계" id="{B110ECC3-3C9F-4122-A991-4FA188EB537D}">
+          <p14:sldIdLst>
+            <p14:sldId id="286"/>
+            <p14:sldId id="287"/>
+            <p14:sldId id="288"/>
+            <p14:sldId id="289"/>
+          </p14:sldIdLst>
+        </p14:section>
+        <p14:section name="App 테스트 관리 – App 통합 테스트" id="{48149E6D-998B-4AC6-82FC-B067109C8271}">
+          <p14:sldIdLst>
+            <p14:sldId id="290"/>
+            <p14:sldId id="291"/>
+            <p14:sldId id="292"/>
+          </p14:sldIdLst>
+        </p14:section>
+        <p14:section name="App 테스트 관리 - App 성능 개선" id="{67C83803-D069-407D-8D83-81FDB267EDEB}">
+          <p14:sldIdLst>
+            <p14:sldId id="293"/>
+            <p14:sldId id="294"/>
+          </p14:sldIdLst>
+        </p14:section>
+        <p14:section name="인터페이스 구현 - 인터페이스 설계 확인" id="{F7A2E425-1B01-4A75-9681-609090222B0C}">
+          <p14:sldIdLst>
+            <p14:sldId id="295"/>
+            <p14:sldId id="296"/>
+          </p14:sldIdLst>
+        </p14:section>
+        <p14:section name="인터페이스 구현 - 인터페이스 기능 구현" id="{D94C0404-CB99-406C-A75D-9661E78B7232}">
+          <p14:sldIdLst>
+            <p14:sldId id="297"/>
+          </p14:sldIdLst>
+        </p14:section>
+        <p14:section name="인터페이스 구현 - 인터페이스 구현 검증" id="{3272AB5B-253A-45F7-879F-7133C68BC09D}">
+          <p14:sldIdLst>
+            <p14:sldId id="299"/>
+          </p14:sldIdLst>
+        </p14:section>
       </p14:sectionLst>
     </p:ext>
     <p:ext uri="{EFAFB233-063F-42B5-8137-9DF3F51BA10A}">
@@ -310,7 +360,7 @@
           <a:p>
             <a:fld id="{A4D0E862-B602-4F19-9CCB-DBEF680D281A}" type="datetimeFigureOut">
               <a:rPr lang="ko-KR" altLang="en-US" smtClean="0"/>
-              <a:t>2021-07-31</a:t>
+              <a:t>2021-08-02</a:t>
             </a:fld>
             <a:endParaRPr lang="ko-KR" altLang="en-US"/>
           </a:p>
@@ -487,7 +537,7 @@
           <a:p>
             <a:fld id="{44272663-55A4-40A7-950D-2D273278BFB3}" type="datetimeFigureOut">
               <a:rPr lang="ko-KR" altLang="en-US" smtClean="0"/>
-              <a:t>2021-07-31</a:t>
+              <a:t>2021-08-02</a:t>
             </a:fld>
             <a:endParaRPr lang="ko-KR" altLang="en-US"/>
           </a:p>
@@ -1594,7 +1644,7 @@
           <a:p>
             <a:fld id="{B226B4E6-2447-4D67-A511-B13A2182F919}" type="datetime5">
               <a:rPr lang="ko-KR" altLang="en-US" smtClean="0"/>
-              <a:t>2021/7/31</a:t>
+              <a:t>2021/8/2</a:t>
             </a:fld>
             <a:endParaRPr lang="ko-KR" altLang="en-US" dirty="0"/>
           </a:p>
@@ -1965,7 +2015,7 @@
           <a:p>
             <a:fld id="{B226B4E6-2447-4D67-A511-B13A2182F919}" type="datetime5">
               <a:rPr lang="ko-KR" altLang="en-US" smtClean="0"/>
-              <a:t>2021/7/31</a:t>
+              <a:t>2021/8/2</a:t>
             </a:fld>
             <a:endParaRPr lang="ko-KR" altLang="en-US" dirty="0"/>
           </a:p>
@@ -2259,7 +2309,7 @@
           <a:p>
             <a:fld id="{B226B4E6-2447-4D67-A511-B13A2182F919}" type="datetime5">
               <a:rPr lang="ko-KR" altLang="en-US" smtClean="0"/>
-              <a:t>2021/7/31</a:t>
+              <a:t>2021/8/2</a:t>
             </a:fld>
             <a:endParaRPr lang="ko-KR" altLang="en-US" dirty="0"/>
           </a:p>
@@ -2561,7 +2611,7 @@
           <a:p>
             <a:fld id="{B226B4E6-2447-4D67-A511-B13A2182F919}" type="datetime5">
               <a:rPr lang="ko-KR" altLang="en-US" smtClean="0"/>
-              <a:t>2021/7/31</a:t>
+              <a:t>2021/8/2</a:t>
             </a:fld>
             <a:endParaRPr lang="ko-KR" altLang="en-US" dirty="0"/>
           </a:p>
@@ -3688,7 +3738,7 @@
           <a:p>
             <a:fld id="{B226B4E6-2447-4D67-A511-B13A2182F919}" type="datetime5">
               <a:rPr lang="ko-KR" altLang="en-US" smtClean="0"/>
-              <a:t>2021/7/31</a:t>
+              <a:t>2021/8/2</a:t>
             </a:fld>
             <a:endParaRPr lang="ko-KR" altLang="en-US" dirty="0"/>
           </a:p>
@@ -4015,7 +4065,7 @@
           <a:p>
             <a:fld id="{B226B4E6-2447-4D67-A511-B13A2182F919}" type="datetime5">
               <a:rPr lang="ko-KR" altLang="en-US" smtClean="0"/>
-              <a:t>2021/7/31</a:t>
+              <a:t>2021/8/2</a:t>
             </a:fld>
             <a:endParaRPr lang="ko-KR" altLang="en-US" dirty="0"/>
           </a:p>
@@ -4355,7 +4405,7 @@
           <a:p>
             <a:fld id="{B226B4E6-2447-4D67-A511-B13A2182F919}" type="datetime5">
               <a:rPr lang="ko-KR" altLang="en-US" smtClean="0"/>
-              <a:t>2021/7/31</a:t>
+              <a:t>2021/8/2</a:t>
             </a:fld>
             <a:endParaRPr lang="ko-KR" altLang="en-US" dirty="0"/>
           </a:p>
@@ -4759,7 +4809,7 @@
           <a:p>
             <a:fld id="{B226B4E6-2447-4D67-A511-B13A2182F919}" type="datetime5">
               <a:rPr lang="ko-KR" altLang="en-US" smtClean="0"/>
-              <a:t>2021/7/31</a:t>
+              <a:t>2021/8/2</a:t>
             </a:fld>
             <a:endParaRPr lang="ko-KR" altLang="en-US" dirty="0"/>
           </a:p>
@@ -5023,7 +5073,7 @@
           <a:p>
             <a:fld id="{B226B4E6-2447-4D67-A511-B13A2182F919}" type="datetime5">
               <a:rPr lang="ko-KR" altLang="en-US" smtClean="0"/>
-              <a:t>2021/7/31</a:t>
+              <a:t>2021/8/2</a:t>
             </a:fld>
             <a:endParaRPr lang="ko-KR" altLang="en-US" dirty="0"/>
           </a:p>
@@ -5508,7 +5558,7 @@
           <a:p>
             <a:fld id="{B226B4E6-2447-4D67-A511-B13A2182F919}" type="datetime5">
               <a:rPr lang="ko-KR" altLang="en-US" smtClean="0"/>
-              <a:t>2021/7/31</a:t>
+              <a:t>2021/8/2</a:t>
             </a:fld>
             <a:endParaRPr lang="ko-KR" altLang="en-US" dirty="0"/>
           </a:p>
@@ -5806,7 +5856,7 @@
           <a:p>
             <a:fld id="{B226B4E6-2447-4D67-A511-B13A2182F919}" type="datetime5">
               <a:rPr lang="ko-KR" altLang="en-US" smtClean="0"/>
-              <a:t>2021/7/31</a:t>
+              <a:t>2021/8/2</a:t>
             </a:fld>
             <a:endParaRPr lang="ko-KR" altLang="en-US" dirty="0"/>
           </a:p>
@@ -6077,7 +6127,7 @@
           <a:p>
             <a:fld id="{B226B4E6-2447-4D67-A511-B13A2182F919}" type="datetime5">
               <a:rPr lang="ko-KR" altLang="en-US" smtClean="0"/>
-              <a:t>2021/7/31</a:t>
+              <a:t>2021/8/2</a:t>
             </a:fld>
             <a:endParaRPr lang="ko-KR" altLang="en-US" dirty="0"/>
           </a:p>
@@ -6357,7 +6407,7 @@
           <a:p>
             <a:fld id="{B226B4E6-2447-4D67-A511-B13A2182F919}" type="datetime5">
               <a:rPr lang="ko-KR" altLang="en-US" smtClean="0"/>
-              <a:t>2021/7/31</a:t>
+              <a:t>2021/8/2</a:t>
             </a:fld>
             <a:endParaRPr lang="ko-KR" altLang="en-US" dirty="0"/>
           </a:p>
@@ -6694,7 +6744,7 @@
           <a:p>
             <a:fld id="{B226B4E6-2447-4D67-A511-B13A2182F919}" type="datetime5">
               <a:rPr lang="ko-KR" altLang="en-US" smtClean="0"/>
-              <a:t>2021/7/31</a:t>
+              <a:t>2021/8/2</a:t>
             </a:fld>
             <a:endParaRPr lang="ko-KR" altLang="en-US" dirty="0"/>
           </a:p>
@@ -6911,7 +6961,7 @@
           <a:p>
             <a:fld id="{B226B4E6-2447-4D67-A511-B13A2182F919}" type="datetime5">
               <a:rPr lang="ko-KR" altLang="en-US" smtClean="0"/>
-              <a:t>2021/7/31</a:t>
+              <a:t>2021/8/2</a:t>
             </a:fld>
             <a:endParaRPr lang="ko-KR" altLang="en-US" dirty="0"/>
           </a:p>
@@ -7299,7 +7349,7 @@
           <a:p>
             <a:fld id="{B226B4E6-2447-4D67-A511-B13A2182F919}" type="datetime5">
               <a:rPr lang="ko-KR" altLang="en-US" smtClean="0"/>
-              <a:t>2021/7/31</a:t>
+              <a:t>2021/8/2</a:t>
             </a:fld>
             <a:endParaRPr lang="ko-KR" altLang="en-US" dirty="0"/>
           </a:p>
@@ -7769,7 +7819,7 @@
           <a:p>
             <a:fld id="{B226B4E6-2447-4D67-A511-B13A2182F919}" type="datetime5">
               <a:rPr lang="ko-KR" altLang="en-US" smtClean="0"/>
-              <a:t>2021/7/31</a:t>
+              <a:t>2021/8/2</a:t>
             </a:fld>
             <a:endParaRPr lang="ko-KR" altLang="en-US" dirty="0"/>
           </a:p>
@@ -8149,7 +8199,7 @@
           <a:p>
             <a:fld id="{B226B4E6-2447-4D67-A511-B13A2182F919}" type="datetime5">
               <a:rPr lang="ko-KR" altLang="en-US" smtClean="0"/>
-              <a:t>2021/7/31</a:t>
+              <a:t>2021/8/2</a:t>
             </a:fld>
             <a:endParaRPr lang="ko-KR" altLang="en-US" dirty="0"/>
           </a:p>
@@ -8505,7 +8555,7 @@
           <a:p>
             <a:fld id="{B226B4E6-2447-4D67-A511-B13A2182F919}" type="datetime5">
               <a:rPr lang="ko-KR" altLang="en-US" smtClean="0"/>
-              <a:t>2021/7/31</a:t>
+              <a:t>2021/8/2</a:t>
             </a:fld>
             <a:endParaRPr lang="ko-KR" altLang="en-US" dirty="0"/>
           </a:p>
@@ -8943,7 +8993,7 @@
           <a:p>
             <a:fld id="{B226B4E6-2447-4D67-A511-B13A2182F919}" type="datetime5">
               <a:rPr lang="ko-KR" altLang="en-US" smtClean="0"/>
-              <a:t>2021/7/31</a:t>
+              <a:t>2021/8/2</a:t>
             </a:fld>
             <a:endParaRPr lang="ko-KR" altLang="en-US" dirty="0"/>
           </a:p>
@@ -8953,6 +9003,2185 @@
     <p:extLst>
       <p:ext uri="{BB962C8B-B14F-4D97-AF65-F5344CB8AC3E}">
         <p14:creationId xmlns:p14="http://schemas.microsoft.com/office/powerpoint/2010/main" val="3168631284"/>
+      </p:ext>
+    </p:extLst>
+  </p:cSld>
+  <p:clrMapOvr>
+    <a:masterClrMapping/>
+  </p:clrMapOvr>
+</p:sld>
+</file>
+
+<file path=ppt/slides/slide25.xml><?xml version="1.0" encoding="utf-8"?>
+<p:sld xmlns:a="http://schemas.openxmlformats.org/drawingml/2006/main" xmlns:r="http://schemas.openxmlformats.org/officeDocument/2006/relationships" xmlns:p="http://schemas.openxmlformats.org/presentationml/2006/main">
+  <p:cSld>
+    <p:spTree>
+      <p:nvGrpSpPr>
+        <p:cNvPr id="1" name=""/>
+        <p:cNvGrpSpPr/>
+        <p:nvPr/>
+      </p:nvGrpSpPr>
+      <p:grpSpPr>
+        <a:xfrm>
+          <a:off x="0" y="0"/>
+          <a:ext cx="0" cy="0"/>
+          <a:chOff x="0" y="0"/>
+          <a:chExt cx="0" cy="0"/>
+        </a:xfrm>
+      </p:grpSpPr>
+      <p:sp>
+        <p:nvSpPr>
+          <p:cNvPr id="2" name="내용 개체 틀 1">
+            <a:extLst>
+              <a:ext uri="{FF2B5EF4-FFF2-40B4-BE49-F238E27FC236}">
+                <a16:creationId xmlns:a16="http://schemas.microsoft.com/office/drawing/2014/main" id="{ADE5203F-AA64-470B-A32C-A80A9E4F93F3}"/>
+              </a:ext>
+            </a:extLst>
+          </p:cNvPr>
+          <p:cNvSpPr>
+            <a:spLocks noGrp="1"/>
+          </p:cNvSpPr>
+          <p:nvPr>
+            <p:ph sz="half" idx="14"/>
+          </p:nvPr>
+        </p:nvSpPr>
+        <p:spPr/>
+        <p:txBody>
+          <a:bodyPr/>
+          <a:lstStyle/>
+          <a:p>
+            <a:r>
+              <a:rPr lang="ko-KR" altLang="en-US" dirty="0"/>
+              <a:t>테스트</a:t>
+            </a:r>
+            <a:r>
+              <a:rPr lang="en-US" altLang="ko-KR" dirty="0"/>
+              <a:t> </a:t>
+            </a:r>
+            <a:r>
+              <a:rPr lang="ko-KR" altLang="en-US" dirty="0"/>
+              <a:t>케이스</a:t>
+            </a:r>
+            <a:endParaRPr lang="en-US" altLang="ko-KR" dirty="0"/>
+          </a:p>
+          <a:p>
+            <a:pPr lvl="1"/>
+            <a:r>
+              <a:rPr lang="ko-KR" altLang="en-US" dirty="0"/>
+              <a:t>정의</a:t>
+            </a:r>
+            <a:endParaRPr lang="en-US" altLang="ko-KR" dirty="0"/>
+          </a:p>
+          <a:p>
+            <a:pPr lvl="2"/>
+            <a:r>
+              <a:rPr lang="ko-KR" altLang="en-US" dirty="0"/>
+              <a:t>제품이 요구사항을 충족하는지 확인하기 위한</a:t>
+            </a:r>
+            <a:endParaRPr lang="en-US" altLang="ko-KR" dirty="0"/>
+          </a:p>
+          <a:p>
+            <a:pPr lvl="2"/>
+            <a:r>
+              <a:rPr lang="ko-KR" altLang="en-US" dirty="0"/>
+              <a:t>입력 값</a:t>
+            </a:r>
+            <a:r>
+              <a:rPr lang="en-US" altLang="ko-KR" dirty="0"/>
+              <a:t>, </a:t>
+            </a:r>
+            <a:r>
+              <a:rPr lang="ko-KR" altLang="en-US" dirty="0"/>
+              <a:t>환경에 따라</a:t>
+            </a:r>
+            <a:r>
+              <a:rPr lang="en-US" altLang="ko-KR" dirty="0"/>
+              <a:t> </a:t>
+            </a:r>
+            <a:r>
+              <a:rPr lang="ko-KR" altLang="en-US" dirty="0"/>
+              <a:t>예측되는 결과 등의 집합</a:t>
+            </a:r>
+            <a:endParaRPr lang="en-US" altLang="ko-KR" dirty="0"/>
+          </a:p>
+          <a:p>
+            <a:r>
+              <a:rPr lang="ko-KR" altLang="en-US" dirty="0"/>
+              <a:t>테스트 오라클</a:t>
+            </a:r>
+            <a:endParaRPr lang="en-US" altLang="ko-KR" dirty="0"/>
+          </a:p>
+          <a:p>
+            <a:pPr lvl="1"/>
+            <a:r>
+              <a:rPr lang="ko-KR" altLang="en-US" dirty="0"/>
+              <a:t>정의</a:t>
+            </a:r>
+            <a:r>
+              <a:rPr lang="en-US" altLang="ko-KR" dirty="0"/>
+              <a:t>: </a:t>
+            </a:r>
+            <a:r>
+              <a:rPr lang="ko-KR" altLang="en-US" dirty="0"/>
+              <a:t>테스트 통과 여부 판단하는 방법</a:t>
+            </a:r>
+            <a:endParaRPr lang="en-US" altLang="ko-KR" dirty="0"/>
+          </a:p>
+          <a:p>
+            <a:pPr lvl="1"/>
+            <a:r>
+              <a:rPr lang="ko-KR" altLang="en-US" dirty="0"/>
+              <a:t>종류</a:t>
+            </a:r>
+            <a:endParaRPr lang="en-US" altLang="ko-KR" dirty="0"/>
+          </a:p>
+          <a:p>
+            <a:pPr lvl="2"/>
+            <a:r>
+              <a:rPr lang="ko-KR" altLang="en-US" dirty="0"/>
+              <a:t>참 오라클</a:t>
+            </a:r>
+            <a:endParaRPr lang="en-US" altLang="ko-KR" dirty="0"/>
+          </a:p>
+          <a:p>
+            <a:pPr lvl="3"/>
+            <a:r>
+              <a:rPr lang="ko-KR" altLang="en-US" dirty="0"/>
+              <a:t>모든 입력에 대한 기대 결과를 생성</a:t>
+            </a:r>
+            <a:endParaRPr lang="en-US" altLang="ko-KR" dirty="0"/>
+          </a:p>
+          <a:p>
+            <a:pPr lvl="3"/>
+            <a:r>
+              <a:rPr lang="ko-KR" altLang="en-US" dirty="0"/>
+              <a:t>모든 오류를 검출할 수 있다</a:t>
+            </a:r>
+            <a:endParaRPr lang="en-US" altLang="ko-KR" dirty="0"/>
+          </a:p>
+          <a:p>
+            <a:pPr lvl="2"/>
+            <a:r>
+              <a:rPr lang="ko-KR" altLang="en-US" dirty="0"/>
+              <a:t>샘플링 오라클</a:t>
+            </a:r>
+            <a:endParaRPr lang="en-US" altLang="ko-KR" dirty="0"/>
+          </a:p>
+          <a:p>
+            <a:pPr lvl="3"/>
+            <a:r>
+              <a:rPr lang="ko-KR" altLang="en-US" dirty="0"/>
+              <a:t>일부 입력에 대한 기대 결과를 생성</a:t>
+            </a:r>
+            <a:endParaRPr lang="en-US" altLang="ko-KR" dirty="0"/>
+          </a:p>
+          <a:p>
+            <a:pPr lvl="2"/>
+            <a:r>
+              <a:rPr lang="ko-KR" altLang="en-US" dirty="0"/>
+              <a:t>휴리스틱 오라클</a:t>
+            </a:r>
+            <a:endParaRPr lang="en-US" altLang="ko-KR" dirty="0"/>
+          </a:p>
+          <a:p>
+            <a:pPr lvl="3"/>
+            <a:r>
+              <a:rPr lang="ko-KR" altLang="en-US" dirty="0"/>
+              <a:t>샘플링 오라클에 </a:t>
+            </a:r>
+            <a:r>
+              <a:rPr lang="en-US" altLang="ko-KR" dirty="0"/>
+              <a:t>+ </a:t>
+            </a:r>
+            <a:r>
+              <a:rPr lang="ko-KR" altLang="en-US" dirty="0"/>
+              <a:t>나머지 값은 추정해 처리</a:t>
+            </a:r>
+            <a:endParaRPr lang="en-US" altLang="ko-KR" dirty="0"/>
+          </a:p>
+          <a:p>
+            <a:pPr lvl="2"/>
+            <a:r>
+              <a:rPr lang="ko-KR" altLang="en-US" dirty="0"/>
+              <a:t>일관성 검사 오라클</a:t>
+            </a:r>
+            <a:endParaRPr lang="en-US" altLang="ko-KR" dirty="0"/>
+          </a:p>
+          <a:p>
+            <a:pPr lvl="3"/>
+            <a:r>
+              <a:rPr lang="ko-KR" altLang="en-US" dirty="0"/>
+              <a:t>변경이 있을 때</a:t>
+            </a:r>
+            <a:r>
+              <a:rPr lang="en-US" altLang="ko-KR" dirty="0"/>
+              <a:t>, </a:t>
+            </a:r>
+            <a:r>
+              <a:rPr lang="ko-KR" altLang="en-US" dirty="0"/>
+              <a:t>변경 전 후 결과가 동일한지</a:t>
+            </a:r>
+          </a:p>
+        </p:txBody>
+      </p:sp>
+      <p:sp>
+        <p:nvSpPr>
+          <p:cNvPr id="3" name="제목 2">
+            <a:extLst>
+              <a:ext uri="{FF2B5EF4-FFF2-40B4-BE49-F238E27FC236}">
+                <a16:creationId xmlns:a16="http://schemas.microsoft.com/office/drawing/2014/main" id="{386A1FC7-7589-4E63-A2FC-E00AD071CD72}"/>
+              </a:ext>
+            </a:extLst>
+          </p:cNvPr>
+          <p:cNvSpPr>
+            <a:spLocks noGrp="1"/>
+          </p:cNvSpPr>
+          <p:nvPr>
+            <p:ph type="title"/>
+          </p:nvPr>
+        </p:nvSpPr>
+        <p:spPr/>
+        <p:txBody>
+          <a:bodyPr/>
+          <a:lstStyle/>
+          <a:p>
+            <a:r>
+              <a:rPr lang="ko-KR" altLang="en-US" dirty="0"/>
+              <a:t>테스트</a:t>
+            </a:r>
+            <a:r>
+              <a:rPr lang="en-US" altLang="ko-KR" dirty="0"/>
+              <a:t> </a:t>
+            </a:r>
+            <a:r>
+              <a:rPr lang="ko-KR" altLang="en-US" dirty="0"/>
+              <a:t>케이스</a:t>
+            </a:r>
+          </a:p>
+        </p:txBody>
+      </p:sp>
+      <p:sp>
+        <p:nvSpPr>
+          <p:cNvPr id="4" name="내용 개체 틀 3">
+            <a:extLst>
+              <a:ext uri="{FF2B5EF4-FFF2-40B4-BE49-F238E27FC236}">
+                <a16:creationId xmlns:a16="http://schemas.microsoft.com/office/drawing/2014/main" id="{45402F04-1138-4338-A0E6-83525B4BF29A}"/>
+              </a:ext>
+            </a:extLst>
+          </p:cNvPr>
+          <p:cNvSpPr>
+            <a:spLocks noGrp="1"/>
+          </p:cNvSpPr>
+          <p:nvPr>
+            <p:ph sz="half" idx="2"/>
+          </p:nvPr>
+        </p:nvSpPr>
+        <p:spPr/>
+        <p:txBody>
+          <a:bodyPr/>
+          <a:lstStyle/>
+          <a:p>
+            <a:endParaRPr lang="ko-KR" altLang="en-US"/>
+          </a:p>
+        </p:txBody>
+      </p:sp>
+      <p:sp>
+        <p:nvSpPr>
+          <p:cNvPr id="5" name="슬라이드 번호 개체 틀 4">
+            <a:extLst>
+              <a:ext uri="{FF2B5EF4-FFF2-40B4-BE49-F238E27FC236}">
+                <a16:creationId xmlns:a16="http://schemas.microsoft.com/office/drawing/2014/main" id="{66935EF8-4BA8-4C19-AB38-0AD364C0A0CB}"/>
+              </a:ext>
+            </a:extLst>
+          </p:cNvPr>
+          <p:cNvSpPr>
+            <a:spLocks noGrp="1"/>
+          </p:cNvSpPr>
+          <p:nvPr>
+            <p:ph type="sldNum" sz="quarter" idx="12"/>
+          </p:nvPr>
+        </p:nvSpPr>
+        <p:spPr/>
+        <p:txBody>
+          <a:bodyPr/>
+          <a:lstStyle/>
+          <a:p>
+            <a:fld id="{89BED30C-66D9-4104-96BC-081A506F0CF0}" type="slidenum">
+              <a:rPr lang="ko-KR" altLang="en-US" smtClean="0"/>
+              <a:t>25</a:t>
+            </a:fld>
+            <a:endParaRPr lang="ko-KR" altLang="en-US"/>
+          </a:p>
+        </p:txBody>
+      </p:sp>
+      <p:sp>
+        <p:nvSpPr>
+          <p:cNvPr id="6" name="바닥글 개체 틀 5">
+            <a:extLst>
+              <a:ext uri="{FF2B5EF4-FFF2-40B4-BE49-F238E27FC236}">
+                <a16:creationId xmlns:a16="http://schemas.microsoft.com/office/drawing/2014/main" id="{783EC190-084A-4BB4-B21D-53B753653E53}"/>
+              </a:ext>
+            </a:extLst>
+          </p:cNvPr>
+          <p:cNvSpPr>
+            <a:spLocks noGrp="1"/>
+          </p:cNvSpPr>
+          <p:nvPr>
+            <p:ph type="ftr" sz="quarter" idx="3"/>
+          </p:nvPr>
+        </p:nvSpPr>
+        <p:spPr/>
+        <p:txBody>
+          <a:bodyPr/>
+          <a:lstStyle/>
+          <a:p>
+            <a:pPr algn="l"/>
+            <a:r>
+              <a:rPr lang="en-US" altLang="ko-KR"/>
+              <a:t>Nibble</a:t>
+            </a:r>
+            <a:endParaRPr lang="ko-KR" altLang="en-US" dirty="0"/>
+          </a:p>
+        </p:txBody>
+      </p:sp>
+      <p:sp>
+        <p:nvSpPr>
+          <p:cNvPr id="7" name="날짜 개체 틀 6">
+            <a:extLst>
+              <a:ext uri="{FF2B5EF4-FFF2-40B4-BE49-F238E27FC236}">
+                <a16:creationId xmlns:a16="http://schemas.microsoft.com/office/drawing/2014/main" id="{96BE84BD-CE40-48E8-AB6F-1C54BC94F765}"/>
+              </a:ext>
+            </a:extLst>
+          </p:cNvPr>
+          <p:cNvSpPr>
+            <a:spLocks noGrp="1"/>
+          </p:cNvSpPr>
+          <p:nvPr>
+            <p:ph type="dt" sz="half" idx="13"/>
+          </p:nvPr>
+        </p:nvSpPr>
+        <p:spPr/>
+        <p:txBody>
+          <a:bodyPr/>
+          <a:lstStyle/>
+          <a:p>
+            <a:fld id="{B226B4E6-2447-4D67-A511-B13A2182F919}" type="datetime5">
+              <a:rPr lang="ko-KR" altLang="en-US" smtClean="0"/>
+              <a:t>2021/8/2</a:t>
+            </a:fld>
+            <a:endParaRPr lang="ko-KR" altLang="en-US" dirty="0"/>
+          </a:p>
+        </p:txBody>
+      </p:sp>
+    </p:spTree>
+    <p:extLst>
+      <p:ext uri="{BB962C8B-B14F-4D97-AF65-F5344CB8AC3E}">
+        <p14:creationId xmlns:p14="http://schemas.microsoft.com/office/powerpoint/2010/main" val="833742224"/>
+      </p:ext>
+    </p:extLst>
+  </p:cSld>
+  <p:clrMapOvr>
+    <a:masterClrMapping/>
+  </p:clrMapOvr>
+</p:sld>
+</file>
+
+<file path=ppt/slides/slide26.xml><?xml version="1.0" encoding="utf-8"?>
+<p:sld xmlns:a="http://schemas.openxmlformats.org/drawingml/2006/main" xmlns:r="http://schemas.openxmlformats.org/officeDocument/2006/relationships" xmlns:p="http://schemas.openxmlformats.org/presentationml/2006/main">
+  <p:cSld>
+    <p:spTree>
+      <p:nvGrpSpPr>
+        <p:cNvPr id="1" name=""/>
+        <p:cNvGrpSpPr/>
+        <p:nvPr/>
+      </p:nvGrpSpPr>
+      <p:grpSpPr>
+        <a:xfrm>
+          <a:off x="0" y="0"/>
+          <a:ext cx="0" cy="0"/>
+          <a:chOff x="0" y="0"/>
+          <a:chExt cx="0" cy="0"/>
+        </a:xfrm>
+      </p:grpSpPr>
+      <p:sp>
+        <p:nvSpPr>
+          <p:cNvPr id="2" name="내용 개체 틀 1">
+            <a:extLst>
+              <a:ext uri="{FF2B5EF4-FFF2-40B4-BE49-F238E27FC236}">
+                <a16:creationId xmlns:a16="http://schemas.microsoft.com/office/drawing/2014/main" id="{F5B28CE8-E889-4C95-8532-72A7B7336315}"/>
+              </a:ext>
+            </a:extLst>
+          </p:cNvPr>
+          <p:cNvSpPr>
+            <a:spLocks noGrp="1"/>
+          </p:cNvSpPr>
+          <p:nvPr>
+            <p:ph sz="half" idx="14"/>
+          </p:nvPr>
+        </p:nvSpPr>
+        <p:spPr/>
+        <p:txBody>
+          <a:bodyPr/>
+          <a:lstStyle/>
+          <a:p>
+            <a:r>
+              <a:rPr lang="ko-KR" altLang="en-US" dirty="0"/>
+              <a:t>테스트 레벨</a:t>
+            </a:r>
+            <a:endParaRPr lang="en-US" altLang="ko-KR" dirty="0"/>
+          </a:p>
+          <a:p>
+            <a:pPr lvl="1"/>
+            <a:r>
+              <a:rPr lang="ko-KR" altLang="en-US" dirty="0"/>
+              <a:t>정의</a:t>
+            </a:r>
+            <a:r>
+              <a:rPr lang="en-US" altLang="ko-KR" dirty="0"/>
+              <a:t>: </a:t>
+            </a:r>
+            <a:r>
+              <a:rPr lang="ko-KR" altLang="en-US" dirty="0"/>
+              <a:t>테스트 그룹</a:t>
+            </a:r>
+            <a:endParaRPr lang="en-US" altLang="ko-KR" dirty="0"/>
+          </a:p>
+          <a:p>
+            <a:pPr lvl="1"/>
+            <a:r>
+              <a:rPr lang="ko-KR" altLang="en-US" dirty="0"/>
+              <a:t>종류</a:t>
+            </a:r>
+            <a:endParaRPr lang="en-US" altLang="ko-KR" dirty="0"/>
+          </a:p>
+          <a:p>
+            <a:pPr lvl="2"/>
+            <a:r>
+              <a:rPr lang="ko-KR" altLang="en-US" dirty="0"/>
+              <a:t>단위 테스트</a:t>
+            </a:r>
+            <a:endParaRPr lang="en-US" altLang="ko-KR" dirty="0"/>
+          </a:p>
+          <a:p>
+            <a:pPr lvl="3"/>
+            <a:r>
+              <a:rPr lang="ko-KR" altLang="en-US" dirty="0"/>
+              <a:t>모듈</a:t>
+            </a:r>
+            <a:r>
+              <a:rPr lang="en-US" altLang="ko-KR" dirty="0"/>
+              <a:t>, </a:t>
+            </a:r>
+            <a:r>
+              <a:rPr lang="ko-KR" altLang="en-US" dirty="0"/>
+              <a:t>서브 루틴 등의 컴포넌트 테스트</a:t>
+            </a:r>
+            <a:endParaRPr lang="en-US" altLang="ko-KR" dirty="0"/>
+          </a:p>
+          <a:p>
+            <a:pPr lvl="2"/>
+            <a:r>
+              <a:rPr lang="ko-KR" altLang="en-US" dirty="0"/>
+              <a:t>통합 테스트</a:t>
+            </a:r>
+            <a:endParaRPr lang="en-US" altLang="ko-KR" dirty="0"/>
+          </a:p>
+          <a:p>
+            <a:pPr lvl="3"/>
+            <a:r>
+              <a:rPr lang="ko-KR" altLang="en-US" dirty="0"/>
+              <a:t>컴포넌트간 인터페이스 테스트</a:t>
+            </a:r>
+            <a:endParaRPr lang="en-US" altLang="ko-KR" dirty="0"/>
+          </a:p>
+          <a:p>
+            <a:pPr lvl="4"/>
+            <a:r>
+              <a:rPr lang="ko-KR" altLang="en-US" dirty="0"/>
+              <a:t>단위 테스트를 통과한 컴포넌트 대상</a:t>
+            </a:r>
+            <a:endParaRPr lang="en-US" altLang="ko-KR" dirty="0"/>
+          </a:p>
+          <a:p>
+            <a:pPr lvl="2"/>
+            <a:r>
+              <a:rPr lang="ko-KR" altLang="en-US" dirty="0"/>
+              <a:t>시스템 테스트</a:t>
+            </a:r>
+            <a:endParaRPr lang="en-US" altLang="ko-KR" dirty="0"/>
+          </a:p>
+          <a:p>
+            <a:pPr lvl="3"/>
+            <a:r>
+              <a:rPr lang="ko-KR" altLang="en-US" dirty="0"/>
+              <a:t>전체 시스템 테스트</a:t>
+            </a:r>
+            <a:endParaRPr lang="en-US" altLang="ko-KR" dirty="0"/>
+          </a:p>
+          <a:p>
+            <a:pPr lvl="2"/>
+            <a:r>
+              <a:rPr lang="ko-KR" altLang="en-US" dirty="0"/>
+              <a:t>인수 테스트</a:t>
+            </a:r>
+            <a:endParaRPr lang="en-US" altLang="ko-KR" dirty="0"/>
+          </a:p>
+          <a:p>
+            <a:pPr lvl="3"/>
+            <a:r>
+              <a:rPr lang="ko-KR" altLang="en-US" dirty="0"/>
+              <a:t>계약상 요구사항이 만족되었는지 테스트</a:t>
+            </a:r>
+          </a:p>
+        </p:txBody>
+      </p:sp>
+      <p:sp>
+        <p:nvSpPr>
+          <p:cNvPr id="3" name="제목 2">
+            <a:extLst>
+              <a:ext uri="{FF2B5EF4-FFF2-40B4-BE49-F238E27FC236}">
+                <a16:creationId xmlns:a16="http://schemas.microsoft.com/office/drawing/2014/main" id="{88C62669-D076-47D6-B4AB-8BD252413034}"/>
+              </a:ext>
+            </a:extLst>
+          </p:cNvPr>
+          <p:cNvSpPr>
+            <a:spLocks noGrp="1"/>
+          </p:cNvSpPr>
+          <p:nvPr>
+            <p:ph type="title"/>
+          </p:nvPr>
+        </p:nvSpPr>
+        <p:spPr/>
+        <p:txBody>
+          <a:bodyPr/>
+          <a:lstStyle/>
+          <a:p>
+            <a:r>
+              <a:rPr lang="ko-KR" altLang="en-US" dirty="0"/>
+              <a:t>테스트 레벨</a:t>
+            </a:r>
+          </a:p>
+        </p:txBody>
+      </p:sp>
+      <p:sp>
+        <p:nvSpPr>
+          <p:cNvPr id="4" name="내용 개체 틀 3">
+            <a:extLst>
+              <a:ext uri="{FF2B5EF4-FFF2-40B4-BE49-F238E27FC236}">
+                <a16:creationId xmlns:a16="http://schemas.microsoft.com/office/drawing/2014/main" id="{57D3A261-5ADF-495D-8109-466B25A8F17F}"/>
+              </a:ext>
+            </a:extLst>
+          </p:cNvPr>
+          <p:cNvSpPr>
+            <a:spLocks noGrp="1"/>
+          </p:cNvSpPr>
+          <p:nvPr>
+            <p:ph sz="half" idx="2"/>
+          </p:nvPr>
+        </p:nvSpPr>
+        <p:spPr/>
+        <p:txBody>
+          <a:bodyPr/>
+          <a:lstStyle/>
+          <a:p>
+            <a:endParaRPr lang="ko-KR" altLang="en-US" dirty="0"/>
+          </a:p>
+        </p:txBody>
+      </p:sp>
+      <p:sp>
+        <p:nvSpPr>
+          <p:cNvPr id="5" name="슬라이드 번호 개체 틀 4">
+            <a:extLst>
+              <a:ext uri="{FF2B5EF4-FFF2-40B4-BE49-F238E27FC236}">
+                <a16:creationId xmlns:a16="http://schemas.microsoft.com/office/drawing/2014/main" id="{30303E82-9740-4055-B7AB-C83B63C99BC6}"/>
+              </a:ext>
+            </a:extLst>
+          </p:cNvPr>
+          <p:cNvSpPr>
+            <a:spLocks noGrp="1"/>
+          </p:cNvSpPr>
+          <p:nvPr>
+            <p:ph type="sldNum" sz="quarter" idx="12"/>
+          </p:nvPr>
+        </p:nvSpPr>
+        <p:spPr/>
+        <p:txBody>
+          <a:bodyPr/>
+          <a:lstStyle/>
+          <a:p>
+            <a:fld id="{89BED30C-66D9-4104-96BC-081A506F0CF0}" type="slidenum">
+              <a:rPr lang="ko-KR" altLang="en-US" smtClean="0"/>
+              <a:t>26</a:t>
+            </a:fld>
+            <a:endParaRPr lang="ko-KR" altLang="en-US"/>
+          </a:p>
+        </p:txBody>
+      </p:sp>
+      <p:sp>
+        <p:nvSpPr>
+          <p:cNvPr id="6" name="바닥글 개체 틀 5">
+            <a:extLst>
+              <a:ext uri="{FF2B5EF4-FFF2-40B4-BE49-F238E27FC236}">
+                <a16:creationId xmlns:a16="http://schemas.microsoft.com/office/drawing/2014/main" id="{8284FF07-F3F6-40AA-9381-42D2B63C0641}"/>
+              </a:ext>
+            </a:extLst>
+          </p:cNvPr>
+          <p:cNvSpPr>
+            <a:spLocks noGrp="1"/>
+          </p:cNvSpPr>
+          <p:nvPr>
+            <p:ph type="ftr" sz="quarter" idx="3"/>
+          </p:nvPr>
+        </p:nvSpPr>
+        <p:spPr/>
+        <p:txBody>
+          <a:bodyPr/>
+          <a:lstStyle/>
+          <a:p>
+            <a:pPr algn="l"/>
+            <a:r>
+              <a:rPr lang="en-US" altLang="ko-KR"/>
+              <a:t>Nibble</a:t>
+            </a:r>
+            <a:endParaRPr lang="ko-KR" altLang="en-US" dirty="0"/>
+          </a:p>
+        </p:txBody>
+      </p:sp>
+      <p:sp>
+        <p:nvSpPr>
+          <p:cNvPr id="7" name="날짜 개체 틀 6">
+            <a:extLst>
+              <a:ext uri="{FF2B5EF4-FFF2-40B4-BE49-F238E27FC236}">
+                <a16:creationId xmlns:a16="http://schemas.microsoft.com/office/drawing/2014/main" id="{F65A423F-CDAC-42AB-A252-92D5F00B85E6}"/>
+              </a:ext>
+            </a:extLst>
+          </p:cNvPr>
+          <p:cNvSpPr>
+            <a:spLocks noGrp="1"/>
+          </p:cNvSpPr>
+          <p:nvPr>
+            <p:ph type="dt" sz="half" idx="13"/>
+          </p:nvPr>
+        </p:nvSpPr>
+        <p:spPr/>
+        <p:txBody>
+          <a:bodyPr/>
+          <a:lstStyle/>
+          <a:p>
+            <a:fld id="{B226B4E6-2447-4D67-A511-B13A2182F919}" type="datetime5">
+              <a:rPr lang="ko-KR" altLang="en-US" smtClean="0"/>
+              <a:t>2021/8/2</a:t>
+            </a:fld>
+            <a:endParaRPr lang="ko-KR" altLang="en-US" dirty="0"/>
+          </a:p>
+        </p:txBody>
+      </p:sp>
+      <p:pic>
+        <p:nvPicPr>
+          <p:cNvPr id="1026" name="Picture 2" descr="SE-Models [ V-model ]">
+            <a:extLst>
+              <a:ext uri="{FF2B5EF4-FFF2-40B4-BE49-F238E27FC236}">
+                <a16:creationId xmlns:a16="http://schemas.microsoft.com/office/drawing/2014/main" id="{55020F3F-47CF-40AD-B42C-296CEA6F930E}"/>
+              </a:ext>
+            </a:extLst>
+          </p:cNvPr>
+          <p:cNvPicPr>
+            <a:picLocks noChangeAspect="1" noChangeArrowheads="1"/>
+          </p:cNvPicPr>
+          <p:nvPr/>
+        </p:nvPicPr>
+        <p:blipFill>
+          <a:blip r:embed="rId2">
+            <a:extLst>
+              <a:ext uri="{28A0092B-C50C-407E-A947-70E740481C1C}">
+                <a14:useLocalDpi xmlns:a14="http://schemas.microsoft.com/office/drawing/2010/main" val="0"/>
+              </a:ext>
+            </a:extLst>
+          </a:blip>
+          <a:srcRect/>
+          <a:stretch>
+            <a:fillRect/>
+          </a:stretch>
+        </p:blipFill>
+        <p:spPr bwMode="auto">
+          <a:xfrm>
+            <a:off x="1866550" y="4358859"/>
+            <a:ext cx="3124900" cy="2123772"/>
+          </a:xfrm>
+          <a:prstGeom prst="rect">
+            <a:avLst/>
+          </a:prstGeom>
+          <a:noFill/>
+          <a:extLst>
+            <a:ext uri="{909E8E84-426E-40DD-AFC4-6F175D3DCCD1}">
+              <a14:hiddenFill xmlns:a14="http://schemas.microsoft.com/office/drawing/2010/main">
+                <a:solidFill>
+                  <a:srgbClr val="FFFFFF"/>
+                </a:solidFill>
+              </a14:hiddenFill>
+            </a:ext>
+          </a:extLst>
+        </p:spPr>
+      </p:pic>
+    </p:spTree>
+    <p:extLst>
+      <p:ext uri="{BB962C8B-B14F-4D97-AF65-F5344CB8AC3E}">
+        <p14:creationId xmlns:p14="http://schemas.microsoft.com/office/powerpoint/2010/main" val="3932372607"/>
+      </p:ext>
+    </p:extLst>
+  </p:cSld>
+  <p:clrMapOvr>
+    <a:masterClrMapping/>
+  </p:clrMapOvr>
+</p:sld>
+</file>
+
+<file path=ppt/slides/slide27.xml><?xml version="1.0" encoding="utf-8"?>
+<p:sld xmlns:a="http://schemas.openxmlformats.org/drawingml/2006/main" xmlns:r="http://schemas.openxmlformats.org/officeDocument/2006/relationships" xmlns:p="http://schemas.openxmlformats.org/presentationml/2006/main">
+  <p:cSld>
+    <p:spTree>
+      <p:nvGrpSpPr>
+        <p:cNvPr id="1" name=""/>
+        <p:cNvGrpSpPr/>
+        <p:nvPr/>
+      </p:nvGrpSpPr>
+      <p:grpSpPr>
+        <a:xfrm>
+          <a:off x="0" y="0"/>
+          <a:ext cx="0" cy="0"/>
+          <a:chOff x="0" y="0"/>
+          <a:chExt cx="0" cy="0"/>
+        </a:xfrm>
+      </p:grpSpPr>
+      <p:sp>
+        <p:nvSpPr>
+          <p:cNvPr id="2" name="내용 개체 틀 1">
+            <a:extLst>
+              <a:ext uri="{FF2B5EF4-FFF2-40B4-BE49-F238E27FC236}">
+                <a16:creationId xmlns:a16="http://schemas.microsoft.com/office/drawing/2014/main" id="{64FF3A93-B638-454C-9F8C-44E68D173013}"/>
+              </a:ext>
+            </a:extLst>
+          </p:cNvPr>
+          <p:cNvSpPr>
+            <a:spLocks noGrp="1"/>
+          </p:cNvSpPr>
+          <p:nvPr>
+            <p:ph sz="half" idx="14"/>
+          </p:nvPr>
+        </p:nvSpPr>
+        <p:spPr/>
+        <p:txBody>
+          <a:bodyPr/>
+          <a:lstStyle/>
+          <a:p>
+            <a:r>
+              <a:rPr lang="ko-KR" altLang="en-US" dirty="0"/>
+              <a:t>테스트 시나리오</a:t>
+            </a:r>
+            <a:endParaRPr lang="en-US" altLang="ko-KR" dirty="0"/>
+          </a:p>
+          <a:p>
+            <a:pPr lvl="1"/>
+            <a:r>
+              <a:rPr lang="ko-KR" altLang="en-US" dirty="0"/>
+              <a:t>정의</a:t>
+            </a:r>
+            <a:r>
+              <a:rPr lang="en-US" altLang="ko-KR" dirty="0"/>
+              <a:t>: </a:t>
+            </a:r>
+            <a:r>
+              <a:rPr lang="ko-KR" altLang="en-US" dirty="0"/>
+              <a:t>테스트가 필요한 상황을 작성한 문서</a:t>
+            </a:r>
+            <a:endParaRPr lang="en-US" altLang="ko-KR" dirty="0"/>
+          </a:p>
+          <a:p>
+            <a:pPr lvl="2"/>
+            <a:r>
+              <a:rPr lang="ko-KR" altLang="en-US" dirty="0"/>
+              <a:t>빠짐없이 테스트 하기 위함</a:t>
+            </a:r>
+            <a:endParaRPr lang="en-US" altLang="ko-KR" dirty="0"/>
+          </a:p>
+          <a:p>
+            <a:pPr lvl="1"/>
+            <a:endParaRPr lang="ko-KR" altLang="en-US" dirty="0"/>
+          </a:p>
+        </p:txBody>
+      </p:sp>
+      <p:sp>
+        <p:nvSpPr>
+          <p:cNvPr id="3" name="제목 2">
+            <a:extLst>
+              <a:ext uri="{FF2B5EF4-FFF2-40B4-BE49-F238E27FC236}">
+                <a16:creationId xmlns:a16="http://schemas.microsoft.com/office/drawing/2014/main" id="{A476613E-69F1-42E8-A579-92D5BB0902CF}"/>
+              </a:ext>
+            </a:extLst>
+          </p:cNvPr>
+          <p:cNvSpPr>
+            <a:spLocks noGrp="1"/>
+          </p:cNvSpPr>
+          <p:nvPr>
+            <p:ph type="title"/>
+          </p:nvPr>
+        </p:nvSpPr>
+        <p:spPr/>
+        <p:txBody>
+          <a:bodyPr/>
+          <a:lstStyle/>
+          <a:p>
+            <a:r>
+              <a:rPr lang="ko-KR" altLang="en-US" dirty="0"/>
+              <a:t>테스트 시나리오</a:t>
+            </a:r>
+          </a:p>
+        </p:txBody>
+      </p:sp>
+      <p:sp>
+        <p:nvSpPr>
+          <p:cNvPr id="4" name="내용 개체 틀 3">
+            <a:extLst>
+              <a:ext uri="{FF2B5EF4-FFF2-40B4-BE49-F238E27FC236}">
+                <a16:creationId xmlns:a16="http://schemas.microsoft.com/office/drawing/2014/main" id="{ED575299-C5CF-46FE-B1E4-C38E72912B6F}"/>
+              </a:ext>
+            </a:extLst>
+          </p:cNvPr>
+          <p:cNvSpPr>
+            <a:spLocks noGrp="1"/>
+          </p:cNvSpPr>
+          <p:nvPr>
+            <p:ph sz="half" idx="2"/>
+          </p:nvPr>
+        </p:nvSpPr>
+        <p:spPr/>
+        <p:txBody>
+          <a:bodyPr/>
+          <a:lstStyle/>
+          <a:p>
+            <a:endParaRPr lang="ko-KR" altLang="en-US"/>
+          </a:p>
+        </p:txBody>
+      </p:sp>
+      <p:sp>
+        <p:nvSpPr>
+          <p:cNvPr id="5" name="슬라이드 번호 개체 틀 4">
+            <a:extLst>
+              <a:ext uri="{FF2B5EF4-FFF2-40B4-BE49-F238E27FC236}">
+                <a16:creationId xmlns:a16="http://schemas.microsoft.com/office/drawing/2014/main" id="{AD3DA526-6DE7-4769-A416-B8BB9271F0B3}"/>
+              </a:ext>
+            </a:extLst>
+          </p:cNvPr>
+          <p:cNvSpPr>
+            <a:spLocks noGrp="1"/>
+          </p:cNvSpPr>
+          <p:nvPr>
+            <p:ph type="sldNum" sz="quarter" idx="12"/>
+          </p:nvPr>
+        </p:nvSpPr>
+        <p:spPr/>
+        <p:txBody>
+          <a:bodyPr/>
+          <a:lstStyle/>
+          <a:p>
+            <a:fld id="{89BED30C-66D9-4104-96BC-081A506F0CF0}" type="slidenum">
+              <a:rPr lang="ko-KR" altLang="en-US" smtClean="0"/>
+              <a:t>27</a:t>
+            </a:fld>
+            <a:endParaRPr lang="ko-KR" altLang="en-US"/>
+          </a:p>
+        </p:txBody>
+      </p:sp>
+      <p:sp>
+        <p:nvSpPr>
+          <p:cNvPr id="6" name="바닥글 개체 틀 5">
+            <a:extLst>
+              <a:ext uri="{FF2B5EF4-FFF2-40B4-BE49-F238E27FC236}">
+                <a16:creationId xmlns:a16="http://schemas.microsoft.com/office/drawing/2014/main" id="{BC417298-C5E9-45AB-A7F4-3DBA1BD47BDE}"/>
+              </a:ext>
+            </a:extLst>
+          </p:cNvPr>
+          <p:cNvSpPr>
+            <a:spLocks noGrp="1"/>
+          </p:cNvSpPr>
+          <p:nvPr>
+            <p:ph type="ftr" sz="quarter" idx="3"/>
+          </p:nvPr>
+        </p:nvSpPr>
+        <p:spPr/>
+        <p:txBody>
+          <a:bodyPr/>
+          <a:lstStyle/>
+          <a:p>
+            <a:pPr algn="l"/>
+            <a:r>
+              <a:rPr lang="en-US" altLang="ko-KR"/>
+              <a:t>Nibble</a:t>
+            </a:r>
+            <a:endParaRPr lang="ko-KR" altLang="en-US" dirty="0"/>
+          </a:p>
+        </p:txBody>
+      </p:sp>
+      <p:sp>
+        <p:nvSpPr>
+          <p:cNvPr id="7" name="날짜 개체 틀 6">
+            <a:extLst>
+              <a:ext uri="{FF2B5EF4-FFF2-40B4-BE49-F238E27FC236}">
+                <a16:creationId xmlns:a16="http://schemas.microsoft.com/office/drawing/2014/main" id="{68AF68D5-59AF-4D8D-975F-EA85CC7C8DDC}"/>
+              </a:ext>
+            </a:extLst>
+          </p:cNvPr>
+          <p:cNvSpPr>
+            <a:spLocks noGrp="1"/>
+          </p:cNvSpPr>
+          <p:nvPr>
+            <p:ph type="dt" sz="half" idx="13"/>
+          </p:nvPr>
+        </p:nvSpPr>
+        <p:spPr/>
+        <p:txBody>
+          <a:bodyPr/>
+          <a:lstStyle/>
+          <a:p>
+            <a:fld id="{B226B4E6-2447-4D67-A511-B13A2182F919}" type="datetime5">
+              <a:rPr lang="ko-KR" altLang="en-US" smtClean="0"/>
+              <a:t>2021/8/2</a:t>
+            </a:fld>
+            <a:endParaRPr lang="ko-KR" altLang="en-US" dirty="0"/>
+          </a:p>
+        </p:txBody>
+      </p:sp>
+    </p:spTree>
+    <p:extLst>
+      <p:ext uri="{BB962C8B-B14F-4D97-AF65-F5344CB8AC3E}">
+        <p14:creationId xmlns:p14="http://schemas.microsoft.com/office/powerpoint/2010/main" val="4204348629"/>
+      </p:ext>
+    </p:extLst>
+  </p:cSld>
+  <p:clrMapOvr>
+    <a:masterClrMapping/>
+  </p:clrMapOvr>
+</p:sld>
+</file>
+
+<file path=ppt/slides/slide28.xml><?xml version="1.0" encoding="utf-8"?>
+<p:sld xmlns:a="http://schemas.openxmlformats.org/drawingml/2006/main" xmlns:r="http://schemas.openxmlformats.org/officeDocument/2006/relationships" xmlns:p="http://schemas.openxmlformats.org/presentationml/2006/main">
+  <p:cSld>
+    <p:spTree>
+      <p:nvGrpSpPr>
+        <p:cNvPr id="1" name=""/>
+        <p:cNvGrpSpPr/>
+        <p:nvPr/>
+      </p:nvGrpSpPr>
+      <p:grpSpPr>
+        <a:xfrm>
+          <a:off x="0" y="0"/>
+          <a:ext cx="0" cy="0"/>
+          <a:chOff x="0" y="0"/>
+          <a:chExt cx="0" cy="0"/>
+        </a:xfrm>
+      </p:grpSpPr>
+      <p:sp>
+        <p:nvSpPr>
+          <p:cNvPr id="2" name="내용 개체 틀 1">
+            <a:extLst>
+              <a:ext uri="{FF2B5EF4-FFF2-40B4-BE49-F238E27FC236}">
+                <a16:creationId xmlns:a16="http://schemas.microsoft.com/office/drawing/2014/main" id="{259C5E08-0AB1-4F84-8280-896C199DBE0B}"/>
+              </a:ext>
+            </a:extLst>
+          </p:cNvPr>
+          <p:cNvSpPr>
+            <a:spLocks noGrp="1"/>
+          </p:cNvSpPr>
+          <p:nvPr>
+            <p:ph sz="half" idx="14"/>
+          </p:nvPr>
+        </p:nvSpPr>
+        <p:spPr/>
+        <p:txBody>
+          <a:bodyPr/>
+          <a:lstStyle/>
+          <a:p>
+            <a:r>
+              <a:rPr lang="en-US" altLang="ko-KR" dirty="0"/>
+              <a:t>SW </a:t>
+            </a:r>
+            <a:r>
+              <a:rPr lang="ko-KR" altLang="en-US" dirty="0"/>
+              <a:t>테스트 종류</a:t>
+            </a:r>
+            <a:endParaRPr lang="en-US" altLang="ko-KR" dirty="0"/>
+          </a:p>
+          <a:p>
+            <a:pPr lvl="1"/>
+            <a:r>
+              <a:rPr lang="ko-KR" altLang="en-US" dirty="0"/>
+              <a:t>프로그램 실행 여부</a:t>
+            </a:r>
+            <a:endParaRPr lang="en-US" altLang="ko-KR" dirty="0"/>
+          </a:p>
+          <a:p>
+            <a:pPr lvl="2"/>
+            <a:r>
+              <a:rPr lang="ko-KR" altLang="en-US" dirty="0"/>
+              <a:t>정적 테스트</a:t>
+            </a:r>
+            <a:r>
+              <a:rPr lang="en-US" altLang="ko-KR" dirty="0"/>
+              <a:t>: </a:t>
+            </a:r>
+            <a:r>
+              <a:rPr lang="ko-KR" altLang="en-US" dirty="0"/>
+              <a:t>실행 없이 논리성을 검증</a:t>
+            </a:r>
+            <a:endParaRPr lang="en-US" altLang="ko-KR" dirty="0"/>
+          </a:p>
+          <a:p>
+            <a:pPr lvl="2"/>
+            <a:r>
+              <a:rPr lang="ko-KR" altLang="en-US" dirty="0"/>
+              <a:t>동적 테스트</a:t>
+            </a:r>
+            <a:r>
+              <a:rPr lang="en-US" altLang="ko-KR" dirty="0"/>
+              <a:t>: </a:t>
+            </a:r>
+            <a:r>
+              <a:rPr lang="ko-KR" altLang="en-US" dirty="0"/>
+              <a:t>실행하여 결함 도출</a:t>
+            </a:r>
+            <a:endParaRPr lang="en-US" altLang="ko-KR" dirty="0"/>
+          </a:p>
+          <a:p>
+            <a:pPr lvl="1"/>
+            <a:r>
+              <a:rPr lang="ko-KR" altLang="en-US" dirty="0"/>
+              <a:t>테스트 기법</a:t>
+            </a:r>
+            <a:endParaRPr lang="en-US" altLang="ko-KR" dirty="0"/>
+          </a:p>
+          <a:p>
+            <a:pPr lvl="2"/>
+            <a:r>
+              <a:rPr lang="ko-KR" altLang="en-US" dirty="0"/>
+              <a:t>화이트 박스 테스트</a:t>
+            </a:r>
+            <a:r>
+              <a:rPr lang="en-US" altLang="ko-KR" dirty="0"/>
+              <a:t>: </a:t>
+            </a:r>
+            <a:r>
+              <a:rPr lang="ko-KR" altLang="en-US" dirty="0"/>
+              <a:t>코드를 직접 보며 검사</a:t>
+            </a:r>
+            <a:endParaRPr lang="en-US" altLang="ko-KR" dirty="0"/>
+          </a:p>
+          <a:p>
+            <a:pPr lvl="2"/>
+            <a:r>
+              <a:rPr lang="ko-KR" altLang="en-US" dirty="0"/>
+              <a:t>블랙 박스 테스트</a:t>
+            </a:r>
+            <a:r>
+              <a:rPr lang="en-US" altLang="ko-KR" dirty="0"/>
+              <a:t>: </a:t>
+            </a:r>
+            <a:r>
+              <a:rPr lang="ko-KR" altLang="en-US" dirty="0"/>
+              <a:t>입출력만 보며 검사</a:t>
+            </a:r>
+            <a:endParaRPr lang="en-US" altLang="ko-KR" dirty="0"/>
+          </a:p>
+          <a:p>
+            <a:pPr lvl="1"/>
+            <a:r>
+              <a:rPr lang="ko-KR" altLang="en-US" dirty="0"/>
+              <a:t>테스트 관점</a:t>
+            </a:r>
+            <a:endParaRPr lang="en-US" altLang="ko-KR" dirty="0"/>
+          </a:p>
+          <a:p>
+            <a:pPr lvl="2"/>
+            <a:r>
+              <a:rPr lang="ko-KR" altLang="en-US" dirty="0"/>
+              <a:t>검증</a:t>
+            </a:r>
+            <a:r>
+              <a:rPr lang="en-US" altLang="ko-KR" dirty="0"/>
+              <a:t>: </a:t>
+            </a:r>
+            <a:r>
+              <a:rPr lang="ko-KR" altLang="en-US" dirty="0"/>
+              <a:t>올바른 제품을 생산하고 있는지 과정을 테스트</a:t>
+            </a:r>
+            <a:endParaRPr lang="en-US" altLang="ko-KR" dirty="0"/>
+          </a:p>
+          <a:p>
+            <a:pPr lvl="2"/>
+            <a:r>
+              <a:rPr lang="ko-KR" altLang="en-US" dirty="0"/>
+              <a:t>확인</a:t>
+            </a:r>
+            <a:r>
+              <a:rPr lang="en-US" altLang="ko-KR" dirty="0"/>
+              <a:t>: </a:t>
+            </a:r>
+            <a:r>
+              <a:rPr lang="ko-KR" altLang="en-US" dirty="0"/>
+              <a:t>올바른 제품을 만들었는지 결과를 테스트</a:t>
+            </a:r>
+            <a:endParaRPr lang="en-US" altLang="ko-KR" dirty="0"/>
+          </a:p>
+          <a:p>
+            <a:pPr lvl="1"/>
+            <a:r>
+              <a:rPr lang="ko-KR" altLang="en-US" dirty="0"/>
+              <a:t>테스트 목적</a:t>
+            </a:r>
+            <a:endParaRPr lang="en-US" altLang="ko-KR" dirty="0"/>
+          </a:p>
+          <a:p>
+            <a:pPr lvl="2"/>
+            <a:r>
+              <a:rPr lang="ko-KR" altLang="en-US" dirty="0"/>
+              <a:t>회복</a:t>
+            </a:r>
+            <a:r>
+              <a:rPr lang="en-US" altLang="ko-KR" dirty="0"/>
+              <a:t>: </a:t>
+            </a:r>
+            <a:r>
+              <a:rPr lang="ko-KR" altLang="en-US" dirty="0"/>
+              <a:t>고의로 실패 후 정상적 복귀를 테스트</a:t>
+            </a:r>
+            <a:endParaRPr lang="en-US" altLang="ko-KR" dirty="0"/>
+          </a:p>
+          <a:p>
+            <a:pPr lvl="2"/>
+            <a:r>
+              <a:rPr lang="ko-KR" altLang="en-US" dirty="0"/>
+              <a:t>안전</a:t>
+            </a:r>
+            <a:r>
+              <a:rPr lang="en-US" altLang="ko-KR" dirty="0"/>
+              <a:t>: </a:t>
+            </a:r>
+            <a:r>
+              <a:rPr lang="ko-KR" altLang="en-US" dirty="0"/>
+              <a:t>보안 결함 테스트</a:t>
+            </a:r>
+            <a:endParaRPr lang="en-US" altLang="ko-KR" dirty="0"/>
+          </a:p>
+          <a:p>
+            <a:pPr lvl="2"/>
+            <a:r>
+              <a:rPr lang="ko-KR" altLang="en-US" dirty="0"/>
+              <a:t>성능</a:t>
+            </a:r>
+            <a:r>
+              <a:rPr lang="en-US" altLang="ko-KR" dirty="0"/>
+              <a:t>: </a:t>
+            </a:r>
+            <a:r>
+              <a:rPr lang="ko-KR" altLang="en-US" dirty="0"/>
+              <a:t>성능 테스트</a:t>
+            </a:r>
+            <a:endParaRPr lang="en-US" altLang="ko-KR" dirty="0"/>
+          </a:p>
+          <a:p>
+            <a:pPr lvl="2"/>
+            <a:r>
+              <a:rPr lang="ko-KR" altLang="en-US" dirty="0"/>
+              <a:t>구조</a:t>
+            </a:r>
+            <a:r>
+              <a:rPr lang="en-US" altLang="ko-KR" dirty="0"/>
+              <a:t>: </a:t>
+            </a:r>
+            <a:r>
+              <a:rPr lang="ko-KR" altLang="en-US" dirty="0"/>
+              <a:t>코드의 복잡도 등을 테스트</a:t>
+            </a:r>
+            <a:endParaRPr lang="en-US" altLang="ko-KR" dirty="0"/>
+          </a:p>
+          <a:p>
+            <a:pPr lvl="2"/>
+            <a:r>
+              <a:rPr lang="ko-KR" altLang="en-US" dirty="0"/>
+              <a:t>회귀</a:t>
+            </a:r>
+            <a:r>
+              <a:rPr lang="en-US" altLang="ko-KR" dirty="0"/>
+              <a:t>: </a:t>
+            </a:r>
+            <a:r>
+              <a:rPr lang="ko-KR" altLang="en-US" dirty="0"/>
+              <a:t>수정 후 새로운 오류가 생겼는지 테스트</a:t>
+            </a:r>
+            <a:endParaRPr lang="en-US" altLang="ko-KR" dirty="0"/>
+          </a:p>
+          <a:p>
+            <a:pPr lvl="2"/>
+            <a:r>
+              <a:rPr lang="ko-KR" altLang="en-US" dirty="0"/>
+              <a:t>병행</a:t>
+            </a:r>
+            <a:r>
+              <a:rPr lang="en-US" altLang="ko-KR" dirty="0"/>
+              <a:t>: </a:t>
+            </a:r>
+            <a:r>
+              <a:rPr lang="ko-KR" altLang="en-US" dirty="0"/>
+              <a:t>수정 전후 시스템이 같은 결과를 내는지 확인</a:t>
+            </a:r>
+          </a:p>
+        </p:txBody>
+      </p:sp>
+      <p:sp>
+        <p:nvSpPr>
+          <p:cNvPr id="3" name="제목 2">
+            <a:extLst>
+              <a:ext uri="{FF2B5EF4-FFF2-40B4-BE49-F238E27FC236}">
+                <a16:creationId xmlns:a16="http://schemas.microsoft.com/office/drawing/2014/main" id="{92CC8396-2116-424E-B899-2B0F9AE7DBFA}"/>
+              </a:ext>
+            </a:extLst>
+          </p:cNvPr>
+          <p:cNvSpPr>
+            <a:spLocks noGrp="1"/>
+          </p:cNvSpPr>
+          <p:nvPr>
+            <p:ph type="title"/>
+          </p:nvPr>
+        </p:nvSpPr>
+        <p:spPr/>
+        <p:txBody>
+          <a:bodyPr/>
+          <a:lstStyle/>
+          <a:p>
+            <a:r>
+              <a:rPr lang="ko-KR" altLang="en-US" dirty="0"/>
+              <a:t>테스트 지식 체계</a:t>
+            </a:r>
+          </a:p>
+        </p:txBody>
+      </p:sp>
+      <p:sp>
+        <p:nvSpPr>
+          <p:cNvPr id="4" name="내용 개체 틀 3">
+            <a:extLst>
+              <a:ext uri="{FF2B5EF4-FFF2-40B4-BE49-F238E27FC236}">
+                <a16:creationId xmlns:a16="http://schemas.microsoft.com/office/drawing/2014/main" id="{6B94EBE2-7A46-484B-82B7-78A99E3D6DB2}"/>
+              </a:ext>
+            </a:extLst>
+          </p:cNvPr>
+          <p:cNvSpPr>
+            <a:spLocks noGrp="1"/>
+          </p:cNvSpPr>
+          <p:nvPr>
+            <p:ph sz="half" idx="2"/>
+          </p:nvPr>
+        </p:nvSpPr>
+        <p:spPr/>
+        <p:txBody>
+          <a:bodyPr/>
+          <a:lstStyle/>
+          <a:p>
+            <a:endParaRPr lang="en-US" altLang="ko-KR" dirty="0"/>
+          </a:p>
+          <a:p>
+            <a:pPr lvl="1"/>
+            <a:r>
+              <a:rPr lang="ko-KR" altLang="en-US" dirty="0"/>
+              <a:t>종류</a:t>
+            </a:r>
+            <a:endParaRPr lang="en-US" altLang="ko-KR" dirty="0"/>
+          </a:p>
+          <a:p>
+            <a:pPr lvl="2"/>
+            <a:r>
+              <a:rPr lang="ko-KR" altLang="en-US" dirty="0"/>
+              <a:t>명세 기반</a:t>
+            </a:r>
+            <a:r>
+              <a:rPr lang="en-US" altLang="ko-KR" dirty="0"/>
+              <a:t>: </a:t>
+            </a:r>
+            <a:r>
+              <a:rPr lang="ko-KR" altLang="en-US" dirty="0"/>
+              <a:t>요구사항 명세서를 기반으로 테스트</a:t>
+            </a:r>
+            <a:endParaRPr lang="en-US" altLang="ko-KR" dirty="0"/>
+          </a:p>
+          <a:p>
+            <a:pPr lvl="2"/>
+            <a:r>
+              <a:rPr lang="ko-KR" altLang="en-US" dirty="0"/>
+              <a:t>구조 기반</a:t>
+            </a:r>
+            <a:r>
+              <a:rPr lang="en-US" altLang="ko-KR" dirty="0"/>
+              <a:t>: SW </a:t>
+            </a:r>
+            <a:r>
+              <a:rPr lang="ko-KR" altLang="en-US" dirty="0"/>
+              <a:t>흐름에 따라 테스트</a:t>
+            </a:r>
+            <a:endParaRPr lang="en-US" altLang="ko-KR" dirty="0"/>
+          </a:p>
+          <a:p>
+            <a:pPr lvl="2"/>
+            <a:r>
+              <a:rPr lang="ko-KR" altLang="en-US" dirty="0"/>
+              <a:t>경험 기반</a:t>
+            </a:r>
+            <a:r>
+              <a:rPr lang="en-US" altLang="ko-KR" dirty="0"/>
+              <a:t>: </a:t>
+            </a:r>
+            <a:r>
+              <a:rPr lang="ko-KR" altLang="en-US" dirty="0"/>
+              <a:t>유사 </a:t>
+            </a:r>
+            <a:r>
+              <a:rPr lang="en-US" altLang="ko-KR" dirty="0"/>
+              <a:t>SW</a:t>
+            </a:r>
+            <a:r>
+              <a:rPr lang="ko-KR" altLang="en-US" dirty="0"/>
+              <a:t>의 테스트 경험을 토대로 테스트</a:t>
+            </a:r>
+            <a:endParaRPr lang="en-US" altLang="ko-KR" dirty="0"/>
+          </a:p>
+          <a:p>
+            <a:pPr lvl="2"/>
+            <a:endParaRPr lang="en-US" altLang="ko-KR" dirty="0"/>
+          </a:p>
+          <a:p>
+            <a:r>
+              <a:rPr lang="en-US" altLang="ko-KR" dirty="0"/>
+              <a:t>SW </a:t>
+            </a:r>
+            <a:r>
+              <a:rPr lang="ko-KR" altLang="en-US" dirty="0"/>
+              <a:t>테스트의 원리</a:t>
+            </a:r>
+            <a:endParaRPr lang="en-US" altLang="ko-KR" dirty="0"/>
+          </a:p>
+          <a:p>
+            <a:pPr lvl="1"/>
+            <a:r>
+              <a:rPr lang="ko-KR" altLang="en-US" dirty="0"/>
+              <a:t>테스팅을 결함이 존재함을 밝히는 것</a:t>
+            </a:r>
+            <a:endParaRPr lang="en-US" altLang="ko-KR" dirty="0"/>
+          </a:p>
+          <a:p>
+            <a:pPr lvl="1"/>
+            <a:r>
+              <a:rPr lang="ko-KR" altLang="en-US" dirty="0"/>
+              <a:t>완벽한 테스팅은 불가능</a:t>
+            </a:r>
+            <a:endParaRPr lang="en-US" altLang="ko-KR" dirty="0"/>
+          </a:p>
+          <a:p>
+            <a:pPr lvl="1"/>
+            <a:r>
+              <a:rPr lang="ko-KR" altLang="en-US" dirty="0"/>
+              <a:t>개발 초기에 테스팅 시작</a:t>
+            </a:r>
+            <a:endParaRPr lang="en-US" altLang="ko-KR" dirty="0"/>
+          </a:p>
+          <a:p>
+            <a:pPr lvl="1"/>
+            <a:r>
+              <a:rPr lang="ko-KR" altLang="en-US" dirty="0"/>
+              <a:t>결함 집중</a:t>
+            </a:r>
+            <a:r>
+              <a:rPr lang="en-US" altLang="ko-KR" dirty="0"/>
+              <a:t>: 20%</a:t>
+            </a:r>
+            <a:r>
+              <a:rPr lang="ko-KR" altLang="en-US" dirty="0"/>
+              <a:t>에서 </a:t>
+            </a:r>
+            <a:r>
+              <a:rPr lang="en-US" altLang="ko-KR" dirty="0"/>
+              <a:t>80%</a:t>
+            </a:r>
+            <a:r>
+              <a:rPr lang="ko-KR" altLang="en-US" dirty="0"/>
+              <a:t>의</a:t>
+            </a:r>
+            <a:r>
+              <a:rPr lang="en-US" altLang="ko-KR" dirty="0"/>
+              <a:t> </a:t>
+            </a:r>
+            <a:r>
+              <a:rPr lang="ko-KR" altLang="en-US" dirty="0"/>
+              <a:t>오류가 나옴</a:t>
+            </a:r>
+            <a:endParaRPr lang="en-US" altLang="ko-KR" dirty="0"/>
+          </a:p>
+          <a:p>
+            <a:pPr lvl="1"/>
+            <a:r>
+              <a:rPr lang="ko-KR" altLang="en-US" dirty="0"/>
+              <a:t>살충제 패러독스</a:t>
+            </a:r>
+            <a:r>
+              <a:rPr lang="en-US" altLang="ko-KR" dirty="0"/>
+              <a:t>: </a:t>
+            </a:r>
+            <a:r>
+              <a:rPr lang="ko-KR" altLang="en-US" dirty="0"/>
+              <a:t>동일한 테케를 쓰면 새 오류를 못 찾음</a:t>
+            </a:r>
+            <a:endParaRPr lang="en-US" altLang="ko-KR" dirty="0"/>
+          </a:p>
+          <a:p>
+            <a:pPr lvl="1"/>
+            <a:r>
+              <a:rPr lang="ko-KR" altLang="en-US" dirty="0"/>
+              <a:t>테스팅은 정황에 의존적</a:t>
+            </a:r>
+            <a:r>
+              <a:rPr lang="en-US" altLang="ko-KR" dirty="0"/>
+              <a:t>: SW </a:t>
+            </a:r>
+            <a:r>
+              <a:rPr lang="ko-KR" altLang="en-US" dirty="0"/>
+              <a:t>성격에 맞게 테스트</a:t>
+            </a:r>
+            <a:endParaRPr lang="en-US" altLang="ko-KR" dirty="0"/>
+          </a:p>
+          <a:p>
+            <a:pPr lvl="1"/>
+            <a:r>
+              <a:rPr lang="ko-KR" altLang="en-US" dirty="0"/>
+              <a:t>오류</a:t>
+            </a:r>
+            <a:r>
+              <a:rPr lang="en-US" altLang="ko-KR" dirty="0"/>
+              <a:t>-</a:t>
+            </a:r>
+            <a:r>
+              <a:rPr lang="ko-KR" altLang="en-US" dirty="0"/>
+              <a:t>부재의 궤변</a:t>
+            </a:r>
+            <a:endParaRPr lang="en-US" altLang="ko-KR" dirty="0"/>
+          </a:p>
+          <a:p>
+            <a:pPr lvl="2"/>
+            <a:r>
+              <a:rPr lang="ko-KR" altLang="en-US" dirty="0"/>
+              <a:t>요구사항을 충족시키지 못하면 결함이 없어도 구림</a:t>
+            </a:r>
+            <a:endParaRPr lang="en-US" altLang="ko-KR" dirty="0"/>
+          </a:p>
+        </p:txBody>
+      </p:sp>
+      <p:sp>
+        <p:nvSpPr>
+          <p:cNvPr id="5" name="슬라이드 번호 개체 틀 4">
+            <a:extLst>
+              <a:ext uri="{FF2B5EF4-FFF2-40B4-BE49-F238E27FC236}">
+                <a16:creationId xmlns:a16="http://schemas.microsoft.com/office/drawing/2014/main" id="{7565FFC8-7610-45A6-86E3-691B9443A5F3}"/>
+              </a:ext>
+            </a:extLst>
+          </p:cNvPr>
+          <p:cNvSpPr>
+            <a:spLocks noGrp="1"/>
+          </p:cNvSpPr>
+          <p:nvPr>
+            <p:ph type="sldNum" sz="quarter" idx="12"/>
+          </p:nvPr>
+        </p:nvSpPr>
+        <p:spPr/>
+        <p:txBody>
+          <a:bodyPr/>
+          <a:lstStyle/>
+          <a:p>
+            <a:fld id="{89BED30C-66D9-4104-96BC-081A506F0CF0}" type="slidenum">
+              <a:rPr lang="ko-KR" altLang="en-US" smtClean="0"/>
+              <a:t>28</a:t>
+            </a:fld>
+            <a:endParaRPr lang="ko-KR" altLang="en-US"/>
+          </a:p>
+        </p:txBody>
+      </p:sp>
+      <p:sp>
+        <p:nvSpPr>
+          <p:cNvPr id="6" name="바닥글 개체 틀 5">
+            <a:extLst>
+              <a:ext uri="{FF2B5EF4-FFF2-40B4-BE49-F238E27FC236}">
+                <a16:creationId xmlns:a16="http://schemas.microsoft.com/office/drawing/2014/main" id="{C0D8344E-A316-470F-B6F5-6C379A0AA7AF}"/>
+              </a:ext>
+            </a:extLst>
+          </p:cNvPr>
+          <p:cNvSpPr>
+            <a:spLocks noGrp="1"/>
+          </p:cNvSpPr>
+          <p:nvPr>
+            <p:ph type="ftr" sz="quarter" idx="3"/>
+          </p:nvPr>
+        </p:nvSpPr>
+        <p:spPr/>
+        <p:txBody>
+          <a:bodyPr/>
+          <a:lstStyle/>
+          <a:p>
+            <a:pPr algn="l"/>
+            <a:r>
+              <a:rPr lang="en-US" altLang="ko-KR"/>
+              <a:t>Nibble</a:t>
+            </a:r>
+            <a:endParaRPr lang="ko-KR" altLang="en-US" dirty="0"/>
+          </a:p>
+        </p:txBody>
+      </p:sp>
+      <p:sp>
+        <p:nvSpPr>
+          <p:cNvPr id="7" name="날짜 개체 틀 6">
+            <a:extLst>
+              <a:ext uri="{FF2B5EF4-FFF2-40B4-BE49-F238E27FC236}">
+                <a16:creationId xmlns:a16="http://schemas.microsoft.com/office/drawing/2014/main" id="{F3640087-887F-4731-BD59-5BEAA9161EE1}"/>
+              </a:ext>
+            </a:extLst>
+          </p:cNvPr>
+          <p:cNvSpPr>
+            <a:spLocks noGrp="1"/>
+          </p:cNvSpPr>
+          <p:nvPr>
+            <p:ph type="dt" sz="half" idx="13"/>
+          </p:nvPr>
+        </p:nvSpPr>
+        <p:spPr/>
+        <p:txBody>
+          <a:bodyPr/>
+          <a:lstStyle/>
+          <a:p>
+            <a:fld id="{B226B4E6-2447-4D67-A511-B13A2182F919}" type="datetime5">
+              <a:rPr lang="ko-KR" altLang="en-US" smtClean="0"/>
+              <a:t>2021/8/2</a:t>
+            </a:fld>
+            <a:endParaRPr lang="ko-KR" altLang="en-US" dirty="0"/>
+          </a:p>
+        </p:txBody>
+      </p:sp>
+    </p:spTree>
+    <p:extLst>
+      <p:ext uri="{BB962C8B-B14F-4D97-AF65-F5344CB8AC3E}">
+        <p14:creationId xmlns:p14="http://schemas.microsoft.com/office/powerpoint/2010/main" val="2115787896"/>
+      </p:ext>
+    </p:extLst>
+  </p:cSld>
+  <p:clrMapOvr>
+    <a:masterClrMapping/>
+  </p:clrMapOvr>
+</p:sld>
+</file>
+
+<file path=ppt/slides/slide29.xml><?xml version="1.0" encoding="utf-8"?>
+<p:sld xmlns:a="http://schemas.openxmlformats.org/drawingml/2006/main" xmlns:r="http://schemas.openxmlformats.org/officeDocument/2006/relationships" xmlns:p="http://schemas.openxmlformats.org/presentationml/2006/main">
+  <p:cSld>
+    <p:spTree>
+      <p:nvGrpSpPr>
+        <p:cNvPr id="1" name=""/>
+        <p:cNvGrpSpPr/>
+        <p:nvPr/>
+      </p:nvGrpSpPr>
+      <p:grpSpPr>
+        <a:xfrm>
+          <a:off x="0" y="0"/>
+          <a:ext cx="0" cy="0"/>
+          <a:chOff x="0" y="0"/>
+          <a:chExt cx="0" cy="0"/>
+        </a:xfrm>
+      </p:grpSpPr>
+      <p:sp>
+        <p:nvSpPr>
+          <p:cNvPr id="2" name="내용 개체 틀 1">
+            <a:extLst>
+              <a:ext uri="{FF2B5EF4-FFF2-40B4-BE49-F238E27FC236}">
+                <a16:creationId xmlns:a16="http://schemas.microsoft.com/office/drawing/2014/main" id="{D50B9B44-EEBE-4591-AA10-71BD3F10A1BF}"/>
+              </a:ext>
+            </a:extLst>
+          </p:cNvPr>
+          <p:cNvSpPr>
+            <a:spLocks noGrp="1"/>
+          </p:cNvSpPr>
+          <p:nvPr>
+            <p:ph sz="half" idx="14"/>
+          </p:nvPr>
+        </p:nvSpPr>
+        <p:spPr/>
+        <p:txBody>
+          <a:bodyPr>
+            <a:normAutofit/>
+          </a:bodyPr>
+          <a:lstStyle/>
+          <a:p>
+            <a:r>
+              <a:rPr lang="ko-KR" altLang="en-US" dirty="0"/>
+              <a:t>결함</a:t>
+            </a:r>
+            <a:endParaRPr lang="en-US" altLang="ko-KR" dirty="0"/>
+          </a:p>
+          <a:p>
+            <a:pPr lvl="1"/>
+            <a:r>
+              <a:rPr lang="ko-KR" altLang="en-US" dirty="0"/>
+              <a:t>정의</a:t>
+            </a:r>
+            <a:r>
+              <a:rPr lang="en-US" altLang="ko-KR" dirty="0"/>
+              <a:t>: SW</a:t>
+            </a:r>
+            <a:r>
+              <a:rPr lang="ko-KR" altLang="en-US" dirty="0"/>
+              <a:t>가 설계한 것과 다르게 동작하는 것</a:t>
+            </a:r>
+            <a:endParaRPr lang="en-US" altLang="ko-KR" dirty="0"/>
+          </a:p>
+          <a:p>
+            <a:pPr lvl="1"/>
+            <a:r>
+              <a:rPr lang="ko-KR" altLang="en-US" dirty="0"/>
+              <a:t>종류</a:t>
+            </a:r>
+            <a:endParaRPr lang="en-US" altLang="ko-KR" dirty="0"/>
+          </a:p>
+          <a:p>
+            <a:pPr lvl="2"/>
+            <a:r>
+              <a:rPr lang="ko-KR" altLang="en-US" dirty="0"/>
+              <a:t>에러</a:t>
+            </a:r>
+            <a:r>
+              <a:rPr lang="en-US" altLang="ko-KR" dirty="0"/>
+              <a:t>: </a:t>
+            </a:r>
+            <a:r>
+              <a:rPr lang="ko-KR" altLang="en-US" dirty="0"/>
+              <a:t>결함의 원인이 되는 사람의 실수</a:t>
+            </a:r>
+            <a:endParaRPr lang="en-US" altLang="ko-KR" dirty="0"/>
+          </a:p>
+          <a:p>
+            <a:pPr lvl="2"/>
+            <a:r>
+              <a:rPr lang="ko-KR" altLang="en-US" dirty="0"/>
+              <a:t>결함</a:t>
+            </a:r>
+            <a:r>
+              <a:rPr lang="en-US" altLang="ko-KR" dirty="0"/>
+              <a:t>: </a:t>
+            </a:r>
+            <a:r>
+              <a:rPr lang="ko-KR" altLang="en-US" dirty="0"/>
+              <a:t>에러로 인해 잘못 만들어진 </a:t>
+            </a:r>
+            <a:r>
+              <a:rPr lang="en-US" altLang="ko-KR" dirty="0"/>
+              <a:t>SW</a:t>
+            </a:r>
+          </a:p>
+          <a:p>
+            <a:pPr lvl="2"/>
+            <a:r>
+              <a:rPr lang="ko-KR" altLang="en-US" dirty="0"/>
+              <a:t>실패</a:t>
+            </a:r>
+            <a:r>
+              <a:rPr lang="en-US" altLang="ko-KR" dirty="0"/>
+              <a:t>: </a:t>
+            </a:r>
+            <a:r>
+              <a:rPr lang="ko-KR" altLang="en-US" dirty="0"/>
+              <a:t>결함의 실행</a:t>
+            </a:r>
+            <a:endParaRPr lang="en-US" altLang="ko-KR" dirty="0"/>
+          </a:p>
+          <a:p>
+            <a:r>
+              <a:rPr lang="ko-KR" altLang="en-US" dirty="0"/>
+              <a:t>결함 관리 도구</a:t>
+            </a:r>
+            <a:endParaRPr lang="en-US" altLang="ko-KR" dirty="0"/>
+          </a:p>
+          <a:p>
+            <a:pPr lvl="1"/>
+            <a:r>
+              <a:rPr lang="ko-KR" altLang="en-US" dirty="0"/>
+              <a:t>정의</a:t>
+            </a:r>
+            <a:r>
+              <a:rPr lang="en-US" altLang="ko-KR" dirty="0"/>
+              <a:t>: </a:t>
+            </a:r>
+            <a:r>
+              <a:rPr lang="ko-KR" altLang="en-US" dirty="0"/>
+              <a:t>발견한 결함의 재발 방지를 위한 도구</a:t>
+            </a:r>
+            <a:endParaRPr lang="en-US" altLang="ko-KR" dirty="0"/>
+          </a:p>
+          <a:p>
+            <a:pPr lvl="1"/>
+            <a:r>
+              <a:rPr lang="ko-KR" altLang="en-US" dirty="0"/>
+              <a:t>기능</a:t>
+            </a:r>
+            <a:r>
+              <a:rPr lang="en-US" altLang="ko-KR" dirty="0"/>
+              <a:t>: </a:t>
+            </a:r>
+            <a:r>
+              <a:rPr lang="ko-KR" altLang="en-US" dirty="0"/>
+              <a:t>결함 추적</a:t>
+            </a:r>
+            <a:r>
+              <a:rPr lang="en-US" altLang="ko-KR" dirty="0"/>
+              <a:t>, </a:t>
+            </a:r>
+            <a:r>
+              <a:rPr lang="ko-KR" altLang="en-US" dirty="0"/>
+              <a:t>관리</a:t>
+            </a:r>
+            <a:endParaRPr lang="en-US" altLang="ko-KR" dirty="0"/>
+          </a:p>
+          <a:p>
+            <a:pPr lvl="1"/>
+            <a:r>
+              <a:rPr lang="ko-KR" altLang="en-US" dirty="0"/>
+              <a:t>관리 프로세스</a:t>
+            </a:r>
+            <a:endParaRPr lang="en-US" altLang="ko-KR" dirty="0"/>
+          </a:p>
+          <a:p>
+            <a:pPr lvl="2"/>
+            <a:r>
+              <a:rPr lang="en-US" altLang="ko-KR" dirty="0"/>
+              <a:t>1. </a:t>
+            </a:r>
+            <a:r>
+              <a:rPr lang="ko-KR" altLang="en-US" dirty="0"/>
+              <a:t>에러 발견</a:t>
+            </a:r>
+            <a:endParaRPr lang="en-US" altLang="ko-KR" dirty="0"/>
+          </a:p>
+          <a:p>
+            <a:pPr lvl="2"/>
+            <a:r>
+              <a:rPr lang="en-US" altLang="ko-KR" dirty="0"/>
+              <a:t>2. </a:t>
+            </a:r>
+            <a:r>
+              <a:rPr lang="ko-KR" altLang="en-US" dirty="0"/>
+              <a:t>에러 등록</a:t>
+            </a:r>
+            <a:endParaRPr lang="en-US" altLang="ko-KR" dirty="0"/>
+          </a:p>
+          <a:p>
+            <a:pPr lvl="2"/>
+            <a:r>
+              <a:rPr lang="en-US" altLang="ko-KR" dirty="0"/>
+              <a:t>3. </a:t>
+            </a:r>
+            <a:r>
+              <a:rPr lang="ko-KR" altLang="en-US" dirty="0"/>
+              <a:t>에러 분석</a:t>
+            </a:r>
+            <a:r>
+              <a:rPr lang="en-US" altLang="ko-KR" dirty="0"/>
+              <a:t>: </a:t>
+            </a:r>
+            <a:r>
+              <a:rPr lang="ko-KR" altLang="en-US" dirty="0"/>
+              <a:t>단순 에러인지 결함인지 분석</a:t>
+            </a:r>
+            <a:endParaRPr lang="en-US" altLang="ko-KR" dirty="0"/>
+          </a:p>
+          <a:p>
+            <a:pPr lvl="2"/>
+            <a:r>
+              <a:rPr lang="en-US" altLang="ko-KR" dirty="0"/>
+              <a:t>4. </a:t>
+            </a:r>
+            <a:r>
+              <a:rPr lang="ko-KR" altLang="en-US" dirty="0"/>
+              <a:t>결함 확정</a:t>
+            </a:r>
+            <a:endParaRPr lang="en-US" altLang="ko-KR" dirty="0"/>
+          </a:p>
+          <a:p>
+            <a:pPr lvl="2"/>
+            <a:r>
+              <a:rPr lang="en-US" altLang="ko-KR" dirty="0"/>
+              <a:t>5. </a:t>
+            </a:r>
+            <a:r>
+              <a:rPr lang="ko-KR" altLang="en-US" dirty="0"/>
+              <a:t>결함 할당</a:t>
+            </a:r>
+            <a:r>
+              <a:rPr lang="en-US" altLang="ko-KR" dirty="0"/>
+              <a:t>: </a:t>
+            </a:r>
+            <a:r>
+              <a:rPr lang="ko-KR" altLang="en-US" dirty="0"/>
+              <a:t>결함 해결 담당자 지정</a:t>
+            </a:r>
+            <a:endParaRPr lang="en-US" altLang="ko-KR" dirty="0"/>
+          </a:p>
+          <a:p>
+            <a:pPr lvl="2"/>
+            <a:r>
+              <a:rPr lang="en-US" altLang="ko-KR" dirty="0"/>
+              <a:t>6. </a:t>
+            </a:r>
+            <a:r>
+              <a:rPr lang="ko-KR" altLang="en-US" dirty="0"/>
+              <a:t>결함 조치</a:t>
+            </a:r>
+            <a:endParaRPr lang="en-US" altLang="ko-KR" dirty="0"/>
+          </a:p>
+          <a:p>
+            <a:pPr lvl="2"/>
+            <a:r>
+              <a:rPr lang="en-US" altLang="ko-KR" dirty="0"/>
+              <a:t>7. </a:t>
+            </a:r>
+            <a:r>
+              <a:rPr lang="ko-KR" altLang="en-US" dirty="0"/>
+              <a:t>결함 조치 검토 및 승인</a:t>
+            </a:r>
+            <a:r>
+              <a:rPr lang="en-US" altLang="ko-KR" dirty="0"/>
+              <a:t>: </a:t>
+            </a:r>
+            <a:r>
+              <a:rPr lang="ko-KR" altLang="en-US" dirty="0"/>
+              <a:t>조치가 확인되면 통과</a:t>
+            </a:r>
+            <a:endParaRPr lang="en-US" altLang="ko-KR" dirty="0"/>
+          </a:p>
+        </p:txBody>
+      </p:sp>
+      <p:sp>
+        <p:nvSpPr>
+          <p:cNvPr id="3" name="제목 2">
+            <a:extLst>
+              <a:ext uri="{FF2B5EF4-FFF2-40B4-BE49-F238E27FC236}">
+                <a16:creationId xmlns:a16="http://schemas.microsoft.com/office/drawing/2014/main" id="{15EAA347-DADB-483F-8206-A0C246378045}"/>
+              </a:ext>
+            </a:extLst>
+          </p:cNvPr>
+          <p:cNvSpPr>
+            <a:spLocks noGrp="1"/>
+          </p:cNvSpPr>
+          <p:nvPr>
+            <p:ph type="title"/>
+          </p:nvPr>
+        </p:nvSpPr>
+        <p:spPr/>
+        <p:txBody>
+          <a:bodyPr/>
+          <a:lstStyle/>
+          <a:p>
+            <a:r>
+              <a:rPr lang="ko-KR" altLang="en-US" dirty="0"/>
+              <a:t>결함 관리 도구</a:t>
+            </a:r>
+          </a:p>
+        </p:txBody>
+      </p:sp>
+      <p:sp>
+        <p:nvSpPr>
+          <p:cNvPr id="4" name="내용 개체 틀 3">
+            <a:extLst>
+              <a:ext uri="{FF2B5EF4-FFF2-40B4-BE49-F238E27FC236}">
+                <a16:creationId xmlns:a16="http://schemas.microsoft.com/office/drawing/2014/main" id="{3E0C523E-562C-44C7-AA74-C02041E3E378}"/>
+              </a:ext>
+            </a:extLst>
+          </p:cNvPr>
+          <p:cNvSpPr>
+            <a:spLocks noGrp="1"/>
+          </p:cNvSpPr>
+          <p:nvPr>
+            <p:ph sz="half" idx="2"/>
+          </p:nvPr>
+        </p:nvSpPr>
+        <p:spPr/>
+        <p:txBody>
+          <a:bodyPr/>
+          <a:lstStyle/>
+          <a:p>
+            <a:r>
+              <a:rPr lang="ko-KR" altLang="en-US" dirty="0"/>
+              <a:t>결함 추이 분석</a:t>
+            </a:r>
+            <a:endParaRPr lang="en-US" altLang="ko-KR" dirty="0"/>
+          </a:p>
+          <a:p>
+            <a:pPr lvl="1"/>
+            <a:r>
+              <a:rPr lang="ko-KR" altLang="en-US" dirty="0"/>
+              <a:t>정의</a:t>
+            </a:r>
+            <a:r>
+              <a:rPr lang="en-US" altLang="ko-KR" dirty="0"/>
+              <a:t>: </a:t>
+            </a:r>
+            <a:r>
+              <a:rPr lang="ko-KR" altLang="en-US" dirty="0"/>
+              <a:t>발생한 결함들을 분석하여 어디서 또 나올지 추정</a:t>
+            </a:r>
+            <a:endParaRPr lang="en-US" altLang="ko-KR" dirty="0"/>
+          </a:p>
+          <a:p>
+            <a:r>
+              <a:rPr lang="ko-KR" altLang="en-US" dirty="0"/>
+              <a:t>테스트 커버리지</a:t>
+            </a:r>
+            <a:endParaRPr lang="en-US" altLang="ko-KR" dirty="0"/>
+          </a:p>
+          <a:p>
+            <a:pPr lvl="1"/>
+            <a:r>
+              <a:rPr lang="ko-KR" altLang="en-US" dirty="0"/>
+              <a:t>정의</a:t>
+            </a:r>
+            <a:r>
+              <a:rPr lang="en-US" altLang="ko-KR" dirty="0"/>
+              <a:t>: </a:t>
+            </a:r>
+            <a:r>
+              <a:rPr lang="ko-KR" altLang="en-US" dirty="0"/>
+              <a:t>테케로 수행되는 </a:t>
+            </a:r>
+            <a:r>
+              <a:rPr lang="en-US" altLang="ko-KR" dirty="0"/>
+              <a:t>SW</a:t>
+            </a:r>
+            <a:r>
+              <a:rPr lang="ko-KR" altLang="en-US" dirty="0"/>
+              <a:t>의 테스트 범위</a:t>
+            </a:r>
+            <a:endParaRPr lang="en-US" altLang="ko-KR" dirty="0"/>
+          </a:p>
+          <a:p>
+            <a:pPr lvl="1"/>
+            <a:r>
+              <a:rPr lang="ko-KR" altLang="en-US" dirty="0"/>
+              <a:t>유형</a:t>
+            </a:r>
+            <a:endParaRPr lang="en-US" altLang="ko-KR" dirty="0"/>
+          </a:p>
+          <a:p>
+            <a:pPr lvl="2"/>
+            <a:r>
+              <a:rPr lang="ko-KR" altLang="en-US" dirty="0"/>
+              <a:t>기능 기반 커버리지</a:t>
+            </a:r>
+            <a:r>
+              <a:rPr lang="en-US" altLang="ko-KR" dirty="0"/>
+              <a:t>: </a:t>
+            </a:r>
+            <a:r>
+              <a:rPr lang="ko-KR" altLang="en-US" dirty="0"/>
+              <a:t>기능이 얼마나 테스트 됐는가</a:t>
+            </a:r>
+            <a:endParaRPr lang="en-US" altLang="ko-KR" dirty="0"/>
+          </a:p>
+          <a:p>
+            <a:pPr lvl="2"/>
+            <a:r>
+              <a:rPr lang="ko-KR" altLang="en-US" dirty="0"/>
+              <a:t>라인 커버리지</a:t>
+            </a:r>
+            <a:r>
+              <a:rPr lang="en-US" altLang="ko-KR" dirty="0"/>
+              <a:t>: </a:t>
+            </a:r>
+            <a:r>
+              <a:rPr lang="ko-KR" altLang="en-US" dirty="0"/>
+              <a:t>몇 라인이 테스트 됐는가</a:t>
+            </a:r>
+            <a:endParaRPr lang="en-US" altLang="ko-KR" dirty="0"/>
+          </a:p>
+          <a:p>
+            <a:pPr lvl="2"/>
+            <a:r>
+              <a:rPr lang="ko-KR" altLang="en-US" dirty="0"/>
+              <a:t>코드 커버리지</a:t>
+            </a:r>
+            <a:r>
+              <a:rPr lang="en-US" altLang="ko-KR" dirty="0"/>
+              <a:t>: </a:t>
+            </a:r>
+            <a:r>
+              <a:rPr lang="ko-KR" altLang="en-US" dirty="0"/>
+              <a:t>코드가 얼마나 테스트 됐는가</a:t>
+            </a:r>
+            <a:endParaRPr lang="en-US" altLang="ko-KR" dirty="0"/>
+          </a:p>
+          <a:p>
+            <a:pPr lvl="3"/>
+            <a:r>
+              <a:rPr lang="ko-KR" altLang="en-US" dirty="0"/>
+              <a:t>구문 커버리지</a:t>
+            </a:r>
+            <a:endParaRPr lang="en-US" altLang="ko-KR" dirty="0"/>
+          </a:p>
+          <a:p>
+            <a:pPr lvl="3"/>
+            <a:r>
+              <a:rPr lang="ko-KR" altLang="en-US" dirty="0"/>
+              <a:t>결정 커버리지</a:t>
+            </a:r>
+            <a:endParaRPr lang="en-US" altLang="ko-KR" dirty="0"/>
+          </a:p>
+          <a:p>
+            <a:pPr lvl="3"/>
+            <a:r>
+              <a:rPr lang="ko-KR" altLang="en-US" dirty="0"/>
+              <a:t>조건 커버리지</a:t>
+            </a:r>
+            <a:endParaRPr lang="en-US" altLang="ko-KR" dirty="0"/>
+          </a:p>
+          <a:p>
+            <a:pPr lvl="3"/>
+            <a:r>
+              <a:rPr lang="ko-KR" altLang="en-US" dirty="0"/>
+              <a:t>조건</a:t>
+            </a:r>
+            <a:r>
+              <a:rPr lang="en-US" altLang="ko-KR" dirty="0"/>
+              <a:t>/</a:t>
+            </a:r>
+            <a:r>
+              <a:rPr lang="ko-KR" altLang="en-US" dirty="0"/>
+              <a:t>결정 커버리지</a:t>
+            </a:r>
+            <a:endParaRPr lang="en-US" altLang="ko-KR" dirty="0"/>
+          </a:p>
+          <a:p>
+            <a:pPr lvl="3"/>
+            <a:r>
+              <a:rPr lang="ko-KR" altLang="en-US" dirty="0"/>
+              <a:t>변경 조건</a:t>
+            </a:r>
+            <a:r>
+              <a:rPr lang="en-US" altLang="ko-KR" dirty="0"/>
+              <a:t>/</a:t>
+            </a:r>
+            <a:r>
+              <a:rPr lang="ko-KR" altLang="en-US" dirty="0"/>
+              <a:t>결정 커버리지</a:t>
+            </a:r>
+          </a:p>
+          <a:p>
+            <a:pPr lvl="3"/>
+            <a:r>
+              <a:rPr lang="ko-KR" altLang="en-US" dirty="0"/>
+              <a:t>다중 조건 커버리지</a:t>
+            </a:r>
+          </a:p>
+        </p:txBody>
+      </p:sp>
+      <p:sp>
+        <p:nvSpPr>
+          <p:cNvPr id="5" name="슬라이드 번호 개체 틀 4">
+            <a:extLst>
+              <a:ext uri="{FF2B5EF4-FFF2-40B4-BE49-F238E27FC236}">
+                <a16:creationId xmlns:a16="http://schemas.microsoft.com/office/drawing/2014/main" id="{B44D0DEF-BEF2-4C10-B815-F04C92389EAC}"/>
+              </a:ext>
+            </a:extLst>
+          </p:cNvPr>
+          <p:cNvSpPr>
+            <a:spLocks noGrp="1"/>
+          </p:cNvSpPr>
+          <p:nvPr>
+            <p:ph type="sldNum" sz="quarter" idx="12"/>
+          </p:nvPr>
+        </p:nvSpPr>
+        <p:spPr/>
+        <p:txBody>
+          <a:bodyPr/>
+          <a:lstStyle/>
+          <a:p>
+            <a:fld id="{89BED30C-66D9-4104-96BC-081A506F0CF0}" type="slidenum">
+              <a:rPr lang="ko-KR" altLang="en-US" smtClean="0"/>
+              <a:t>29</a:t>
+            </a:fld>
+            <a:endParaRPr lang="ko-KR" altLang="en-US"/>
+          </a:p>
+        </p:txBody>
+      </p:sp>
+      <p:sp>
+        <p:nvSpPr>
+          <p:cNvPr id="6" name="바닥글 개체 틀 5">
+            <a:extLst>
+              <a:ext uri="{FF2B5EF4-FFF2-40B4-BE49-F238E27FC236}">
+                <a16:creationId xmlns:a16="http://schemas.microsoft.com/office/drawing/2014/main" id="{658B9C31-7F3C-43A5-B9D5-673BCE064C81}"/>
+              </a:ext>
+            </a:extLst>
+          </p:cNvPr>
+          <p:cNvSpPr>
+            <a:spLocks noGrp="1"/>
+          </p:cNvSpPr>
+          <p:nvPr>
+            <p:ph type="ftr" sz="quarter" idx="3"/>
+          </p:nvPr>
+        </p:nvSpPr>
+        <p:spPr/>
+        <p:txBody>
+          <a:bodyPr/>
+          <a:lstStyle/>
+          <a:p>
+            <a:pPr algn="l"/>
+            <a:r>
+              <a:rPr lang="en-US" altLang="ko-KR"/>
+              <a:t>Nibble</a:t>
+            </a:r>
+            <a:endParaRPr lang="ko-KR" altLang="en-US" dirty="0"/>
+          </a:p>
+        </p:txBody>
+      </p:sp>
+      <p:sp>
+        <p:nvSpPr>
+          <p:cNvPr id="7" name="날짜 개체 틀 6">
+            <a:extLst>
+              <a:ext uri="{FF2B5EF4-FFF2-40B4-BE49-F238E27FC236}">
+                <a16:creationId xmlns:a16="http://schemas.microsoft.com/office/drawing/2014/main" id="{B0AC9624-5180-45E3-AD3E-7FD5A004F5D2}"/>
+              </a:ext>
+            </a:extLst>
+          </p:cNvPr>
+          <p:cNvSpPr>
+            <a:spLocks noGrp="1"/>
+          </p:cNvSpPr>
+          <p:nvPr>
+            <p:ph type="dt" sz="half" idx="13"/>
+          </p:nvPr>
+        </p:nvSpPr>
+        <p:spPr/>
+        <p:txBody>
+          <a:bodyPr/>
+          <a:lstStyle/>
+          <a:p>
+            <a:fld id="{B226B4E6-2447-4D67-A511-B13A2182F919}" type="datetime5">
+              <a:rPr lang="ko-KR" altLang="en-US" smtClean="0"/>
+              <a:t>2021/8/2</a:t>
+            </a:fld>
+            <a:endParaRPr lang="ko-KR" altLang="en-US" dirty="0"/>
+          </a:p>
+        </p:txBody>
+      </p:sp>
+    </p:spTree>
+    <p:extLst>
+      <p:ext uri="{BB962C8B-B14F-4D97-AF65-F5344CB8AC3E}">
+        <p14:creationId xmlns:p14="http://schemas.microsoft.com/office/powerpoint/2010/main" val="2047340261"/>
       </p:ext>
     </p:extLst>
   </p:cSld>
@@ -9116,6 +11345,57 @@
             </a:r>
           </a:p>
           <a:p>
+            <a:r>
+              <a:rPr lang="en-US" altLang="ko-KR" dirty="0"/>
+              <a:t>App</a:t>
+            </a:r>
+            <a:r>
+              <a:rPr lang="ko-KR" altLang="en-US" dirty="0"/>
+              <a:t> 테스트 관리</a:t>
+            </a:r>
+            <a:endParaRPr lang="en-US" altLang="ko-KR" dirty="0"/>
+          </a:p>
+          <a:p>
+            <a:pPr lvl="1"/>
+            <a:r>
+              <a:rPr lang="en-US" altLang="ko-KR" dirty="0"/>
+              <a:t>App </a:t>
+            </a:r>
+            <a:r>
+              <a:rPr lang="ko-KR" altLang="en-US" dirty="0"/>
+              <a:t>테스트 케이스 설계</a:t>
+            </a:r>
+            <a:endParaRPr lang="en-US" altLang="ko-KR" dirty="0"/>
+          </a:p>
+          <a:p>
+            <a:pPr lvl="1"/>
+            <a:r>
+              <a:rPr lang="en-US" altLang="ko-KR" dirty="0"/>
+              <a:t>App </a:t>
+            </a:r>
+            <a:r>
+              <a:rPr lang="ko-KR" altLang="en-US" dirty="0"/>
+              <a:t>통합 테스트</a:t>
+            </a:r>
+            <a:endParaRPr lang="en-US" altLang="ko-KR" dirty="0"/>
+          </a:p>
+          <a:p>
+            <a:pPr lvl="1"/>
+            <a:r>
+              <a:rPr lang="en-US" altLang="ko-KR" dirty="0"/>
+              <a:t>App </a:t>
+            </a:r>
+            <a:r>
+              <a:rPr lang="ko-KR" altLang="en-US" dirty="0"/>
+              <a:t>성능 개선</a:t>
+            </a:r>
+            <a:endParaRPr lang="en-US" altLang="ko-KR" dirty="0"/>
+          </a:p>
+          <a:p>
+            <a:pPr lvl="1"/>
+            <a:endParaRPr lang="en-US" altLang="ko-KR" dirty="0"/>
+          </a:p>
+          <a:p>
             <a:pPr lvl="1"/>
             <a:endParaRPr lang="ko-KR" altLang="en-US" dirty="0"/>
           </a:p>
@@ -9174,7 +11454,34 @@
           <a:bodyPr/>
           <a:lstStyle/>
           <a:p>
-            <a:endParaRPr lang="ko-KR" altLang="en-US"/>
+            <a:r>
+              <a:rPr lang="ko-KR" altLang="en-US" dirty="0"/>
+              <a:t>인터페이스 구현</a:t>
+            </a:r>
+            <a:endParaRPr lang="en-US" altLang="ko-KR" dirty="0"/>
+          </a:p>
+          <a:p>
+            <a:pPr lvl="1"/>
+            <a:r>
+              <a:rPr lang="ko-KR" altLang="en-US" dirty="0"/>
+              <a:t>인터페이스 설계 확인</a:t>
+            </a:r>
+            <a:endParaRPr lang="en-US" altLang="ko-KR" dirty="0"/>
+          </a:p>
+          <a:p>
+            <a:pPr lvl="1"/>
+            <a:r>
+              <a:rPr lang="ko-KR" altLang="en-US" dirty="0"/>
+              <a:t>인터페이스 기능 구현</a:t>
+            </a:r>
+            <a:endParaRPr lang="en-US" altLang="ko-KR" dirty="0"/>
+          </a:p>
+          <a:p>
+            <a:pPr lvl="1"/>
+            <a:r>
+              <a:rPr lang="ko-KR" altLang="en-US" dirty="0"/>
+              <a:t>인터페이스 구현 검증</a:t>
+            </a:r>
           </a:p>
         </p:txBody>
       </p:sp>
@@ -9260,7 +11567,7 @@
           <a:p>
             <a:fld id="{B226B4E6-2447-4D67-A511-B13A2182F919}" type="datetime5">
               <a:rPr lang="ko-KR" altLang="en-US" smtClean="0"/>
-              <a:t>2021/7/31</a:t>
+              <a:t>2021/8/2</a:t>
             </a:fld>
             <a:endParaRPr lang="ko-KR" altLang="en-US" dirty="0"/>
           </a:p>
@@ -9270,6 +11577,2996 @@
     <p:extLst>
       <p:ext uri="{BB962C8B-B14F-4D97-AF65-F5344CB8AC3E}">
         <p14:creationId xmlns:p14="http://schemas.microsoft.com/office/powerpoint/2010/main" val="3523267945"/>
+      </p:ext>
+    </p:extLst>
+  </p:cSld>
+  <p:clrMapOvr>
+    <a:masterClrMapping/>
+  </p:clrMapOvr>
+</p:sld>
+</file>
+
+<file path=ppt/slides/slide30.xml><?xml version="1.0" encoding="utf-8"?>
+<p:sld xmlns:a="http://schemas.openxmlformats.org/drawingml/2006/main" xmlns:r="http://schemas.openxmlformats.org/officeDocument/2006/relationships" xmlns:p="http://schemas.openxmlformats.org/presentationml/2006/main">
+  <p:cSld>
+    <p:spTree>
+      <p:nvGrpSpPr>
+        <p:cNvPr id="1" name=""/>
+        <p:cNvGrpSpPr/>
+        <p:nvPr/>
+      </p:nvGrpSpPr>
+      <p:grpSpPr>
+        <a:xfrm>
+          <a:off x="0" y="0"/>
+          <a:ext cx="0" cy="0"/>
+          <a:chOff x="0" y="0"/>
+          <a:chExt cx="0" cy="0"/>
+        </a:xfrm>
+      </p:grpSpPr>
+      <p:sp>
+        <p:nvSpPr>
+          <p:cNvPr id="9" name="내용 개체 틀 8">
+            <a:extLst>
+              <a:ext uri="{FF2B5EF4-FFF2-40B4-BE49-F238E27FC236}">
+                <a16:creationId xmlns:a16="http://schemas.microsoft.com/office/drawing/2014/main" id="{811C11DA-5BAF-436F-AFA0-4A87EC23BD2C}"/>
+              </a:ext>
+            </a:extLst>
+          </p:cNvPr>
+          <p:cNvSpPr>
+            <a:spLocks noGrp="1"/>
+          </p:cNvSpPr>
+          <p:nvPr>
+            <p:ph sz="half" idx="14"/>
+          </p:nvPr>
+        </p:nvSpPr>
+        <p:spPr/>
+        <p:txBody>
+          <a:bodyPr/>
+          <a:lstStyle/>
+          <a:p>
+            <a:r>
+              <a:rPr lang="ko-KR" altLang="en-US" dirty="0"/>
+              <a:t>테스트 자동화 도구</a:t>
+            </a:r>
+            <a:endParaRPr lang="en-US" altLang="ko-KR" dirty="0"/>
+          </a:p>
+          <a:p>
+            <a:pPr lvl="1"/>
+            <a:r>
+              <a:rPr lang="ko-KR" altLang="en-US" dirty="0"/>
+              <a:t>정의</a:t>
+            </a:r>
+            <a:r>
+              <a:rPr lang="en-US" altLang="ko-KR" dirty="0"/>
+              <a:t>: </a:t>
+            </a:r>
+            <a:r>
+              <a:rPr lang="ko-KR" altLang="en-US" dirty="0"/>
+              <a:t>반복적인 테스트 작업을 자동으로 해주는 도구</a:t>
+            </a:r>
+            <a:endParaRPr lang="en-US" altLang="ko-KR" dirty="0"/>
+          </a:p>
+          <a:p>
+            <a:pPr lvl="1"/>
+            <a:r>
+              <a:rPr lang="ko-KR" altLang="en-US" dirty="0"/>
+              <a:t>유형</a:t>
+            </a:r>
+            <a:endParaRPr lang="en-US" altLang="ko-KR" dirty="0"/>
+          </a:p>
+          <a:p>
+            <a:pPr lvl="2"/>
+            <a:r>
+              <a:rPr lang="ko-KR" altLang="en-US" dirty="0"/>
+              <a:t>정적 분석 도구</a:t>
+            </a:r>
+            <a:endParaRPr lang="en-US" altLang="ko-KR" dirty="0"/>
+          </a:p>
+          <a:p>
+            <a:pPr lvl="3"/>
+            <a:r>
+              <a:rPr lang="en-US" altLang="ko-KR" dirty="0"/>
+              <a:t>App</a:t>
+            </a:r>
+            <a:r>
+              <a:rPr lang="ko-KR" altLang="en-US" dirty="0"/>
+              <a:t>을 실행하지 않고 분석</a:t>
+            </a:r>
+            <a:endParaRPr lang="en-US" altLang="ko-KR" dirty="0"/>
+          </a:p>
+          <a:p>
+            <a:pPr lvl="3"/>
+            <a:r>
+              <a:rPr lang="ko-KR" altLang="en-US" dirty="0"/>
+              <a:t>코딩 표준</a:t>
+            </a:r>
+            <a:r>
+              <a:rPr lang="en-US" altLang="ko-KR" dirty="0"/>
+              <a:t>, </a:t>
+            </a:r>
+            <a:r>
+              <a:rPr lang="ko-KR" altLang="en-US" dirty="0"/>
+              <a:t>복잡도 등을 분석</a:t>
+            </a:r>
+            <a:endParaRPr lang="en-US" altLang="ko-KR" dirty="0"/>
+          </a:p>
+          <a:p>
+            <a:pPr lvl="2"/>
+            <a:r>
+              <a:rPr lang="ko-KR" altLang="en-US" dirty="0"/>
+              <a:t>테스트 실행 도구</a:t>
+            </a:r>
+            <a:endParaRPr lang="en-US" altLang="ko-KR" dirty="0"/>
+          </a:p>
+          <a:p>
+            <a:pPr lvl="3"/>
+            <a:r>
+              <a:rPr lang="ko-KR" altLang="en-US" dirty="0"/>
+              <a:t>테스트를 위해 작성된 </a:t>
+            </a:r>
+            <a:r>
+              <a:rPr lang="en-US" altLang="ko-KR" dirty="0"/>
+              <a:t>Script</a:t>
+            </a:r>
+            <a:r>
+              <a:rPr lang="ko-KR" altLang="en-US" dirty="0"/>
+              <a:t>를 실행</a:t>
+            </a:r>
+            <a:endParaRPr lang="en-US" altLang="ko-KR" dirty="0"/>
+          </a:p>
+          <a:p>
+            <a:pPr lvl="2"/>
+            <a:r>
+              <a:rPr lang="ko-KR" altLang="en-US" dirty="0"/>
+              <a:t>성능 테스트 도구</a:t>
+            </a:r>
+            <a:endParaRPr lang="en-US" altLang="ko-KR" dirty="0"/>
+          </a:p>
+          <a:p>
+            <a:pPr lvl="2"/>
+            <a:r>
+              <a:rPr lang="ko-KR" altLang="en-US" dirty="0"/>
+              <a:t>테스트 통제 도구</a:t>
+            </a:r>
+            <a:endParaRPr lang="en-US" altLang="ko-KR" dirty="0"/>
+          </a:p>
+          <a:p>
+            <a:pPr lvl="2"/>
+            <a:r>
+              <a:rPr lang="ko-KR" altLang="en-US" dirty="0"/>
+              <a:t>테스트 장치</a:t>
+            </a:r>
+            <a:endParaRPr lang="en-US" altLang="ko-KR" dirty="0"/>
+          </a:p>
+          <a:p>
+            <a:pPr lvl="3"/>
+            <a:r>
+              <a:rPr lang="ko-KR" altLang="en-US" dirty="0"/>
+              <a:t>테스트를 지원하는 코드와 데이터</a:t>
+            </a:r>
+            <a:endParaRPr lang="en-US" altLang="ko-KR" dirty="0"/>
+          </a:p>
+          <a:p>
+            <a:pPr lvl="2"/>
+            <a:r>
+              <a:rPr lang="ko-KR" altLang="en-US" dirty="0"/>
+              <a:t>테스트 단계별 테스트 자동화 도구</a:t>
+            </a:r>
+            <a:endParaRPr lang="en-US" altLang="ko-KR" dirty="0"/>
+          </a:p>
+          <a:p>
+            <a:pPr lvl="3"/>
+            <a:endParaRPr lang="ko-KR" altLang="en-US" dirty="0"/>
+          </a:p>
+        </p:txBody>
+      </p:sp>
+      <p:sp>
+        <p:nvSpPr>
+          <p:cNvPr id="7" name="제목 6">
+            <a:extLst>
+              <a:ext uri="{FF2B5EF4-FFF2-40B4-BE49-F238E27FC236}">
+                <a16:creationId xmlns:a16="http://schemas.microsoft.com/office/drawing/2014/main" id="{0753E2EE-5EE6-4032-B971-F842C7D97C53}"/>
+              </a:ext>
+            </a:extLst>
+          </p:cNvPr>
+          <p:cNvSpPr>
+            <a:spLocks noGrp="1"/>
+          </p:cNvSpPr>
+          <p:nvPr>
+            <p:ph type="title"/>
+          </p:nvPr>
+        </p:nvSpPr>
+        <p:spPr/>
+        <p:txBody>
+          <a:bodyPr/>
+          <a:lstStyle/>
+          <a:p>
+            <a:r>
+              <a:rPr lang="ko-KR" altLang="en-US" dirty="0"/>
+              <a:t>테스트 자동화 도구</a:t>
+            </a:r>
+          </a:p>
+        </p:txBody>
+      </p:sp>
+      <p:sp>
+        <p:nvSpPr>
+          <p:cNvPr id="8" name="내용 개체 틀 7">
+            <a:extLst>
+              <a:ext uri="{FF2B5EF4-FFF2-40B4-BE49-F238E27FC236}">
+                <a16:creationId xmlns:a16="http://schemas.microsoft.com/office/drawing/2014/main" id="{BAE7FE2A-2E76-43F1-8D37-427AE5A5A2DF}"/>
+              </a:ext>
+            </a:extLst>
+          </p:cNvPr>
+          <p:cNvSpPr>
+            <a:spLocks noGrp="1"/>
+          </p:cNvSpPr>
+          <p:nvPr>
+            <p:ph sz="half" idx="2"/>
+          </p:nvPr>
+        </p:nvSpPr>
+        <p:spPr/>
+        <p:txBody>
+          <a:bodyPr/>
+          <a:lstStyle/>
+          <a:p>
+            <a:endParaRPr lang="ko-KR" altLang="en-US"/>
+          </a:p>
+        </p:txBody>
+      </p:sp>
+      <p:sp>
+        <p:nvSpPr>
+          <p:cNvPr id="4" name="슬라이드 번호 개체 틀 3">
+            <a:extLst>
+              <a:ext uri="{FF2B5EF4-FFF2-40B4-BE49-F238E27FC236}">
+                <a16:creationId xmlns:a16="http://schemas.microsoft.com/office/drawing/2014/main" id="{123FB9E8-E826-4AF0-8F1C-AF3AC85CE34F}"/>
+              </a:ext>
+            </a:extLst>
+          </p:cNvPr>
+          <p:cNvSpPr>
+            <a:spLocks noGrp="1"/>
+          </p:cNvSpPr>
+          <p:nvPr>
+            <p:ph type="sldNum" sz="quarter" idx="12"/>
+          </p:nvPr>
+        </p:nvSpPr>
+        <p:spPr/>
+        <p:txBody>
+          <a:bodyPr/>
+          <a:lstStyle/>
+          <a:p>
+            <a:fld id="{89BED30C-66D9-4104-96BC-081A506F0CF0}" type="slidenum">
+              <a:rPr lang="ko-KR" altLang="en-US" smtClean="0"/>
+              <a:t>30</a:t>
+            </a:fld>
+            <a:endParaRPr lang="ko-KR" altLang="en-US"/>
+          </a:p>
+        </p:txBody>
+      </p:sp>
+      <p:sp>
+        <p:nvSpPr>
+          <p:cNvPr id="5" name="바닥글 개체 틀 4">
+            <a:extLst>
+              <a:ext uri="{FF2B5EF4-FFF2-40B4-BE49-F238E27FC236}">
+                <a16:creationId xmlns:a16="http://schemas.microsoft.com/office/drawing/2014/main" id="{5E674042-C6F4-4C41-9C19-71FA3EE1ED01}"/>
+              </a:ext>
+            </a:extLst>
+          </p:cNvPr>
+          <p:cNvSpPr>
+            <a:spLocks noGrp="1"/>
+          </p:cNvSpPr>
+          <p:nvPr>
+            <p:ph type="ftr" sz="quarter" idx="3"/>
+          </p:nvPr>
+        </p:nvSpPr>
+        <p:spPr/>
+        <p:txBody>
+          <a:bodyPr/>
+          <a:lstStyle/>
+          <a:p>
+            <a:pPr algn="l"/>
+            <a:r>
+              <a:rPr lang="en-US" altLang="ko-KR"/>
+              <a:t>Nibble</a:t>
+            </a:r>
+            <a:endParaRPr lang="ko-KR" altLang="en-US" dirty="0"/>
+          </a:p>
+        </p:txBody>
+      </p:sp>
+      <p:sp>
+        <p:nvSpPr>
+          <p:cNvPr id="6" name="날짜 개체 틀 5">
+            <a:extLst>
+              <a:ext uri="{FF2B5EF4-FFF2-40B4-BE49-F238E27FC236}">
+                <a16:creationId xmlns:a16="http://schemas.microsoft.com/office/drawing/2014/main" id="{ACFAB2A0-6EB8-4D18-91C5-9A0554A621A7}"/>
+              </a:ext>
+            </a:extLst>
+          </p:cNvPr>
+          <p:cNvSpPr>
+            <a:spLocks noGrp="1"/>
+          </p:cNvSpPr>
+          <p:nvPr>
+            <p:ph type="dt" sz="half" idx="13"/>
+          </p:nvPr>
+        </p:nvSpPr>
+        <p:spPr/>
+        <p:txBody>
+          <a:bodyPr/>
+          <a:lstStyle/>
+          <a:p>
+            <a:fld id="{B226B4E6-2447-4D67-A511-B13A2182F919}" type="datetime5">
+              <a:rPr lang="ko-KR" altLang="en-US" smtClean="0"/>
+              <a:t>2021/8/2</a:t>
+            </a:fld>
+            <a:endParaRPr lang="ko-KR" altLang="en-US" dirty="0"/>
+          </a:p>
+        </p:txBody>
+      </p:sp>
+    </p:spTree>
+    <p:extLst>
+      <p:ext uri="{BB962C8B-B14F-4D97-AF65-F5344CB8AC3E}">
+        <p14:creationId xmlns:p14="http://schemas.microsoft.com/office/powerpoint/2010/main" val="818216320"/>
+      </p:ext>
+    </p:extLst>
+  </p:cSld>
+  <p:clrMapOvr>
+    <a:masterClrMapping/>
+  </p:clrMapOvr>
+</p:sld>
+</file>
+
+<file path=ppt/slides/slide31.xml><?xml version="1.0" encoding="utf-8"?>
+<p:sld xmlns:a="http://schemas.openxmlformats.org/drawingml/2006/main" xmlns:r="http://schemas.openxmlformats.org/officeDocument/2006/relationships" xmlns:p="http://schemas.openxmlformats.org/presentationml/2006/main">
+  <p:cSld>
+    <p:spTree>
+      <p:nvGrpSpPr>
+        <p:cNvPr id="1" name=""/>
+        <p:cNvGrpSpPr/>
+        <p:nvPr/>
+      </p:nvGrpSpPr>
+      <p:grpSpPr>
+        <a:xfrm>
+          <a:off x="0" y="0"/>
+          <a:ext cx="0" cy="0"/>
+          <a:chOff x="0" y="0"/>
+          <a:chExt cx="0" cy="0"/>
+        </a:xfrm>
+      </p:grpSpPr>
+      <p:sp>
+        <p:nvSpPr>
+          <p:cNvPr id="2" name="내용 개체 틀 1">
+            <a:extLst>
+              <a:ext uri="{FF2B5EF4-FFF2-40B4-BE49-F238E27FC236}">
+                <a16:creationId xmlns:a16="http://schemas.microsoft.com/office/drawing/2014/main" id="{0C8D8F5E-149F-42E3-B2AE-98DDF7011DA9}"/>
+              </a:ext>
+            </a:extLst>
+          </p:cNvPr>
+          <p:cNvSpPr>
+            <a:spLocks noGrp="1"/>
+          </p:cNvSpPr>
+          <p:nvPr>
+            <p:ph sz="half" idx="14"/>
+          </p:nvPr>
+        </p:nvSpPr>
+        <p:spPr/>
+        <p:txBody>
+          <a:bodyPr/>
+          <a:lstStyle/>
+          <a:p>
+            <a:r>
+              <a:rPr lang="ko-KR" altLang="en-US" dirty="0"/>
+              <a:t>통합 테스트</a:t>
+            </a:r>
+            <a:endParaRPr lang="en-US" altLang="ko-KR" dirty="0"/>
+          </a:p>
+          <a:p>
+            <a:pPr lvl="1"/>
+            <a:r>
+              <a:rPr lang="ko-KR" altLang="en-US" dirty="0"/>
+              <a:t>정의</a:t>
+            </a:r>
+            <a:r>
+              <a:rPr lang="en-US" altLang="ko-KR" dirty="0"/>
+              <a:t>: </a:t>
+            </a:r>
+            <a:r>
+              <a:rPr lang="ko-KR" altLang="en-US" dirty="0"/>
+              <a:t>단위 테스트가 완료된 모듈 간 인터페이스 테스트</a:t>
+            </a:r>
+            <a:endParaRPr lang="en-US" altLang="ko-KR" dirty="0"/>
+          </a:p>
+          <a:p>
+            <a:pPr lvl="1"/>
+            <a:r>
+              <a:rPr lang="ko-KR" altLang="en-US" dirty="0"/>
+              <a:t>분류</a:t>
+            </a:r>
+            <a:endParaRPr lang="en-US" altLang="ko-KR" dirty="0"/>
+          </a:p>
+          <a:p>
+            <a:pPr lvl="2"/>
+            <a:r>
+              <a:rPr lang="ko-KR" altLang="en-US" dirty="0"/>
+              <a:t>하향식 통합</a:t>
+            </a:r>
+            <a:r>
+              <a:rPr lang="en-US" altLang="ko-KR" dirty="0"/>
+              <a:t>: </a:t>
+            </a:r>
+            <a:r>
+              <a:rPr lang="ko-KR" altLang="en-US" dirty="0"/>
+              <a:t>하위 모듈을 대신해 </a:t>
+            </a:r>
+            <a:r>
+              <a:rPr lang="en-US" altLang="ko-KR" dirty="0"/>
+              <a:t>Stub</a:t>
+            </a:r>
+            <a:r>
+              <a:rPr lang="ko-KR" altLang="en-US" dirty="0"/>
+              <a:t> 개발</a:t>
+            </a:r>
+            <a:endParaRPr lang="en-US" altLang="ko-KR" dirty="0"/>
+          </a:p>
+          <a:p>
+            <a:pPr lvl="2"/>
+            <a:r>
+              <a:rPr lang="ko-KR" altLang="en-US" dirty="0"/>
+              <a:t>상향식 통합</a:t>
+            </a:r>
+            <a:r>
+              <a:rPr lang="en-US" altLang="ko-KR" dirty="0"/>
+              <a:t>: </a:t>
+            </a:r>
+            <a:r>
+              <a:rPr lang="ko-KR" altLang="en-US" dirty="0"/>
+              <a:t>상위 모듈을 대신해 </a:t>
+            </a:r>
+            <a:r>
+              <a:rPr lang="en-US" altLang="ko-KR" dirty="0"/>
+              <a:t>Driver </a:t>
+            </a:r>
+            <a:r>
+              <a:rPr lang="ko-KR" altLang="en-US" dirty="0"/>
+              <a:t>개발</a:t>
+            </a:r>
+            <a:endParaRPr lang="en-US" altLang="ko-KR" dirty="0"/>
+          </a:p>
+          <a:p>
+            <a:pPr lvl="2"/>
+            <a:r>
+              <a:rPr lang="ko-KR" altLang="en-US" dirty="0"/>
+              <a:t>빅뱅</a:t>
+            </a:r>
+            <a:r>
+              <a:rPr lang="en-US" altLang="ko-KR" dirty="0"/>
+              <a:t>: </a:t>
+            </a:r>
+            <a:r>
+              <a:rPr lang="ko-KR" altLang="en-US" dirty="0"/>
+              <a:t>모든 모듈을 동시에 통합 후 테스트</a:t>
+            </a:r>
+          </a:p>
+        </p:txBody>
+      </p:sp>
+      <p:sp>
+        <p:nvSpPr>
+          <p:cNvPr id="3" name="제목 2">
+            <a:extLst>
+              <a:ext uri="{FF2B5EF4-FFF2-40B4-BE49-F238E27FC236}">
+                <a16:creationId xmlns:a16="http://schemas.microsoft.com/office/drawing/2014/main" id="{6384AD03-8135-4AA8-A529-26BDF293C463}"/>
+              </a:ext>
+            </a:extLst>
+          </p:cNvPr>
+          <p:cNvSpPr>
+            <a:spLocks noGrp="1"/>
+          </p:cNvSpPr>
+          <p:nvPr>
+            <p:ph type="title"/>
+          </p:nvPr>
+        </p:nvSpPr>
+        <p:spPr/>
+        <p:txBody>
+          <a:bodyPr/>
+          <a:lstStyle/>
+          <a:p>
+            <a:r>
+              <a:rPr lang="ko-KR" altLang="en-US" dirty="0"/>
+              <a:t>통합 테스트</a:t>
+            </a:r>
+          </a:p>
+        </p:txBody>
+      </p:sp>
+      <p:sp>
+        <p:nvSpPr>
+          <p:cNvPr id="4" name="내용 개체 틀 3">
+            <a:extLst>
+              <a:ext uri="{FF2B5EF4-FFF2-40B4-BE49-F238E27FC236}">
+                <a16:creationId xmlns:a16="http://schemas.microsoft.com/office/drawing/2014/main" id="{F1FD74D7-BAC5-47F0-95B7-FF975852A1FF}"/>
+              </a:ext>
+            </a:extLst>
+          </p:cNvPr>
+          <p:cNvSpPr>
+            <a:spLocks noGrp="1"/>
+          </p:cNvSpPr>
+          <p:nvPr>
+            <p:ph sz="half" idx="2"/>
+          </p:nvPr>
+        </p:nvSpPr>
+        <p:spPr/>
+        <p:txBody>
+          <a:bodyPr/>
+          <a:lstStyle/>
+          <a:p>
+            <a:endParaRPr lang="ko-KR" altLang="en-US"/>
+          </a:p>
+        </p:txBody>
+      </p:sp>
+      <p:sp>
+        <p:nvSpPr>
+          <p:cNvPr id="5" name="슬라이드 번호 개체 틀 4">
+            <a:extLst>
+              <a:ext uri="{FF2B5EF4-FFF2-40B4-BE49-F238E27FC236}">
+                <a16:creationId xmlns:a16="http://schemas.microsoft.com/office/drawing/2014/main" id="{EB927138-EA8A-41C2-90DD-BA4DF38040EB}"/>
+              </a:ext>
+            </a:extLst>
+          </p:cNvPr>
+          <p:cNvSpPr>
+            <a:spLocks noGrp="1"/>
+          </p:cNvSpPr>
+          <p:nvPr>
+            <p:ph type="sldNum" sz="quarter" idx="12"/>
+          </p:nvPr>
+        </p:nvSpPr>
+        <p:spPr/>
+        <p:txBody>
+          <a:bodyPr/>
+          <a:lstStyle/>
+          <a:p>
+            <a:fld id="{89BED30C-66D9-4104-96BC-081A506F0CF0}" type="slidenum">
+              <a:rPr lang="ko-KR" altLang="en-US" smtClean="0"/>
+              <a:t>31</a:t>
+            </a:fld>
+            <a:endParaRPr lang="ko-KR" altLang="en-US"/>
+          </a:p>
+        </p:txBody>
+      </p:sp>
+      <p:sp>
+        <p:nvSpPr>
+          <p:cNvPr id="6" name="바닥글 개체 틀 5">
+            <a:extLst>
+              <a:ext uri="{FF2B5EF4-FFF2-40B4-BE49-F238E27FC236}">
+                <a16:creationId xmlns:a16="http://schemas.microsoft.com/office/drawing/2014/main" id="{900499C7-23F1-4FED-99DF-F9DA40D9F3C2}"/>
+              </a:ext>
+            </a:extLst>
+          </p:cNvPr>
+          <p:cNvSpPr>
+            <a:spLocks noGrp="1"/>
+          </p:cNvSpPr>
+          <p:nvPr>
+            <p:ph type="ftr" sz="quarter" idx="3"/>
+          </p:nvPr>
+        </p:nvSpPr>
+        <p:spPr/>
+        <p:txBody>
+          <a:bodyPr/>
+          <a:lstStyle/>
+          <a:p>
+            <a:pPr algn="l"/>
+            <a:r>
+              <a:rPr lang="en-US" altLang="ko-KR"/>
+              <a:t>Nibble</a:t>
+            </a:r>
+            <a:endParaRPr lang="ko-KR" altLang="en-US" dirty="0"/>
+          </a:p>
+        </p:txBody>
+      </p:sp>
+      <p:sp>
+        <p:nvSpPr>
+          <p:cNvPr id="7" name="날짜 개체 틀 6">
+            <a:extLst>
+              <a:ext uri="{FF2B5EF4-FFF2-40B4-BE49-F238E27FC236}">
+                <a16:creationId xmlns:a16="http://schemas.microsoft.com/office/drawing/2014/main" id="{5CCB7287-43C7-4BD2-8AC3-1ACEBB3EFA53}"/>
+              </a:ext>
+            </a:extLst>
+          </p:cNvPr>
+          <p:cNvSpPr>
+            <a:spLocks noGrp="1"/>
+          </p:cNvSpPr>
+          <p:nvPr>
+            <p:ph type="dt" sz="half" idx="13"/>
+          </p:nvPr>
+        </p:nvSpPr>
+        <p:spPr/>
+        <p:txBody>
+          <a:bodyPr/>
+          <a:lstStyle/>
+          <a:p>
+            <a:fld id="{B226B4E6-2447-4D67-A511-B13A2182F919}" type="datetime5">
+              <a:rPr lang="ko-KR" altLang="en-US" smtClean="0"/>
+              <a:t>2021/8/2</a:t>
+            </a:fld>
+            <a:endParaRPr lang="ko-KR" altLang="en-US" dirty="0"/>
+          </a:p>
+        </p:txBody>
+      </p:sp>
+    </p:spTree>
+    <p:extLst>
+      <p:ext uri="{BB962C8B-B14F-4D97-AF65-F5344CB8AC3E}">
+        <p14:creationId xmlns:p14="http://schemas.microsoft.com/office/powerpoint/2010/main" val="722187489"/>
+      </p:ext>
+    </p:extLst>
+  </p:cSld>
+  <p:clrMapOvr>
+    <a:masterClrMapping/>
+  </p:clrMapOvr>
+</p:sld>
+</file>
+
+<file path=ppt/slides/slide32.xml><?xml version="1.0" encoding="utf-8"?>
+<p:sld xmlns:a="http://schemas.openxmlformats.org/drawingml/2006/main" xmlns:r="http://schemas.openxmlformats.org/officeDocument/2006/relationships" xmlns:p="http://schemas.openxmlformats.org/presentationml/2006/main">
+  <p:cSld>
+    <p:spTree>
+      <p:nvGrpSpPr>
+        <p:cNvPr id="1" name=""/>
+        <p:cNvGrpSpPr/>
+        <p:nvPr/>
+      </p:nvGrpSpPr>
+      <p:grpSpPr>
+        <a:xfrm>
+          <a:off x="0" y="0"/>
+          <a:ext cx="0" cy="0"/>
+          <a:chOff x="0" y="0"/>
+          <a:chExt cx="0" cy="0"/>
+        </a:xfrm>
+      </p:grpSpPr>
+      <p:sp>
+        <p:nvSpPr>
+          <p:cNvPr id="2" name="내용 개체 틀 1">
+            <a:extLst>
+              <a:ext uri="{FF2B5EF4-FFF2-40B4-BE49-F238E27FC236}">
+                <a16:creationId xmlns:a16="http://schemas.microsoft.com/office/drawing/2014/main" id="{ADD69D32-D97E-46B8-8B75-B84580BEEA06}"/>
+              </a:ext>
+            </a:extLst>
+          </p:cNvPr>
+          <p:cNvSpPr>
+            <a:spLocks noGrp="1"/>
+          </p:cNvSpPr>
+          <p:nvPr>
+            <p:ph sz="half" idx="14"/>
+          </p:nvPr>
+        </p:nvSpPr>
+        <p:spPr/>
+        <p:txBody>
+          <a:bodyPr/>
+          <a:lstStyle/>
+          <a:p>
+            <a:r>
+              <a:rPr lang="ko-KR" altLang="en-US" dirty="0"/>
+              <a:t>알고리즘</a:t>
+            </a:r>
+            <a:endParaRPr lang="en-US" altLang="ko-KR" dirty="0"/>
+          </a:p>
+          <a:p>
+            <a:pPr lvl="1"/>
+            <a:r>
+              <a:rPr lang="ko-KR" altLang="en-US" dirty="0"/>
+              <a:t>정의</a:t>
+            </a:r>
+            <a:r>
+              <a:rPr lang="en-US" altLang="ko-KR" dirty="0"/>
+              <a:t>: </a:t>
+            </a:r>
+            <a:r>
+              <a:rPr lang="ko-KR" altLang="en-US" dirty="0"/>
+              <a:t>문제를 해결하는 방법</a:t>
+            </a:r>
+            <a:endParaRPr lang="en-US" altLang="ko-KR" dirty="0"/>
+          </a:p>
+          <a:p>
+            <a:pPr lvl="1"/>
+            <a:r>
+              <a:rPr lang="ko-KR" altLang="en-US" dirty="0"/>
+              <a:t>특성</a:t>
+            </a:r>
+            <a:endParaRPr lang="en-US" altLang="ko-KR" dirty="0"/>
+          </a:p>
+          <a:p>
+            <a:pPr lvl="2"/>
+            <a:r>
+              <a:rPr lang="ko-KR" altLang="en-US" dirty="0"/>
+              <a:t>입력</a:t>
+            </a:r>
+            <a:r>
+              <a:rPr lang="en-US" altLang="ko-KR" dirty="0"/>
+              <a:t>: </a:t>
+            </a:r>
+            <a:r>
+              <a:rPr lang="ko-KR" altLang="en-US" dirty="0"/>
+              <a:t>입력이</a:t>
+            </a:r>
+            <a:r>
+              <a:rPr lang="en-US" altLang="ko-KR" dirty="0"/>
+              <a:t> </a:t>
+            </a:r>
+            <a:r>
+              <a:rPr lang="ko-KR" altLang="en-US" dirty="0"/>
+              <a:t>있음</a:t>
+            </a:r>
+            <a:endParaRPr lang="en-US" altLang="ko-KR" dirty="0"/>
+          </a:p>
+          <a:p>
+            <a:pPr lvl="2"/>
+            <a:r>
+              <a:rPr lang="ko-KR" altLang="en-US" dirty="0"/>
+              <a:t>출력</a:t>
+            </a:r>
+            <a:r>
+              <a:rPr lang="en-US" altLang="ko-KR" dirty="0"/>
+              <a:t>: </a:t>
+            </a:r>
+            <a:r>
+              <a:rPr lang="ko-KR" altLang="en-US" dirty="0"/>
+              <a:t>출력이 있음</a:t>
+            </a:r>
+            <a:endParaRPr lang="en-US" altLang="ko-KR" dirty="0"/>
+          </a:p>
+          <a:p>
+            <a:pPr lvl="2"/>
+            <a:r>
+              <a:rPr lang="ko-KR" altLang="en-US" dirty="0"/>
+              <a:t>명확성</a:t>
+            </a:r>
+            <a:r>
+              <a:rPr lang="en-US" altLang="ko-KR" dirty="0"/>
+              <a:t>: </a:t>
+            </a:r>
+            <a:r>
+              <a:rPr lang="ko-KR" altLang="en-US" dirty="0"/>
+              <a:t>모호성이 없음</a:t>
+            </a:r>
+            <a:endParaRPr lang="en-US" altLang="ko-KR" dirty="0"/>
+          </a:p>
+          <a:p>
+            <a:pPr lvl="2"/>
+            <a:r>
+              <a:rPr lang="ko-KR" altLang="en-US" dirty="0"/>
+              <a:t>유한성</a:t>
+            </a:r>
+            <a:r>
+              <a:rPr lang="en-US" altLang="ko-KR" dirty="0"/>
+              <a:t>: </a:t>
+            </a:r>
+            <a:r>
+              <a:rPr lang="ko-KR" altLang="en-US" dirty="0"/>
+              <a:t>끝남</a:t>
+            </a:r>
+            <a:endParaRPr lang="en-US" altLang="ko-KR" dirty="0"/>
+          </a:p>
+          <a:p>
+            <a:pPr lvl="2"/>
+            <a:r>
+              <a:rPr lang="ko-KR" altLang="en-US" dirty="0"/>
+              <a:t>유효성</a:t>
+            </a:r>
+            <a:r>
+              <a:rPr lang="en-US" altLang="ko-KR" dirty="0"/>
+              <a:t>: </a:t>
+            </a:r>
+            <a:r>
+              <a:rPr lang="ko-KR" altLang="en-US" dirty="0"/>
+              <a:t>실행 가능함</a:t>
+            </a:r>
+            <a:endParaRPr lang="en-US" altLang="ko-KR" dirty="0"/>
+          </a:p>
+          <a:p>
+            <a:pPr lvl="1"/>
+            <a:r>
+              <a:rPr lang="ko-KR" altLang="en-US" dirty="0"/>
+              <a:t>기법</a:t>
+            </a:r>
+            <a:endParaRPr lang="en-US" altLang="ko-KR" dirty="0"/>
+          </a:p>
+          <a:p>
+            <a:pPr lvl="2"/>
+            <a:r>
+              <a:rPr lang="en-US" altLang="ko-KR" dirty="0"/>
+              <a:t>Divide &amp; Conquer</a:t>
+            </a:r>
+          </a:p>
+          <a:p>
+            <a:pPr lvl="3"/>
+            <a:r>
+              <a:rPr lang="ko-KR" altLang="en-US" dirty="0"/>
+              <a:t>문제를 나누고 풀면서 병합</a:t>
+            </a:r>
+            <a:endParaRPr lang="en-US" altLang="ko-KR" dirty="0"/>
+          </a:p>
+          <a:p>
+            <a:pPr lvl="2"/>
+            <a:r>
+              <a:rPr lang="en-US" altLang="ko-KR" dirty="0"/>
+              <a:t>Dynamic Programming</a:t>
+            </a:r>
+          </a:p>
+          <a:p>
+            <a:pPr lvl="3"/>
+            <a:r>
+              <a:rPr lang="ko-KR" altLang="en-US" dirty="0"/>
+              <a:t>과거에 구한 해를 재사용</a:t>
+            </a:r>
+            <a:endParaRPr lang="en-US" altLang="ko-KR" dirty="0"/>
+          </a:p>
+          <a:p>
+            <a:pPr lvl="2"/>
+            <a:r>
+              <a:rPr lang="en-US" altLang="ko-KR" dirty="0"/>
+              <a:t>Greedy</a:t>
+            </a:r>
+          </a:p>
+          <a:p>
+            <a:pPr lvl="3"/>
+            <a:r>
+              <a:rPr lang="ko-KR" altLang="en-US" dirty="0"/>
+              <a:t>그때 그때 최선의 선택을 반복</a:t>
+            </a:r>
+            <a:endParaRPr lang="en-US" altLang="ko-KR" dirty="0"/>
+          </a:p>
+          <a:p>
+            <a:pPr lvl="2"/>
+            <a:r>
+              <a:rPr lang="en-US" altLang="ko-KR" dirty="0"/>
+              <a:t>Backtracking</a:t>
+            </a:r>
+          </a:p>
+          <a:p>
+            <a:pPr lvl="3"/>
+            <a:r>
+              <a:rPr lang="ko-KR" altLang="en-US" dirty="0"/>
+              <a:t>계산 중에 답이 나올 것 같지 않으면 돌아 감</a:t>
+            </a:r>
+          </a:p>
+        </p:txBody>
+      </p:sp>
+      <p:sp>
+        <p:nvSpPr>
+          <p:cNvPr id="3" name="제목 2">
+            <a:extLst>
+              <a:ext uri="{FF2B5EF4-FFF2-40B4-BE49-F238E27FC236}">
+                <a16:creationId xmlns:a16="http://schemas.microsoft.com/office/drawing/2014/main" id="{BA5BCEBF-801A-4BBD-9791-E890214FC49E}"/>
+              </a:ext>
+            </a:extLst>
+          </p:cNvPr>
+          <p:cNvSpPr>
+            <a:spLocks noGrp="1"/>
+          </p:cNvSpPr>
+          <p:nvPr>
+            <p:ph type="title"/>
+          </p:nvPr>
+        </p:nvSpPr>
+        <p:spPr/>
+        <p:txBody>
+          <a:bodyPr/>
+          <a:lstStyle/>
+          <a:p>
+            <a:r>
+              <a:rPr lang="ko-KR" altLang="en-US" dirty="0"/>
+              <a:t>알고리즘</a:t>
+            </a:r>
+          </a:p>
+        </p:txBody>
+      </p:sp>
+      <p:sp>
+        <p:nvSpPr>
+          <p:cNvPr id="4" name="내용 개체 틀 3">
+            <a:extLst>
+              <a:ext uri="{FF2B5EF4-FFF2-40B4-BE49-F238E27FC236}">
+                <a16:creationId xmlns:a16="http://schemas.microsoft.com/office/drawing/2014/main" id="{708DF2A3-1A73-47CE-8E6F-4949E0FADDA6}"/>
+              </a:ext>
+            </a:extLst>
+          </p:cNvPr>
+          <p:cNvSpPr>
+            <a:spLocks noGrp="1"/>
+          </p:cNvSpPr>
+          <p:nvPr>
+            <p:ph sz="half" idx="2"/>
+          </p:nvPr>
+        </p:nvSpPr>
+        <p:spPr>
+          <a:xfrm>
+            <a:off x="6172199" y="1210480"/>
+            <a:ext cx="5438163" cy="5007619"/>
+          </a:xfrm>
+        </p:spPr>
+        <p:txBody>
+          <a:bodyPr/>
+          <a:lstStyle/>
+          <a:p>
+            <a:r>
+              <a:rPr lang="en-US" altLang="ko-KR" dirty="0"/>
+              <a:t>Hashing</a:t>
+            </a:r>
+            <a:r>
+              <a:rPr lang="ko-KR" altLang="en-US" dirty="0"/>
+              <a:t> </a:t>
+            </a:r>
+            <a:r>
+              <a:rPr lang="en-US" altLang="ko-KR" dirty="0"/>
+              <a:t>Function</a:t>
+            </a:r>
+          </a:p>
+          <a:p>
+            <a:pPr lvl="1"/>
+            <a:r>
+              <a:rPr lang="ko-KR" altLang="en-US" dirty="0"/>
+              <a:t>정의</a:t>
+            </a:r>
+            <a:r>
+              <a:rPr lang="en-US" altLang="ko-KR" dirty="0"/>
+              <a:t>: </a:t>
+            </a:r>
+            <a:r>
+              <a:rPr lang="ko-KR" altLang="en-US" dirty="0"/>
+              <a:t>임의의 데이터를 고정 길이 데이터로 매핑하는 함수</a:t>
+            </a:r>
+            <a:endParaRPr lang="en-US" altLang="ko-KR" dirty="0"/>
+          </a:p>
+          <a:p>
+            <a:r>
+              <a:rPr lang="en-US" altLang="ko-KR" dirty="0"/>
+              <a:t>Sort (</a:t>
+            </a:r>
+            <a:r>
+              <a:rPr lang="ko-KR" altLang="en-US" dirty="0">
+                <a:hlinkClick r:id="rId2"/>
+              </a:rPr>
+              <a:t>참고</a:t>
+            </a:r>
+            <a:r>
+              <a:rPr lang="en-US" altLang="ko-KR" dirty="0"/>
+              <a:t>)</a:t>
+            </a:r>
+          </a:p>
+          <a:p>
+            <a:pPr lvl="1"/>
+            <a:r>
+              <a:rPr lang="en-US" altLang="ko-KR" dirty="0"/>
+              <a:t>Bubble Sort</a:t>
+            </a:r>
+          </a:p>
+          <a:p>
+            <a:pPr lvl="1"/>
+            <a:r>
+              <a:rPr lang="en-US" altLang="ko-KR" dirty="0"/>
+              <a:t>Insert Sort</a:t>
+            </a:r>
+          </a:p>
+          <a:p>
+            <a:pPr lvl="1"/>
+            <a:r>
+              <a:rPr lang="en-US" altLang="ko-KR" dirty="0"/>
+              <a:t>Selection Sort</a:t>
+            </a:r>
+          </a:p>
+          <a:p>
+            <a:pPr lvl="1"/>
+            <a:endParaRPr lang="en-US" altLang="ko-KR" dirty="0"/>
+          </a:p>
+          <a:p>
+            <a:r>
+              <a:rPr lang="ko-KR" altLang="en-US" dirty="0"/>
+              <a:t>소스</a:t>
+            </a:r>
+            <a:r>
+              <a:rPr lang="en-US" altLang="ko-KR" dirty="0"/>
+              <a:t> </a:t>
+            </a:r>
+            <a:r>
+              <a:rPr lang="ko-KR" altLang="en-US" dirty="0"/>
+              <a:t>코드 품질 분석</a:t>
+            </a:r>
+            <a:endParaRPr lang="en-US" altLang="ko-KR" dirty="0"/>
+          </a:p>
+          <a:p>
+            <a:pPr lvl="1"/>
+            <a:r>
+              <a:rPr lang="ko-KR" altLang="en-US" dirty="0"/>
+              <a:t>정의</a:t>
+            </a:r>
+            <a:r>
+              <a:rPr lang="en-US" altLang="ko-KR" dirty="0"/>
+              <a:t>: </a:t>
+            </a:r>
+            <a:r>
+              <a:rPr lang="ko-KR" altLang="en-US" dirty="0"/>
+              <a:t>코드 스타일</a:t>
+            </a:r>
+            <a:r>
+              <a:rPr lang="en-US" altLang="ko-KR" dirty="0"/>
+              <a:t>, </a:t>
+            </a:r>
+            <a:r>
+              <a:rPr lang="ko-KR" altLang="en-US" dirty="0"/>
+              <a:t>복잡도</a:t>
+            </a:r>
+            <a:r>
+              <a:rPr lang="en-US" altLang="ko-KR" dirty="0"/>
+              <a:t>, </a:t>
+            </a:r>
+            <a:r>
+              <a:rPr lang="ko-KR" altLang="en-US" dirty="0"/>
+              <a:t>메모리 누수 등의 발견 활동</a:t>
+            </a:r>
+            <a:endParaRPr lang="en-US" altLang="ko-KR" dirty="0"/>
+          </a:p>
+          <a:p>
+            <a:r>
+              <a:rPr lang="ko-KR" altLang="en-US" dirty="0"/>
+              <a:t>소스 코드 복잡도 분석</a:t>
+            </a:r>
+            <a:endParaRPr lang="en-US" altLang="ko-KR" dirty="0"/>
+          </a:p>
+          <a:p>
+            <a:pPr lvl="1"/>
+            <a:r>
+              <a:rPr lang="ko-KR" altLang="en-US" dirty="0"/>
+              <a:t>맥케이브 회전 복잡도</a:t>
+            </a:r>
+            <a:endParaRPr lang="en-US" altLang="ko-KR" dirty="0"/>
+          </a:p>
+          <a:p>
+            <a:pPr lvl="2"/>
+            <a:r>
+              <a:rPr lang="en-US" altLang="ko-KR" dirty="0"/>
+              <a:t>SW</a:t>
+            </a:r>
+            <a:r>
+              <a:rPr lang="ko-KR" altLang="en-US" dirty="0"/>
+              <a:t>의 흐름을 그래프로 표현하고 복잡도를 표현</a:t>
+            </a:r>
+            <a:endParaRPr lang="en-US" altLang="ko-KR" dirty="0"/>
+          </a:p>
+          <a:p>
+            <a:pPr lvl="1"/>
+            <a:endParaRPr lang="en-US" altLang="ko-KR" dirty="0"/>
+          </a:p>
+          <a:p>
+            <a:pPr lvl="1"/>
+            <a:endParaRPr lang="en-US" altLang="ko-KR" dirty="0"/>
+          </a:p>
+          <a:p>
+            <a:pPr lvl="1"/>
+            <a:endParaRPr lang="ko-KR" altLang="en-US" dirty="0"/>
+          </a:p>
+        </p:txBody>
+      </p:sp>
+      <p:sp>
+        <p:nvSpPr>
+          <p:cNvPr id="5" name="슬라이드 번호 개체 틀 4">
+            <a:extLst>
+              <a:ext uri="{FF2B5EF4-FFF2-40B4-BE49-F238E27FC236}">
+                <a16:creationId xmlns:a16="http://schemas.microsoft.com/office/drawing/2014/main" id="{5CDE0688-9965-4594-BDC5-82B6F55704CC}"/>
+              </a:ext>
+            </a:extLst>
+          </p:cNvPr>
+          <p:cNvSpPr>
+            <a:spLocks noGrp="1"/>
+          </p:cNvSpPr>
+          <p:nvPr>
+            <p:ph type="sldNum" sz="quarter" idx="12"/>
+          </p:nvPr>
+        </p:nvSpPr>
+        <p:spPr/>
+        <p:txBody>
+          <a:bodyPr/>
+          <a:lstStyle/>
+          <a:p>
+            <a:fld id="{89BED30C-66D9-4104-96BC-081A506F0CF0}" type="slidenum">
+              <a:rPr lang="ko-KR" altLang="en-US" smtClean="0"/>
+              <a:t>32</a:t>
+            </a:fld>
+            <a:endParaRPr lang="ko-KR" altLang="en-US"/>
+          </a:p>
+        </p:txBody>
+      </p:sp>
+      <p:sp>
+        <p:nvSpPr>
+          <p:cNvPr id="6" name="바닥글 개체 틀 5">
+            <a:extLst>
+              <a:ext uri="{FF2B5EF4-FFF2-40B4-BE49-F238E27FC236}">
+                <a16:creationId xmlns:a16="http://schemas.microsoft.com/office/drawing/2014/main" id="{A6762390-9759-4E5E-AE7D-D351856CEB2E}"/>
+              </a:ext>
+            </a:extLst>
+          </p:cNvPr>
+          <p:cNvSpPr>
+            <a:spLocks noGrp="1"/>
+          </p:cNvSpPr>
+          <p:nvPr>
+            <p:ph type="ftr" sz="quarter" idx="3"/>
+          </p:nvPr>
+        </p:nvSpPr>
+        <p:spPr/>
+        <p:txBody>
+          <a:bodyPr/>
+          <a:lstStyle/>
+          <a:p>
+            <a:pPr algn="l"/>
+            <a:r>
+              <a:rPr lang="en-US" altLang="ko-KR"/>
+              <a:t>Nibble</a:t>
+            </a:r>
+            <a:endParaRPr lang="ko-KR" altLang="en-US" dirty="0"/>
+          </a:p>
+        </p:txBody>
+      </p:sp>
+      <p:sp>
+        <p:nvSpPr>
+          <p:cNvPr id="7" name="날짜 개체 틀 6">
+            <a:extLst>
+              <a:ext uri="{FF2B5EF4-FFF2-40B4-BE49-F238E27FC236}">
+                <a16:creationId xmlns:a16="http://schemas.microsoft.com/office/drawing/2014/main" id="{D42A3BBE-4D8E-46E1-BA88-13178A9200B1}"/>
+              </a:ext>
+            </a:extLst>
+          </p:cNvPr>
+          <p:cNvSpPr>
+            <a:spLocks noGrp="1"/>
+          </p:cNvSpPr>
+          <p:nvPr>
+            <p:ph type="dt" sz="half" idx="13"/>
+          </p:nvPr>
+        </p:nvSpPr>
+        <p:spPr/>
+        <p:txBody>
+          <a:bodyPr/>
+          <a:lstStyle/>
+          <a:p>
+            <a:fld id="{B226B4E6-2447-4D67-A511-B13A2182F919}" type="datetime5">
+              <a:rPr lang="ko-KR" altLang="en-US" smtClean="0"/>
+              <a:t>2021/8/2</a:t>
+            </a:fld>
+            <a:endParaRPr lang="ko-KR" altLang="en-US" dirty="0"/>
+          </a:p>
+        </p:txBody>
+      </p:sp>
+    </p:spTree>
+    <p:extLst>
+      <p:ext uri="{BB962C8B-B14F-4D97-AF65-F5344CB8AC3E}">
+        <p14:creationId xmlns:p14="http://schemas.microsoft.com/office/powerpoint/2010/main" val="296275066"/>
+      </p:ext>
+    </p:extLst>
+  </p:cSld>
+  <p:clrMapOvr>
+    <a:masterClrMapping/>
+  </p:clrMapOvr>
+</p:sld>
+</file>
+
+<file path=ppt/slides/slide33.xml><?xml version="1.0" encoding="utf-8"?>
+<p:sld xmlns:a="http://schemas.openxmlformats.org/drawingml/2006/main" xmlns:r="http://schemas.openxmlformats.org/officeDocument/2006/relationships" xmlns:p="http://schemas.openxmlformats.org/presentationml/2006/main">
+  <p:cSld>
+    <p:spTree>
+      <p:nvGrpSpPr>
+        <p:cNvPr id="1" name=""/>
+        <p:cNvGrpSpPr/>
+        <p:nvPr/>
+      </p:nvGrpSpPr>
+      <p:grpSpPr>
+        <a:xfrm>
+          <a:off x="0" y="0"/>
+          <a:ext cx="0" cy="0"/>
+          <a:chOff x="0" y="0"/>
+          <a:chExt cx="0" cy="0"/>
+        </a:xfrm>
+      </p:grpSpPr>
+      <p:sp>
+        <p:nvSpPr>
+          <p:cNvPr id="2" name="내용 개체 틀 1">
+            <a:extLst>
+              <a:ext uri="{FF2B5EF4-FFF2-40B4-BE49-F238E27FC236}">
+                <a16:creationId xmlns:a16="http://schemas.microsoft.com/office/drawing/2014/main" id="{6BF9FFBD-AA39-4F94-A09B-5B8E412CD6AF}"/>
+              </a:ext>
+            </a:extLst>
+          </p:cNvPr>
+          <p:cNvSpPr>
+            <a:spLocks noGrp="1"/>
+          </p:cNvSpPr>
+          <p:nvPr>
+            <p:ph sz="half" idx="14"/>
+          </p:nvPr>
+        </p:nvSpPr>
+        <p:spPr/>
+        <p:txBody>
+          <a:bodyPr/>
+          <a:lstStyle/>
+          <a:p>
+            <a:r>
+              <a:rPr lang="ko-KR" altLang="en-US" dirty="0"/>
+              <a:t>코드 최적화</a:t>
+            </a:r>
+            <a:endParaRPr lang="en-US" altLang="ko-KR" dirty="0"/>
+          </a:p>
+          <a:p>
+            <a:pPr lvl="1"/>
+            <a:r>
+              <a:rPr lang="ko-KR" altLang="en-US" dirty="0"/>
+              <a:t>정의</a:t>
+            </a:r>
+            <a:r>
+              <a:rPr lang="en-US" altLang="ko-KR" dirty="0"/>
+              <a:t>: </a:t>
+            </a:r>
+            <a:r>
+              <a:rPr lang="ko-KR" altLang="en-US" dirty="0"/>
+              <a:t>유지보수가 쉬운 코드를 작성</a:t>
+            </a:r>
+            <a:endParaRPr lang="en-US" altLang="ko-KR" dirty="0"/>
+          </a:p>
+          <a:p>
+            <a:r>
+              <a:rPr lang="en-US" altLang="ko-KR" dirty="0"/>
+              <a:t>Bad Code</a:t>
+            </a:r>
+          </a:p>
+          <a:p>
+            <a:pPr lvl="1"/>
+            <a:r>
+              <a:rPr lang="ko-KR" altLang="en-US" dirty="0"/>
+              <a:t>유형</a:t>
+            </a:r>
+            <a:endParaRPr lang="en-US" altLang="ko-KR" dirty="0"/>
+          </a:p>
+          <a:p>
+            <a:pPr lvl="2"/>
+            <a:r>
+              <a:rPr lang="ko-KR" altLang="en-US" dirty="0"/>
+              <a:t>오염</a:t>
+            </a:r>
+            <a:r>
+              <a:rPr lang="en-US" altLang="ko-KR" dirty="0"/>
+              <a:t>: </a:t>
+            </a:r>
+            <a:r>
+              <a:rPr lang="ko-KR" altLang="en-US" dirty="0"/>
+              <a:t>일 안 하는 컴포넌트가 있음</a:t>
+            </a:r>
+            <a:endParaRPr lang="en-US" altLang="ko-KR" dirty="0"/>
+          </a:p>
+          <a:p>
+            <a:pPr lvl="2"/>
+            <a:r>
+              <a:rPr lang="ko-KR" altLang="en-US" dirty="0"/>
+              <a:t>문서 부족</a:t>
+            </a:r>
+            <a:r>
+              <a:rPr lang="en-US" altLang="ko-KR" dirty="0"/>
+              <a:t>: </a:t>
+            </a:r>
+            <a:r>
+              <a:rPr lang="ko-KR" altLang="en-US" dirty="0"/>
+              <a:t>코드 문서가 없음</a:t>
+            </a:r>
+            <a:endParaRPr lang="en-US" altLang="ko-KR" dirty="0"/>
+          </a:p>
+          <a:p>
+            <a:pPr lvl="2"/>
+            <a:r>
+              <a:rPr lang="ko-KR" altLang="en-US" dirty="0"/>
+              <a:t>의미 없는 이름</a:t>
+            </a:r>
+            <a:endParaRPr lang="en-US" altLang="ko-KR" dirty="0"/>
+          </a:p>
+          <a:p>
+            <a:pPr lvl="2"/>
+            <a:r>
+              <a:rPr lang="ko-KR" altLang="en-US" dirty="0"/>
+              <a:t>높은 결합도</a:t>
+            </a:r>
+            <a:endParaRPr lang="en-US" altLang="ko-KR" dirty="0"/>
+          </a:p>
+          <a:p>
+            <a:pPr lvl="2"/>
+            <a:r>
+              <a:rPr lang="ko-KR" altLang="en-US" dirty="0"/>
+              <a:t>아키텍처 침식</a:t>
+            </a:r>
+            <a:endParaRPr lang="en-US" altLang="ko-KR" dirty="0"/>
+          </a:p>
+          <a:p>
+            <a:pPr lvl="2"/>
+            <a:r>
+              <a:rPr lang="ko-KR" altLang="en-US" dirty="0"/>
+              <a:t>외계인 코드</a:t>
+            </a:r>
+            <a:r>
+              <a:rPr lang="en-US" altLang="ko-KR" dirty="0"/>
+              <a:t>: </a:t>
+            </a:r>
+            <a:r>
+              <a:rPr lang="ko-KR" altLang="en-US" dirty="0"/>
+              <a:t>오래되고</a:t>
+            </a:r>
+            <a:r>
+              <a:rPr lang="en-US" altLang="ko-KR" dirty="0"/>
+              <a:t>, </a:t>
+            </a:r>
+            <a:r>
+              <a:rPr lang="ko-KR" altLang="en-US" dirty="0"/>
+              <a:t>참고 문서 없는 복잡한 코드</a:t>
+            </a:r>
+            <a:endParaRPr lang="en-US" altLang="ko-KR" dirty="0"/>
+          </a:p>
+          <a:p>
+            <a:pPr lvl="2"/>
+            <a:r>
+              <a:rPr lang="ko-KR" altLang="en-US" dirty="0"/>
+              <a:t>스파게티 코드</a:t>
+            </a:r>
+            <a:r>
+              <a:rPr lang="en-US" altLang="ko-KR" dirty="0"/>
+              <a:t>: </a:t>
+            </a:r>
+            <a:r>
+              <a:rPr lang="ko-KR" altLang="en-US" dirty="0"/>
+              <a:t>복잡하게 얽힌 코드</a:t>
+            </a:r>
+            <a:endParaRPr lang="en-US" altLang="ko-KR" dirty="0"/>
+          </a:p>
+          <a:p>
+            <a:pPr lvl="2"/>
+            <a:r>
+              <a:rPr lang="ko-KR" altLang="en-US" dirty="0"/>
+              <a:t>알 수 없는 변수 명</a:t>
+            </a:r>
+            <a:endParaRPr lang="en-US" altLang="ko-KR" dirty="0"/>
+          </a:p>
+          <a:p>
+            <a:pPr lvl="2"/>
+            <a:r>
+              <a:rPr lang="ko-KR" altLang="en-US" dirty="0"/>
+              <a:t>로직 중복</a:t>
+            </a:r>
+          </a:p>
+        </p:txBody>
+      </p:sp>
+      <p:sp>
+        <p:nvSpPr>
+          <p:cNvPr id="3" name="제목 2">
+            <a:extLst>
+              <a:ext uri="{FF2B5EF4-FFF2-40B4-BE49-F238E27FC236}">
+                <a16:creationId xmlns:a16="http://schemas.microsoft.com/office/drawing/2014/main" id="{B4EE1278-5D78-47D1-9242-05CA35BE6868}"/>
+              </a:ext>
+            </a:extLst>
+          </p:cNvPr>
+          <p:cNvSpPr>
+            <a:spLocks noGrp="1"/>
+          </p:cNvSpPr>
+          <p:nvPr>
+            <p:ph type="title"/>
+          </p:nvPr>
+        </p:nvSpPr>
+        <p:spPr/>
+        <p:txBody>
+          <a:bodyPr/>
+          <a:lstStyle/>
+          <a:p>
+            <a:r>
+              <a:rPr lang="ko-KR" altLang="en-US" dirty="0"/>
+              <a:t>코드 최적화</a:t>
+            </a:r>
+          </a:p>
+        </p:txBody>
+      </p:sp>
+      <p:sp>
+        <p:nvSpPr>
+          <p:cNvPr id="4" name="내용 개체 틀 3">
+            <a:extLst>
+              <a:ext uri="{FF2B5EF4-FFF2-40B4-BE49-F238E27FC236}">
+                <a16:creationId xmlns:a16="http://schemas.microsoft.com/office/drawing/2014/main" id="{4880E18B-27A6-431F-B298-99DE371A4EAF}"/>
+              </a:ext>
+            </a:extLst>
+          </p:cNvPr>
+          <p:cNvSpPr>
+            <a:spLocks noGrp="1"/>
+          </p:cNvSpPr>
+          <p:nvPr>
+            <p:ph sz="half" idx="2"/>
+          </p:nvPr>
+        </p:nvSpPr>
+        <p:spPr/>
+        <p:txBody>
+          <a:bodyPr/>
+          <a:lstStyle/>
+          <a:p>
+            <a:r>
+              <a:rPr lang="en-US" altLang="ko-KR" dirty="0"/>
+              <a:t>Clean Code</a:t>
+            </a:r>
+          </a:p>
+          <a:p>
+            <a:pPr lvl="1"/>
+            <a:r>
+              <a:rPr lang="ko-KR" altLang="en-US" dirty="0"/>
+              <a:t>원칙</a:t>
+            </a:r>
+            <a:endParaRPr lang="en-US" altLang="ko-KR" dirty="0"/>
+          </a:p>
+          <a:p>
+            <a:pPr lvl="2"/>
+            <a:r>
+              <a:rPr lang="ko-KR" altLang="en-US" dirty="0"/>
+              <a:t>가독성</a:t>
+            </a:r>
+            <a:endParaRPr lang="en-US" altLang="ko-KR" dirty="0"/>
+          </a:p>
+          <a:p>
+            <a:pPr lvl="2"/>
+            <a:r>
+              <a:rPr lang="ko-KR" altLang="en-US" dirty="0"/>
+              <a:t>단순성</a:t>
+            </a:r>
+            <a:endParaRPr lang="en-US" altLang="ko-KR" dirty="0"/>
+          </a:p>
+          <a:p>
+            <a:pPr lvl="2"/>
+            <a:r>
+              <a:rPr lang="ko-KR" altLang="en-US" dirty="0"/>
+              <a:t>의존성 최소</a:t>
+            </a:r>
+            <a:endParaRPr lang="en-US" altLang="ko-KR" dirty="0"/>
+          </a:p>
+          <a:p>
+            <a:pPr lvl="2"/>
+            <a:r>
+              <a:rPr lang="ko-KR" altLang="en-US" dirty="0"/>
+              <a:t>중복성 제거</a:t>
+            </a:r>
+            <a:endParaRPr lang="en-US" altLang="ko-KR" dirty="0"/>
+          </a:p>
+          <a:p>
+            <a:pPr lvl="2"/>
+            <a:r>
+              <a:rPr lang="ko-KR" altLang="en-US" dirty="0"/>
+              <a:t>추상화</a:t>
+            </a:r>
+            <a:endParaRPr lang="en-US" altLang="ko-KR" dirty="0"/>
+          </a:p>
+          <a:p>
+            <a:pPr lvl="1"/>
+            <a:r>
+              <a:rPr lang="ko-KR" altLang="en-US" dirty="0"/>
+              <a:t>유형</a:t>
+            </a:r>
+            <a:endParaRPr lang="en-US" altLang="ko-KR" dirty="0"/>
+          </a:p>
+          <a:p>
+            <a:pPr lvl="2"/>
+            <a:r>
+              <a:rPr lang="ko-KR" altLang="en-US" dirty="0"/>
+              <a:t>의미 있는 이름</a:t>
+            </a:r>
+            <a:endParaRPr lang="en-US" altLang="ko-KR" dirty="0"/>
+          </a:p>
+          <a:p>
+            <a:pPr lvl="2"/>
+            <a:r>
+              <a:rPr lang="ko-KR" altLang="en-US" dirty="0"/>
+              <a:t>간결하고 명확한 주석</a:t>
+            </a:r>
+            <a:endParaRPr lang="en-US" altLang="ko-KR" dirty="0"/>
+          </a:p>
+          <a:p>
+            <a:pPr lvl="2"/>
+            <a:r>
+              <a:rPr lang="ko-KR" altLang="en-US" dirty="0"/>
+              <a:t>보기 좋은 배치</a:t>
+            </a:r>
+            <a:endParaRPr lang="en-US" altLang="ko-KR" dirty="0"/>
+          </a:p>
+          <a:p>
+            <a:pPr lvl="2"/>
+            <a:r>
+              <a:rPr lang="ko-KR" altLang="en-US" dirty="0"/>
+              <a:t>작은 함수</a:t>
+            </a:r>
+            <a:endParaRPr lang="en-US" altLang="ko-KR" dirty="0"/>
+          </a:p>
+          <a:p>
+            <a:pPr lvl="2"/>
+            <a:r>
+              <a:rPr lang="ko-KR" altLang="en-US" dirty="0"/>
+              <a:t>읽기 쉬운 제어 흐름</a:t>
+            </a:r>
+            <a:endParaRPr lang="en-US" altLang="ko-KR" dirty="0"/>
+          </a:p>
+          <a:p>
+            <a:pPr lvl="2"/>
+            <a:r>
+              <a:rPr lang="ko-KR" altLang="en-US" dirty="0"/>
+              <a:t>오류 처리</a:t>
+            </a:r>
+            <a:endParaRPr lang="en-US" altLang="ko-KR" dirty="0"/>
+          </a:p>
+          <a:p>
+            <a:pPr lvl="2"/>
+            <a:r>
+              <a:rPr lang="ko-KR" altLang="en-US" dirty="0"/>
+              <a:t>클래스 분할 배치</a:t>
+            </a:r>
+            <a:endParaRPr lang="en-US" altLang="ko-KR" dirty="0"/>
+          </a:p>
+          <a:p>
+            <a:pPr lvl="2"/>
+            <a:r>
+              <a:rPr lang="ko-KR" altLang="en-US" dirty="0"/>
+              <a:t>느슨한 결함</a:t>
+            </a:r>
+            <a:endParaRPr lang="en-US" altLang="ko-KR" dirty="0"/>
+          </a:p>
+          <a:p>
+            <a:pPr lvl="2"/>
+            <a:r>
+              <a:rPr lang="ko-KR" altLang="en-US" dirty="0"/>
+              <a:t>코딩 형식 기법 사용</a:t>
+            </a:r>
+          </a:p>
+        </p:txBody>
+      </p:sp>
+      <p:sp>
+        <p:nvSpPr>
+          <p:cNvPr id="5" name="슬라이드 번호 개체 틀 4">
+            <a:extLst>
+              <a:ext uri="{FF2B5EF4-FFF2-40B4-BE49-F238E27FC236}">
+                <a16:creationId xmlns:a16="http://schemas.microsoft.com/office/drawing/2014/main" id="{4D34EBF2-AF54-4749-A420-BD1686EE94B4}"/>
+              </a:ext>
+            </a:extLst>
+          </p:cNvPr>
+          <p:cNvSpPr>
+            <a:spLocks noGrp="1"/>
+          </p:cNvSpPr>
+          <p:nvPr>
+            <p:ph type="sldNum" sz="quarter" idx="12"/>
+          </p:nvPr>
+        </p:nvSpPr>
+        <p:spPr/>
+        <p:txBody>
+          <a:bodyPr/>
+          <a:lstStyle/>
+          <a:p>
+            <a:fld id="{89BED30C-66D9-4104-96BC-081A506F0CF0}" type="slidenum">
+              <a:rPr lang="ko-KR" altLang="en-US" smtClean="0"/>
+              <a:t>33</a:t>
+            </a:fld>
+            <a:endParaRPr lang="ko-KR" altLang="en-US"/>
+          </a:p>
+        </p:txBody>
+      </p:sp>
+      <p:sp>
+        <p:nvSpPr>
+          <p:cNvPr id="6" name="바닥글 개체 틀 5">
+            <a:extLst>
+              <a:ext uri="{FF2B5EF4-FFF2-40B4-BE49-F238E27FC236}">
+                <a16:creationId xmlns:a16="http://schemas.microsoft.com/office/drawing/2014/main" id="{0D2F7173-2596-4C0E-ABF3-B86E32CF07FB}"/>
+              </a:ext>
+            </a:extLst>
+          </p:cNvPr>
+          <p:cNvSpPr>
+            <a:spLocks noGrp="1"/>
+          </p:cNvSpPr>
+          <p:nvPr>
+            <p:ph type="ftr" sz="quarter" idx="3"/>
+          </p:nvPr>
+        </p:nvSpPr>
+        <p:spPr/>
+        <p:txBody>
+          <a:bodyPr/>
+          <a:lstStyle/>
+          <a:p>
+            <a:pPr algn="l"/>
+            <a:r>
+              <a:rPr lang="en-US" altLang="ko-KR"/>
+              <a:t>Nibble</a:t>
+            </a:r>
+            <a:endParaRPr lang="ko-KR" altLang="en-US" dirty="0"/>
+          </a:p>
+        </p:txBody>
+      </p:sp>
+      <p:sp>
+        <p:nvSpPr>
+          <p:cNvPr id="7" name="날짜 개체 틀 6">
+            <a:extLst>
+              <a:ext uri="{FF2B5EF4-FFF2-40B4-BE49-F238E27FC236}">
+                <a16:creationId xmlns:a16="http://schemas.microsoft.com/office/drawing/2014/main" id="{D9571D49-ED20-442B-A124-47632FCD5289}"/>
+              </a:ext>
+            </a:extLst>
+          </p:cNvPr>
+          <p:cNvSpPr>
+            <a:spLocks noGrp="1"/>
+          </p:cNvSpPr>
+          <p:nvPr>
+            <p:ph type="dt" sz="half" idx="13"/>
+          </p:nvPr>
+        </p:nvSpPr>
+        <p:spPr/>
+        <p:txBody>
+          <a:bodyPr/>
+          <a:lstStyle/>
+          <a:p>
+            <a:fld id="{B226B4E6-2447-4D67-A511-B13A2182F919}" type="datetime5">
+              <a:rPr lang="ko-KR" altLang="en-US" smtClean="0"/>
+              <a:t>2021/8/2</a:t>
+            </a:fld>
+            <a:endParaRPr lang="ko-KR" altLang="en-US" dirty="0"/>
+          </a:p>
+        </p:txBody>
+      </p:sp>
+    </p:spTree>
+    <p:extLst>
+      <p:ext uri="{BB962C8B-B14F-4D97-AF65-F5344CB8AC3E}">
+        <p14:creationId xmlns:p14="http://schemas.microsoft.com/office/powerpoint/2010/main" val="1946103479"/>
+      </p:ext>
+    </p:extLst>
+  </p:cSld>
+  <p:clrMapOvr>
+    <a:masterClrMapping/>
+  </p:clrMapOvr>
+</p:sld>
+</file>
+
+<file path=ppt/slides/slide34.xml><?xml version="1.0" encoding="utf-8"?>
+<p:sld xmlns:a="http://schemas.openxmlformats.org/drawingml/2006/main" xmlns:r="http://schemas.openxmlformats.org/officeDocument/2006/relationships" xmlns:p="http://schemas.openxmlformats.org/presentationml/2006/main">
+  <p:cSld>
+    <p:spTree>
+      <p:nvGrpSpPr>
+        <p:cNvPr id="1" name=""/>
+        <p:cNvGrpSpPr/>
+        <p:nvPr/>
+      </p:nvGrpSpPr>
+      <p:grpSpPr>
+        <a:xfrm>
+          <a:off x="0" y="0"/>
+          <a:ext cx="0" cy="0"/>
+          <a:chOff x="0" y="0"/>
+          <a:chExt cx="0" cy="0"/>
+        </a:xfrm>
+      </p:grpSpPr>
+      <p:sp>
+        <p:nvSpPr>
+          <p:cNvPr id="2" name="내용 개체 틀 1">
+            <a:extLst>
+              <a:ext uri="{FF2B5EF4-FFF2-40B4-BE49-F238E27FC236}">
+                <a16:creationId xmlns:a16="http://schemas.microsoft.com/office/drawing/2014/main" id="{A79FD7CA-C9A4-4888-90F5-57997E8BCDDF}"/>
+              </a:ext>
+            </a:extLst>
+          </p:cNvPr>
+          <p:cNvSpPr>
+            <a:spLocks noGrp="1"/>
+          </p:cNvSpPr>
+          <p:nvPr>
+            <p:ph sz="half" idx="14"/>
+          </p:nvPr>
+        </p:nvSpPr>
+        <p:spPr/>
+        <p:txBody>
+          <a:bodyPr/>
+          <a:lstStyle/>
+          <a:p>
+            <a:r>
+              <a:rPr lang="ko-KR" altLang="en-US" dirty="0"/>
+              <a:t>데이터 표준 확인</a:t>
+            </a:r>
+            <a:endParaRPr lang="en-US" altLang="ko-KR" dirty="0"/>
+          </a:p>
+          <a:p>
+            <a:pPr lvl="1"/>
+            <a:r>
+              <a:rPr lang="ko-KR" altLang="en-US" dirty="0"/>
+              <a:t>정의</a:t>
+            </a:r>
+            <a:r>
+              <a:rPr lang="en-US" altLang="ko-KR" dirty="0"/>
+              <a:t>: </a:t>
+            </a:r>
+            <a:r>
+              <a:rPr lang="ko-KR" altLang="en-US" dirty="0"/>
+              <a:t>연계할 시스템 간 데이터 형식의 표준 확인</a:t>
+            </a:r>
+            <a:endParaRPr lang="en-US" altLang="ko-KR" dirty="0"/>
+          </a:p>
+          <a:p>
+            <a:pPr lvl="1"/>
+            <a:r>
+              <a:rPr lang="ko-KR" altLang="en-US" dirty="0"/>
+              <a:t>방법</a:t>
+            </a:r>
+            <a:endParaRPr lang="en-US" altLang="ko-KR" dirty="0"/>
+          </a:p>
+          <a:p>
+            <a:pPr lvl="2"/>
+            <a:r>
+              <a:rPr lang="ko-KR" altLang="en-US" dirty="0"/>
+              <a:t>보낼 때 받는 쪽이 사용하는 형태로 가공하여 전달</a:t>
+            </a:r>
+            <a:endParaRPr lang="en-US" altLang="ko-KR" dirty="0"/>
+          </a:p>
+          <a:p>
+            <a:pPr lvl="2"/>
+            <a:r>
+              <a:rPr lang="ko-KR" altLang="en-US" dirty="0"/>
+              <a:t>같은 형태를 사용하는 경우 그냥 전달</a:t>
+            </a:r>
+            <a:endParaRPr lang="en-US" altLang="ko-KR" dirty="0"/>
+          </a:p>
+          <a:p>
+            <a:endParaRPr lang="en-US" altLang="ko-KR" dirty="0"/>
+          </a:p>
+        </p:txBody>
+      </p:sp>
+      <p:sp>
+        <p:nvSpPr>
+          <p:cNvPr id="3" name="제목 2">
+            <a:extLst>
+              <a:ext uri="{FF2B5EF4-FFF2-40B4-BE49-F238E27FC236}">
+                <a16:creationId xmlns:a16="http://schemas.microsoft.com/office/drawing/2014/main" id="{3DE94668-D06E-49E7-8430-0896FD95F2AA}"/>
+              </a:ext>
+            </a:extLst>
+          </p:cNvPr>
+          <p:cNvSpPr>
+            <a:spLocks noGrp="1"/>
+          </p:cNvSpPr>
+          <p:nvPr>
+            <p:ph type="title"/>
+          </p:nvPr>
+        </p:nvSpPr>
+        <p:spPr/>
+        <p:txBody>
+          <a:bodyPr/>
+          <a:lstStyle/>
+          <a:p>
+            <a:r>
+              <a:rPr lang="ko-KR" altLang="en-US" dirty="0"/>
+              <a:t>인터페이스 설계 확인</a:t>
+            </a:r>
+          </a:p>
+        </p:txBody>
+      </p:sp>
+      <p:sp>
+        <p:nvSpPr>
+          <p:cNvPr id="4" name="내용 개체 틀 3">
+            <a:extLst>
+              <a:ext uri="{FF2B5EF4-FFF2-40B4-BE49-F238E27FC236}">
+                <a16:creationId xmlns:a16="http://schemas.microsoft.com/office/drawing/2014/main" id="{96FC2AAB-7B66-4751-9883-2E32876F73E2}"/>
+              </a:ext>
+            </a:extLst>
+          </p:cNvPr>
+          <p:cNvSpPr>
+            <a:spLocks noGrp="1"/>
+          </p:cNvSpPr>
+          <p:nvPr>
+            <p:ph sz="half" idx="2"/>
+          </p:nvPr>
+        </p:nvSpPr>
+        <p:spPr/>
+        <p:txBody>
+          <a:bodyPr/>
+          <a:lstStyle/>
+          <a:p>
+            <a:endParaRPr lang="ko-KR" altLang="en-US" dirty="0"/>
+          </a:p>
+        </p:txBody>
+      </p:sp>
+      <p:sp>
+        <p:nvSpPr>
+          <p:cNvPr id="5" name="슬라이드 번호 개체 틀 4">
+            <a:extLst>
+              <a:ext uri="{FF2B5EF4-FFF2-40B4-BE49-F238E27FC236}">
+                <a16:creationId xmlns:a16="http://schemas.microsoft.com/office/drawing/2014/main" id="{8E7CFD2A-1043-4BD5-9EAE-9F039F8331C9}"/>
+              </a:ext>
+            </a:extLst>
+          </p:cNvPr>
+          <p:cNvSpPr>
+            <a:spLocks noGrp="1"/>
+          </p:cNvSpPr>
+          <p:nvPr>
+            <p:ph type="sldNum" sz="quarter" idx="12"/>
+          </p:nvPr>
+        </p:nvSpPr>
+        <p:spPr/>
+        <p:txBody>
+          <a:bodyPr/>
+          <a:lstStyle/>
+          <a:p>
+            <a:fld id="{89BED30C-66D9-4104-96BC-081A506F0CF0}" type="slidenum">
+              <a:rPr lang="ko-KR" altLang="en-US" smtClean="0"/>
+              <a:t>34</a:t>
+            </a:fld>
+            <a:endParaRPr lang="ko-KR" altLang="en-US"/>
+          </a:p>
+        </p:txBody>
+      </p:sp>
+      <p:sp>
+        <p:nvSpPr>
+          <p:cNvPr id="6" name="바닥글 개체 틀 5">
+            <a:extLst>
+              <a:ext uri="{FF2B5EF4-FFF2-40B4-BE49-F238E27FC236}">
+                <a16:creationId xmlns:a16="http://schemas.microsoft.com/office/drawing/2014/main" id="{E3088544-E903-4793-805A-9E80417535FC}"/>
+              </a:ext>
+            </a:extLst>
+          </p:cNvPr>
+          <p:cNvSpPr>
+            <a:spLocks noGrp="1"/>
+          </p:cNvSpPr>
+          <p:nvPr>
+            <p:ph type="ftr" sz="quarter" idx="3"/>
+          </p:nvPr>
+        </p:nvSpPr>
+        <p:spPr/>
+        <p:txBody>
+          <a:bodyPr/>
+          <a:lstStyle/>
+          <a:p>
+            <a:pPr algn="l"/>
+            <a:r>
+              <a:rPr lang="en-US" altLang="ko-KR"/>
+              <a:t>Nibble</a:t>
+            </a:r>
+            <a:endParaRPr lang="ko-KR" altLang="en-US" dirty="0"/>
+          </a:p>
+        </p:txBody>
+      </p:sp>
+      <p:sp>
+        <p:nvSpPr>
+          <p:cNvPr id="7" name="날짜 개체 틀 6">
+            <a:extLst>
+              <a:ext uri="{FF2B5EF4-FFF2-40B4-BE49-F238E27FC236}">
+                <a16:creationId xmlns:a16="http://schemas.microsoft.com/office/drawing/2014/main" id="{DC33F135-FE85-4E00-8683-CFA077E38EEB}"/>
+              </a:ext>
+            </a:extLst>
+          </p:cNvPr>
+          <p:cNvSpPr>
+            <a:spLocks noGrp="1"/>
+          </p:cNvSpPr>
+          <p:nvPr>
+            <p:ph type="dt" sz="half" idx="13"/>
+          </p:nvPr>
+        </p:nvSpPr>
+        <p:spPr/>
+        <p:txBody>
+          <a:bodyPr/>
+          <a:lstStyle/>
+          <a:p>
+            <a:fld id="{B226B4E6-2447-4D67-A511-B13A2182F919}" type="datetime5">
+              <a:rPr lang="ko-KR" altLang="en-US" smtClean="0"/>
+              <a:t>2021/8/2</a:t>
+            </a:fld>
+            <a:endParaRPr lang="ko-KR" altLang="en-US" dirty="0"/>
+          </a:p>
+        </p:txBody>
+      </p:sp>
+    </p:spTree>
+    <p:extLst>
+      <p:ext uri="{BB962C8B-B14F-4D97-AF65-F5344CB8AC3E}">
+        <p14:creationId xmlns:p14="http://schemas.microsoft.com/office/powerpoint/2010/main" val="3042946652"/>
+      </p:ext>
+    </p:extLst>
+  </p:cSld>
+  <p:clrMapOvr>
+    <a:masterClrMapping/>
+  </p:clrMapOvr>
+</p:sld>
+</file>
+
+<file path=ppt/slides/slide35.xml><?xml version="1.0" encoding="utf-8"?>
+<p:sld xmlns:a="http://schemas.openxmlformats.org/drawingml/2006/main" xmlns:r="http://schemas.openxmlformats.org/officeDocument/2006/relationships" xmlns:p="http://schemas.openxmlformats.org/presentationml/2006/main">
+  <p:cSld>
+    <p:spTree>
+      <p:nvGrpSpPr>
+        <p:cNvPr id="1" name=""/>
+        <p:cNvGrpSpPr/>
+        <p:nvPr/>
+      </p:nvGrpSpPr>
+      <p:grpSpPr>
+        <a:xfrm>
+          <a:off x="0" y="0"/>
+          <a:ext cx="0" cy="0"/>
+          <a:chOff x="0" y="0"/>
+          <a:chExt cx="0" cy="0"/>
+        </a:xfrm>
+      </p:grpSpPr>
+      <p:sp>
+        <p:nvSpPr>
+          <p:cNvPr id="2" name="내용 개체 틀 1">
+            <a:extLst>
+              <a:ext uri="{FF2B5EF4-FFF2-40B4-BE49-F238E27FC236}">
+                <a16:creationId xmlns:a16="http://schemas.microsoft.com/office/drawing/2014/main" id="{C4A237AC-B357-4BBF-B050-E03EC904011D}"/>
+              </a:ext>
+            </a:extLst>
+          </p:cNvPr>
+          <p:cNvSpPr>
+            <a:spLocks noGrp="1"/>
+          </p:cNvSpPr>
+          <p:nvPr>
+            <p:ph sz="half" idx="14"/>
+          </p:nvPr>
+        </p:nvSpPr>
+        <p:spPr/>
+        <p:txBody>
+          <a:bodyPr/>
+          <a:lstStyle/>
+          <a:p>
+            <a:r>
+              <a:rPr lang="ko-KR" altLang="en-US" dirty="0"/>
+              <a:t>인터페이스 기술 표준 확인</a:t>
+            </a:r>
+            <a:endParaRPr lang="en-US" altLang="ko-KR" dirty="0"/>
+          </a:p>
+          <a:p>
+            <a:pPr lvl="1"/>
+            <a:r>
+              <a:rPr lang="ko-KR" altLang="en-US" dirty="0"/>
+              <a:t>정의</a:t>
+            </a:r>
+            <a:r>
+              <a:rPr lang="en-US" altLang="ko-KR" dirty="0"/>
+              <a:t>: </a:t>
+            </a:r>
+            <a:r>
+              <a:rPr lang="ko-KR" altLang="en-US" dirty="0"/>
+              <a:t>내</a:t>
+            </a:r>
+            <a:r>
+              <a:rPr lang="en-US" altLang="ko-KR" dirty="0"/>
+              <a:t>-</a:t>
+            </a:r>
+            <a:r>
+              <a:rPr lang="ko-KR" altLang="en-US" dirty="0"/>
+              <a:t>외부 모듈을 연계하는 방법</a:t>
+            </a:r>
+            <a:endParaRPr lang="en-US" altLang="ko-KR" dirty="0"/>
+          </a:p>
+          <a:p>
+            <a:pPr lvl="1"/>
+            <a:r>
+              <a:rPr lang="en-US" altLang="ko-KR" dirty="0"/>
+              <a:t>EAI (Enterprise Application Integration)</a:t>
+            </a:r>
+          </a:p>
+          <a:p>
+            <a:pPr lvl="2"/>
+            <a:r>
+              <a:rPr lang="ko-KR" altLang="en-US" dirty="0"/>
+              <a:t>정의</a:t>
+            </a:r>
+            <a:r>
+              <a:rPr lang="en-US" altLang="ko-KR" dirty="0"/>
+              <a:t>: </a:t>
+            </a:r>
+            <a:r>
+              <a:rPr lang="ko-KR" altLang="en-US" dirty="0"/>
+              <a:t>기업 내 운영되는 시스템 간 연계 솔루션</a:t>
+            </a:r>
+            <a:endParaRPr lang="en-US" altLang="ko-KR" dirty="0"/>
+          </a:p>
+          <a:p>
+            <a:pPr lvl="2"/>
+            <a:endParaRPr lang="en-US" altLang="ko-KR" dirty="0"/>
+          </a:p>
+          <a:p>
+            <a:pPr lvl="2"/>
+            <a:endParaRPr lang="en-US" altLang="ko-KR" dirty="0"/>
+          </a:p>
+          <a:p>
+            <a:pPr lvl="2"/>
+            <a:endParaRPr lang="en-US" altLang="ko-KR" dirty="0"/>
+          </a:p>
+          <a:p>
+            <a:pPr marL="599400" lvl="2" indent="0">
+              <a:buNone/>
+            </a:pPr>
+            <a:endParaRPr lang="en-US" altLang="ko-KR" dirty="0"/>
+          </a:p>
+          <a:p>
+            <a:pPr marL="599400" lvl="2" indent="0">
+              <a:buNone/>
+            </a:pPr>
+            <a:endParaRPr lang="en-US" altLang="ko-KR" dirty="0"/>
+          </a:p>
+          <a:p>
+            <a:pPr lvl="2"/>
+            <a:r>
+              <a:rPr lang="ko-KR" altLang="en-US" dirty="0"/>
+              <a:t>유형</a:t>
+            </a:r>
+            <a:endParaRPr lang="en-US" altLang="ko-KR" dirty="0"/>
+          </a:p>
+          <a:p>
+            <a:pPr lvl="3"/>
+            <a:r>
+              <a:rPr lang="en-US" altLang="ko-KR" dirty="0"/>
+              <a:t>Point To Point</a:t>
+            </a:r>
+          </a:p>
+          <a:p>
+            <a:pPr lvl="4"/>
+            <a:r>
+              <a:rPr lang="ko-KR" altLang="en-US" dirty="0"/>
+              <a:t>중간에 미들웨어를 두지 않고 각각을 직접 연결</a:t>
+            </a:r>
+            <a:endParaRPr lang="en-US" altLang="ko-KR" dirty="0"/>
+          </a:p>
+          <a:p>
+            <a:pPr lvl="3"/>
+            <a:r>
+              <a:rPr lang="en-US" altLang="ko-KR" dirty="0"/>
+              <a:t>Hub &amp; Spoke</a:t>
+            </a:r>
+          </a:p>
+          <a:p>
+            <a:pPr lvl="4"/>
+            <a:r>
+              <a:rPr lang="ko-KR" altLang="en-US" dirty="0"/>
+              <a:t>중앙에 </a:t>
+            </a:r>
+            <a:r>
+              <a:rPr lang="en-US" altLang="ko-KR" dirty="0"/>
+              <a:t>Hub</a:t>
+            </a:r>
+            <a:r>
+              <a:rPr lang="ko-KR" altLang="en-US" dirty="0"/>
+              <a:t>를 두고 </a:t>
+            </a:r>
+            <a:r>
+              <a:rPr lang="en-US" altLang="ko-KR" dirty="0"/>
+              <a:t>Spoke</a:t>
+            </a:r>
+            <a:r>
+              <a:rPr lang="ko-KR" altLang="en-US" dirty="0"/>
+              <a:t>들은 </a:t>
+            </a:r>
+            <a:r>
+              <a:rPr lang="en-US" altLang="ko-KR" dirty="0"/>
+              <a:t>Hub</a:t>
+            </a:r>
+            <a:r>
+              <a:rPr lang="ko-KR" altLang="en-US" dirty="0"/>
+              <a:t>를 통해 소통</a:t>
+            </a:r>
+            <a:endParaRPr lang="en-US" altLang="ko-KR" dirty="0"/>
+          </a:p>
+          <a:p>
+            <a:pPr lvl="3"/>
+            <a:r>
+              <a:rPr lang="en-US" altLang="ko-KR" dirty="0"/>
+              <a:t>Message Bus</a:t>
+            </a:r>
+          </a:p>
+          <a:p>
+            <a:pPr lvl="4"/>
+            <a:r>
+              <a:rPr lang="ko-KR" altLang="en-US" dirty="0"/>
+              <a:t>중앙에 메시지 버스를 두어 연결</a:t>
+            </a:r>
+            <a:endParaRPr lang="en-US" altLang="ko-KR" dirty="0"/>
+          </a:p>
+          <a:p>
+            <a:pPr lvl="3"/>
+            <a:r>
+              <a:rPr lang="en-US" altLang="ko-KR" dirty="0"/>
+              <a:t>Hybrid</a:t>
+            </a:r>
+          </a:p>
+          <a:p>
+            <a:pPr lvl="4"/>
+            <a:r>
+              <a:rPr lang="ko-KR" altLang="en-US" dirty="0"/>
+              <a:t>위 방식들을 혼합해 사용</a:t>
+            </a:r>
+          </a:p>
+        </p:txBody>
+      </p:sp>
+      <p:sp>
+        <p:nvSpPr>
+          <p:cNvPr id="3" name="내용 개체 틀 2">
+            <a:extLst>
+              <a:ext uri="{FF2B5EF4-FFF2-40B4-BE49-F238E27FC236}">
+                <a16:creationId xmlns:a16="http://schemas.microsoft.com/office/drawing/2014/main" id="{AC4B7750-D0E6-4135-8D54-A597DE6D85F1}"/>
+              </a:ext>
+            </a:extLst>
+          </p:cNvPr>
+          <p:cNvSpPr>
+            <a:spLocks noGrp="1"/>
+          </p:cNvSpPr>
+          <p:nvPr>
+            <p:ph sz="half" idx="2"/>
+          </p:nvPr>
+        </p:nvSpPr>
+        <p:spPr/>
+        <p:txBody>
+          <a:bodyPr/>
+          <a:lstStyle/>
+          <a:p>
+            <a:pPr lvl="1"/>
+            <a:endParaRPr lang="en-US" altLang="ko-KR" dirty="0"/>
+          </a:p>
+          <a:p>
+            <a:pPr lvl="1"/>
+            <a:endParaRPr lang="en-US" altLang="ko-KR" dirty="0"/>
+          </a:p>
+          <a:p>
+            <a:pPr lvl="1"/>
+            <a:r>
+              <a:rPr lang="en-US" altLang="ko-KR" dirty="0"/>
+              <a:t>ESP (Enterprise Service Bus)</a:t>
+            </a:r>
+          </a:p>
+          <a:p>
+            <a:pPr lvl="2"/>
+            <a:r>
+              <a:rPr lang="ko-KR" altLang="en-US" dirty="0"/>
+              <a:t>정의</a:t>
+            </a:r>
+            <a:r>
+              <a:rPr lang="en-US" altLang="ko-KR" dirty="0"/>
+              <a:t>: </a:t>
+            </a:r>
+            <a:r>
+              <a:rPr lang="ko-KR" altLang="en-US" dirty="0"/>
+              <a:t>기업 내 운영되는 시스템 간 연계 솔루션</a:t>
+            </a:r>
+            <a:endParaRPr lang="en-US" altLang="ko-KR" dirty="0"/>
+          </a:p>
+          <a:p>
+            <a:pPr lvl="3"/>
+            <a:r>
+              <a:rPr lang="ko-KR" altLang="en-US" dirty="0"/>
+              <a:t>서비스 중심의 통합</a:t>
+            </a:r>
+            <a:endParaRPr lang="en-US" altLang="ko-KR" dirty="0"/>
+          </a:p>
+          <a:p>
+            <a:pPr lvl="3"/>
+            <a:r>
+              <a:rPr lang="ko-KR" altLang="en-US" dirty="0"/>
+              <a:t>중앙에 </a:t>
+            </a:r>
+            <a:r>
+              <a:rPr lang="en-US" altLang="ko-KR" dirty="0"/>
+              <a:t>Bus</a:t>
+            </a:r>
+            <a:r>
+              <a:rPr lang="ko-KR" altLang="en-US" dirty="0"/>
+              <a:t>를 두고 낮은 결합으로 통합</a:t>
+            </a:r>
+            <a:endParaRPr lang="en-US" altLang="ko-KR" dirty="0"/>
+          </a:p>
+          <a:p>
+            <a:pPr lvl="3"/>
+            <a:endParaRPr lang="ko-KR" altLang="en-US" dirty="0"/>
+          </a:p>
+          <a:p>
+            <a:endParaRPr lang="ko-KR" altLang="en-US" dirty="0"/>
+          </a:p>
+        </p:txBody>
+      </p:sp>
+      <p:sp>
+        <p:nvSpPr>
+          <p:cNvPr id="4" name="슬라이드 번호 개체 틀 3">
+            <a:extLst>
+              <a:ext uri="{FF2B5EF4-FFF2-40B4-BE49-F238E27FC236}">
+                <a16:creationId xmlns:a16="http://schemas.microsoft.com/office/drawing/2014/main" id="{451E6882-A0ED-434C-BEBB-152638B89FBE}"/>
+              </a:ext>
+            </a:extLst>
+          </p:cNvPr>
+          <p:cNvSpPr>
+            <a:spLocks noGrp="1"/>
+          </p:cNvSpPr>
+          <p:nvPr>
+            <p:ph type="sldNum" sz="quarter" idx="12"/>
+          </p:nvPr>
+        </p:nvSpPr>
+        <p:spPr/>
+        <p:txBody>
+          <a:bodyPr/>
+          <a:lstStyle/>
+          <a:p>
+            <a:fld id="{89BED30C-66D9-4104-96BC-081A506F0CF0}" type="slidenum">
+              <a:rPr lang="ko-KR" altLang="en-US" smtClean="0"/>
+              <a:t>35</a:t>
+            </a:fld>
+            <a:endParaRPr lang="ko-KR" altLang="en-US"/>
+          </a:p>
+        </p:txBody>
+      </p:sp>
+      <p:sp>
+        <p:nvSpPr>
+          <p:cNvPr id="5" name="바닥글 개체 틀 4">
+            <a:extLst>
+              <a:ext uri="{FF2B5EF4-FFF2-40B4-BE49-F238E27FC236}">
+                <a16:creationId xmlns:a16="http://schemas.microsoft.com/office/drawing/2014/main" id="{C2288B96-8A62-42EF-9490-ACB1B71B4D03}"/>
+              </a:ext>
+            </a:extLst>
+          </p:cNvPr>
+          <p:cNvSpPr>
+            <a:spLocks noGrp="1"/>
+          </p:cNvSpPr>
+          <p:nvPr>
+            <p:ph type="ftr" sz="quarter" idx="3"/>
+          </p:nvPr>
+        </p:nvSpPr>
+        <p:spPr/>
+        <p:txBody>
+          <a:bodyPr/>
+          <a:lstStyle/>
+          <a:p>
+            <a:pPr algn="l"/>
+            <a:r>
+              <a:rPr lang="en-US" altLang="ko-KR"/>
+              <a:t>Nibble</a:t>
+            </a:r>
+            <a:endParaRPr lang="ko-KR" altLang="en-US" dirty="0"/>
+          </a:p>
+        </p:txBody>
+      </p:sp>
+      <p:sp>
+        <p:nvSpPr>
+          <p:cNvPr id="6" name="날짜 개체 틀 5">
+            <a:extLst>
+              <a:ext uri="{FF2B5EF4-FFF2-40B4-BE49-F238E27FC236}">
+                <a16:creationId xmlns:a16="http://schemas.microsoft.com/office/drawing/2014/main" id="{4CFF2D8C-F44A-4865-8F71-295481C8AF50}"/>
+              </a:ext>
+            </a:extLst>
+          </p:cNvPr>
+          <p:cNvSpPr>
+            <a:spLocks noGrp="1"/>
+          </p:cNvSpPr>
+          <p:nvPr>
+            <p:ph type="dt" sz="half" idx="13"/>
+          </p:nvPr>
+        </p:nvSpPr>
+        <p:spPr/>
+        <p:txBody>
+          <a:bodyPr/>
+          <a:lstStyle/>
+          <a:p>
+            <a:fld id="{B226B4E6-2447-4D67-A511-B13A2182F919}" type="datetime5">
+              <a:rPr lang="ko-KR" altLang="en-US" smtClean="0"/>
+              <a:t>2021/8/2</a:t>
+            </a:fld>
+            <a:endParaRPr lang="ko-KR" altLang="en-US" dirty="0"/>
+          </a:p>
+        </p:txBody>
+      </p:sp>
+      <p:pic>
+        <p:nvPicPr>
+          <p:cNvPr id="2050" name="Picture 2" descr="ESB &amp;amp; API-Led architecture = Enemies or Friends ……….. | by vinay kumar |  Oracle Developers | Medium">
+            <a:extLst>
+              <a:ext uri="{FF2B5EF4-FFF2-40B4-BE49-F238E27FC236}">
+                <a16:creationId xmlns:a16="http://schemas.microsoft.com/office/drawing/2014/main" id="{217F9132-0B38-490F-934F-46727CA23D54}"/>
+              </a:ext>
+            </a:extLst>
+          </p:cNvPr>
+          <p:cNvPicPr>
+            <a:picLocks noChangeAspect="1" noChangeArrowheads="1"/>
+          </p:cNvPicPr>
+          <p:nvPr/>
+        </p:nvPicPr>
+        <p:blipFill>
+          <a:blip r:embed="rId2">
+            <a:extLst>
+              <a:ext uri="{28A0092B-C50C-407E-A947-70E740481C1C}">
+                <a14:useLocalDpi xmlns:a14="http://schemas.microsoft.com/office/drawing/2010/main" val="0"/>
+              </a:ext>
+            </a:extLst>
+          </a:blip>
+          <a:srcRect/>
+          <a:stretch>
+            <a:fillRect/>
+          </a:stretch>
+        </p:blipFill>
+        <p:spPr bwMode="auto">
+          <a:xfrm>
+            <a:off x="6794763" y="1996385"/>
+            <a:ext cx="4306353" cy="3314919"/>
+          </a:xfrm>
+          <a:prstGeom prst="rect">
+            <a:avLst/>
+          </a:prstGeom>
+          <a:noFill/>
+          <a:extLst>
+            <a:ext uri="{909E8E84-426E-40DD-AFC4-6F175D3DCCD1}">
+              <a14:hiddenFill xmlns:a14="http://schemas.microsoft.com/office/drawing/2010/main">
+                <a:solidFill>
+                  <a:srgbClr val="FFFFFF"/>
+                </a:solidFill>
+              </a14:hiddenFill>
+            </a:ext>
+          </a:extLst>
+        </p:spPr>
+      </p:pic>
+      <p:pic>
+        <p:nvPicPr>
+          <p:cNvPr id="8" name="Picture 2" descr="2. 모듈연계 ; EAI, ESB">
+            <a:extLst>
+              <a:ext uri="{FF2B5EF4-FFF2-40B4-BE49-F238E27FC236}">
+                <a16:creationId xmlns:a16="http://schemas.microsoft.com/office/drawing/2014/main" id="{6B6455F8-8629-488F-A751-301AD2FCC18B}"/>
+              </a:ext>
+            </a:extLst>
+          </p:cNvPr>
+          <p:cNvPicPr>
+            <a:picLocks noChangeAspect="1" noChangeArrowheads="1"/>
+          </p:cNvPicPr>
+          <p:nvPr/>
+        </p:nvPicPr>
+        <p:blipFill rotWithShape="1">
+          <a:blip r:embed="rId3">
+            <a:extLst>
+              <a:ext uri="{28A0092B-C50C-407E-A947-70E740481C1C}">
+                <a14:useLocalDpi xmlns:a14="http://schemas.microsoft.com/office/drawing/2010/main" val="0"/>
+              </a:ext>
+            </a:extLst>
+          </a:blip>
+          <a:srcRect l="11392" t="5382" r="1497" b="65627"/>
+          <a:stretch/>
+        </p:blipFill>
+        <p:spPr bwMode="auto">
+          <a:xfrm>
+            <a:off x="939380" y="1576936"/>
+            <a:ext cx="5156620" cy="1038332"/>
+          </a:xfrm>
+          <a:prstGeom prst="rect">
+            <a:avLst/>
+          </a:prstGeom>
+          <a:noFill/>
+          <a:extLst>
+            <a:ext uri="{909E8E84-426E-40DD-AFC4-6F175D3DCCD1}">
+              <a14:hiddenFill xmlns:a14="http://schemas.microsoft.com/office/drawing/2010/main">
+                <a:solidFill>
+                  <a:srgbClr val="FFFFFF"/>
+                </a:solidFill>
+              </a14:hiddenFill>
+            </a:ext>
+          </a:extLst>
+        </p:spPr>
+      </p:pic>
+    </p:spTree>
+    <p:extLst>
+      <p:ext uri="{BB962C8B-B14F-4D97-AF65-F5344CB8AC3E}">
+        <p14:creationId xmlns:p14="http://schemas.microsoft.com/office/powerpoint/2010/main" val="3169246390"/>
+      </p:ext>
+    </p:extLst>
+  </p:cSld>
+  <p:clrMapOvr>
+    <a:masterClrMapping/>
+  </p:clrMapOvr>
+</p:sld>
+</file>
+
+<file path=ppt/slides/slide36.xml><?xml version="1.0" encoding="utf-8"?>
+<p:sld xmlns:a="http://schemas.openxmlformats.org/drawingml/2006/main" xmlns:r="http://schemas.openxmlformats.org/officeDocument/2006/relationships" xmlns:p="http://schemas.openxmlformats.org/presentationml/2006/main">
+  <p:cSld>
+    <p:spTree>
+      <p:nvGrpSpPr>
+        <p:cNvPr id="1" name=""/>
+        <p:cNvGrpSpPr/>
+        <p:nvPr/>
+      </p:nvGrpSpPr>
+      <p:grpSpPr>
+        <a:xfrm>
+          <a:off x="0" y="0"/>
+          <a:ext cx="0" cy="0"/>
+          <a:chOff x="0" y="0"/>
+          <a:chExt cx="0" cy="0"/>
+        </a:xfrm>
+      </p:grpSpPr>
+      <p:sp>
+        <p:nvSpPr>
+          <p:cNvPr id="9" name="내용 개체 틀 8">
+            <a:extLst>
+              <a:ext uri="{FF2B5EF4-FFF2-40B4-BE49-F238E27FC236}">
+                <a16:creationId xmlns:a16="http://schemas.microsoft.com/office/drawing/2014/main" id="{FD7AA16B-383F-498F-A77B-7EA0465BC7FF}"/>
+              </a:ext>
+            </a:extLst>
+          </p:cNvPr>
+          <p:cNvSpPr>
+            <a:spLocks noGrp="1"/>
+          </p:cNvSpPr>
+          <p:nvPr>
+            <p:ph sz="half" idx="14"/>
+          </p:nvPr>
+        </p:nvSpPr>
+        <p:spPr/>
+        <p:txBody>
+          <a:bodyPr/>
+          <a:lstStyle/>
+          <a:p>
+            <a:r>
+              <a:rPr lang="ko-KR" altLang="en-US" dirty="0"/>
+              <a:t>인터페이스 보안</a:t>
+            </a:r>
+            <a:endParaRPr lang="en-US" altLang="ko-KR" dirty="0"/>
+          </a:p>
+          <a:p>
+            <a:pPr lvl="1"/>
+            <a:r>
+              <a:rPr lang="ko-KR" altLang="en-US" dirty="0"/>
+              <a:t>취약점</a:t>
+            </a:r>
+            <a:endParaRPr lang="en-US" altLang="ko-KR" dirty="0"/>
+          </a:p>
+          <a:p>
+            <a:pPr lvl="2"/>
+            <a:r>
+              <a:rPr lang="ko-KR" altLang="en-US" dirty="0"/>
+              <a:t>데이터 통신 시 데이터 탈취 및 변조 가능</a:t>
+            </a:r>
+            <a:endParaRPr lang="en-US" altLang="ko-KR" dirty="0"/>
+          </a:p>
+          <a:p>
+            <a:pPr lvl="3"/>
+            <a:r>
+              <a:rPr lang="ko-KR" altLang="en-US" dirty="0"/>
+              <a:t>스니핑</a:t>
+            </a:r>
+            <a:r>
+              <a:rPr lang="en-US" altLang="ko-KR" dirty="0"/>
+              <a:t>: </a:t>
+            </a:r>
+            <a:r>
+              <a:rPr lang="ko-KR" altLang="en-US" dirty="0"/>
+              <a:t>직접 공격하지 않고 데이터만 보는 공격</a:t>
+            </a:r>
+            <a:endParaRPr lang="en-US" altLang="ko-KR" dirty="0"/>
+          </a:p>
+          <a:p>
+            <a:pPr lvl="1"/>
+            <a:r>
+              <a:rPr lang="ko-KR" altLang="en-US" dirty="0"/>
+              <a:t>데이터 베이스 암호화 방식</a:t>
+            </a:r>
+            <a:endParaRPr lang="en-US" altLang="ko-KR" dirty="0"/>
+          </a:p>
+          <a:p>
+            <a:pPr lvl="2"/>
+            <a:r>
+              <a:rPr lang="en-US" altLang="ko-KR" dirty="0"/>
+              <a:t>API: API</a:t>
+            </a:r>
+            <a:r>
+              <a:rPr lang="ko-KR" altLang="en-US" dirty="0"/>
+              <a:t>를 통해 암호화</a:t>
+            </a:r>
+            <a:endParaRPr lang="en-US" altLang="ko-KR" dirty="0"/>
+          </a:p>
+          <a:p>
+            <a:pPr lvl="2"/>
+            <a:r>
+              <a:rPr lang="en-US" altLang="ko-KR" dirty="0"/>
+              <a:t>Plug-In: DBMS</a:t>
+            </a:r>
+            <a:r>
+              <a:rPr lang="ko-KR" altLang="en-US" dirty="0"/>
+              <a:t>에 </a:t>
+            </a:r>
+            <a:r>
+              <a:rPr lang="en-US" altLang="ko-KR" dirty="0"/>
+              <a:t>Plugin</a:t>
+            </a:r>
+            <a:r>
+              <a:rPr lang="ko-KR" altLang="en-US" dirty="0"/>
+              <a:t>을 깔아 암호화</a:t>
+            </a:r>
+            <a:endParaRPr lang="en-US" altLang="ko-KR" dirty="0"/>
+          </a:p>
+          <a:p>
+            <a:pPr lvl="2"/>
+            <a:r>
+              <a:rPr lang="en-US" altLang="ko-KR" dirty="0"/>
+              <a:t>Hybrid: </a:t>
+            </a:r>
+            <a:r>
+              <a:rPr lang="ko-KR" altLang="en-US" dirty="0"/>
+              <a:t>위 혼합 사용</a:t>
+            </a:r>
+            <a:endParaRPr lang="en-US" altLang="ko-KR" dirty="0"/>
+          </a:p>
+          <a:p>
+            <a:pPr lvl="1"/>
+            <a:r>
+              <a:rPr lang="ko-KR" altLang="en-US" dirty="0"/>
+              <a:t>데이터 전송 보안 방식</a:t>
+            </a:r>
+            <a:endParaRPr lang="en-US" altLang="ko-KR" dirty="0"/>
+          </a:p>
+          <a:p>
+            <a:pPr lvl="2"/>
+            <a:r>
+              <a:rPr lang="en-US" altLang="ko-KR" dirty="0"/>
+              <a:t>IP Sec (IP Security)</a:t>
+            </a:r>
+          </a:p>
+          <a:p>
+            <a:pPr lvl="3"/>
+            <a:r>
+              <a:rPr lang="en-US" altLang="ko-KR" dirty="0"/>
+              <a:t>IP </a:t>
+            </a:r>
+            <a:r>
+              <a:rPr lang="ko-KR" altLang="en-US" dirty="0"/>
+              <a:t>계층에서 처리하는 보안</a:t>
+            </a:r>
+            <a:endParaRPr lang="en-US" altLang="ko-KR" dirty="0"/>
+          </a:p>
+          <a:p>
+            <a:pPr lvl="2"/>
+            <a:r>
+              <a:rPr lang="en-US" altLang="ko-KR" dirty="0"/>
+              <a:t>S-HTTP (Secure HTTP)</a:t>
+            </a:r>
+          </a:p>
+          <a:p>
+            <a:pPr lvl="3"/>
+            <a:r>
+              <a:rPr lang="ko-KR" altLang="en-US" dirty="0"/>
+              <a:t>서버</a:t>
+            </a:r>
+            <a:r>
+              <a:rPr lang="en-US" altLang="ko-KR" dirty="0"/>
+              <a:t>-</a:t>
+            </a:r>
+            <a:r>
+              <a:rPr lang="ko-KR" altLang="en-US" dirty="0"/>
+              <a:t>클라이언트간 모든 메시지를 암호화</a:t>
+            </a:r>
+            <a:endParaRPr lang="en-US" altLang="ko-KR" dirty="0"/>
+          </a:p>
+          <a:p>
+            <a:pPr lvl="2"/>
+            <a:r>
+              <a:rPr lang="en-US" altLang="ko-KR" dirty="0"/>
+              <a:t>SSL (Secure Socket Layer)</a:t>
+            </a:r>
+          </a:p>
+          <a:p>
+            <a:pPr lvl="3"/>
+            <a:r>
+              <a:rPr lang="ko-KR" altLang="en-US" dirty="0"/>
+              <a:t>응용 계층 보안</a:t>
+            </a:r>
+            <a:endParaRPr lang="en-US" altLang="ko-KR" dirty="0"/>
+          </a:p>
+          <a:p>
+            <a:pPr lvl="2"/>
+            <a:r>
+              <a:rPr lang="en-US" altLang="ko-KR" dirty="0"/>
+              <a:t>TLS (Transport Layer Secure)</a:t>
+            </a:r>
+          </a:p>
+          <a:p>
+            <a:pPr lvl="3"/>
+            <a:r>
+              <a:rPr lang="ko-KR" altLang="en-US" dirty="0"/>
+              <a:t>전송</a:t>
+            </a:r>
+            <a:r>
+              <a:rPr lang="en-US" altLang="ko-KR" dirty="0"/>
+              <a:t> </a:t>
+            </a:r>
+            <a:r>
+              <a:rPr lang="ko-KR" altLang="en-US" dirty="0"/>
+              <a:t>계층 보안</a:t>
+            </a:r>
+          </a:p>
+        </p:txBody>
+      </p:sp>
+      <p:sp>
+        <p:nvSpPr>
+          <p:cNvPr id="7" name="제목 6">
+            <a:extLst>
+              <a:ext uri="{FF2B5EF4-FFF2-40B4-BE49-F238E27FC236}">
+                <a16:creationId xmlns:a16="http://schemas.microsoft.com/office/drawing/2014/main" id="{9972D600-860A-46C8-945C-410B3DA3B4FC}"/>
+              </a:ext>
+            </a:extLst>
+          </p:cNvPr>
+          <p:cNvSpPr>
+            <a:spLocks noGrp="1"/>
+          </p:cNvSpPr>
+          <p:nvPr>
+            <p:ph type="title"/>
+          </p:nvPr>
+        </p:nvSpPr>
+        <p:spPr/>
+        <p:txBody>
+          <a:bodyPr/>
+          <a:lstStyle/>
+          <a:p>
+            <a:r>
+              <a:rPr lang="ko-KR" altLang="en-US" dirty="0"/>
+              <a:t>인터페이스 보안</a:t>
+            </a:r>
+          </a:p>
+        </p:txBody>
+      </p:sp>
+      <p:sp>
+        <p:nvSpPr>
+          <p:cNvPr id="8" name="내용 개체 틀 7">
+            <a:extLst>
+              <a:ext uri="{FF2B5EF4-FFF2-40B4-BE49-F238E27FC236}">
+                <a16:creationId xmlns:a16="http://schemas.microsoft.com/office/drawing/2014/main" id="{C9852041-F2A3-416B-98F4-D6BF5749C37F}"/>
+              </a:ext>
+            </a:extLst>
+          </p:cNvPr>
+          <p:cNvSpPr>
+            <a:spLocks noGrp="1"/>
+          </p:cNvSpPr>
+          <p:nvPr>
+            <p:ph sz="half" idx="2"/>
+          </p:nvPr>
+        </p:nvSpPr>
+        <p:spPr/>
+        <p:txBody>
+          <a:bodyPr/>
+          <a:lstStyle/>
+          <a:p>
+            <a:endParaRPr lang="ko-KR" altLang="en-US"/>
+          </a:p>
+        </p:txBody>
+      </p:sp>
+      <p:sp>
+        <p:nvSpPr>
+          <p:cNvPr id="4" name="슬라이드 번호 개체 틀 3">
+            <a:extLst>
+              <a:ext uri="{FF2B5EF4-FFF2-40B4-BE49-F238E27FC236}">
+                <a16:creationId xmlns:a16="http://schemas.microsoft.com/office/drawing/2014/main" id="{0F98F599-924D-4A49-9A59-C48C8D859255}"/>
+              </a:ext>
+            </a:extLst>
+          </p:cNvPr>
+          <p:cNvSpPr>
+            <a:spLocks noGrp="1"/>
+          </p:cNvSpPr>
+          <p:nvPr>
+            <p:ph type="sldNum" sz="quarter" idx="12"/>
+          </p:nvPr>
+        </p:nvSpPr>
+        <p:spPr/>
+        <p:txBody>
+          <a:bodyPr/>
+          <a:lstStyle/>
+          <a:p>
+            <a:fld id="{89BED30C-66D9-4104-96BC-081A506F0CF0}" type="slidenum">
+              <a:rPr lang="ko-KR" altLang="en-US" smtClean="0"/>
+              <a:t>36</a:t>
+            </a:fld>
+            <a:endParaRPr lang="ko-KR" altLang="en-US"/>
+          </a:p>
+        </p:txBody>
+      </p:sp>
+      <p:sp>
+        <p:nvSpPr>
+          <p:cNvPr id="5" name="바닥글 개체 틀 4">
+            <a:extLst>
+              <a:ext uri="{FF2B5EF4-FFF2-40B4-BE49-F238E27FC236}">
+                <a16:creationId xmlns:a16="http://schemas.microsoft.com/office/drawing/2014/main" id="{F8E058A3-8FED-4A0C-A6AA-89C178F100DC}"/>
+              </a:ext>
+            </a:extLst>
+          </p:cNvPr>
+          <p:cNvSpPr>
+            <a:spLocks noGrp="1"/>
+          </p:cNvSpPr>
+          <p:nvPr>
+            <p:ph type="ftr" sz="quarter" idx="3"/>
+          </p:nvPr>
+        </p:nvSpPr>
+        <p:spPr/>
+        <p:txBody>
+          <a:bodyPr/>
+          <a:lstStyle/>
+          <a:p>
+            <a:pPr algn="l"/>
+            <a:r>
+              <a:rPr lang="en-US" altLang="ko-KR"/>
+              <a:t>Nibble</a:t>
+            </a:r>
+            <a:endParaRPr lang="ko-KR" altLang="en-US" dirty="0"/>
+          </a:p>
+        </p:txBody>
+      </p:sp>
+      <p:sp>
+        <p:nvSpPr>
+          <p:cNvPr id="6" name="날짜 개체 틀 5">
+            <a:extLst>
+              <a:ext uri="{FF2B5EF4-FFF2-40B4-BE49-F238E27FC236}">
+                <a16:creationId xmlns:a16="http://schemas.microsoft.com/office/drawing/2014/main" id="{CFEE3C79-6B49-47D5-8F3C-6D42BC2E00A3}"/>
+              </a:ext>
+            </a:extLst>
+          </p:cNvPr>
+          <p:cNvSpPr>
+            <a:spLocks noGrp="1"/>
+          </p:cNvSpPr>
+          <p:nvPr>
+            <p:ph type="dt" sz="half" idx="13"/>
+          </p:nvPr>
+        </p:nvSpPr>
+        <p:spPr/>
+        <p:txBody>
+          <a:bodyPr/>
+          <a:lstStyle/>
+          <a:p>
+            <a:fld id="{B226B4E6-2447-4D67-A511-B13A2182F919}" type="datetime5">
+              <a:rPr lang="ko-KR" altLang="en-US" smtClean="0"/>
+              <a:t>2021/8/2</a:t>
+            </a:fld>
+            <a:endParaRPr lang="ko-KR" altLang="en-US" dirty="0"/>
+          </a:p>
+        </p:txBody>
+      </p:sp>
+    </p:spTree>
+    <p:extLst>
+      <p:ext uri="{BB962C8B-B14F-4D97-AF65-F5344CB8AC3E}">
+        <p14:creationId xmlns:p14="http://schemas.microsoft.com/office/powerpoint/2010/main" val="2650724643"/>
+      </p:ext>
+    </p:extLst>
+  </p:cSld>
+  <p:clrMapOvr>
+    <a:masterClrMapping/>
+  </p:clrMapOvr>
+</p:sld>
+</file>
+
+<file path=ppt/slides/slide37.xml><?xml version="1.0" encoding="utf-8"?>
+<p:sld xmlns:a="http://schemas.openxmlformats.org/drawingml/2006/main" xmlns:r="http://schemas.openxmlformats.org/officeDocument/2006/relationships" xmlns:p="http://schemas.openxmlformats.org/presentationml/2006/main">
+  <p:cSld>
+    <p:spTree>
+      <p:nvGrpSpPr>
+        <p:cNvPr id="1" name=""/>
+        <p:cNvGrpSpPr/>
+        <p:nvPr/>
+      </p:nvGrpSpPr>
+      <p:grpSpPr>
+        <a:xfrm>
+          <a:off x="0" y="0"/>
+          <a:ext cx="0" cy="0"/>
+          <a:chOff x="0" y="0"/>
+          <a:chExt cx="0" cy="0"/>
+        </a:xfrm>
+      </p:grpSpPr>
+      <p:sp>
+        <p:nvSpPr>
+          <p:cNvPr id="2" name="내용 개체 틀 1">
+            <a:extLst>
+              <a:ext uri="{FF2B5EF4-FFF2-40B4-BE49-F238E27FC236}">
+                <a16:creationId xmlns:a16="http://schemas.microsoft.com/office/drawing/2014/main" id="{5167A588-032C-4BEF-8680-28B30E9275FB}"/>
+              </a:ext>
+            </a:extLst>
+          </p:cNvPr>
+          <p:cNvSpPr>
+            <a:spLocks noGrp="1"/>
+          </p:cNvSpPr>
+          <p:nvPr>
+            <p:ph sz="half" idx="14"/>
+          </p:nvPr>
+        </p:nvSpPr>
+        <p:spPr/>
+        <p:txBody>
+          <a:bodyPr/>
+          <a:lstStyle/>
+          <a:p>
+            <a:r>
+              <a:rPr lang="ko-KR" altLang="en-US" dirty="0"/>
+              <a:t>인터페이스 검증 도구</a:t>
+            </a:r>
+            <a:endParaRPr lang="en-US" altLang="ko-KR" dirty="0"/>
+          </a:p>
+          <a:p>
+            <a:pPr lvl="1"/>
+            <a:r>
+              <a:rPr lang="en-US" altLang="ko-KR" dirty="0"/>
+              <a:t>xUnit</a:t>
+            </a:r>
+          </a:p>
+          <a:p>
+            <a:pPr lvl="1"/>
+            <a:r>
+              <a:rPr lang="en-US" altLang="ko-KR" dirty="0"/>
+              <a:t>STAF</a:t>
+            </a:r>
+          </a:p>
+          <a:p>
+            <a:pPr lvl="1"/>
+            <a:r>
+              <a:rPr lang="en-US" altLang="ko-KR" dirty="0"/>
+              <a:t>FitNesse</a:t>
+            </a:r>
+          </a:p>
+          <a:p>
+            <a:pPr lvl="1"/>
+            <a:r>
+              <a:rPr lang="en-US" altLang="ko-KR" dirty="0"/>
+              <a:t>NTAF</a:t>
+            </a:r>
+          </a:p>
+          <a:p>
+            <a:pPr lvl="1"/>
+            <a:r>
+              <a:rPr lang="en-US" altLang="ko-KR" dirty="0"/>
+              <a:t>Selenium</a:t>
+            </a:r>
+          </a:p>
+          <a:p>
+            <a:pPr lvl="1"/>
+            <a:r>
+              <a:rPr lang="en-US" altLang="ko-KR" dirty="0"/>
+              <a:t>Watir</a:t>
+            </a:r>
+          </a:p>
+          <a:p>
+            <a:r>
+              <a:rPr lang="ko-KR" altLang="en-US" dirty="0"/>
+              <a:t>인터페이스 감시 도구</a:t>
+            </a:r>
+            <a:endParaRPr lang="en-US" altLang="ko-KR" dirty="0"/>
+          </a:p>
+          <a:p>
+            <a:pPr lvl="1"/>
+            <a:r>
+              <a:rPr lang="en-US" altLang="ko-KR" dirty="0"/>
+              <a:t>SCOUTER</a:t>
+            </a:r>
+          </a:p>
+          <a:p>
+            <a:pPr lvl="1"/>
+            <a:r>
+              <a:rPr lang="en-US" altLang="ko-KR" dirty="0"/>
+              <a:t>Jennifer</a:t>
+            </a:r>
+          </a:p>
+          <a:p>
+            <a:pPr lvl="1"/>
+            <a:endParaRPr lang="ko-KR" altLang="en-US" dirty="0"/>
+          </a:p>
+        </p:txBody>
+      </p:sp>
+      <p:sp>
+        <p:nvSpPr>
+          <p:cNvPr id="3" name="제목 2">
+            <a:extLst>
+              <a:ext uri="{FF2B5EF4-FFF2-40B4-BE49-F238E27FC236}">
+                <a16:creationId xmlns:a16="http://schemas.microsoft.com/office/drawing/2014/main" id="{281E38DF-097A-4BAD-A7C2-648C8E8D3EA5}"/>
+              </a:ext>
+            </a:extLst>
+          </p:cNvPr>
+          <p:cNvSpPr>
+            <a:spLocks noGrp="1"/>
+          </p:cNvSpPr>
+          <p:nvPr>
+            <p:ph type="title"/>
+          </p:nvPr>
+        </p:nvSpPr>
+        <p:spPr/>
+        <p:txBody>
+          <a:bodyPr/>
+          <a:lstStyle/>
+          <a:p>
+            <a:r>
+              <a:rPr lang="ko-KR" altLang="en-US" dirty="0"/>
+              <a:t>설계 산출물</a:t>
+            </a:r>
+          </a:p>
+        </p:txBody>
+      </p:sp>
+      <p:sp>
+        <p:nvSpPr>
+          <p:cNvPr id="4" name="내용 개체 틀 3">
+            <a:extLst>
+              <a:ext uri="{FF2B5EF4-FFF2-40B4-BE49-F238E27FC236}">
+                <a16:creationId xmlns:a16="http://schemas.microsoft.com/office/drawing/2014/main" id="{9B454A41-6F99-4DB7-8393-6AD519896FEE}"/>
+              </a:ext>
+            </a:extLst>
+          </p:cNvPr>
+          <p:cNvSpPr>
+            <a:spLocks noGrp="1"/>
+          </p:cNvSpPr>
+          <p:nvPr>
+            <p:ph sz="half" idx="2"/>
+          </p:nvPr>
+        </p:nvSpPr>
+        <p:spPr/>
+        <p:txBody>
+          <a:bodyPr/>
+          <a:lstStyle/>
+          <a:p>
+            <a:endParaRPr lang="ko-KR" altLang="en-US"/>
+          </a:p>
+        </p:txBody>
+      </p:sp>
+      <p:sp>
+        <p:nvSpPr>
+          <p:cNvPr id="5" name="슬라이드 번호 개체 틀 4">
+            <a:extLst>
+              <a:ext uri="{FF2B5EF4-FFF2-40B4-BE49-F238E27FC236}">
+                <a16:creationId xmlns:a16="http://schemas.microsoft.com/office/drawing/2014/main" id="{84499F6F-26C7-4E71-A0C8-3DD2F06E90FA}"/>
+              </a:ext>
+            </a:extLst>
+          </p:cNvPr>
+          <p:cNvSpPr>
+            <a:spLocks noGrp="1"/>
+          </p:cNvSpPr>
+          <p:nvPr>
+            <p:ph type="sldNum" sz="quarter" idx="12"/>
+          </p:nvPr>
+        </p:nvSpPr>
+        <p:spPr/>
+        <p:txBody>
+          <a:bodyPr/>
+          <a:lstStyle/>
+          <a:p>
+            <a:fld id="{89BED30C-66D9-4104-96BC-081A506F0CF0}" type="slidenum">
+              <a:rPr lang="ko-KR" altLang="en-US" smtClean="0"/>
+              <a:t>37</a:t>
+            </a:fld>
+            <a:endParaRPr lang="ko-KR" altLang="en-US"/>
+          </a:p>
+        </p:txBody>
+      </p:sp>
+      <p:sp>
+        <p:nvSpPr>
+          <p:cNvPr id="6" name="바닥글 개체 틀 5">
+            <a:extLst>
+              <a:ext uri="{FF2B5EF4-FFF2-40B4-BE49-F238E27FC236}">
+                <a16:creationId xmlns:a16="http://schemas.microsoft.com/office/drawing/2014/main" id="{38985D3C-7A70-4C01-936C-99C7895E243E}"/>
+              </a:ext>
+            </a:extLst>
+          </p:cNvPr>
+          <p:cNvSpPr>
+            <a:spLocks noGrp="1"/>
+          </p:cNvSpPr>
+          <p:nvPr>
+            <p:ph type="ftr" sz="quarter" idx="3"/>
+          </p:nvPr>
+        </p:nvSpPr>
+        <p:spPr/>
+        <p:txBody>
+          <a:bodyPr/>
+          <a:lstStyle/>
+          <a:p>
+            <a:pPr algn="l"/>
+            <a:r>
+              <a:rPr lang="en-US" altLang="ko-KR"/>
+              <a:t>Nibble</a:t>
+            </a:r>
+            <a:endParaRPr lang="ko-KR" altLang="en-US" dirty="0"/>
+          </a:p>
+        </p:txBody>
+      </p:sp>
+      <p:sp>
+        <p:nvSpPr>
+          <p:cNvPr id="7" name="날짜 개체 틀 6">
+            <a:extLst>
+              <a:ext uri="{FF2B5EF4-FFF2-40B4-BE49-F238E27FC236}">
+                <a16:creationId xmlns:a16="http://schemas.microsoft.com/office/drawing/2014/main" id="{ED39523A-A701-405C-92D8-328C6704733D}"/>
+              </a:ext>
+            </a:extLst>
+          </p:cNvPr>
+          <p:cNvSpPr>
+            <a:spLocks noGrp="1"/>
+          </p:cNvSpPr>
+          <p:nvPr>
+            <p:ph type="dt" sz="half" idx="13"/>
+          </p:nvPr>
+        </p:nvSpPr>
+        <p:spPr/>
+        <p:txBody>
+          <a:bodyPr/>
+          <a:lstStyle/>
+          <a:p>
+            <a:fld id="{B226B4E6-2447-4D67-A511-B13A2182F919}" type="datetime5">
+              <a:rPr lang="ko-KR" altLang="en-US" smtClean="0"/>
+              <a:t>2021/8/2</a:t>
+            </a:fld>
+            <a:endParaRPr lang="ko-KR" altLang="en-US" dirty="0"/>
+          </a:p>
+        </p:txBody>
+      </p:sp>
+    </p:spTree>
+    <p:extLst>
+      <p:ext uri="{BB962C8B-B14F-4D97-AF65-F5344CB8AC3E}">
+        <p14:creationId xmlns:p14="http://schemas.microsoft.com/office/powerpoint/2010/main" val="2767573828"/>
       </p:ext>
     </p:extLst>
   </p:cSld>
@@ -9685,7 +14982,7 @@
           <a:p>
             <a:fld id="{B226B4E6-2447-4D67-A511-B13A2182F919}" type="datetime5">
               <a:rPr lang="ko-KR" altLang="en-US" smtClean="0"/>
-              <a:t>2021/7/31</a:t>
+              <a:t>2021/8/2</a:t>
             </a:fld>
             <a:endParaRPr lang="ko-KR" altLang="en-US" dirty="0"/>
           </a:p>
@@ -10063,7 +15360,7 @@
           <a:p>
             <a:fld id="{B226B4E6-2447-4D67-A511-B13A2182F919}" type="datetime5">
               <a:rPr lang="ko-KR" altLang="en-US" smtClean="0"/>
-              <a:t>2021/7/31</a:t>
+              <a:t>2021/8/2</a:t>
             </a:fld>
             <a:endParaRPr lang="ko-KR" altLang="en-US" dirty="0"/>
           </a:p>
@@ -10761,7 +16058,7 @@
           <a:p>
             <a:fld id="{B226B4E6-2447-4D67-A511-B13A2182F919}" type="datetime5">
               <a:rPr lang="ko-KR" altLang="en-US" smtClean="0"/>
-              <a:t>2021/7/31</a:t>
+              <a:t>2021/8/2</a:t>
             </a:fld>
             <a:endParaRPr lang="ko-KR" altLang="en-US" dirty="0"/>
           </a:p>
@@ -11090,7 +16387,7 @@
           <a:p>
             <a:fld id="{B226B4E6-2447-4D67-A511-B13A2182F919}" type="datetime5">
               <a:rPr lang="ko-KR" altLang="en-US" smtClean="0"/>
-              <a:t>2021/7/31</a:t>
+              <a:t>2021/8/2</a:t>
             </a:fld>
             <a:endParaRPr lang="ko-KR" altLang="en-US" dirty="0"/>
           </a:p>
@@ -11543,7 +16840,7 @@
           <a:p>
             <a:fld id="{B226B4E6-2447-4D67-A511-B13A2182F919}" type="datetime5">
               <a:rPr lang="ko-KR" altLang="en-US" smtClean="0"/>
-              <a:t>2021/7/31</a:t>
+              <a:t>2021/8/2</a:t>
             </a:fld>
             <a:endParaRPr lang="ko-KR" altLang="en-US" dirty="0"/>
           </a:p>
@@ -11814,7 +17111,7 @@
           <a:p>
             <a:fld id="{B226B4E6-2447-4D67-A511-B13A2182F919}" type="datetime5">
               <a:rPr lang="ko-KR" altLang="en-US" smtClean="0"/>
-              <a:t>2021/7/31</a:t>
+              <a:t>2021/8/2</a:t>
             </a:fld>
             <a:endParaRPr lang="ko-KR" altLang="en-US" dirty="0"/>
           </a:p>
